--- a/SäähänSopivaFinal.pptx
+++ b/SäähänSopivaFinal.pptx
@@ -2,18 +2,21 @@
 <file path=ppt/presentation.xml><?xml version="1.0" encoding="utf-8"?>
 <p:presentation xmlns:a="http://schemas.openxmlformats.org/drawingml/2006/main" xmlns:r="http://schemas.openxmlformats.org/officeDocument/2006/relationships" xmlns:p="http://schemas.openxmlformats.org/presentationml/2006/main" saveSubsetFonts="1">
   <p:sldMasterIdLst>
-    <p:sldMasterId id="2147483648" r:id="rId1"/>
+    <p:sldMasterId id="2147483660" r:id="rId1"/>
   </p:sldMasterIdLst>
   <p:sldIdLst>
     <p:sldId id="256" r:id="rId2"/>
+    <p:sldId id="257" r:id="rId3"/>
+    <p:sldId id="258" r:id="rId4"/>
+    <p:sldId id="259" r:id="rId5"/>
   </p:sldIdLst>
   <p:sldSz cx="12192000" cy="6858000"/>
   <p:notesSz cx="6858000" cy="9144000"/>
   <p:defaultTextStyle>
     <a:defPPr>
-      <a:defRPr lang="fi-FI"/>
+      <a:defRPr lang="en-US"/>
     </a:defPPr>
-    <a:lvl1pPr marL="0" algn="l" defTabSz="914400" rtl="0" eaLnBrk="1" latinLnBrk="0" hangingPunct="1">
+    <a:lvl1pPr marL="0" algn="l" defTabSz="457200" rtl="0" eaLnBrk="1" latinLnBrk="0" hangingPunct="1">
       <a:defRPr sz="1800" kern="1200">
         <a:solidFill>
           <a:schemeClr val="tx1"/>
@@ -23,7 +26,7 @@
         <a:cs typeface="+mn-cs"/>
       </a:defRPr>
     </a:lvl1pPr>
-    <a:lvl2pPr marL="457200" algn="l" defTabSz="914400" rtl="0" eaLnBrk="1" latinLnBrk="0" hangingPunct="1">
+    <a:lvl2pPr marL="457200" algn="l" defTabSz="457200" rtl="0" eaLnBrk="1" latinLnBrk="0" hangingPunct="1">
       <a:defRPr sz="1800" kern="1200">
         <a:solidFill>
           <a:schemeClr val="tx1"/>
@@ -33,7 +36,7 @@
         <a:cs typeface="+mn-cs"/>
       </a:defRPr>
     </a:lvl2pPr>
-    <a:lvl3pPr marL="914400" algn="l" defTabSz="914400" rtl="0" eaLnBrk="1" latinLnBrk="0" hangingPunct="1">
+    <a:lvl3pPr marL="914400" algn="l" defTabSz="457200" rtl="0" eaLnBrk="1" latinLnBrk="0" hangingPunct="1">
       <a:defRPr sz="1800" kern="1200">
         <a:solidFill>
           <a:schemeClr val="tx1"/>
@@ -43,7 +46,7 @@
         <a:cs typeface="+mn-cs"/>
       </a:defRPr>
     </a:lvl3pPr>
-    <a:lvl4pPr marL="1371600" algn="l" defTabSz="914400" rtl="0" eaLnBrk="1" latinLnBrk="0" hangingPunct="1">
+    <a:lvl4pPr marL="1371600" algn="l" defTabSz="457200" rtl="0" eaLnBrk="1" latinLnBrk="0" hangingPunct="1">
       <a:defRPr sz="1800" kern="1200">
         <a:solidFill>
           <a:schemeClr val="tx1"/>
@@ -53,7 +56,7 @@
         <a:cs typeface="+mn-cs"/>
       </a:defRPr>
     </a:lvl4pPr>
-    <a:lvl5pPr marL="1828800" algn="l" defTabSz="914400" rtl="0" eaLnBrk="1" latinLnBrk="0" hangingPunct="1">
+    <a:lvl5pPr marL="1828800" algn="l" defTabSz="457200" rtl="0" eaLnBrk="1" latinLnBrk="0" hangingPunct="1">
       <a:defRPr sz="1800" kern="1200">
         <a:solidFill>
           <a:schemeClr val="tx1"/>
@@ -63,7 +66,7 @@
         <a:cs typeface="+mn-cs"/>
       </a:defRPr>
     </a:lvl5pPr>
-    <a:lvl6pPr marL="2286000" algn="l" defTabSz="914400" rtl="0" eaLnBrk="1" latinLnBrk="0" hangingPunct="1">
+    <a:lvl6pPr marL="2286000" algn="l" defTabSz="457200" rtl="0" eaLnBrk="1" latinLnBrk="0" hangingPunct="1">
       <a:defRPr sz="1800" kern="1200">
         <a:solidFill>
           <a:schemeClr val="tx1"/>
@@ -73,7 +76,7 @@
         <a:cs typeface="+mn-cs"/>
       </a:defRPr>
     </a:lvl6pPr>
-    <a:lvl7pPr marL="2743200" algn="l" defTabSz="914400" rtl="0" eaLnBrk="1" latinLnBrk="0" hangingPunct="1">
+    <a:lvl7pPr marL="2743200" algn="l" defTabSz="457200" rtl="0" eaLnBrk="1" latinLnBrk="0" hangingPunct="1">
       <a:defRPr sz="1800" kern="1200">
         <a:solidFill>
           <a:schemeClr val="tx1"/>
@@ -83,7 +86,7 @@
         <a:cs typeface="+mn-cs"/>
       </a:defRPr>
     </a:lvl7pPr>
-    <a:lvl8pPr marL="3200400" algn="l" defTabSz="914400" rtl="0" eaLnBrk="1" latinLnBrk="0" hangingPunct="1">
+    <a:lvl8pPr marL="3200400" algn="l" defTabSz="457200" rtl="0" eaLnBrk="1" latinLnBrk="0" hangingPunct="1">
       <a:defRPr sz="1800" kern="1200">
         <a:solidFill>
           <a:schemeClr val="tx1"/>
@@ -93,7 +96,7 @@
         <a:cs typeface="+mn-cs"/>
       </a:defRPr>
     </a:lvl8pPr>
-    <a:lvl9pPr marL="3657600" algn="l" defTabSz="914400" rtl="0" eaLnBrk="1" latinLnBrk="0" hangingPunct="1">
+    <a:lvl9pPr marL="3657600" algn="l" defTabSz="457200" rtl="0" eaLnBrk="1" latinLnBrk="0" hangingPunct="1">
       <a:defRPr sz="1800" kern="1200">
         <a:solidFill>
           <a:schemeClr val="tx1"/>
@@ -104,7 +107,645 @@
       </a:defRPr>
     </a:lvl9pPr>
   </p:defaultTextStyle>
+  <p:extLst>
+    <p:ext uri="{EFAFB233-063F-42B5-8137-9DF3F51BA10A}">
+      <p15:sldGuideLst xmlns:p15="http://schemas.microsoft.com/office/powerpoint/2012/main"/>
+    </p:ext>
+  </p:extLst>
 </p:presentation>
+</file>
+
+<file path=ppt/revisionInfo.xml><?xml version="1.0" encoding="utf-8"?>
+<p1510:revInfo xmlns:a="http://schemas.openxmlformats.org/drawingml/2006/main" xmlns:r="http://schemas.openxmlformats.org/officeDocument/2006/relationships" xmlns:p1510="http://schemas.microsoft.com/office/powerpoint/2015/10/main">
+  <p1510:revLst>
+    <p1510:client id="{B1DE7EB4-CBF5-43E7-A477-F69A04DF836B}" v="5" dt="2025-03-10T02:14:49.884"/>
+  </p1510:revLst>
+</p1510:revInfo>
+</file>
+
+<file path=ppt/changesInfos/changesInfo1.xml><?xml version="1.0" encoding="utf-8"?>
+<pc:chgInfo xmlns:a="http://schemas.openxmlformats.org/drawingml/2006/main" xmlns:r="http://schemas.openxmlformats.org/officeDocument/2006/relationships" xmlns:ac="http://schemas.microsoft.com/office/drawing/2013/main/command" xmlns:pc="http://schemas.microsoft.com/office/powerpoint/2013/main/command">
+  <pc:docChgLst>
+    <pc:chgData name="Jenna Aalto" userId="30c784d162ed7057" providerId="LiveId" clId="{B1DE7EB4-CBF5-43E7-A477-F69A04DF836B}"/>
+    <pc:docChg chg="undo custSel addSld delSld modSld">
+      <pc:chgData name="Jenna Aalto" userId="30c784d162ed7057" providerId="LiveId" clId="{B1DE7EB4-CBF5-43E7-A477-F69A04DF836B}" dt="2025-03-10T02:19:52.993" v="2734" actId="14100"/>
+      <pc:docMkLst>
+        <pc:docMk/>
+      </pc:docMkLst>
+      <pc:sldChg chg="addSp delSp modSp mod setBg">
+        <pc:chgData name="Jenna Aalto" userId="30c784d162ed7057" providerId="LiveId" clId="{B1DE7EB4-CBF5-43E7-A477-F69A04DF836B}" dt="2025-03-10T01:47:16.879" v="581" actId="403"/>
+        <pc:sldMkLst>
+          <pc:docMk/>
+          <pc:sldMk cId="1266864269" sldId="256"/>
+        </pc:sldMkLst>
+        <pc:spChg chg="mod">
+          <ac:chgData name="Jenna Aalto" userId="30c784d162ed7057" providerId="LiveId" clId="{B1DE7EB4-CBF5-43E7-A477-F69A04DF836B}" dt="2025-03-10T01:47:13.558" v="580" actId="404"/>
+          <ac:spMkLst>
+            <pc:docMk/>
+            <pc:sldMk cId="1266864269" sldId="256"/>
+            <ac:spMk id="2" creationId="{DD403B21-FD50-2FBA-614C-84F52A98FCAD}"/>
+          </ac:spMkLst>
+        </pc:spChg>
+        <pc:spChg chg="mod">
+          <ac:chgData name="Jenna Aalto" userId="30c784d162ed7057" providerId="LiveId" clId="{B1DE7EB4-CBF5-43E7-A477-F69A04DF836B}" dt="2025-03-10T01:47:16.879" v="581" actId="403"/>
+          <ac:spMkLst>
+            <pc:docMk/>
+            <pc:sldMk cId="1266864269" sldId="256"/>
+            <ac:spMk id="3" creationId="{F549DCE9-029E-CC9A-FE8A-DB71176B1789}"/>
+          </ac:spMkLst>
+        </pc:spChg>
+        <pc:spChg chg="add del">
+          <ac:chgData name="Jenna Aalto" userId="30c784d162ed7057" providerId="LiveId" clId="{B1DE7EB4-CBF5-43E7-A477-F69A04DF836B}" dt="2025-03-10T01:47:02.366" v="573" actId="26606"/>
+          <ac:spMkLst>
+            <pc:docMk/>
+            <pc:sldMk cId="1266864269" sldId="256"/>
+            <ac:spMk id="8" creationId="{4E50CAEE-CAC0-4F18-9593-F09A3338C1A8}"/>
+          </ac:spMkLst>
+        </pc:spChg>
+        <pc:spChg chg="add del">
+          <ac:chgData name="Jenna Aalto" userId="30c784d162ed7057" providerId="LiveId" clId="{B1DE7EB4-CBF5-43E7-A477-F69A04DF836B}" dt="2025-03-10T01:47:04.734" v="575" actId="26606"/>
+          <ac:spMkLst>
+            <pc:docMk/>
+            <pc:sldMk cId="1266864269" sldId="256"/>
+            <ac:spMk id="18" creationId="{B63B6C0C-65BB-4F38-9C8A-0892266F8BC3}"/>
+          </ac:spMkLst>
+        </pc:spChg>
+        <pc:spChg chg="add">
+          <ac:chgData name="Jenna Aalto" userId="30c784d162ed7057" providerId="LiveId" clId="{B1DE7EB4-CBF5-43E7-A477-F69A04DF836B}" dt="2025-03-10T01:47:04.750" v="576" actId="26606"/>
+          <ac:spMkLst>
+            <pc:docMk/>
+            <pc:sldMk cId="1266864269" sldId="256"/>
+            <ac:spMk id="21" creationId="{A4921F60-5118-4274-90FB-B9934DC833E8}"/>
+          </ac:spMkLst>
+        </pc:spChg>
+        <pc:picChg chg="add del">
+          <ac:chgData name="Jenna Aalto" userId="30c784d162ed7057" providerId="LiveId" clId="{B1DE7EB4-CBF5-43E7-A477-F69A04DF836B}" dt="2025-03-10T01:47:02.366" v="573" actId="26606"/>
+          <ac:picMkLst>
+            <pc:docMk/>
+            <pc:sldMk cId="1266864269" sldId="256"/>
+            <ac:picMk id="10" creationId="{D2DA77D5-12C4-446D-AC72-A514960A553E}"/>
+          </ac:picMkLst>
+        </pc:picChg>
+        <pc:picChg chg="add del">
+          <ac:chgData name="Jenna Aalto" userId="30c784d162ed7057" providerId="LiveId" clId="{B1DE7EB4-CBF5-43E7-A477-F69A04DF836B}" dt="2025-03-10T01:47:02.366" v="573" actId="26606"/>
+          <ac:picMkLst>
+            <pc:docMk/>
+            <pc:sldMk cId="1266864269" sldId="256"/>
+            <ac:picMk id="12" creationId="{19E04E4F-6B32-4651-ACE0-DACABF1FC254}"/>
+          </ac:picMkLst>
+        </pc:picChg>
+        <pc:picChg chg="add del">
+          <ac:chgData name="Jenna Aalto" userId="30c784d162ed7057" providerId="LiveId" clId="{B1DE7EB4-CBF5-43E7-A477-F69A04DF836B}" dt="2025-03-10T01:47:02.366" v="573" actId="26606"/>
+          <ac:picMkLst>
+            <pc:docMk/>
+            <pc:sldMk cId="1266864269" sldId="256"/>
+            <ac:picMk id="14" creationId="{13D4F2B0-7771-46FC-9763-240E8F55F14D}"/>
+          </ac:picMkLst>
+        </pc:picChg>
+        <pc:picChg chg="add del">
+          <ac:chgData name="Jenna Aalto" userId="30c784d162ed7057" providerId="LiveId" clId="{B1DE7EB4-CBF5-43E7-A477-F69A04DF836B}" dt="2025-03-10T01:47:02.366" v="573" actId="26606"/>
+          <ac:picMkLst>
+            <pc:docMk/>
+            <pc:sldMk cId="1266864269" sldId="256"/>
+            <ac:picMk id="16" creationId="{6164F387-6750-4AFF-8A10-65C64D31ECA3}"/>
+          </ac:picMkLst>
+        </pc:picChg>
+        <pc:picChg chg="add del">
+          <ac:chgData name="Jenna Aalto" userId="30c784d162ed7057" providerId="LiveId" clId="{B1DE7EB4-CBF5-43E7-A477-F69A04DF836B}" dt="2025-03-10T01:47:04.734" v="575" actId="26606"/>
+          <ac:picMkLst>
+            <pc:docMk/>
+            <pc:sldMk cId="1266864269" sldId="256"/>
+            <ac:picMk id="19" creationId="{09D77137-01B7-45E4-AA14-CD9E779B443C}"/>
+          </ac:picMkLst>
+        </pc:picChg>
+      </pc:sldChg>
+      <pc:sldChg chg="addSp delSp modSp new mod setBg">
+        <pc:chgData name="Jenna Aalto" userId="30c784d162ed7057" providerId="LiveId" clId="{B1DE7EB4-CBF5-43E7-A477-F69A04DF836B}" dt="2025-03-10T01:56:48.192" v="1107" actId="1076"/>
+        <pc:sldMkLst>
+          <pc:docMk/>
+          <pc:sldMk cId="521330205" sldId="257"/>
+        </pc:sldMkLst>
+        <pc:spChg chg="del">
+          <ac:chgData name="Jenna Aalto" userId="30c784d162ed7057" providerId="LiveId" clId="{B1DE7EB4-CBF5-43E7-A477-F69A04DF836B}" dt="2025-03-09T21:35:11.703" v="1" actId="21"/>
+          <ac:spMkLst>
+            <pc:docMk/>
+            <pc:sldMk cId="521330205" sldId="257"/>
+            <ac:spMk id="2" creationId="{3278453B-E01D-5104-AD75-FB8E865B6E4A}"/>
+          </ac:spMkLst>
+        </pc:spChg>
+        <pc:spChg chg="mod ord">
+          <ac:chgData name="Jenna Aalto" userId="30c784d162ed7057" providerId="LiveId" clId="{B1DE7EB4-CBF5-43E7-A477-F69A04DF836B}" dt="2025-03-10T01:56:40.007" v="1106" actId="14100"/>
+          <ac:spMkLst>
+            <pc:docMk/>
+            <pc:sldMk cId="521330205" sldId="257"/>
+            <ac:spMk id="3" creationId="{187029FE-0F1C-2055-9476-D24F2CE59617}"/>
+          </ac:spMkLst>
+        </pc:spChg>
+        <pc:spChg chg="add mod">
+          <ac:chgData name="Jenna Aalto" userId="30c784d162ed7057" providerId="LiveId" clId="{B1DE7EB4-CBF5-43E7-A477-F69A04DF836B}" dt="2025-03-10T01:56:48.192" v="1107" actId="1076"/>
+          <ac:spMkLst>
+            <pc:docMk/>
+            <pc:sldMk cId="521330205" sldId="257"/>
+            <ac:spMk id="5" creationId="{611395A4-2F4A-8FDF-D82C-52915ED88055}"/>
+          </ac:spMkLst>
+        </pc:spChg>
+        <pc:spChg chg="add del">
+          <ac:chgData name="Jenna Aalto" userId="30c784d162ed7057" providerId="LiveId" clId="{B1DE7EB4-CBF5-43E7-A477-F69A04DF836B}" dt="2025-03-10T01:53:34.621" v="1042" actId="26606"/>
+          <ac:spMkLst>
+            <pc:docMk/>
+            <pc:sldMk cId="521330205" sldId="257"/>
+            <ac:spMk id="9" creationId="{4D4DD4CF-9732-4771-98FE-77886DC915F2}"/>
+          </ac:spMkLst>
+        </pc:spChg>
+        <pc:spChg chg="add del">
+          <ac:chgData name="Jenna Aalto" userId="30c784d162ed7057" providerId="LiveId" clId="{B1DE7EB4-CBF5-43E7-A477-F69A04DF836B}" dt="2025-03-10T01:53:34.621" v="1042" actId="26606"/>
+          <ac:spMkLst>
+            <pc:docMk/>
+            <pc:sldMk cId="521330205" sldId="257"/>
+            <ac:spMk id="11" creationId="{A2861A9C-C970-4FFE-B67C-222B6F573287}"/>
+          </ac:spMkLst>
+        </pc:spChg>
+        <pc:spChg chg="add del">
+          <ac:chgData name="Jenna Aalto" userId="30c784d162ed7057" providerId="LiveId" clId="{B1DE7EB4-CBF5-43E7-A477-F69A04DF836B}" dt="2025-03-10T01:53:45.887" v="1044" actId="26606"/>
+          <ac:spMkLst>
+            <pc:docMk/>
+            <pc:sldMk cId="521330205" sldId="257"/>
+            <ac:spMk id="15" creationId="{DC3B8C6B-63CA-4384-8059-2036BE520277}"/>
+          </ac:spMkLst>
+        </pc:spChg>
+        <pc:spChg chg="add del">
+          <ac:chgData name="Jenna Aalto" userId="30c784d162ed7057" providerId="LiveId" clId="{B1DE7EB4-CBF5-43E7-A477-F69A04DF836B}" dt="2025-03-10T01:53:45.887" v="1044" actId="26606"/>
+          <ac:spMkLst>
+            <pc:docMk/>
+            <pc:sldMk cId="521330205" sldId="257"/>
+            <ac:spMk id="16" creationId="{C71B03AA-C0EB-4104-84F8-E1AB8BFBEF60}"/>
+          </ac:spMkLst>
+        </pc:spChg>
+        <pc:spChg chg="add del">
+          <ac:chgData name="Jenna Aalto" userId="30c784d162ed7057" providerId="LiveId" clId="{B1DE7EB4-CBF5-43E7-A477-F69A04DF836B}" dt="2025-03-10T01:53:48.276" v="1046" actId="26606"/>
+          <ac:spMkLst>
+            <pc:docMk/>
+            <pc:sldMk cId="521330205" sldId="257"/>
+            <ac:spMk id="19" creationId="{4D4DD4CF-9732-4771-98FE-77886DC915F2}"/>
+          </ac:spMkLst>
+        </pc:spChg>
+        <pc:spChg chg="add del">
+          <ac:chgData name="Jenna Aalto" userId="30c784d162ed7057" providerId="LiveId" clId="{B1DE7EB4-CBF5-43E7-A477-F69A04DF836B}" dt="2025-03-10T01:53:48.276" v="1046" actId="26606"/>
+          <ac:spMkLst>
+            <pc:docMk/>
+            <pc:sldMk cId="521330205" sldId="257"/>
+            <ac:spMk id="21" creationId="{A2861A9C-C970-4FFE-B67C-222B6F573287}"/>
+          </ac:spMkLst>
+        </pc:spChg>
+        <pc:spChg chg="add del">
+          <ac:chgData name="Jenna Aalto" userId="30c784d162ed7057" providerId="LiveId" clId="{B1DE7EB4-CBF5-43E7-A477-F69A04DF836B}" dt="2025-03-10T01:53:51.185" v="1048" actId="26606"/>
+          <ac:spMkLst>
+            <pc:docMk/>
+            <pc:sldMk cId="521330205" sldId="257"/>
+            <ac:spMk id="24" creationId="{48FE65CB-EFD8-497D-A30A-093E20EACB05}"/>
+          </ac:spMkLst>
+        </pc:spChg>
+        <pc:spChg chg="add">
+          <ac:chgData name="Jenna Aalto" userId="30c784d162ed7057" providerId="LiveId" clId="{B1DE7EB4-CBF5-43E7-A477-F69A04DF836B}" dt="2025-03-10T01:53:51.200" v="1049" actId="26606"/>
+          <ac:spMkLst>
+            <pc:docMk/>
+            <pc:sldMk cId="521330205" sldId="257"/>
+            <ac:spMk id="27" creationId="{6D58954F-C5AC-4BE0-811D-8DFE18E3506B}"/>
+          </ac:spMkLst>
+        </pc:spChg>
+        <pc:spChg chg="add">
+          <ac:chgData name="Jenna Aalto" userId="30c784d162ed7057" providerId="LiveId" clId="{B1DE7EB4-CBF5-43E7-A477-F69A04DF836B}" dt="2025-03-10T01:53:51.200" v="1049" actId="26606"/>
+          <ac:spMkLst>
+            <pc:docMk/>
+            <pc:sldMk cId="521330205" sldId="257"/>
+            <ac:spMk id="28" creationId="{C359E835-CE77-4DCC-8EC3-1924094D3B5B}"/>
+          </ac:spMkLst>
+        </pc:spChg>
+        <pc:picChg chg="add mod">
+          <ac:chgData name="Jenna Aalto" userId="30c784d162ed7057" providerId="LiveId" clId="{B1DE7EB4-CBF5-43E7-A477-F69A04DF836B}" dt="2025-03-10T01:53:58.769" v="1050" actId="14100"/>
+          <ac:picMkLst>
+            <pc:docMk/>
+            <pc:sldMk cId="521330205" sldId="257"/>
+            <ac:picMk id="4" creationId="{6CD398E6-A4A0-5F54-A136-FD8A76162C84}"/>
+          </ac:picMkLst>
+        </pc:picChg>
+        <pc:picChg chg="add del">
+          <ac:chgData name="Jenna Aalto" userId="30c784d162ed7057" providerId="LiveId" clId="{B1DE7EB4-CBF5-43E7-A477-F69A04DF836B}" dt="2025-03-10T01:53:34.621" v="1042" actId="26606"/>
+          <ac:picMkLst>
+            <pc:docMk/>
+            <pc:sldMk cId="521330205" sldId="257"/>
+            <ac:picMk id="13" creationId="{D2FDF82E-EBD8-4EC5-AD10-CD9E70EE85CF}"/>
+          </ac:picMkLst>
+        </pc:picChg>
+        <pc:picChg chg="add del">
+          <ac:chgData name="Jenna Aalto" userId="30c784d162ed7057" providerId="LiveId" clId="{B1DE7EB4-CBF5-43E7-A477-F69A04DF836B}" dt="2025-03-10T01:53:45.887" v="1044" actId="26606"/>
+          <ac:picMkLst>
+            <pc:docMk/>
+            <pc:sldMk cId="521330205" sldId="257"/>
+            <ac:picMk id="17" creationId="{09C2B723-6C2F-49DE-A429-50BDFD1ADB45}"/>
+          </ac:picMkLst>
+        </pc:picChg>
+        <pc:picChg chg="add del">
+          <ac:chgData name="Jenna Aalto" userId="30c784d162ed7057" providerId="LiveId" clId="{B1DE7EB4-CBF5-43E7-A477-F69A04DF836B}" dt="2025-03-10T01:53:48.276" v="1046" actId="26606"/>
+          <ac:picMkLst>
+            <pc:docMk/>
+            <pc:sldMk cId="521330205" sldId="257"/>
+            <ac:picMk id="20" creationId="{0917E639-5738-4605-929E-1222198314AD}"/>
+          </ac:picMkLst>
+        </pc:picChg>
+        <pc:picChg chg="add del">
+          <ac:chgData name="Jenna Aalto" userId="30c784d162ed7057" providerId="LiveId" clId="{B1DE7EB4-CBF5-43E7-A477-F69A04DF836B}" dt="2025-03-10T01:53:48.276" v="1046" actId="26606"/>
+          <ac:picMkLst>
+            <pc:docMk/>
+            <pc:sldMk cId="521330205" sldId="257"/>
+            <ac:picMk id="22" creationId="{D2FDF82E-EBD8-4EC5-AD10-CD9E70EE85CF}"/>
+          </ac:picMkLst>
+        </pc:picChg>
+        <pc:picChg chg="add del">
+          <ac:chgData name="Jenna Aalto" userId="30c784d162ed7057" providerId="LiveId" clId="{B1DE7EB4-CBF5-43E7-A477-F69A04DF836B}" dt="2025-03-10T01:53:51.185" v="1048" actId="26606"/>
+          <ac:picMkLst>
+            <pc:docMk/>
+            <pc:sldMk cId="521330205" sldId="257"/>
+            <ac:picMk id="25" creationId="{00E374F5-52B2-4260-8B1C-54237931F069}"/>
+          </ac:picMkLst>
+        </pc:picChg>
+        <pc:picChg chg="add">
+          <ac:chgData name="Jenna Aalto" userId="30c784d162ed7057" providerId="LiveId" clId="{B1DE7EB4-CBF5-43E7-A477-F69A04DF836B}" dt="2025-03-10T01:53:51.200" v="1049" actId="26606"/>
+          <ac:picMkLst>
+            <pc:docMk/>
+            <pc:sldMk cId="521330205" sldId="257"/>
+            <ac:picMk id="29" creationId="{B03B59B5-123A-4DC5-87BD-6D3E22FA6504}"/>
+          </ac:picMkLst>
+        </pc:picChg>
+      </pc:sldChg>
+      <pc:sldChg chg="addSp delSp modSp new mod setBg setClrOvrMap">
+        <pc:chgData name="Jenna Aalto" userId="30c784d162ed7057" providerId="LiveId" clId="{B1DE7EB4-CBF5-43E7-A477-F69A04DF836B}" dt="2025-03-10T02:09:03.022" v="1924" actId="1076"/>
+        <pc:sldMkLst>
+          <pc:docMk/>
+          <pc:sldMk cId="2751763783" sldId="258"/>
+        </pc:sldMkLst>
+        <pc:spChg chg="mod ord">
+          <ac:chgData name="Jenna Aalto" userId="30c784d162ed7057" providerId="LiveId" clId="{B1DE7EB4-CBF5-43E7-A477-F69A04DF836B}" dt="2025-03-10T02:09:03.022" v="1924" actId="1076"/>
+          <ac:spMkLst>
+            <pc:docMk/>
+            <pc:sldMk cId="2751763783" sldId="258"/>
+            <ac:spMk id="2" creationId="{DE2D10E5-3D41-78C0-759E-07F34B82F0C7}"/>
+          </ac:spMkLst>
+        </pc:spChg>
+        <pc:spChg chg="add del mod ord">
+          <ac:chgData name="Jenna Aalto" userId="30c784d162ed7057" providerId="LiveId" clId="{B1DE7EB4-CBF5-43E7-A477-F69A04DF836B}" dt="2025-03-10T02:05:10.170" v="1836" actId="26606"/>
+          <ac:spMkLst>
+            <pc:docMk/>
+            <pc:sldMk cId="2751763783" sldId="258"/>
+            <ac:spMk id="3" creationId="{7848ABE8-E32C-EC48-4452-F1B5D80BAFA5}"/>
+          </ac:spMkLst>
+        </pc:spChg>
+        <pc:spChg chg="add del">
+          <ac:chgData name="Jenna Aalto" userId="30c784d162ed7057" providerId="LiveId" clId="{B1DE7EB4-CBF5-43E7-A477-F69A04DF836B}" dt="2025-03-10T02:03:12.324" v="1803" actId="26606"/>
+          <ac:spMkLst>
+            <pc:docMk/>
+            <pc:sldMk cId="2751763783" sldId="258"/>
+            <ac:spMk id="10" creationId="{48FE65CB-EFD8-497D-A30A-093E20EACB05}"/>
+          </ac:spMkLst>
+        </pc:spChg>
+        <pc:spChg chg="add del">
+          <ac:chgData name="Jenna Aalto" userId="30c784d162ed7057" providerId="LiveId" clId="{B1DE7EB4-CBF5-43E7-A477-F69A04DF836B}" dt="2025-03-10T02:03:17.383" v="1805" actId="26606"/>
+          <ac:spMkLst>
+            <pc:docMk/>
+            <pc:sldMk cId="2751763783" sldId="258"/>
+            <ac:spMk id="14" creationId="{6E3254AE-C4CD-426D-A6E8-7FA13B0F889C}"/>
+          </ac:spMkLst>
+        </pc:spChg>
+        <pc:spChg chg="add del">
+          <ac:chgData name="Jenna Aalto" userId="30c784d162ed7057" providerId="LiveId" clId="{B1DE7EB4-CBF5-43E7-A477-F69A04DF836B}" dt="2025-03-10T02:03:24.041" v="1807" actId="26606"/>
+          <ac:spMkLst>
+            <pc:docMk/>
+            <pc:sldMk cId="2751763783" sldId="258"/>
+            <ac:spMk id="17" creationId="{4D4DD4CF-9732-4771-98FE-77886DC915F2}"/>
+          </ac:spMkLst>
+        </pc:spChg>
+        <pc:spChg chg="add del">
+          <ac:chgData name="Jenna Aalto" userId="30c784d162ed7057" providerId="LiveId" clId="{B1DE7EB4-CBF5-43E7-A477-F69A04DF836B}" dt="2025-03-10T02:03:24.041" v="1807" actId="26606"/>
+          <ac:spMkLst>
+            <pc:docMk/>
+            <pc:sldMk cId="2751763783" sldId="258"/>
+            <ac:spMk id="19" creationId="{A2861A9C-C970-4FFE-B67C-222B6F573287}"/>
+          </ac:spMkLst>
+        </pc:spChg>
+        <pc:spChg chg="add del">
+          <ac:chgData name="Jenna Aalto" userId="30c784d162ed7057" providerId="LiveId" clId="{B1DE7EB4-CBF5-43E7-A477-F69A04DF836B}" dt="2025-03-10T02:05:10.170" v="1836" actId="26606"/>
+          <ac:spMkLst>
+            <pc:docMk/>
+            <pc:sldMk cId="2751763783" sldId="258"/>
+            <ac:spMk id="22" creationId="{D77CF7D5-36A3-4ED3-AE46-77E42D2AA7FD}"/>
+          </ac:spMkLst>
+        </pc:spChg>
+        <pc:spChg chg="add del">
+          <ac:chgData name="Jenna Aalto" userId="30c784d162ed7057" providerId="LiveId" clId="{B1DE7EB4-CBF5-43E7-A477-F69A04DF836B}" dt="2025-03-10T02:04:54.509" v="1829" actId="26606"/>
+          <ac:spMkLst>
+            <pc:docMk/>
+            <pc:sldMk cId="2751763783" sldId="258"/>
+            <ac:spMk id="27" creationId="{CEEB192A-8443-482C-AFF6-77DB793E242D}"/>
+          </ac:spMkLst>
+        </pc:spChg>
+        <pc:spChg chg="add del">
+          <ac:chgData name="Jenna Aalto" userId="30c784d162ed7057" providerId="LiveId" clId="{B1DE7EB4-CBF5-43E7-A477-F69A04DF836B}" dt="2025-03-10T02:04:56.534" v="1831" actId="26606"/>
+          <ac:spMkLst>
+            <pc:docMk/>
+            <pc:sldMk cId="2751763783" sldId="258"/>
+            <ac:spMk id="31" creationId="{61210F8D-F7F2-47FC-91CB-247E361A59FB}"/>
+          </ac:spMkLst>
+        </pc:spChg>
+        <pc:spChg chg="add del">
+          <ac:chgData name="Jenna Aalto" userId="30c784d162ed7057" providerId="LiveId" clId="{B1DE7EB4-CBF5-43E7-A477-F69A04DF836B}" dt="2025-03-10T02:05:05.263" v="1833" actId="26606"/>
+          <ac:spMkLst>
+            <pc:docMk/>
+            <pc:sldMk cId="2751763783" sldId="258"/>
+            <ac:spMk id="34" creationId="{48FE65CB-EFD8-497D-A30A-093E20EACB05}"/>
+          </ac:spMkLst>
+        </pc:spChg>
+        <pc:spChg chg="add del">
+          <ac:chgData name="Jenna Aalto" userId="30c784d162ed7057" providerId="LiveId" clId="{B1DE7EB4-CBF5-43E7-A477-F69A04DF836B}" dt="2025-03-10T02:05:10.129" v="1835" actId="26606"/>
+          <ac:spMkLst>
+            <pc:docMk/>
+            <pc:sldMk cId="2751763783" sldId="258"/>
+            <ac:spMk id="38" creationId="{D77CF7D5-36A3-4ED3-AE46-77E42D2AA7FD}"/>
+          </ac:spMkLst>
+        </pc:spChg>
+        <pc:spChg chg="add del">
+          <ac:chgData name="Jenna Aalto" userId="30c784d162ed7057" providerId="LiveId" clId="{B1DE7EB4-CBF5-43E7-A477-F69A04DF836B}" dt="2025-03-10T02:06:08.208" v="1855" actId="26606"/>
+          <ac:spMkLst>
+            <pc:docMk/>
+            <pc:sldMk cId="2751763783" sldId="258"/>
+            <ac:spMk id="40" creationId="{CEEB192A-8443-482C-AFF6-77DB793E242D}"/>
+          </ac:spMkLst>
+        </pc:spChg>
+        <pc:spChg chg="add mod">
+          <ac:chgData name="Jenna Aalto" userId="30c784d162ed7057" providerId="LiveId" clId="{B1DE7EB4-CBF5-43E7-A477-F69A04DF836B}" dt="2025-03-10T02:08:55.810" v="1923" actId="1076"/>
+          <ac:spMkLst>
+            <pc:docMk/>
+            <pc:sldMk cId="2751763783" sldId="258"/>
+            <ac:spMk id="42" creationId="{7848ABE8-E32C-EC48-4452-F1B5D80BAFA5}"/>
+          </ac:spMkLst>
+        </pc:spChg>
+        <pc:spChg chg="add del">
+          <ac:chgData name="Jenna Aalto" userId="30c784d162ed7057" providerId="LiveId" clId="{B1DE7EB4-CBF5-43E7-A477-F69A04DF836B}" dt="2025-03-10T02:06:08.175" v="1854" actId="26606"/>
+          <ac:spMkLst>
+            <pc:docMk/>
+            <pc:sldMk cId="2751763783" sldId="258"/>
+            <ac:spMk id="47" creationId="{CEEB192A-8443-482C-AFF6-77DB793E242D}"/>
+          </ac:spMkLst>
+        </pc:spChg>
+        <pc:spChg chg="add">
+          <ac:chgData name="Jenna Aalto" userId="30c784d162ed7057" providerId="LiveId" clId="{B1DE7EB4-CBF5-43E7-A477-F69A04DF836B}" dt="2025-03-10T02:06:08.208" v="1855" actId="26606"/>
+          <ac:spMkLst>
+            <pc:docMk/>
+            <pc:sldMk cId="2751763783" sldId="258"/>
+            <ac:spMk id="51" creationId="{23E246C7-AE23-4B78-B596-A021E638F0E8}"/>
+          </ac:spMkLst>
+        </pc:spChg>
+        <pc:graphicFrameChg chg="add del">
+          <ac:chgData name="Jenna Aalto" userId="30c784d162ed7057" providerId="LiveId" clId="{B1DE7EB4-CBF5-43E7-A477-F69A04DF836B}" dt="2025-03-10T02:05:10.129" v="1835" actId="26606"/>
+          <ac:graphicFrameMkLst>
+            <pc:docMk/>
+            <pc:sldMk cId="2751763783" sldId="258"/>
+            <ac:graphicFrameMk id="24" creationId="{81BE5112-90C7-06D4-B896-0905CF659EAC}"/>
+          </ac:graphicFrameMkLst>
+        </pc:graphicFrameChg>
+        <pc:picChg chg="add mod ord">
+          <ac:chgData name="Jenna Aalto" userId="30c784d162ed7057" providerId="LiveId" clId="{B1DE7EB4-CBF5-43E7-A477-F69A04DF836B}" dt="2025-03-10T02:06:08.208" v="1855" actId="26606"/>
+          <ac:picMkLst>
+            <pc:docMk/>
+            <pc:sldMk cId="2751763783" sldId="258"/>
+            <ac:picMk id="5" creationId="{2170E2AD-A5C0-A150-2428-8F72ABCC07D4}"/>
+          </ac:picMkLst>
+        </pc:picChg>
+        <pc:picChg chg="add del">
+          <ac:chgData name="Jenna Aalto" userId="30c784d162ed7057" providerId="LiveId" clId="{B1DE7EB4-CBF5-43E7-A477-F69A04DF836B}" dt="2025-03-10T02:03:12.324" v="1803" actId="26606"/>
+          <ac:picMkLst>
+            <pc:docMk/>
+            <pc:sldMk cId="2751763783" sldId="258"/>
+            <ac:picMk id="12" creationId="{00E374F5-52B2-4260-8B1C-54237931F069}"/>
+          </ac:picMkLst>
+        </pc:picChg>
+        <pc:picChg chg="add del">
+          <ac:chgData name="Jenna Aalto" userId="30c784d162ed7057" providerId="LiveId" clId="{B1DE7EB4-CBF5-43E7-A477-F69A04DF836B}" dt="2025-03-10T02:03:17.383" v="1805" actId="26606"/>
+          <ac:picMkLst>
+            <pc:docMk/>
+            <pc:sldMk cId="2751763783" sldId="258"/>
+            <ac:picMk id="15" creationId="{F5C53434-A0C7-4A81-8EB0-D460DAD9BB65}"/>
+          </ac:picMkLst>
+        </pc:picChg>
+        <pc:picChg chg="add del">
+          <ac:chgData name="Jenna Aalto" userId="30c784d162ed7057" providerId="LiveId" clId="{B1DE7EB4-CBF5-43E7-A477-F69A04DF836B}" dt="2025-03-10T02:03:24.041" v="1807" actId="26606"/>
+          <ac:picMkLst>
+            <pc:docMk/>
+            <pc:sldMk cId="2751763783" sldId="258"/>
+            <ac:picMk id="16" creationId="{D2FDF82E-EBD8-4EC5-AD10-CD9E70EE85CF}"/>
+          </ac:picMkLst>
+        </pc:picChg>
+        <pc:picChg chg="add del">
+          <ac:chgData name="Jenna Aalto" userId="30c784d162ed7057" providerId="LiveId" clId="{B1DE7EB4-CBF5-43E7-A477-F69A04DF836B}" dt="2025-03-10T02:03:24.041" v="1807" actId="26606"/>
+          <ac:picMkLst>
+            <pc:docMk/>
+            <pc:sldMk cId="2751763783" sldId="258"/>
+            <ac:picMk id="18" creationId="{0917E639-5738-4605-929E-1222198314AD}"/>
+          </ac:picMkLst>
+        </pc:picChg>
+        <pc:picChg chg="add del">
+          <ac:chgData name="Jenna Aalto" userId="30c784d162ed7057" providerId="LiveId" clId="{B1DE7EB4-CBF5-43E7-A477-F69A04DF836B}" dt="2025-03-10T02:05:10.170" v="1836" actId="26606"/>
+          <ac:picMkLst>
+            <pc:docMk/>
+            <pc:sldMk cId="2751763783" sldId="258"/>
+            <ac:picMk id="21" creationId="{21CB8282-44AF-40D0-A7E2-03734788DC49}"/>
+          </ac:picMkLst>
+        </pc:picChg>
+        <pc:picChg chg="add del">
+          <ac:chgData name="Jenna Aalto" userId="30c784d162ed7057" providerId="LiveId" clId="{B1DE7EB4-CBF5-43E7-A477-F69A04DF836B}" dt="2025-03-10T02:04:54.509" v="1829" actId="26606"/>
+          <ac:picMkLst>
+            <pc:docMk/>
+            <pc:sldMk cId="2751763783" sldId="258"/>
+            <ac:picMk id="29" creationId="{77CE03F7-0B3E-496D-9B90-C00E185FB30F}"/>
+          </ac:picMkLst>
+        </pc:picChg>
+        <pc:picChg chg="add del">
+          <ac:chgData name="Jenna Aalto" userId="30c784d162ed7057" providerId="LiveId" clId="{B1DE7EB4-CBF5-43E7-A477-F69A04DF836B}" dt="2025-03-10T02:04:56.534" v="1831" actId="26606"/>
+          <ac:picMkLst>
+            <pc:docMk/>
+            <pc:sldMk cId="2751763783" sldId="258"/>
+            <ac:picMk id="32" creationId="{41509D60-00A2-43CB-85EE-55A4E714BF9A}"/>
+          </ac:picMkLst>
+        </pc:picChg>
+        <pc:picChg chg="add del">
+          <ac:chgData name="Jenna Aalto" userId="30c784d162ed7057" providerId="LiveId" clId="{B1DE7EB4-CBF5-43E7-A477-F69A04DF836B}" dt="2025-03-10T02:05:05.263" v="1833" actId="26606"/>
+          <ac:picMkLst>
+            <pc:docMk/>
+            <pc:sldMk cId="2751763783" sldId="258"/>
+            <ac:picMk id="35" creationId="{00E374F5-52B2-4260-8B1C-54237931F069}"/>
+          </ac:picMkLst>
+        </pc:picChg>
+        <pc:picChg chg="add del">
+          <ac:chgData name="Jenna Aalto" userId="30c784d162ed7057" providerId="LiveId" clId="{B1DE7EB4-CBF5-43E7-A477-F69A04DF836B}" dt="2025-03-10T02:05:10.129" v="1835" actId="26606"/>
+          <ac:picMkLst>
+            <pc:docMk/>
+            <pc:sldMk cId="2751763783" sldId="258"/>
+            <ac:picMk id="37" creationId="{21CB8282-44AF-40D0-A7E2-03734788DC49}"/>
+          </ac:picMkLst>
+        </pc:picChg>
+        <pc:picChg chg="add del">
+          <ac:chgData name="Jenna Aalto" userId="30c784d162ed7057" providerId="LiveId" clId="{B1DE7EB4-CBF5-43E7-A477-F69A04DF836B}" dt="2025-03-10T02:06:08.208" v="1855" actId="26606"/>
+          <ac:picMkLst>
+            <pc:docMk/>
+            <pc:sldMk cId="2751763783" sldId="258"/>
+            <ac:picMk id="41" creationId="{77CE03F7-0B3E-496D-9B90-C00E185FB30F}"/>
+          </ac:picMkLst>
+        </pc:picChg>
+        <pc:picChg chg="add del">
+          <ac:chgData name="Jenna Aalto" userId="30c784d162ed7057" providerId="LiveId" clId="{B1DE7EB4-CBF5-43E7-A477-F69A04DF836B}" dt="2025-03-10T02:06:08.175" v="1854" actId="26606"/>
+          <ac:picMkLst>
+            <pc:docMk/>
+            <pc:sldMk cId="2751763783" sldId="258"/>
+            <ac:picMk id="49" creationId="{77CE03F7-0B3E-496D-9B90-C00E185FB30F}"/>
+          </ac:picMkLst>
+        </pc:picChg>
+        <pc:picChg chg="add">
+          <ac:chgData name="Jenna Aalto" userId="30c784d162ed7057" providerId="LiveId" clId="{B1DE7EB4-CBF5-43E7-A477-F69A04DF836B}" dt="2025-03-10T02:06:08.208" v="1855" actId="26606"/>
+          <ac:picMkLst>
+            <pc:docMk/>
+            <pc:sldMk cId="2751763783" sldId="258"/>
+            <ac:picMk id="52" creationId="{4388652C-EA91-4836-8F81-08E05C74EBC0}"/>
+          </ac:picMkLst>
+        </pc:picChg>
+      </pc:sldChg>
+      <pc:sldChg chg="addSp delSp modSp new mod setBg">
+        <pc:chgData name="Jenna Aalto" userId="30c784d162ed7057" providerId="LiveId" clId="{B1DE7EB4-CBF5-43E7-A477-F69A04DF836B}" dt="2025-03-10T02:19:52.993" v="2734" actId="14100"/>
+        <pc:sldMkLst>
+          <pc:docMk/>
+          <pc:sldMk cId="1847543742" sldId="259"/>
+        </pc:sldMkLst>
+        <pc:spChg chg="mod">
+          <ac:chgData name="Jenna Aalto" userId="30c784d162ed7057" providerId="LiveId" clId="{B1DE7EB4-CBF5-43E7-A477-F69A04DF836B}" dt="2025-03-10T02:16:12.466" v="2357" actId="1076"/>
+          <ac:spMkLst>
+            <pc:docMk/>
+            <pc:sldMk cId="1847543742" sldId="259"/>
+            <ac:spMk id="2" creationId="{62D20488-B112-57AD-DA33-DA410A20E2AC}"/>
+          </ac:spMkLst>
+        </pc:spChg>
+        <pc:spChg chg="mod">
+          <ac:chgData name="Jenna Aalto" userId="30c784d162ed7057" providerId="LiveId" clId="{B1DE7EB4-CBF5-43E7-A477-F69A04DF836B}" dt="2025-03-10T02:19:41.318" v="2730" actId="1076"/>
+          <ac:spMkLst>
+            <pc:docMk/>
+            <pc:sldMk cId="1847543742" sldId="259"/>
+            <ac:spMk id="3" creationId="{F3A1D7FE-8240-E01B-FD62-59F66C0AF6D3}"/>
+          </ac:spMkLst>
+        </pc:spChg>
+        <pc:spChg chg="add del">
+          <ac:chgData name="Jenna Aalto" userId="30c784d162ed7057" providerId="LiveId" clId="{B1DE7EB4-CBF5-43E7-A477-F69A04DF836B}" dt="2025-03-10T02:15:38.977" v="2349" actId="26606"/>
+          <ac:spMkLst>
+            <pc:docMk/>
+            <pc:sldMk cId="1847543742" sldId="259"/>
+            <ac:spMk id="10" creationId="{6D58954F-C5AC-4BE0-811D-8DFE18E3506B}"/>
+          </ac:spMkLst>
+        </pc:spChg>
+        <pc:spChg chg="add del">
+          <ac:chgData name="Jenna Aalto" userId="30c784d162ed7057" providerId="LiveId" clId="{B1DE7EB4-CBF5-43E7-A477-F69A04DF836B}" dt="2025-03-10T02:15:38.977" v="2349" actId="26606"/>
+          <ac:spMkLst>
+            <pc:docMk/>
+            <pc:sldMk cId="1847543742" sldId="259"/>
+            <ac:spMk id="12" creationId="{C359E835-CE77-4DCC-8EC3-1924094D3B5B}"/>
+          </ac:spMkLst>
+        </pc:spChg>
+        <pc:spChg chg="add del">
+          <ac:chgData name="Jenna Aalto" userId="30c784d162ed7057" providerId="LiveId" clId="{B1DE7EB4-CBF5-43E7-A477-F69A04DF836B}" dt="2025-03-10T02:15:46.438" v="2353" actId="26606"/>
+          <ac:spMkLst>
+            <pc:docMk/>
+            <pc:sldMk cId="1847543742" sldId="259"/>
+            <ac:spMk id="16" creationId="{4D4DD4CF-9732-4771-98FE-77886DC915F2}"/>
+          </ac:spMkLst>
+        </pc:spChg>
+        <pc:spChg chg="add del">
+          <ac:chgData name="Jenna Aalto" userId="30c784d162ed7057" providerId="LiveId" clId="{B1DE7EB4-CBF5-43E7-A477-F69A04DF836B}" dt="2025-03-10T02:15:46.438" v="2353" actId="26606"/>
+          <ac:spMkLst>
+            <pc:docMk/>
+            <pc:sldMk cId="1847543742" sldId="259"/>
+            <ac:spMk id="17" creationId="{A2861A9C-C970-4FFE-B67C-222B6F573287}"/>
+          </ac:spMkLst>
+        </pc:spChg>
+        <pc:spChg chg="add">
+          <ac:chgData name="Jenna Aalto" userId="30c784d162ed7057" providerId="LiveId" clId="{B1DE7EB4-CBF5-43E7-A477-F69A04DF836B}" dt="2025-03-10T02:15:46.438" v="2353" actId="26606"/>
+          <ac:spMkLst>
+            <pc:docMk/>
+            <pc:sldMk cId="1847543742" sldId="259"/>
+            <ac:spMk id="23" creationId="{DC3B8C6B-63CA-4384-8059-2036BE520277}"/>
+          </ac:spMkLst>
+        </pc:spChg>
+        <pc:spChg chg="add">
+          <ac:chgData name="Jenna Aalto" userId="30c784d162ed7057" providerId="LiveId" clId="{B1DE7EB4-CBF5-43E7-A477-F69A04DF836B}" dt="2025-03-10T02:15:46.438" v="2353" actId="26606"/>
+          <ac:spMkLst>
+            <pc:docMk/>
+            <pc:sldMk cId="1847543742" sldId="259"/>
+            <ac:spMk id="25" creationId="{C71B03AA-C0EB-4104-84F8-E1AB8BFBEF60}"/>
+          </ac:spMkLst>
+        </pc:spChg>
+        <pc:picChg chg="add mod ord">
+          <ac:chgData name="Jenna Aalto" userId="30c784d162ed7057" providerId="LiveId" clId="{B1DE7EB4-CBF5-43E7-A477-F69A04DF836B}" dt="2025-03-10T02:19:52.993" v="2734" actId="14100"/>
+          <ac:picMkLst>
+            <pc:docMk/>
+            <pc:sldMk cId="1847543742" sldId="259"/>
+            <ac:picMk id="5" creationId="{9EE75921-D2CF-D54D-6D7B-C600792849E6}"/>
+          </ac:picMkLst>
+        </pc:picChg>
+        <pc:picChg chg="add del">
+          <ac:chgData name="Jenna Aalto" userId="30c784d162ed7057" providerId="LiveId" clId="{B1DE7EB4-CBF5-43E7-A477-F69A04DF836B}" dt="2025-03-10T02:15:38.977" v="2349" actId="26606"/>
+          <ac:picMkLst>
+            <pc:docMk/>
+            <pc:sldMk cId="1847543742" sldId="259"/>
+            <ac:picMk id="14" creationId="{B03B59B5-123A-4DC5-87BD-6D3E22FA6504}"/>
+          </ac:picMkLst>
+        </pc:picChg>
+        <pc:picChg chg="add del">
+          <ac:chgData name="Jenna Aalto" userId="30c784d162ed7057" providerId="LiveId" clId="{B1DE7EB4-CBF5-43E7-A477-F69A04DF836B}" dt="2025-03-10T02:15:46.438" v="2353" actId="26606"/>
+          <ac:picMkLst>
+            <pc:docMk/>
+            <pc:sldMk cId="1847543742" sldId="259"/>
+            <ac:picMk id="18" creationId="{D2FDF82E-EBD8-4EC5-AD10-CD9E70EE85CF}"/>
+          </ac:picMkLst>
+        </pc:picChg>
+        <pc:picChg chg="add">
+          <ac:chgData name="Jenna Aalto" userId="30c784d162ed7057" providerId="LiveId" clId="{B1DE7EB4-CBF5-43E7-A477-F69A04DF836B}" dt="2025-03-10T02:15:46.438" v="2353" actId="26606"/>
+          <ac:picMkLst>
+            <pc:docMk/>
+            <pc:sldMk cId="1847543742" sldId="259"/>
+            <ac:picMk id="27" creationId="{09C2B723-6C2F-49DE-A429-50BDFD1ADB45}"/>
+          </ac:picMkLst>
+        </pc:picChg>
+      </pc:sldChg>
+      <pc:sldChg chg="modSp new del mod">
+        <pc:chgData name="Jenna Aalto" userId="30c784d162ed7057" providerId="LiveId" clId="{B1DE7EB4-CBF5-43E7-A477-F69A04DF836B}" dt="2025-03-10T02:10:58.479" v="2058" actId="2696"/>
+        <pc:sldMkLst>
+          <pc:docMk/>
+          <pc:sldMk cId="2681136929" sldId="259"/>
+        </pc:sldMkLst>
+        <pc:spChg chg="mod">
+          <ac:chgData name="Jenna Aalto" userId="30c784d162ed7057" providerId="LiveId" clId="{B1DE7EB4-CBF5-43E7-A477-F69A04DF836B}" dt="2025-03-10T02:10:10.855" v="1942" actId="20577"/>
+          <ac:spMkLst>
+            <pc:docMk/>
+            <pc:sldMk cId="2681136929" sldId="259"/>
+            <ac:spMk id="2" creationId="{6B3BFB19-F81A-F843-FC47-39FE475FAB1E}"/>
+          </ac:spMkLst>
+        </pc:spChg>
+        <pc:spChg chg="mod">
+          <ac:chgData name="Jenna Aalto" userId="30c784d162ed7057" providerId="LiveId" clId="{B1DE7EB4-CBF5-43E7-A477-F69A04DF836B}" dt="2025-03-10T02:10:56.192" v="2057" actId="20577"/>
+          <ac:spMkLst>
+            <pc:docMk/>
+            <pc:sldMk cId="2681136929" sldId="259"/>
+            <ac:spMk id="3" creationId="{A951EC4D-D327-CA01-E505-3072609BA30D}"/>
+          </ac:spMkLst>
+        </pc:spChg>
+      </pc:sldChg>
+    </pc:docChg>
+  </pc:docChgLst>
+</pc:chgInfo>
 </file>
 
 <file path=ppt/slideLayouts/slideLayout1.xml><?xml version="1.0" encoding="utf-8"?>
@@ -124,33 +765,59 @@
           <a:chExt cx="0" cy="0"/>
         </a:xfrm>
       </p:grpSpPr>
-      <p:sp>
-        <p:nvSpPr>
-          <p:cNvPr id="2" name="Otsikko 1">
+      <p:pic>
+        <p:nvPicPr>
+          <p:cNvPr id="7" name="Picture 6" descr="Droplets-HD-Title-R1d.png"/>
+          <p:cNvPicPr>
+            <a:picLocks noChangeAspect="1"/>
+          </p:cNvPicPr>
+          <p:nvPr/>
+        </p:nvPicPr>
+        <p:blipFill>
+          <a:blip r:embed="rId2">
             <a:extLst>
-              <a:ext uri="{FF2B5EF4-FFF2-40B4-BE49-F238E27FC236}">
-                <a16:creationId xmlns:a16="http://schemas.microsoft.com/office/drawing/2014/main" id="{048934CE-49B8-75A4-EBA9-24D63C649509}"/>
+              <a:ext uri="{28A0092B-C50C-407E-A947-70E740481C1C}">
+                <a14:useLocalDpi xmlns:a14="http://schemas.microsoft.com/office/drawing/2010/main" val="0"/>
               </a:ext>
             </a:extLst>
-          </p:cNvPr>
-          <p:cNvSpPr>
-            <a:spLocks noGrp="1"/>
-          </p:cNvSpPr>
-          <p:nvPr>
-            <p:ph type="ctrTitle"/>
-          </p:nvPr>
-        </p:nvSpPr>
+          </a:blip>
+          <a:stretch>
+            <a:fillRect/>
+          </a:stretch>
+        </p:blipFill>
         <p:spPr>
           <a:xfrm>
-            <a:off x="1524000" y="1122363"/>
-            <a:ext cx="9144000" cy="2387600"/>
+            <a:off x="0" y="0"/>
+            <a:ext cx="12192000" cy="6858000"/>
+          </a:xfrm>
+          <a:prstGeom prst="rect">
+            <a:avLst/>
+          </a:prstGeom>
+        </p:spPr>
+      </p:pic>
+      <p:sp>
+        <p:nvSpPr>
+          <p:cNvPr id="2" name="Title 1"/>
+          <p:cNvSpPr>
+            <a:spLocks noGrp="1"/>
+          </p:cNvSpPr>
+          <p:nvPr>
+            <p:ph type="ctrTitle"/>
+          </p:nvPr>
+        </p:nvSpPr>
+        <p:spPr>
+          <a:xfrm>
+            <a:off x="1751012" y="1300785"/>
+            <a:ext cx="8689976" cy="2509213"/>
           </a:xfrm>
         </p:spPr>
         <p:txBody>
-          <a:bodyPr anchor="b"/>
+          <a:bodyPr anchor="b">
+            <a:normAutofit/>
+          </a:bodyPr>
           <a:lstStyle>
             <a:lvl1pPr algn="ctr">
-              <a:defRPr sz="6000"/>
+              <a:defRPr sz="4800"/>
             </a:lvl1pPr>
           </a:lstStyle>
           <a:p>
@@ -158,18 +825,13 @@
               <a:rPr lang="fi-FI"/>
               <a:t>Muokkaa ots. perustyyl. napsautt.</a:t>
             </a:r>
-          </a:p>
-        </p:txBody>
-      </p:sp>
-      <p:sp>
-        <p:nvSpPr>
-          <p:cNvPr id="3" name="Alaotsikko 2">
-            <a:extLst>
-              <a:ext uri="{FF2B5EF4-FFF2-40B4-BE49-F238E27FC236}">
-                <a16:creationId xmlns:a16="http://schemas.microsoft.com/office/drawing/2014/main" id="{2D3085F9-64D7-2364-18AB-A0949934A15F}"/>
-              </a:ext>
-            </a:extLst>
-          </p:cNvPr>
+            <a:endParaRPr lang="en-US" dirty="0"/>
+          </a:p>
+        </p:txBody>
+      </p:sp>
+      <p:sp>
+        <p:nvSpPr>
+          <p:cNvPr id="3" name="Subtitle 2"/>
           <p:cNvSpPr>
             <a:spLocks noGrp="1"/>
           </p:cNvSpPr>
@@ -179,16 +841,24 @@
         </p:nvSpPr>
         <p:spPr>
           <a:xfrm>
-            <a:off x="1524000" y="3602038"/>
-            <a:ext cx="9144000" cy="1655762"/>
+            <a:off x="1751012" y="3886200"/>
+            <a:ext cx="8689976" cy="1371599"/>
           </a:xfrm>
         </p:spPr>
         <p:txBody>
-          <a:bodyPr/>
+          <a:bodyPr>
+            <a:normAutofit/>
+          </a:bodyPr>
           <a:lstStyle>
             <a:lvl1pPr marL="0" indent="0" algn="ctr">
               <a:buNone/>
-              <a:defRPr sz="2400"/>
+              <a:defRPr sz="2200">
+                <a:solidFill>
+                  <a:schemeClr val="bg1">
+                    <a:lumMod val="50000"/>
+                  </a:schemeClr>
+                </a:solidFill>
+              </a:defRPr>
             </a:lvl1pPr>
             <a:lvl2pPr marL="457200" indent="0" algn="ctr">
               <a:buNone/>
@@ -228,18 +898,13 @@
               <a:rPr lang="fi-FI"/>
               <a:t>Muokkaa alaotsikon perustyyliä napsautt.</a:t>
             </a:r>
-          </a:p>
-        </p:txBody>
-      </p:sp>
-      <p:sp>
-        <p:nvSpPr>
-          <p:cNvPr id="4" name="Päivämäärän paikkamerkki 3">
-            <a:extLst>
-              <a:ext uri="{FF2B5EF4-FFF2-40B4-BE49-F238E27FC236}">
-                <a16:creationId xmlns:a16="http://schemas.microsoft.com/office/drawing/2014/main" id="{D092192C-BE5F-80D7-A90D-883E8E855E91}"/>
-              </a:ext>
-            </a:extLst>
-          </p:cNvPr>
+            <a:endParaRPr lang="en-US" dirty="0"/>
+          </a:p>
+        </p:txBody>
+      </p:sp>
+      <p:sp>
+        <p:nvSpPr>
+          <p:cNvPr id="4" name="Date Placeholder 3"/>
           <p:cNvSpPr>
             <a:spLocks noGrp="1"/>
           </p:cNvSpPr>
@@ -254,7 +919,7 @@
           <a:p>
             <a:fld id="{72AD9A15-2235-4C9F-93F1-9D57C5F635C5}" type="datetimeFigureOut">
               <a:rPr lang="fi-FI" smtClean="0"/>
-              <a:t>8.3.2025</a:t>
+              <a:t>10.3.2025</a:t>
             </a:fld>
             <a:endParaRPr lang="fi-FI"/>
           </a:p>
@@ -262,13 +927,7 @@
       </p:sp>
       <p:sp>
         <p:nvSpPr>
-          <p:cNvPr id="5" name="Alatunnisteen paikkamerkki 4">
-            <a:extLst>
-              <a:ext uri="{FF2B5EF4-FFF2-40B4-BE49-F238E27FC236}">
-                <a16:creationId xmlns:a16="http://schemas.microsoft.com/office/drawing/2014/main" id="{9F2E0351-7B96-4A73-540F-78A5B7EB5DA8}"/>
-              </a:ext>
-            </a:extLst>
-          </p:cNvPr>
+          <p:cNvPr id="5" name="Footer Placeholder 4"/>
           <p:cNvSpPr>
             <a:spLocks noGrp="1"/>
           </p:cNvSpPr>
@@ -287,13 +946,7 @@
       </p:sp>
       <p:sp>
         <p:nvSpPr>
-          <p:cNvPr id="6" name="Dian numeron paikkamerkki 5">
-            <a:extLst>
-              <a:ext uri="{FF2B5EF4-FFF2-40B4-BE49-F238E27FC236}">
-                <a16:creationId xmlns:a16="http://schemas.microsoft.com/office/drawing/2014/main" id="{71000D60-3C0C-98A7-5DCD-6EACFA3120F0}"/>
-              </a:ext>
-            </a:extLst>
-          </p:cNvPr>
+          <p:cNvPr id="6" name="Slide Number Placeholder 5"/>
           <p:cNvSpPr>
             <a:spLocks noGrp="1"/>
           </p:cNvSpPr>
@@ -317,7 +970,7 @@
     </p:spTree>
     <p:extLst>
       <p:ext uri="{BB962C8B-B14F-4D97-AF65-F5344CB8AC3E}">
-        <p14:creationId xmlns:p14="http://schemas.microsoft.com/office/powerpoint/2010/main" val="1677988015"/>
+        <p14:creationId xmlns:p14="http://schemas.microsoft.com/office/powerpoint/2010/main" val="961726477"/>
       </p:ext>
     </p:extLst>
   </p:cSld>
@@ -328,6 +981,2713 @@
 </file>
 
 <file path=ppt/slideLayouts/slideLayout10.xml><?xml version="1.0" encoding="utf-8"?>
+<p:sldLayout xmlns:a="http://schemas.openxmlformats.org/drawingml/2006/main" xmlns:r="http://schemas.openxmlformats.org/officeDocument/2006/relationships" xmlns:p="http://schemas.openxmlformats.org/presentationml/2006/main" preserve="1">
+  <p:cSld name="Panoraamakuva ja kuvateksti">
+    <p:spTree>
+      <p:nvGrpSpPr>
+        <p:cNvPr id="1" name=""/>
+        <p:cNvGrpSpPr/>
+        <p:nvPr/>
+      </p:nvGrpSpPr>
+      <p:grpSpPr>
+        <a:xfrm>
+          <a:off x="0" y="0"/>
+          <a:ext cx="0" cy="0"/>
+          <a:chOff x="0" y="0"/>
+          <a:chExt cx="0" cy="0"/>
+        </a:xfrm>
+      </p:grpSpPr>
+      <p:pic>
+        <p:nvPicPr>
+          <p:cNvPr id="10" name="Picture 9" descr="Droplets-HD-Content-R1d.png"/>
+          <p:cNvPicPr>
+            <a:picLocks noChangeAspect="1"/>
+          </p:cNvPicPr>
+          <p:nvPr/>
+        </p:nvPicPr>
+        <p:blipFill>
+          <a:blip r:embed="rId2">
+            <a:extLst>
+              <a:ext uri="{28A0092B-C50C-407E-A947-70E740481C1C}">
+                <a14:useLocalDpi xmlns:a14="http://schemas.microsoft.com/office/drawing/2010/main" val="0"/>
+              </a:ext>
+            </a:extLst>
+          </a:blip>
+          <a:stretch>
+            <a:fillRect/>
+          </a:stretch>
+        </p:blipFill>
+        <p:spPr>
+          <a:xfrm>
+            <a:off x="0" y="0"/>
+            <a:ext cx="12192000" cy="6858000"/>
+          </a:xfrm>
+          <a:prstGeom prst="rect">
+            <a:avLst/>
+          </a:prstGeom>
+        </p:spPr>
+      </p:pic>
+      <p:sp>
+        <p:nvSpPr>
+          <p:cNvPr id="2" name="Title 1"/>
+          <p:cNvSpPr>
+            <a:spLocks noGrp="1"/>
+          </p:cNvSpPr>
+          <p:nvPr>
+            <p:ph type="title"/>
+          </p:nvPr>
+        </p:nvSpPr>
+        <p:spPr>
+          <a:xfrm>
+            <a:off x="913794" y="4289374"/>
+            <a:ext cx="10364432" cy="811610"/>
+          </a:xfrm>
+        </p:spPr>
+        <p:txBody>
+          <a:bodyPr anchor="b"/>
+          <a:lstStyle>
+            <a:lvl1pPr>
+              <a:defRPr sz="3200"/>
+            </a:lvl1pPr>
+          </a:lstStyle>
+          <a:p>
+            <a:r>
+              <a:rPr lang="fi-FI"/>
+              <a:t>Muokkaa ots. perustyyl. napsautt.</a:t>
+            </a:r>
+            <a:endParaRPr lang="en-US" dirty="0"/>
+          </a:p>
+        </p:txBody>
+      </p:sp>
+      <p:sp>
+        <p:nvSpPr>
+          <p:cNvPr id="3" name="Picture Placeholder 2"/>
+          <p:cNvSpPr>
+            <a:spLocks noGrp="1" noChangeAspect="1"/>
+          </p:cNvSpPr>
+          <p:nvPr>
+            <p:ph type="pic" idx="1"/>
+          </p:nvPr>
+        </p:nvSpPr>
+        <p:spPr>
+          <a:xfrm>
+            <a:off x="1184744" y="698261"/>
+            <a:ext cx="9822532" cy="3214136"/>
+          </a:xfrm>
+          <a:prstGeom prst="roundRect">
+            <a:avLst>
+              <a:gd name="adj" fmla="val 4944"/>
+            </a:avLst>
+          </a:prstGeom>
+          <a:noFill/>
+          <a:ln w="82550" cap="sq">
+            <a:solidFill>
+              <a:srgbClr val="EAEAEA"/>
+            </a:solidFill>
+            <a:miter lim="800000"/>
+          </a:ln>
+          <a:effectLst/>
+          <a:scene3d>
+            <a:camera prst="orthographicFront"/>
+            <a:lightRig rig="threePt" dir="t">
+              <a:rot lat="0" lon="0" rev="2700000"/>
+            </a:lightRig>
+          </a:scene3d>
+          <a:sp3d contourW="6350">
+            <a:bevelT h="38100"/>
+            <a:contourClr>
+              <a:srgbClr val="C0C0C0"/>
+            </a:contourClr>
+          </a:sp3d>
+        </p:spPr>
+        <p:txBody>
+          <a:bodyPr anchor="t"/>
+          <a:lstStyle>
+            <a:lvl1pPr marL="0" indent="0" algn="ctr">
+              <a:buNone/>
+              <a:defRPr sz="3200"/>
+            </a:lvl1pPr>
+            <a:lvl2pPr marL="457200" indent="0">
+              <a:buNone/>
+              <a:defRPr sz="2800"/>
+            </a:lvl2pPr>
+            <a:lvl3pPr marL="914400" indent="0">
+              <a:buNone/>
+              <a:defRPr sz="2400"/>
+            </a:lvl3pPr>
+            <a:lvl4pPr marL="1371600" indent="0">
+              <a:buNone/>
+              <a:defRPr sz="2000"/>
+            </a:lvl4pPr>
+            <a:lvl5pPr marL="1828800" indent="0">
+              <a:buNone/>
+              <a:defRPr sz="2000"/>
+            </a:lvl5pPr>
+            <a:lvl6pPr marL="2286000" indent="0">
+              <a:buNone/>
+              <a:defRPr sz="2000"/>
+            </a:lvl6pPr>
+            <a:lvl7pPr marL="2743200" indent="0">
+              <a:buNone/>
+              <a:defRPr sz="2000"/>
+            </a:lvl7pPr>
+            <a:lvl8pPr marL="3200400" indent="0">
+              <a:buNone/>
+              <a:defRPr sz="2000"/>
+            </a:lvl8pPr>
+            <a:lvl9pPr marL="3657600" indent="0">
+              <a:buNone/>
+              <a:defRPr sz="2000"/>
+            </a:lvl9pPr>
+          </a:lstStyle>
+          <a:p>
+            <a:r>
+              <a:rPr lang="fi-FI"/>
+              <a:t>Lisää kuva napsauttamalla kuvaketta</a:t>
+            </a:r>
+            <a:endParaRPr lang="en-US" dirty="0"/>
+          </a:p>
+        </p:txBody>
+      </p:sp>
+      <p:sp>
+        <p:nvSpPr>
+          <p:cNvPr id="4" name="Text Placeholder 3"/>
+          <p:cNvSpPr>
+            <a:spLocks noGrp="1"/>
+          </p:cNvSpPr>
+          <p:nvPr>
+            <p:ph type="body" sz="half" idx="2"/>
+          </p:nvPr>
+        </p:nvSpPr>
+        <p:spPr>
+          <a:xfrm>
+            <a:off x="913774" y="5108728"/>
+            <a:ext cx="10364452" cy="682472"/>
+          </a:xfrm>
+        </p:spPr>
+        <p:txBody>
+          <a:bodyPr/>
+          <a:lstStyle>
+            <a:lvl1pPr marL="0" indent="0" algn="ctr">
+              <a:buNone/>
+              <a:defRPr sz="1600"/>
+            </a:lvl1pPr>
+            <a:lvl2pPr marL="457200" indent="0">
+              <a:buNone/>
+              <a:defRPr sz="1400"/>
+            </a:lvl2pPr>
+            <a:lvl3pPr marL="914400" indent="0">
+              <a:buNone/>
+              <a:defRPr sz="1200"/>
+            </a:lvl3pPr>
+            <a:lvl4pPr marL="1371600" indent="0">
+              <a:buNone/>
+              <a:defRPr sz="1000"/>
+            </a:lvl4pPr>
+            <a:lvl5pPr marL="1828800" indent="0">
+              <a:buNone/>
+              <a:defRPr sz="1000"/>
+            </a:lvl5pPr>
+            <a:lvl6pPr marL="2286000" indent="0">
+              <a:buNone/>
+              <a:defRPr sz="1000"/>
+            </a:lvl6pPr>
+            <a:lvl7pPr marL="2743200" indent="0">
+              <a:buNone/>
+              <a:defRPr sz="1000"/>
+            </a:lvl7pPr>
+            <a:lvl8pPr marL="3200400" indent="0">
+              <a:buNone/>
+              <a:defRPr sz="1000"/>
+            </a:lvl8pPr>
+            <a:lvl9pPr marL="3657600" indent="0">
+              <a:buNone/>
+              <a:defRPr sz="1000"/>
+            </a:lvl9pPr>
+          </a:lstStyle>
+          <a:p>
+            <a:pPr lvl="0"/>
+            <a:r>
+              <a:rPr lang="fi-FI"/>
+              <a:t>Muokkaa tekstin perustyylejä napsauttamalla</a:t>
+            </a:r>
+          </a:p>
+        </p:txBody>
+      </p:sp>
+      <p:sp>
+        <p:nvSpPr>
+          <p:cNvPr id="5" name="Date Placeholder 4"/>
+          <p:cNvSpPr>
+            <a:spLocks noGrp="1"/>
+          </p:cNvSpPr>
+          <p:nvPr>
+            <p:ph type="dt" sz="half" idx="10"/>
+          </p:nvPr>
+        </p:nvSpPr>
+        <p:spPr/>
+        <p:txBody>
+          <a:bodyPr/>
+          <a:lstStyle/>
+          <a:p>
+            <a:fld id="{72AD9A15-2235-4C9F-93F1-9D57C5F635C5}" type="datetimeFigureOut">
+              <a:rPr lang="fi-FI" smtClean="0"/>
+              <a:t>10.3.2025</a:t>
+            </a:fld>
+            <a:endParaRPr lang="fi-FI"/>
+          </a:p>
+        </p:txBody>
+      </p:sp>
+      <p:sp>
+        <p:nvSpPr>
+          <p:cNvPr id="6" name="Footer Placeholder 5"/>
+          <p:cNvSpPr>
+            <a:spLocks noGrp="1"/>
+          </p:cNvSpPr>
+          <p:nvPr>
+            <p:ph type="ftr" sz="quarter" idx="11"/>
+          </p:nvPr>
+        </p:nvSpPr>
+        <p:spPr/>
+        <p:txBody>
+          <a:bodyPr/>
+          <a:lstStyle/>
+          <a:p>
+            <a:endParaRPr lang="fi-FI"/>
+          </a:p>
+        </p:txBody>
+      </p:sp>
+      <p:sp>
+        <p:nvSpPr>
+          <p:cNvPr id="7" name="Slide Number Placeholder 6"/>
+          <p:cNvSpPr>
+            <a:spLocks noGrp="1"/>
+          </p:cNvSpPr>
+          <p:nvPr>
+            <p:ph type="sldNum" sz="quarter" idx="12"/>
+          </p:nvPr>
+        </p:nvSpPr>
+        <p:spPr/>
+        <p:txBody>
+          <a:bodyPr/>
+          <a:lstStyle/>
+          <a:p>
+            <a:fld id="{8AB504C9-E4D2-4D44-A261-ACF8E313D9FF}" type="slidenum">
+              <a:rPr lang="fi-FI" smtClean="0"/>
+              <a:t>‹#›</a:t>
+            </a:fld>
+            <a:endParaRPr lang="fi-FI"/>
+          </a:p>
+        </p:txBody>
+      </p:sp>
+    </p:spTree>
+    <p:extLst>
+      <p:ext uri="{BB962C8B-B14F-4D97-AF65-F5344CB8AC3E}">
+        <p14:creationId xmlns:p14="http://schemas.microsoft.com/office/powerpoint/2010/main" val="267186242"/>
+      </p:ext>
+    </p:extLst>
+  </p:cSld>
+  <p:clrMapOvr>
+    <a:masterClrMapping/>
+  </p:clrMapOvr>
+</p:sldLayout>
+</file>
+
+<file path=ppt/slideLayouts/slideLayout11.xml><?xml version="1.0" encoding="utf-8"?>
+<p:sldLayout xmlns:a="http://schemas.openxmlformats.org/drawingml/2006/main" xmlns:r="http://schemas.openxmlformats.org/officeDocument/2006/relationships" xmlns:p="http://schemas.openxmlformats.org/presentationml/2006/main" preserve="1">
+  <p:cSld name="Otsikko ja kuvateksti">
+    <p:spTree>
+      <p:nvGrpSpPr>
+        <p:cNvPr id="1" name=""/>
+        <p:cNvGrpSpPr/>
+        <p:nvPr/>
+      </p:nvGrpSpPr>
+      <p:grpSpPr>
+        <a:xfrm>
+          <a:off x="0" y="0"/>
+          <a:ext cx="0" cy="0"/>
+          <a:chOff x="0" y="0"/>
+          <a:chExt cx="0" cy="0"/>
+        </a:xfrm>
+      </p:grpSpPr>
+      <p:pic>
+        <p:nvPicPr>
+          <p:cNvPr id="8" name="Picture 7" descr="Droplets-HD-Content-R1d.png"/>
+          <p:cNvPicPr>
+            <a:picLocks noChangeAspect="1"/>
+          </p:cNvPicPr>
+          <p:nvPr/>
+        </p:nvPicPr>
+        <p:blipFill>
+          <a:blip r:embed="rId2">
+            <a:extLst>
+              <a:ext uri="{28A0092B-C50C-407E-A947-70E740481C1C}">
+                <a14:useLocalDpi xmlns:a14="http://schemas.microsoft.com/office/drawing/2010/main" val="0"/>
+              </a:ext>
+            </a:extLst>
+          </a:blip>
+          <a:stretch>
+            <a:fillRect/>
+          </a:stretch>
+        </p:blipFill>
+        <p:spPr>
+          <a:xfrm>
+            <a:off x="0" y="0"/>
+            <a:ext cx="12192000" cy="6858000"/>
+          </a:xfrm>
+          <a:prstGeom prst="rect">
+            <a:avLst/>
+          </a:prstGeom>
+        </p:spPr>
+      </p:pic>
+      <p:sp>
+        <p:nvSpPr>
+          <p:cNvPr id="2" name="Title 1"/>
+          <p:cNvSpPr>
+            <a:spLocks noGrp="1"/>
+          </p:cNvSpPr>
+          <p:nvPr>
+            <p:ph type="title"/>
+          </p:nvPr>
+        </p:nvSpPr>
+        <p:spPr>
+          <a:xfrm>
+            <a:off x="913774" y="609599"/>
+            <a:ext cx="10364452" cy="3427245"/>
+          </a:xfrm>
+        </p:spPr>
+        <p:txBody>
+          <a:bodyPr anchor="ctr"/>
+          <a:lstStyle>
+            <a:lvl1pPr algn="ctr">
+              <a:defRPr sz="3200"/>
+            </a:lvl1pPr>
+          </a:lstStyle>
+          <a:p>
+            <a:r>
+              <a:rPr lang="fi-FI"/>
+              <a:t>Muokkaa ots. perustyyl. napsautt.</a:t>
+            </a:r>
+            <a:endParaRPr lang="en-US" dirty="0"/>
+          </a:p>
+        </p:txBody>
+      </p:sp>
+      <p:sp>
+        <p:nvSpPr>
+          <p:cNvPr id="4" name="Text Placeholder 3"/>
+          <p:cNvSpPr>
+            <a:spLocks noGrp="1"/>
+          </p:cNvSpPr>
+          <p:nvPr>
+            <p:ph type="body" sz="half" idx="2"/>
+          </p:nvPr>
+        </p:nvSpPr>
+        <p:spPr>
+          <a:xfrm>
+            <a:off x="913775" y="4204821"/>
+            <a:ext cx="10364452" cy="1586380"/>
+          </a:xfrm>
+        </p:spPr>
+        <p:txBody>
+          <a:bodyPr anchor="ctr"/>
+          <a:lstStyle>
+            <a:lvl1pPr marL="0" indent="0" algn="ctr">
+              <a:buNone/>
+              <a:defRPr sz="1600"/>
+            </a:lvl1pPr>
+            <a:lvl2pPr marL="457200" indent="0">
+              <a:buNone/>
+              <a:defRPr sz="1400"/>
+            </a:lvl2pPr>
+            <a:lvl3pPr marL="914400" indent="0">
+              <a:buNone/>
+              <a:defRPr sz="1200"/>
+            </a:lvl3pPr>
+            <a:lvl4pPr marL="1371600" indent="0">
+              <a:buNone/>
+              <a:defRPr sz="1000"/>
+            </a:lvl4pPr>
+            <a:lvl5pPr marL="1828800" indent="0">
+              <a:buNone/>
+              <a:defRPr sz="1000"/>
+            </a:lvl5pPr>
+            <a:lvl6pPr marL="2286000" indent="0">
+              <a:buNone/>
+              <a:defRPr sz="1000"/>
+            </a:lvl6pPr>
+            <a:lvl7pPr marL="2743200" indent="0">
+              <a:buNone/>
+              <a:defRPr sz="1000"/>
+            </a:lvl7pPr>
+            <a:lvl8pPr marL="3200400" indent="0">
+              <a:buNone/>
+              <a:defRPr sz="1000"/>
+            </a:lvl8pPr>
+            <a:lvl9pPr marL="3657600" indent="0">
+              <a:buNone/>
+              <a:defRPr sz="1000"/>
+            </a:lvl9pPr>
+          </a:lstStyle>
+          <a:p>
+            <a:pPr lvl="0"/>
+            <a:r>
+              <a:rPr lang="fi-FI"/>
+              <a:t>Muokkaa tekstin perustyylejä napsauttamalla</a:t>
+            </a:r>
+          </a:p>
+        </p:txBody>
+      </p:sp>
+      <p:sp>
+        <p:nvSpPr>
+          <p:cNvPr id="5" name="Date Placeholder 4"/>
+          <p:cNvSpPr>
+            <a:spLocks noGrp="1"/>
+          </p:cNvSpPr>
+          <p:nvPr>
+            <p:ph type="dt" sz="half" idx="10"/>
+          </p:nvPr>
+        </p:nvSpPr>
+        <p:spPr/>
+        <p:txBody>
+          <a:bodyPr/>
+          <a:lstStyle/>
+          <a:p>
+            <a:fld id="{72AD9A15-2235-4C9F-93F1-9D57C5F635C5}" type="datetimeFigureOut">
+              <a:rPr lang="fi-FI" smtClean="0"/>
+              <a:t>10.3.2025</a:t>
+            </a:fld>
+            <a:endParaRPr lang="fi-FI"/>
+          </a:p>
+        </p:txBody>
+      </p:sp>
+      <p:sp>
+        <p:nvSpPr>
+          <p:cNvPr id="6" name="Footer Placeholder 5"/>
+          <p:cNvSpPr>
+            <a:spLocks noGrp="1"/>
+          </p:cNvSpPr>
+          <p:nvPr>
+            <p:ph type="ftr" sz="quarter" idx="11"/>
+          </p:nvPr>
+        </p:nvSpPr>
+        <p:spPr/>
+        <p:txBody>
+          <a:bodyPr/>
+          <a:lstStyle/>
+          <a:p>
+            <a:endParaRPr lang="fi-FI"/>
+          </a:p>
+        </p:txBody>
+      </p:sp>
+      <p:sp>
+        <p:nvSpPr>
+          <p:cNvPr id="7" name="Slide Number Placeholder 6"/>
+          <p:cNvSpPr>
+            <a:spLocks noGrp="1"/>
+          </p:cNvSpPr>
+          <p:nvPr>
+            <p:ph type="sldNum" sz="quarter" idx="12"/>
+          </p:nvPr>
+        </p:nvSpPr>
+        <p:spPr/>
+        <p:txBody>
+          <a:bodyPr/>
+          <a:lstStyle/>
+          <a:p>
+            <a:fld id="{8AB504C9-E4D2-4D44-A261-ACF8E313D9FF}" type="slidenum">
+              <a:rPr lang="fi-FI" smtClean="0"/>
+              <a:t>‹#›</a:t>
+            </a:fld>
+            <a:endParaRPr lang="fi-FI"/>
+          </a:p>
+        </p:txBody>
+      </p:sp>
+    </p:spTree>
+    <p:extLst>
+      <p:ext uri="{BB962C8B-B14F-4D97-AF65-F5344CB8AC3E}">
+        <p14:creationId xmlns:p14="http://schemas.microsoft.com/office/powerpoint/2010/main" val="3103876958"/>
+      </p:ext>
+    </p:extLst>
+  </p:cSld>
+  <p:clrMapOvr>
+    <a:masterClrMapping/>
+  </p:clrMapOvr>
+</p:sldLayout>
+</file>
+
+<file path=ppt/slideLayouts/slideLayout12.xml><?xml version="1.0" encoding="utf-8"?>
+<p:sldLayout xmlns:a="http://schemas.openxmlformats.org/drawingml/2006/main" xmlns:r="http://schemas.openxmlformats.org/officeDocument/2006/relationships" xmlns:p="http://schemas.openxmlformats.org/presentationml/2006/main" preserve="1">
+  <p:cSld name="Lainaus ja kuvateksti">
+    <p:spTree>
+      <p:nvGrpSpPr>
+        <p:cNvPr id="1" name=""/>
+        <p:cNvGrpSpPr/>
+        <p:nvPr/>
+      </p:nvGrpSpPr>
+      <p:grpSpPr>
+        <a:xfrm>
+          <a:off x="0" y="0"/>
+          <a:ext cx="0" cy="0"/>
+          <a:chOff x="0" y="0"/>
+          <a:chExt cx="0" cy="0"/>
+        </a:xfrm>
+      </p:grpSpPr>
+      <p:pic>
+        <p:nvPicPr>
+          <p:cNvPr id="11" name="Picture 10" descr="Droplets-HD-Content-R1d.png"/>
+          <p:cNvPicPr>
+            <a:picLocks noChangeAspect="1"/>
+          </p:cNvPicPr>
+          <p:nvPr/>
+        </p:nvPicPr>
+        <p:blipFill>
+          <a:blip r:embed="rId2">
+            <a:extLst>
+              <a:ext uri="{28A0092B-C50C-407E-A947-70E740481C1C}">
+                <a14:useLocalDpi xmlns:a14="http://schemas.microsoft.com/office/drawing/2010/main" val="0"/>
+              </a:ext>
+            </a:extLst>
+          </a:blip>
+          <a:stretch>
+            <a:fillRect/>
+          </a:stretch>
+        </p:blipFill>
+        <p:spPr>
+          <a:xfrm>
+            <a:off x="0" y="0"/>
+            <a:ext cx="12192000" cy="6858000"/>
+          </a:xfrm>
+          <a:prstGeom prst="rect">
+            <a:avLst/>
+          </a:prstGeom>
+        </p:spPr>
+      </p:pic>
+      <p:sp>
+        <p:nvSpPr>
+          <p:cNvPr id="2" name="Title 1"/>
+          <p:cNvSpPr>
+            <a:spLocks noGrp="1"/>
+          </p:cNvSpPr>
+          <p:nvPr>
+            <p:ph type="title"/>
+          </p:nvPr>
+        </p:nvSpPr>
+        <p:spPr>
+          <a:xfrm>
+            <a:off x="1446212" y="609600"/>
+            <a:ext cx="9302752" cy="2992904"/>
+          </a:xfrm>
+        </p:spPr>
+        <p:txBody>
+          <a:bodyPr anchor="ctr"/>
+          <a:lstStyle>
+            <a:lvl1pPr>
+              <a:defRPr sz="3200"/>
+            </a:lvl1pPr>
+          </a:lstStyle>
+          <a:p>
+            <a:r>
+              <a:rPr lang="fi-FI"/>
+              <a:t>Muokkaa ots. perustyyl. napsautt.</a:t>
+            </a:r>
+            <a:endParaRPr lang="en-US" dirty="0"/>
+          </a:p>
+        </p:txBody>
+      </p:sp>
+      <p:sp>
+        <p:nvSpPr>
+          <p:cNvPr id="12" name="Text Placeholder 3"/>
+          <p:cNvSpPr>
+            <a:spLocks noGrp="1"/>
+          </p:cNvSpPr>
+          <p:nvPr>
+            <p:ph type="body" sz="half" idx="13"/>
+          </p:nvPr>
+        </p:nvSpPr>
+        <p:spPr>
+          <a:xfrm>
+            <a:off x="1720644" y="3610032"/>
+            <a:ext cx="8752299" cy="594788"/>
+          </a:xfrm>
+        </p:spPr>
+        <p:txBody>
+          <a:bodyPr anchor="t">
+            <a:normAutofit/>
+          </a:bodyPr>
+          <a:lstStyle>
+            <a:lvl1pPr marL="0" indent="0">
+              <a:buNone/>
+              <a:defRPr sz="1400"/>
+            </a:lvl1pPr>
+            <a:lvl2pPr marL="457200" indent="0">
+              <a:buNone/>
+              <a:defRPr sz="1400"/>
+            </a:lvl2pPr>
+            <a:lvl3pPr marL="914400" indent="0">
+              <a:buNone/>
+              <a:defRPr sz="1200"/>
+            </a:lvl3pPr>
+            <a:lvl4pPr marL="1371600" indent="0">
+              <a:buNone/>
+              <a:defRPr sz="1000"/>
+            </a:lvl4pPr>
+            <a:lvl5pPr marL="1828800" indent="0">
+              <a:buNone/>
+              <a:defRPr sz="1000"/>
+            </a:lvl5pPr>
+            <a:lvl6pPr marL="2286000" indent="0">
+              <a:buNone/>
+              <a:defRPr sz="1000"/>
+            </a:lvl6pPr>
+            <a:lvl7pPr marL="2743200" indent="0">
+              <a:buNone/>
+              <a:defRPr sz="1000"/>
+            </a:lvl7pPr>
+            <a:lvl8pPr marL="3200400" indent="0">
+              <a:buNone/>
+              <a:defRPr sz="1000"/>
+            </a:lvl8pPr>
+            <a:lvl9pPr marL="3657600" indent="0">
+              <a:buNone/>
+              <a:defRPr sz="1000"/>
+            </a:lvl9pPr>
+          </a:lstStyle>
+          <a:p>
+            <a:pPr lvl="0"/>
+            <a:r>
+              <a:rPr lang="fi-FI"/>
+              <a:t>Muokkaa tekstin perustyylejä napsauttamalla</a:t>
+            </a:r>
+          </a:p>
+        </p:txBody>
+      </p:sp>
+      <p:sp>
+        <p:nvSpPr>
+          <p:cNvPr id="4" name="Text Placeholder 3"/>
+          <p:cNvSpPr>
+            <a:spLocks noGrp="1"/>
+          </p:cNvSpPr>
+          <p:nvPr>
+            <p:ph type="body" sz="half" idx="2"/>
+          </p:nvPr>
+        </p:nvSpPr>
+        <p:spPr>
+          <a:xfrm>
+            <a:off x="913774" y="4372796"/>
+            <a:ext cx="10364452" cy="1421053"/>
+          </a:xfrm>
+        </p:spPr>
+        <p:txBody>
+          <a:bodyPr anchor="ctr">
+            <a:normAutofit/>
+          </a:bodyPr>
+          <a:lstStyle>
+            <a:lvl1pPr marL="0" indent="0" algn="ctr">
+              <a:buNone/>
+              <a:defRPr sz="1600"/>
+            </a:lvl1pPr>
+            <a:lvl2pPr marL="457200" indent="0">
+              <a:buNone/>
+              <a:defRPr sz="1400"/>
+            </a:lvl2pPr>
+            <a:lvl3pPr marL="914400" indent="0">
+              <a:buNone/>
+              <a:defRPr sz="1200"/>
+            </a:lvl3pPr>
+            <a:lvl4pPr marL="1371600" indent="0">
+              <a:buNone/>
+              <a:defRPr sz="1000"/>
+            </a:lvl4pPr>
+            <a:lvl5pPr marL="1828800" indent="0">
+              <a:buNone/>
+              <a:defRPr sz="1000"/>
+            </a:lvl5pPr>
+            <a:lvl6pPr marL="2286000" indent="0">
+              <a:buNone/>
+              <a:defRPr sz="1000"/>
+            </a:lvl6pPr>
+            <a:lvl7pPr marL="2743200" indent="0">
+              <a:buNone/>
+              <a:defRPr sz="1000"/>
+            </a:lvl7pPr>
+            <a:lvl8pPr marL="3200400" indent="0">
+              <a:buNone/>
+              <a:defRPr sz="1000"/>
+            </a:lvl8pPr>
+            <a:lvl9pPr marL="3657600" indent="0">
+              <a:buNone/>
+              <a:defRPr sz="1000"/>
+            </a:lvl9pPr>
+          </a:lstStyle>
+          <a:p>
+            <a:pPr lvl="0"/>
+            <a:r>
+              <a:rPr lang="fi-FI"/>
+              <a:t>Muokkaa tekstin perustyylejä napsauttamalla</a:t>
+            </a:r>
+          </a:p>
+        </p:txBody>
+      </p:sp>
+      <p:sp>
+        <p:nvSpPr>
+          <p:cNvPr id="5" name="Date Placeholder 4"/>
+          <p:cNvSpPr>
+            <a:spLocks noGrp="1"/>
+          </p:cNvSpPr>
+          <p:nvPr>
+            <p:ph type="dt" sz="half" idx="10"/>
+          </p:nvPr>
+        </p:nvSpPr>
+        <p:spPr/>
+        <p:txBody>
+          <a:bodyPr/>
+          <a:lstStyle/>
+          <a:p>
+            <a:fld id="{72AD9A15-2235-4C9F-93F1-9D57C5F635C5}" type="datetimeFigureOut">
+              <a:rPr lang="fi-FI" smtClean="0"/>
+              <a:t>10.3.2025</a:t>
+            </a:fld>
+            <a:endParaRPr lang="fi-FI"/>
+          </a:p>
+        </p:txBody>
+      </p:sp>
+      <p:sp>
+        <p:nvSpPr>
+          <p:cNvPr id="6" name="Footer Placeholder 5"/>
+          <p:cNvSpPr>
+            <a:spLocks noGrp="1"/>
+          </p:cNvSpPr>
+          <p:nvPr>
+            <p:ph type="ftr" sz="quarter" idx="11"/>
+          </p:nvPr>
+        </p:nvSpPr>
+        <p:spPr/>
+        <p:txBody>
+          <a:bodyPr/>
+          <a:lstStyle/>
+          <a:p>
+            <a:endParaRPr lang="fi-FI"/>
+          </a:p>
+        </p:txBody>
+      </p:sp>
+      <p:sp>
+        <p:nvSpPr>
+          <p:cNvPr id="7" name="Slide Number Placeholder 6"/>
+          <p:cNvSpPr>
+            <a:spLocks noGrp="1"/>
+          </p:cNvSpPr>
+          <p:nvPr>
+            <p:ph type="sldNum" sz="quarter" idx="12"/>
+          </p:nvPr>
+        </p:nvSpPr>
+        <p:spPr/>
+        <p:txBody>
+          <a:bodyPr/>
+          <a:lstStyle/>
+          <a:p>
+            <a:fld id="{8AB504C9-E4D2-4D44-A261-ACF8E313D9FF}" type="slidenum">
+              <a:rPr lang="fi-FI" smtClean="0"/>
+              <a:t>‹#›</a:t>
+            </a:fld>
+            <a:endParaRPr lang="fi-FI"/>
+          </a:p>
+        </p:txBody>
+      </p:sp>
+      <p:sp>
+        <p:nvSpPr>
+          <p:cNvPr id="13" name="TextBox 12"/>
+          <p:cNvSpPr txBox="1"/>
+          <p:nvPr/>
+        </p:nvSpPr>
+        <p:spPr>
+          <a:xfrm>
+            <a:off x="1001488" y="754166"/>
+            <a:ext cx="609600" cy="584776"/>
+          </a:xfrm>
+          <a:prstGeom prst="rect">
+            <a:avLst/>
+          </a:prstGeom>
+        </p:spPr>
+        <p:txBody>
+          <a:bodyPr vert="horz" lIns="91440" tIns="45720" rIns="91440" bIns="45720" rtlCol="0" anchor="ctr">
+            <a:noAutofit/>
+          </a:bodyPr>
+          <a:lstStyle>
+            <a:lvl1pPr>
+              <a:spcBef>
+                <a:spcPct val="0"/>
+              </a:spcBef>
+              <a:buNone/>
+              <a:defRPr sz="3200" b="0" cap="all">
+                <a:ln w="3175" cmpd="sng">
+                  <a:noFill/>
+                </a:ln>
+                <a:effectLst>
+                  <a:glow rad="38100">
+                    <a:schemeClr val="bg1">
+                      <a:lumMod val="65000"/>
+                      <a:lumOff val="35000"/>
+                      <a:alpha val="40000"/>
+                    </a:schemeClr>
+                  </a:glow>
+                  <a:outerShdw blurRad="28575" dist="38100" dir="14040000" algn="tl" rotWithShape="0">
+                    <a:srgbClr val="000000">
+                      <a:alpha val="25000"/>
+                    </a:srgbClr>
+                  </a:outerShdw>
+                </a:effectLst>
+              </a:defRPr>
+            </a:lvl1pPr>
+            <a:lvl2pPr>
+              <a:defRPr>
+                <a:solidFill>
+                  <a:schemeClr val="tx2"/>
+                </a:solidFill>
+              </a:defRPr>
+            </a:lvl2pPr>
+            <a:lvl3pPr>
+              <a:defRPr>
+                <a:solidFill>
+                  <a:schemeClr val="tx2"/>
+                </a:solidFill>
+              </a:defRPr>
+            </a:lvl3pPr>
+            <a:lvl4pPr>
+              <a:defRPr>
+                <a:solidFill>
+                  <a:schemeClr val="tx2"/>
+                </a:solidFill>
+              </a:defRPr>
+            </a:lvl4pPr>
+            <a:lvl5pPr>
+              <a:defRPr>
+                <a:solidFill>
+                  <a:schemeClr val="tx2"/>
+                </a:solidFill>
+              </a:defRPr>
+            </a:lvl5pPr>
+            <a:lvl6pPr>
+              <a:defRPr>
+                <a:solidFill>
+                  <a:schemeClr val="tx2"/>
+                </a:solidFill>
+              </a:defRPr>
+            </a:lvl6pPr>
+            <a:lvl7pPr>
+              <a:defRPr>
+                <a:solidFill>
+                  <a:schemeClr val="tx2"/>
+                </a:solidFill>
+              </a:defRPr>
+            </a:lvl7pPr>
+            <a:lvl8pPr>
+              <a:defRPr>
+                <a:solidFill>
+                  <a:schemeClr val="tx2"/>
+                </a:solidFill>
+              </a:defRPr>
+            </a:lvl8pPr>
+            <a:lvl9pPr>
+              <a:defRPr>
+                <a:solidFill>
+                  <a:schemeClr val="tx2"/>
+                </a:solidFill>
+              </a:defRPr>
+            </a:lvl9pPr>
+          </a:lstStyle>
+          <a:p>
+            <a:pPr lvl="0"/>
+            <a:r>
+              <a:rPr lang="en-US" sz="8000" dirty="0">
+                <a:solidFill>
+                  <a:schemeClr val="tx1"/>
+                </a:solidFill>
+                <a:effectLst/>
+              </a:rPr>
+              <a:t>“</a:t>
+            </a:r>
+          </a:p>
+        </p:txBody>
+      </p:sp>
+      <p:sp>
+        <p:nvSpPr>
+          <p:cNvPr id="14" name="TextBox 13"/>
+          <p:cNvSpPr txBox="1"/>
+          <p:nvPr/>
+        </p:nvSpPr>
+        <p:spPr>
+          <a:xfrm>
+            <a:off x="10557558" y="2993578"/>
+            <a:ext cx="609600" cy="584776"/>
+          </a:xfrm>
+          <a:prstGeom prst="rect">
+            <a:avLst/>
+          </a:prstGeom>
+        </p:spPr>
+        <p:txBody>
+          <a:bodyPr vert="horz" lIns="91440" tIns="45720" rIns="91440" bIns="45720" rtlCol="0" anchor="ctr">
+            <a:noAutofit/>
+          </a:bodyPr>
+          <a:lstStyle>
+            <a:lvl1pPr>
+              <a:spcBef>
+                <a:spcPct val="0"/>
+              </a:spcBef>
+              <a:buNone/>
+              <a:defRPr sz="3200" b="0" cap="all">
+                <a:ln w="3175" cmpd="sng">
+                  <a:noFill/>
+                </a:ln>
+                <a:effectLst>
+                  <a:glow rad="38100">
+                    <a:schemeClr val="bg1">
+                      <a:lumMod val="65000"/>
+                      <a:lumOff val="35000"/>
+                      <a:alpha val="40000"/>
+                    </a:schemeClr>
+                  </a:glow>
+                  <a:outerShdw blurRad="28575" dist="38100" dir="14040000" algn="tl" rotWithShape="0">
+                    <a:srgbClr val="000000">
+                      <a:alpha val="25000"/>
+                    </a:srgbClr>
+                  </a:outerShdw>
+                </a:effectLst>
+              </a:defRPr>
+            </a:lvl1pPr>
+            <a:lvl2pPr>
+              <a:defRPr>
+                <a:solidFill>
+                  <a:schemeClr val="tx2"/>
+                </a:solidFill>
+              </a:defRPr>
+            </a:lvl2pPr>
+            <a:lvl3pPr>
+              <a:defRPr>
+                <a:solidFill>
+                  <a:schemeClr val="tx2"/>
+                </a:solidFill>
+              </a:defRPr>
+            </a:lvl3pPr>
+            <a:lvl4pPr>
+              <a:defRPr>
+                <a:solidFill>
+                  <a:schemeClr val="tx2"/>
+                </a:solidFill>
+              </a:defRPr>
+            </a:lvl4pPr>
+            <a:lvl5pPr>
+              <a:defRPr>
+                <a:solidFill>
+                  <a:schemeClr val="tx2"/>
+                </a:solidFill>
+              </a:defRPr>
+            </a:lvl5pPr>
+            <a:lvl6pPr>
+              <a:defRPr>
+                <a:solidFill>
+                  <a:schemeClr val="tx2"/>
+                </a:solidFill>
+              </a:defRPr>
+            </a:lvl6pPr>
+            <a:lvl7pPr>
+              <a:defRPr>
+                <a:solidFill>
+                  <a:schemeClr val="tx2"/>
+                </a:solidFill>
+              </a:defRPr>
+            </a:lvl7pPr>
+            <a:lvl8pPr>
+              <a:defRPr>
+                <a:solidFill>
+                  <a:schemeClr val="tx2"/>
+                </a:solidFill>
+              </a:defRPr>
+            </a:lvl8pPr>
+            <a:lvl9pPr>
+              <a:defRPr>
+                <a:solidFill>
+                  <a:schemeClr val="tx2"/>
+                </a:solidFill>
+              </a:defRPr>
+            </a:lvl9pPr>
+          </a:lstStyle>
+          <a:p>
+            <a:pPr lvl="0" algn="r"/>
+            <a:r>
+              <a:rPr lang="en-US" sz="8000" dirty="0">
+                <a:solidFill>
+                  <a:schemeClr val="tx1"/>
+                </a:solidFill>
+                <a:effectLst/>
+              </a:rPr>
+              <a:t>”</a:t>
+            </a:r>
+          </a:p>
+        </p:txBody>
+      </p:sp>
+    </p:spTree>
+    <p:extLst>
+      <p:ext uri="{BB962C8B-B14F-4D97-AF65-F5344CB8AC3E}">
+        <p14:creationId xmlns:p14="http://schemas.microsoft.com/office/powerpoint/2010/main" val="4080134498"/>
+      </p:ext>
+    </p:extLst>
+  </p:cSld>
+  <p:clrMapOvr>
+    <a:masterClrMapping/>
+  </p:clrMapOvr>
+</p:sldLayout>
+</file>
+
+<file path=ppt/slideLayouts/slideLayout13.xml><?xml version="1.0" encoding="utf-8"?>
+<p:sldLayout xmlns:a="http://schemas.openxmlformats.org/drawingml/2006/main" xmlns:r="http://schemas.openxmlformats.org/officeDocument/2006/relationships" xmlns:p="http://schemas.openxmlformats.org/presentationml/2006/main" preserve="1">
+  <p:cSld name="Nimikortti">
+    <p:spTree>
+      <p:nvGrpSpPr>
+        <p:cNvPr id="1" name=""/>
+        <p:cNvGrpSpPr/>
+        <p:nvPr/>
+      </p:nvGrpSpPr>
+      <p:grpSpPr>
+        <a:xfrm>
+          <a:off x="0" y="0"/>
+          <a:ext cx="0" cy="0"/>
+          <a:chOff x="0" y="0"/>
+          <a:chExt cx="0" cy="0"/>
+        </a:xfrm>
+      </p:grpSpPr>
+      <p:pic>
+        <p:nvPicPr>
+          <p:cNvPr id="8" name="Picture 7" descr="Droplets-HD-Content-R1d.png"/>
+          <p:cNvPicPr>
+            <a:picLocks noChangeAspect="1"/>
+          </p:cNvPicPr>
+          <p:nvPr/>
+        </p:nvPicPr>
+        <p:blipFill>
+          <a:blip r:embed="rId2">
+            <a:extLst>
+              <a:ext uri="{28A0092B-C50C-407E-A947-70E740481C1C}">
+                <a14:useLocalDpi xmlns:a14="http://schemas.microsoft.com/office/drawing/2010/main" val="0"/>
+              </a:ext>
+            </a:extLst>
+          </a:blip>
+          <a:stretch>
+            <a:fillRect/>
+          </a:stretch>
+        </p:blipFill>
+        <p:spPr>
+          <a:xfrm>
+            <a:off x="0" y="0"/>
+            <a:ext cx="12192000" cy="6858000"/>
+          </a:xfrm>
+          <a:prstGeom prst="rect">
+            <a:avLst/>
+          </a:prstGeom>
+        </p:spPr>
+      </p:pic>
+      <p:sp>
+        <p:nvSpPr>
+          <p:cNvPr id="2" name="Title 1"/>
+          <p:cNvSpPr>
+            <a:spLocks noGrp="1"/>
+          </p:cNvSpPr>
+          <p:nvPr>
+            <p:ph type="title"/>
+          </p:nvPr>
+        </p:nvSpPr>
+        <p:spPr>
+          <a:xfrm>
+            <a:off x="913775" y="2138721"/>
+            <a:ext cx="10364452" cy="2511835"/>
+          </a:xfrm>
+        </p:spPr>
+        <p:txBody>
+          <a:bodyPr anchor="b"/>
+          <a:lstStyle>
+            <a:lvl1pPr algn="ctr">
+              <a:defRPr sz="3200"/>
+            </a:lvl1pPr>
+          </a:lstStyle>
+          <a:p>
+            <a:r>
+              <a:rPr lang="fi-FI"/>
+              <a:t>Muokkaa ots. perustyyl. napsautt.</a:t>
+            </a:r>
+            <a:endParaRPr lang="en-US" dirty="0"/>
+          </a:p>
+        </p:txBody>
+      </p:sp>
+      <p:sp>
+        <p:nvSpPr>
+          <p:cNvPr id="4" name="Text Placeholder 3"/>
+          <p:cNvSpPr>
+            <a:spLocks noGrp="1"/>
+          </p:cNvSpPr>
+          <p:nvPr>
+            <p:ph type="body" sz="half" idx="2"/>
+          </p:nvPr>
+        </p:nvSpPr>
+        <p:spPr>
+          <a:xfrm>
+            <a:off x="913775" y="4662335"/>
+            <a:ext cx="10364452" cy="1140644"/>
+          </a:xfrm>
+        </p:spPr>
+        <p:txBody>
+          <a:bodyPr anchor="t"/>
+          <a:lstStyle>
+            <a:lvl1pPr marL="0" indent="0" algn="ctr">
+              <a:buNone/>
+              <a:defRPr sz="1600"/>
+            </a:lvl1pPr>
+            <a:lvl2pPr marL="457200" indent="0">
+              <a:buNone/>
+              <a:defRPr sz="1400"/>
+            </a:lvl2pPr>
+            <a:lvl3pPr marL="914400" indent="0">
+              <a:buNone/>
+              <a:defRPr sz="1200"/>
+            </a:lvl3pPr>
+            <a:lvl4pPr marL="1371600" indent="0">
+              <a:buNone/>
+              <a:defRPr sz="1000"/>
+            </a:lvl4pPr>
+            <a:lvl5pPr marL="1828800" indent="0">
+              <a:buNone/>
+              <a:defRPr sz="1000"/>
+            </a:lvl5pPr>
+            <a:lvl6pPr marL="2286000" indent="0">
+              <a:buNone/>
+              <a:defRPr sz="1000"/>
+            </a:lvl6pPr>
+            <a:lvl7pPr marL="2743200" indent="0">
+              <a:buNone/>
+              <a:defRPr sz="1000"/>
+            </a:lvl7pPr>
+            <a:lvl8pPr marL="3200400" indent="0">
+              <a:buNone/>
+              <a:defRPr sz="1000"/>
+            </a:lvl8pPr>
+            <a:lvl9pPr marL="3657600" indent="0">
+              <a:buNone/>
+              <a:defRPr sz="1000"/>
+            </a:lvl9pPr>
+          </a:lstStyle>
+          <a:p>
+            <a:pPr lvl="0"/>
+            <a:r>
+              <a:rPr lang="fi-FI"/>
+              <a:t>Muokkaa tekstin perustyylejä napsauttamalla</a:t>
+            </a:r>
+          </a:p>
+        </p:txBody>
+      </p:sp>
+      <p:sp>
+        <p:nvSpPr>
+          <p:cNvPr id="5" name="Date Placeholder 4"/>
+          <p:cNvSpPr>
+            <a:spLocks noGrp="1"/>
+          </p:cNvSpPr>
+          <p:nvPr>
+            <p:ph type="dt" sz="half" idx="10"/>
+          </p:nvPr>
+        </p:nvSpPr>
+        <p:spPr/>
+        <p:txBody>
+          <a:bodyPr/>
+          <a:lstStyle/>
+          <a:p>
+            <a:fld id="{72AD9A15-2235-4C9F-93F1-9D57C5F635C5}" type="datetimeFigureOut">
+              <a:rPr lang="fi-FI" smtClean="0"/>
+              <a:t>10.3.2025</a:t>
+            </a:fld>
+            <a:endParaRPr lang="fi-FI"/>
+          </a:p>
+        </p:txBody>
+      </p:sp>
+      <p:sp>
+        <p:nvSpPr>
+          <p:cNvPr id="6" name="Footer Placeholder 5"/>
+          <p:cNvSpPr>
+            <a:spLocks noGrp="1"/>
+          </p:cNvSpPr>
+          <p:nvPr>
+            <p:ph type="ftr" sz="quarter" idx="11"/>
+          </p:nvPr>
+        </p:nvSpPr>
+        <p:spPr/>
+        <p:txBody>
+          <a:bodyPr/>
+          <a:lstStyle/>
+          <a:p>
+            <a:endParaRPr lang="fi-FI"/>
+          </a:p>
+        </p:txBody>
+      </p:sp>
+      <p:sp>
+        <p:nvSpPr>
+          <p:cNvPr id="7" name="Slide Number Placeholder 6"/>
+          <p:cNvSpPr>
+            <a:spLocks noGrp="1"/>
+          </p:cNvSpPr>
+          <p:nvPr>
+            <p:ph type="sldNum" sz="quarter" idx="12"/>
+          </p:nvPr>
+        </p:nvSpPr>
+        <p:spPr/>
+        <p:txBody>
+          <a:bodyPr/>
+          <a:lstStyle/>
+          <a:p>
+            <a:fld id="{8AB504C9-E4D2-4D44-A261-ACF8E313D9FF}" type="slidenum">
+              <a:rPr lang="fi-FI" smtClean="0"/>
+              <a:t>‹#›</a:t>
+            </a:fld>
+            <a:endParaRPr lang="fi-FI"/>
+          </a:p>
+        </p:txBody>
+      </p:sp>
+    </p:spTree>
+    <p:extLst>
+      <p:ext uri="{BB962C8B-B14F-4D97-AF65-F5344CB8AC3E}">
+        <p14:creationId xmlns:p14="http://schemas.microsoft.com/office/powerpoint/2010/main" val="2091189984"/>
+      </p:ext>
+    </p:extLst>
+  </p:cSld>
+  <p:clrMapOvr>
+    <a:masterClrMapping/>
+  </p:clrMapOvr>
+</p:sldLayout>
+</file>
+
+<file path=ppt/slideLayouts/slideLayout14.xml><?xml version="1.0" encoding="utf-8"?>
+<p:sldLayout xmlns:a="http://schemas.openxmlformats.org/drawingml/2006/main" xmlns:r="http://schemas.openxmlformats.org/officeDocument/2006/relationships" xmlns:p="http://schemas.openxmlformats.org/presentationml/2006/main" preserve="1">
+  <p:cSld name="3 saraketta">
+    <p:spTree>
+      <p:nvGrpSpPr>
+        <p:cNvPr id="1" name=""/>
+        <p:cNvGrpSpPr/>
+        <p:nvPr/>
+      </p:nvGrpSpPr>
+      <p:grpSpPr>
+        <a:xfrm>
+          <a:off x="0" y="0"/>
+          <a:ext cx="0" cy="0"/>
+          <a:chOff x="0" y="0"/>
+          <a:chExt cx="0" cy="0"/>
+        </a:xfrm>
+      </p:grpSpPr>
+      <p:pic>
+        <p:nvPicPr>
+          <p:cNvPr id="13" name="Picture 12" descr="Droplets-HD-Content-R1d.png"/>
+          <p:cNvPicPr>
+            <a:picLocks noChangeAspect="1"/>
+          </p:cNvPicPr>
+          <p:nvPr/>
+        </p:nvPicPr>
+        <p:blipFill>
+          <a:blip r:embed="rId2">
+            <a:extLst>
+              <a:ext uri="{28A0092B-C50C-407E-A947-70E740481C1C}">
+                <a14:useLocalDpi xmlns:a14="http://schemas.microsoft.com/office/drawing/2010/main" val="0"/>
+              </a:ext>
+            </a:extLst>
+          </a:blip>
+          <a:stretch>
+            <a:fillRect/>
+          </a:stretch>
+        </p:blipFill>
+        <p:spPr>
+          <a:xfrm>
+            <a:off x="0" y="0"/>
+            <a:ext cx="12192000" cy="6858000"/>
+          </a:xfrm>
+          <a:prstGeom prst="rect">
+            <a:avLst/>
+          </a:prstGeom>
+        </p:spPr>
+      </p:pic>
+      <p:sp>
+        <p:nvSpPr>
+          <p:cNvPr id="15" name="Title 1"/>
+          <p:cNvSpPr>
+            <a:spLocks noGrp="1"/>
+          </p:cNvSpPr>
+          <p:nvPr>
+            <p:ph type="title"/>
+          </p:nvPr>
+        </p:nvSpPr>
+        <p:spPr>
+          <a:xfrm>
+            <a:off x="913774" y="609600"/>
+            <a:ext cx="10364452" cy="1605094"/>
+          </a:xfrm>
+        </p:spPr>
+        <p:txBody>
+          <a:bodyPr/>
+          <a:lstStyle/>
+          <a:p>
+            <a:r>
+              <a:rPr lang="fi-FI"/>
+              <a:t>Muokkaa ots. perustyyl. napsautt.</a:t>
+            </a:r>
+            <a:endParaRPr lang="en-US" dirty="0"/>
+          </a:p>
+        </p:txBody>
+      </p:sp>
+      <p:sp>
+        <p:nvSpPr>
+          <p:cNvPr id="7" name="Text Placeholder 2"/>
+          <p:cNvSpPr>
+            <a:spLocks noGrp="1"/>
+          </p:cNvSpPr>
+          <p:nvPr>
+            <p:ph type="body" idx="1"/>
+          </p:nvPr>
+        </p:nvSpPr>
+        <p:spPr>
+          <a:xfrm>
+            <a:off x="913774" y="2367093"/>
+            <a:ext cx="3298976" cy="576262"/>
+          </a:xfrm>
+        </p:spPr>
+        <p:txBody>
+          <a:bodyPr anchor="b">
+            <a:noAutofit/>
+          </a:bodyPr>
+          <a:lstStyle>
+            <a:lvl1pPr marL="0" indent="0" algn="ctr">
+              <a:lnSpc>
+                <a:spcPct val="85000"/>
+              </a:lnSpc>
+              <a:buNone/>
+              <a:defRPr sz="2400" b="0">
+                <a:solidFill>
+                  <a:schemeClr val="tx1"/>
+                </a:solidFill>
+              </a:defRPr>
+            </a:lvl1pPr>
+            <a:lvl2pPr marL="457200" indent="0">
+              <a:buNone/>
+              <a:defRPr sz="2000" b="1"/>
+            </a:lvl2pPr>
+            <a:lvl3pPr marL="914400" indent="0">
+              <a:buNone/>
+              <a:defRPr sz="1800" b="1"/>
+            </a:lvl3pPr>
+            <a:lvl4pPr marL="1371600" indent="0">
+              <a:buNone/>
+              <a:defRPr sz="1600" b="1"/>
+            </a:lvl4pPr>
+            <a:lvl5pPr marL="1828800" indent="0">
+              <a:buNone/>
+              <a:defRPr sz="1600" b="1"/>
+            </a:lvl5pPr>
+            <a:lvl6pPr marL="2286000" indent="0">
+              <a:buNone/>
+              <a:defRPr sz="1600" b="1"/>
+            </a:lvl6pPr>
+            <a:lvl7pPr marL="2743200" indent="0">
+              <a:buNone/>
+              <a:defRPr sz="1600" b="1"/>
+            </a:lvl7pPr>
+            <a:lvl8pPr marL="3200400" indent="0">
+              <a:buNone/>
+              <a:defRPr sz="1600" b="1"/>
+            </a:lvl8pPr>
+            <a:lvl9pPr marL="3657600" indent="0">
+              <a:buNone/>
+              <a:defRPr sz="1600" b="1"/>
+            </a:lvl9pPr>
+          </a:lstStyle>
+          <a:p>
+            <a:pPr lvl="0"/>
+            <a:r>
+              <a:rPr lang="fi-FI"/>
+              <a:t>Muokkaa tekstin perustyylejä napsauttamalla</a:t>
+            </a:r>
+          </a:p>
+        </p:txBody>
+      </p:sp>
+      <p:sp>
+        <p:nvSpPr>
+          <p:cNvPr id="8" name="Text Placeholder 3"/>
+          <p:cNvSpPr>
+            <a:spLocks noGrp="1"/>
+          </p:cNvSpPr>
+          <p:nvPr>
+            <p:ph type="body" sz="half" idx="15"/>
+          </p:nvPr>
+        </p:nvSpPr>
+        <p:spPr>
+          <a:xfrm>
+            <a:off x="913774" y="2943355"/>
+            <a:ext cx="3298976" cy="2847845"/>
+          </a:xfrm>
+        </p:spPr>
+        <p:txBody>
+          <a:bodyPr anchor="t">
+            <a:normAutofit/>
+          </a:bodyPr>
+          <a:lstStyle>
+            <a:lvl1pPr marL="0" indent="0" algn="ctr">
+              <a:buNone/>
+              <a:defRPr sz="1400"/>
+            </a:lvl1pPr>
+            <a:lvl2pPr marL="457200" indent="0">
+              <a:buNone/>
+              <a:defRPr sz="1200"/>
+            </a:lvl2pPr>
+            <a:lvl3pPr marL="914400" indent="0">
+              <a:buNone/>
+              <a:defRPr sz="1000"/>
+            </a:lvl3pPr>
+            <a:lvl4pPr marL="1371600" indent="0">
+              <a:buNone/>
+              <a:defRPr sz="900"/>
+            </a:lvl4pPr>
+            <a:lvl5pPr marL="1828800" indent="0">
+              <a:buNone/>
+              <a:defRPr sz="900"/>
+            </a:lvl5pPr>
+            <a:lvl6pPr marL="2286000" indent="0">
+              <a:buNone/>
+              <a:defRPr sz="900"/>
+            </a:lvl6pPr>
+            <a:lvl7pPr marL="2743200" indent="0">
+              <a:buNone/>
+              <a:defRPr sz="900"/>
+            </a:lvl7pPr>
+            <a:lvl8pPr marL="3200400" indent="0">
+              <a:buNone/>
+              <a:defRPr sz="900"/>
+            </a:lvl8pPr>
+            <a:lvl9pPr marL="3657600" indent="0">
+              <a:buNone/>
+              <a:defRPr sz="900"/>
+            </a:lvl9pPr>
+          </a:lstStyle>
+          <a:p>
+            <a:pPr lvl="0"/>
+            <a:r>
+              <a:rPr lang="fi-FI"/>
+              <a:t>Muokkaa tekstin perustyylejä napsauttamalla</a:t>
+            </a:r>
+          </a:p>
+        </p:txBody>
+      </p:sp>
+      <p:sp>
+        <p:nvSpPr>
+          <p:cNvPr id="9" name="Text Placeholder 4"/>
+          <p:cNvSpPr>
+            <a:spLocks noGrp="1"/>
+          </p:cNvSpPr>
+          <p:nvPr>
+            <p:ph type="body" sz="quarter" idx="3"/>
+          </p:nvPr>
+        </p:nvSpPr>
+        <p:spPr>
+          <a:xfrm>
+            <a:off x="4452389" y="2367093"/>
+            <a:ext cx="3291521" cy="576262"/>
+          </a:xfrm>
+        </p:spPr>
+        <p:txBody>
+          <a:bodyPr anchor="b">
+            <a:noAutofit/>
+          </a:bodyPr>
+          <a:lstStyle>
+            <a:lvl1pPr marL="0" indent="0" algn="ctr">
+              <a:lnSpc>
+                <a:spcPct val="85000"/>
+              </a:lnSpc>
+              <a:buNone/>
+              <a:defRPr sz="2400" b="0">
+                <a:solidFill>
+                  <a:schemeClr val="tx1"/>
+                </a:solidFill>
+              </a:defRPr>
+            </a:lvl1pPr>
+            <a:lvl2pPr marL="457200" indent="0">
+              <a:buNone/>
+              <a:defRPr sz="2000" b="1"/>
+            </a:lvl2pPr>
+            <a:lvl3pPr marL="914400" indent="0">
+              <a:buNone/>
+              <a:defRPr sz="1800" b="1"/>
+            </a:lvl3pPr>
+            <a:lvl4pPr marL="1371600" indent="0">
+              <a:buNone/>
+              <a:defRPr sz="1600" b="1"/>
+            </a:lvl4pPr>
+            <a:lvl5pPr marL="1828800" indent="0">
+              <a:buNone/>
+              <a:defRPr sz="1600" b="1"/>
+            </a:lvl5pPr>
+            <a:lvl6pPr marL="2286000" indent="0">
+              <a:buNone/>
+              <a:defRPr sz="1600" b="1"/>
+            </a:lvl6pPr>
+            <a:lvl7pPr marL="2743200" indent="0">
+              <a:buNone/>
+              <a:defRPr sz="1600" b="1"/>
+            </a:lvl7pPr>
+            <a:lvl8pPr marL="3200400" indent="0">
+              <a:buNone/>
+              <a:defRPr sz="1600" b="1"/>
+            </a:lvl8pPr>
+            <a:lvl9pPr marL="3657600" indent="0">
+              <a:buNone/>
+              <a:defRPr sz="1600" b="1"/>
+            </a:lvl9pPr>
+          </a:lstStyle>
+          <a:p>
+            <a:pPr lvl="0"/>
+            <a:r>
+              <a:rPr lang="fi-FI"/>
+              <a:t>Muokkaa tekstin perustyylejä napsauttamalla</a:t>
+            </a:r>
+          </a:p>
+        </p:txBody>
+      </p:sp>
+      <p:sp>
+        <p:nvSpPr>
+          <p:cNvPr id="10" name="Text Placeholder 3"/>
+          <p:cNvSpPr>
+            <a:spLocks noGrp="1"/>
+          </p:cNvSpPr>
+          <p:nvPr>
+            <p:ph type="body" sz="half" idx="16"/>
+          </p:nvPr>
+        </p:nvSpPr>
+        <p:spPr>
+          <a:xfrm>
+            <a:off x="4441348" y="2943355"/>
+            <a:ext cx="3303351" cy="2847845"/>
+          </a:xfrm>
+        </p:spPr>
+        <p:txBody>
+          <a:bodyPr anchor="t">
+            <a:normAutofit/>
+          </a:bodyPr>
+          <a:lstStyle>
+            <a:lvl1pPr marL="0" indent="0" algn="ctr">
+              <a:buNone/>
+              <a:defRPr sz="1400"/>
+            </a:lvl1pPr>
+            <a:lvl2pPr marL="457200" indent="0">
+              <a:buNone/>
+              <a:defRPr sz="1200"/>
+            </a:lvl2pPr>
+            <a:lvl3pPr marL="914400" indent="0">
+              <a:buNone/>
+              <a:defRPr sz="1000"/>
+            </a:lvl3pPr>
+            <a:lvl4pPr marL="1371600" indent="0">
+              <a:buNone/>
+              <a:defRPr sz="900"/>
+            </a:lvl4pPr>
+            <a:lvl5pPr marL="1828800" indent="0">
+              <a:buNone/>
+              <a:defRPr sz="900"/>
+            </a:lvl5pPr>
+            <a:lvl6pPr marL="2286000" indent="0">
+              <a:buNone/>
+              <a:defRPr sz="900"/>
+            </a:lvl6pPr>
+            <a:lvl7pPr marL="2743200" indent="0">
+              <a:buNone/>
+              <a:defRPr sz="900"/>
+            </a:lvl7pPr>
+            <a:lvl8pPr marL="3200400" indent="0">
+              <a:buNone/>
+              <a:defRPr sz="900"/>
+            </a:lvl8pPr>
+            <a:lvl9pPr marL="3657600" indent="0">
+              <a:buNone/>
+              <a:defRPr sz="900"/>
+            </a:lvl9pPr>
+          </a:lstStyle>
+          <a:p>
+            <a:pPr lvl="0"/>
+            <a:r>
+              <a:rPr lang="fi-FI"/>
+              <a:t>Muokkaa tekstin perustyylejä napsauttamalla</a:t>
+            </a:r>
+          </a:p>
+        </p:txBody>
+      </p:sp>
+      <p:sp>
+        <p:nvSpPr>
+          <p:cNvPr id="11" name="Text Placeholder 4"/>
+          <p:cNvSpPr>
+            <a:spLocks noGrp="1"/>
+          </p:cNvSpPr>
+          <p:nvPr>
+            <p:ph type="body" sz="quarter" idx="13"/>
+          </p:nvPr>
+        </p:nvSpPr>
+        <p:spPr>
+          <a:xfrm>
+            <a:off x="7973298" y="2367093"/>
+            <a:ext cx="3304928" cy="576262"/>
+          </a:xfrm>
+        </p:spPr>
+        <p:txBody>
+          <a:bodyPr anchor="b">
+            <a:noAutofit/>
+          </a:bodyPr>
+          <a:lstStyle>
+            <a:lvl1pPr marL="0" indent="0" algn="ctr">
+              <a:lnSpc>
+                <a:spcPct val="85000"/>
+              </a:lnSpc>
+              <a:buNone/>
+              <a:defRPr sz="2400" b="0">
+                <a:solidFill>
+                  <a:schemeClr val="tx1"/>
+                </a:solidFill>
+              </a:defRPr>
+            </a:lvl1pPr>
+            <a:lvl2pPr marL="457200" indent="0">
+              <a:buNone/>
+              <a:defRPr sz="2000" b="1"/>
+            </a:lvl2pPr>
+            <a:lvl3pPr marL="914400" indent="0">
+              <a:buNone/>
+              <a:defRPr sz="1800" b="1"/>
+            </a:lvl3pPr>
+            <a:lvl4pPr marL="1371600" indent="0">
+              <a:buNone/>
+              <a:defRPr sz="1600" b="1"/>
+            </a:lvl4pPr>
+            <a:lvl5pPr marL="1828800" indent="0">
+              <a:buNone/>
+              <a:defRPr sz="1600" b="1"/>
+            </a:lvl5pPr>
+            <a:lvl6pPr marL="2286000" indent="0">
+              <a:buNone/>
+              <a:defRPr sz="1600" b="1"/>
+            </a:lvl6pPr>
+            <a:lvl7pPr marL="2743200" indent="0">
+              <a:buNone/>
+              <a:defRPr sz="1600" b="1"/>
+            </a:lvl7pPr>
+            <a:lvl8pPr marL="3200400" indent="0">
+              <a:buNone/>
+              <a:defRPr sz="1600" b="1"/>
+            </a:lvl8pPr>
+            <a:lvl9pPr marL="3657600" indent="0">
+              <a:buNone/>
+              <a:defRPr sz="1600" b="1"/>
+            </a:lvl9pPr>
+          </a:lstStyle>
+          <a:p>
+            <a:pPr lvl="0"/>
+            <a:r>
+              <a:rPr lang="fi-FI"/>
+              <a:t>Muokkaa tekstin perustyylejä napsauttamalla</a:t>
+            </a:r>
+          </a:p>
+        </p:txBody>
+      </p:sp>
+      <p:sp>
+        <p:nvSpPr>
+          <p:cNvPr id="12" name="Text Placeholder 3"/>
+          <p:cNvSpPr>
+            <a:spLocks noGrp="1"/>
+          </p:cNvSpPr>
+          <p:nvPr>
+            <p:ph type="body" sz="half" idx="17"/>
+          </p:nvPr>
+        </p:nvSpPr>
+        <p:spPr>
+          <a:xfrm>
+            <a:off x="7973298" y="2943355"/>
+            <a:ext cx="3304928" cy="2847845"/>
+          </a:xfrm>
+        </p:spPr>
+        <p:txBody>
+          <a:bodyPr anchor="t">
+            <a:normAutofit/>
+          </a:bodyPr>
+          <a:lstStyle>
+            <a:lvl1pPr marL="0" indent="0" algn="ctr">
+              <a:buNone/>
+              <a:defRPr sz="1400"/>
+            </a:lvl1pPr>
+            <a:lvl2pPr marL="457200" indent="0">
+              <a:buNone/>
+              <a:defRPr sz="1200"/>
+            </a:lvl2pPr>
+            <a:lvl3pPr marL="914400" indent="0">
+              <a:buNone/>
+              <a:defRPr sz="1000"/>
+            </a:lvl3pPr>
+            <a:lvl4pPr marL="1371600" indent="0">
+              <a:buNone/>
+              <a:defRPr sz="900"/>
+            </a:lvl4pPr>
+            <a:lvl5pPr marL="1828800" indent="0">
+              <a:buNone/>
+              <a:defRPr sz="900"/>
+            </a:lvl5pPr>
+            <a:lvl6pPr marL="2286000" indent="0">
+              <a:buNone/>
+              <a:defRPr sz="900"/>
+            </a:lvl6pPr>
+            <a:lvl7pPr marL="2743200" indent="0">
+              <a:buNone/>
+              <a:defRPr sz="900"/>
+            </a:lvl7pPr>
+            <a:lvl8pPr marL="3200400" indent="0">
+              <a:buNone/>
+              <a:defRPr sz="900"/>
+            </a:lvl8pPr>
+            <a:lvl9pPr marL="3657600" indent="0">
+              <a:buNone/>
+              <a:defRPr sz="900"/>
+            </a:lvl9pPr>
+          </a:lstStyle>
+          <a:p>
+            <a:pPr lvl="0"/>
+            <a:r>
+              <a:rPr lang="fi-FI"/>
+              <a:t>Muokkaa tekstin perustyylejä napsauttamalla</a:t>
+            </a:r>
+          </a:p>
+        </p:txBody>
+      </p:sp>
+      <p:sp>
+        <p:nvSpPr>
+          <p:cNvPr id="3" name="Date Placeholder 2"/>
+          <p:cNvSpPr>
+            <a:spLocks noGrp="1"/>
+          </p:cNvSpPr>
+          <p:nvPr>
+            <p:ph type="dt" sz="half" idx="10"/>
+          </p:nvPr>
+        </p:nvSpPr>
+        <p:spPr/>
+        <p:txBody>
+          <a:bodyPr/>
+          <a:lstStyle/>
+          <a:p>
+            <a:fld id="{72AD9A15-2235-4C9F-93F1-9D57C5F635C5}" type="datetimeFigureOut">
+              <a:rPr lang="fi-FI" smtClean="0"/>
+              <a:t>10.3.2025</a:t>
+            </a:fld>
+            <a:endParaRPr lang="fi-FI"/>
+          </a:p>
+        </p:txBody>
+      </p:sp>
+      <p:sp>
+        <p:nvSpPr>
+          <p:cNvPr id="4" name="Footer Placeholder 3"/>
+          <p:cNvSpPr>
+            <a:spLocks noGrp="1"/>
+          </p:cNvSpPr>
+          <p:nvPr>
+            <p:ph type="ftr" sz="quarter" idx="11"/>
+          </p:nvPr>
+        </p:nvSpPr>
+        <p:spPr/>
+        <p:txBody>
+          <a:bodyPr/>
+          <a:lstStyle/>
+          <a:p>
+            <a:endParaRPr lang="fi-FI"/>
+          </a:p>
+        </p:txBody>
+      </p:sp>
+      <p:sp>
+        <p:nvSpPr>
+          <p:cNvPr id="5" name="Slide Number Placeholder 4"/>
+          <p:cNvSpPr>
+            <a:spLocks noGrp="1"/>
+          </p:cNvSpPr>
+          <p:nvPr>
+            <p:ph type="sldNum" sz="quarter" idx="12"/>
+          </p:nvPr>
+        </p:nvSpPr>
+        <p:spPr/>
+        <p:txBody>
+          <a:bodyPr/>
+          <a:lstStyle/>
+          <a:p>
+            <a:fld id="{8AB504C9-E4D2-4D44-A261-ACF8E313D9FF}" type="slidenum">
+              <a:rPr lang="fi-FI" smtClean="0"/>
+              <a:t>‹#›</a:t>
+            </a:fld>
+            <a:endParaRPr lang="fi-FI"/>
+          </a:p>
+        </p:txBody>
+      </p:sp>
+    </p:spTree>
+    <p:extLst>
+      <p:ext uri="{BB962C8B-B14F-4D97-AF65-F5344CB8AC3E}">
+        <p14:creationId xmlns:p14="http://schemas.microsoft.com/office/powerpoint/2010/main" val="3937763235"/>
+      </p:ext>
+    </p:extLst>
+  </p:cSld>
+  <p:clrMapOvr>
+    <a:masterClrMapping/>
+  </p:clrMapOvr>
+</p:sldLayout>
+</file>
+
+<file path=ppt/slideLayouts/slideLayout15.xml><?xml version="1.0" encoding="utf-8"?>
+<p:sldLayout xmlns:a="http://schemas.openxmlformats.org/drawingml/2006/main" xmlns:r="http://schemas.openxmlformats.org/officeDocument/2006/relationships" xmlns:p="http://schemas.openxmlformats.org/presentationml/2006/main" preserve="1">
+  <p:cSld name="3 kuvan sarake">
+    <p:spTree>
+      <p:nvGrpSpPr>
+        <p:cNvPr id="1" name=""/>
+        <p:cNvGrpSpPr/>
+        <p:nvPr/>
+      </p:nvGrpSpPr>
+      <p:grpSpPr>
+        <a:xfrm>
+          <a:off x="0" y="0"/>
+          <a:ext cx="0" cy="0"/>
+          <a:chOff x="0" y="0"/>
+          <a:chExt cx="0" cy="0"/>
+        </a:xfrm>
+      </p:grpSpPr>
+      <p:pic>
+        <p:nvPicPr>
+          <p:cNvPr id="16" name="Picture 15" descr="Droplets-HD-Content-R1d.png"/>
+          <p:cNvPicPr>
+            <a:picLocks noChangeAspect="1"/>
+          </p:cNvPicPr>
+          <p:nvPr/>
+        </p:nvPicPr>
+        <p:blipFill>
+          <a:blip r:embed="rId2">
+            <a:extLst>
+              <a:ext uri="{28A0092B-C50C-407E-A947-70E740481C1C}">
+                <a14:useLocalDpi xmlns:a14="http://schemas.microsoft.com/office/drawing/2010/main" val="0"/>
+              </a:ext>
+            </a:extLst>
+          </a:blip>
+          <a:stretch>
+            <a:fillRect/>
+          </a:stretch>
+        </p:blipFill>
+        <p:spPr>
+          <a:xfrm>
+            <a:off x="0" y="0"/>
+            <a:ext cx="12192000" cy="6858000"/>
+          </a:xfrm>
+          <a:prstGeom prst="rect">
+            <a:avLst/>
+          </a:prstGeom>
+        </p:spPr>
+      </p:pic>
+      <p:sp>
+        <p:nvSpPr>
+          <p:cNvPr id="30" name="Title 1"/>
+          <p:cNvSpPr>
+            <a:spLocks noGrp="1"/>
+          </p:cNvSpPr>
+          <p:nvPr>
+            <p:ph type="title"/>
+          </p:nvPr>
+        </p:nvSpPr>
+        <p:spPr>
+          <a:xfrm>
+            <a:off x="913774" y="610772"/>
+            <a:ext cx="10364452" cy="1603922"/>
+          </a:xfrm>
+        </p:spPr>
+        <p:txBody>
+          <a:bodyPr/>
+          <a:lstStyle/>
+          <a:p>
+            <a:r>
+              <a:rPr lang="fi-FI"/>
+              <a:t>Muokkaa ots. perustyyl. napsautt.</a:t>
+            </a:r>
+            <a:endParaRPr lang="en-US" dirty="0"/>
+          </a:p>
+        </p:txBody>
+      </p:sp>
+      <p:sp>
+        <p:nvSpPr>
+          <p:cNvPr id="19" name="Text Placeholder 2"/>
+          <p:cNvSpPr>
+            <a:spLocks noGrp="1"/>
+          </p:cNvSpPr>
+          <p:nvPr>
+            <p:ph type="body" idx="1"/>
+          </p:nvPr>
+        </p:nvSpPr>
+        <p:spPr>
+          <a:xfrm>
+            <a:off x="913774" y="4204820"/>
+            <a:ext cx="3296409" cy="576262"/>
+          </a:xfrm>
+        </p:spPr>
+        <p:txBody>
+          <a:bodyPr anchor="b">
+            <a:noAutofit/>
+          </a:bodyPr>
+          <a:lstStyle>
+            <a:lvl1pPr marL="0" indent="0" algn="ctr">
+              <a:lnSpc>
+                <a:spcPct val="85000"/>
+              </a:lnSpc>
+              <a:buNone/>
+              <a:defRPr sz="2200" b="0">
+                <a:solidFill>
+                  <a:schemeClr val="tx1"/>
+                </a:solidFill>
+              </a:defRPr>
+            </a:lvl1pPr>
+            <a:lvl2pPr marL="457200" indent="0">
+              <a:buNone/>
+              <a:defRPr sz="2000" b="1"/>
+            </a:lvl2pPr>
+            <a:lvl3pPr marL="914400" indent="0">
+              <a:buNone/>
+              <a:defRPr sz="1800" b="1"/>
+            </a:lvl3pPr>
+            <a:lvl4pPr marL="1371600" indent="0">
+              <a:buNone/>
+              <a:defRPr sz="1600" b="1"/>
+            </a:lvl4pPr>
+            <a:lvl5pPr marL="1828800" indent="0">
+              <a:buNone/>
+              <a:defRPr sz="1600" b="1"/>
+            </a:lvl5pPr>
+            <a:lvl6pPr marL="2286000" indent="0">
+              <a:buNone/>
+              <a:defRPr sz="1600" b="1"/>
+            </a:lvl6pPr>
+            <a:lvl7pPr marL="2743200" indent="0">
+              <a:buNone/>
+              <a:defRPr sz="1600" b="1"/>
+            </a:lvl7pPr>
+            <a:lvl8pPr marL="3200400" indent="0">
+              <a:buNone/>
+              <a:defRPr sz="1600" b="1"/>
+            </a:lvl8pPr>
+            <a:lvl9pPr marL="3657600" indent="0">
+              <a:buNone/>
+              <a:defRPr sz="1600" b="1"/>
+            </a:lvl9pPr>
+          </a:lstStyle>
+          <a:p>
+            <a:pPr lvl="0"/>
+            <a:r>
+              <a:rPr lang="fi-FI"/>
+              <a:t>Muokkaa tekstin perustyylejä napsauttamalla</a:t>
+            </a:r>
+          </a:p>
+        </p:txBody>
+      </p:sp>
+      <p:sp>
+        <p:nvSpPr>
+          <p:cNvPr id="20" name="Picture Placeholder 2"/>
+          <p:cNvSpPr>
+            <a:spLocks noGrp="1" noChangeAspect="1"/>
+          </p:cNvSpPr>
+          <p:nvPr>
+            <p:ph type="pic" idx="15"/>
+          </p:nvPr>
+        </p:nvSpPr>
+        <p:spPr>
+          <a:xfrm>
+            <a:off x="913774" y="2367093"/>
+            <a:ext cx="3296409" cy="1524000"/>
+          </a:xfrm>
+          <a:prstGeom prst="roundRect">
+            <a:avLst>
+              <a:gd name="adj" fmla="val 9363"/>
+            </a:avLst>
+          </a:prstGeom>
+          <a:noFill/>
+          <a:ln w="82550" cap="sq">
+            <a:solidFill>
+              <a:srgbClr val="EAEAEA"/>
+            </a:solidFill>
+            <a:miter lim="800000"/>
+          </a:ln>
+          <a:effectLst/>
+          <a:scene3d>
+            <a:camera prst="orthographicFront"/>
+            <a:lightRig rig="threePt" dir="t">
+              <a:rot lat="0" lon="0" rev="2700000"/>
+            </a:lightRig>
+          </a:scene3d>
+          <a:sp3d contourW="6350">
+            <a:bevelT h="38100"/>
+            <a:contourClr>
+              <a:srgbClr val="C0C0C0"/>
+            </a:contourClr>
+          </a:sp3d>
+        </p:spPr>
+        <p:txBody>
+          <a:bodyPr anchor="t">
+            <a:normAutofit/>
+          </a:bodyPr>
+          <a:lstStyle>
+            <a:lvl1pPr marL="0" indent="0" algn="ctr">
+              <a:buNone/>
+              <a:defRPr sz="1600"/>
+            </a:lvl1pPr>
+            <a:lvl2pPr marL="457200" indent="0">
+              <a:buNone/>
+              <a:defRPr sz="1600"/>
+            </a:lvl2pPr>
+            <a:lvl3pPr marL="914400" indent="0">
+              <a:buNone/>
+              <a:defRPr sz="1600"/>
+            </a:lvl3pPr>
+            <a:lvl4pPr marL="1371600" indent="0">
+              <a:buNone/>
+              <a:defRPr sz="1600"/>
+            </a:lvl4pPr>
+            <a:lvl5pPr marL="1828800" indent="0">
+              <a:buNone/>
+              <a:defRPr sz="1600"/>
+            </a:lvl5pPr>
+            <a:lvl6pPr marL="2286000" indent="0">
+              <a:buNone/>
+              <a:defRPr sz="1600"/>
+            </a:lvl6pPr>
+            <a:lvl7pPr marL="2743200" indent="0">
+              <a:buNone/>
+              <a:defRPr sz="1600"/>
+            </a:lvl7pPr>
+            <a:lvl8pPr marL="3200400" indent="0">
+              <a:buNone/>
+              <a:defRPr sz="1600"/>
+            </a:lvl8pPr>
+            <a:lvl9pPr marL="3657600" indent="0">
+              <a:buNone/>
+              <a:defRPr sz="1600"/>
+            </a:lvl9pPr>
+          </a:lstStyle>
+          <a:p>
+            <a:r>
+              <a:rPr lang="fi-FI"/>
+              <a:t>Lisää kuva napsauttamalla kuvaketta</a:t>
+            </a:r>
+            <a:endParaRPr lang="en-US" dirty="0"/>
+          </a:p>
+        </p:txBody>
+      </p:sp>
+      <p:sp>
+        <p:nvSpPr>
+          <p:cNvPr id="21" name="Text Placeholder 3"/>
+          <p:cNvSpPr>
+            <a:spLocks noGrp="1"/>
+          </p:cNvSpPr>
+          <p:nvPr>
+            <p:ph type="body" sz="half" idx="18"/>
+          </p:nvPr>
+        </p:nvSpPr>
+        <p:spPr>
+          <a:xfrm>
+            <a:off x="913774" y="4781082"/>
+            <a:ext cx="3296409" cy="1010118"/>
+          </a:xfrm>
+        </p:spPr>
+        <p:txBody>
+          <a:bodyPr anchor="t">
+            <a:normAutofit/>
+          </a:bodyPr>
+          <a:lstStyle>
+            <a:lvl1pPr marL="0" indent="0" algn="ctr">
+              <a:buNone/>
+              <a:defRPr sz="1400"/>
+            </a:lvl1pPr>
+            <a:lvl2pPr marL="457200" indent="0">
+              <a:buNone/>
+              <a:defRPr sz="1200"/>
+            </a:lvl2pPr>
+            <a:lvl3pPr marL="914400" indent="0">
+              <a:buNone/>
+              <a:defRPr sz="1000"/>
+            </a:lvl3pPr>
+            <a:lvl4pPr marL="1371600" indent="0">
+              <a:buNone/>
+              <a:defRPr sz="900"/>
+            </a:lvl4pPr>
+            <a:lvl5pPr marL="1828800" indent="0">
+              <a:buNone/>
+              <a:defRPr sz="900"/>
+            </a:lvl5pPr>
+            <a:lvl6pPr marL="2286000" indent="0">
+              <a:buNone/>
+              <a:defRPr sz="900"/>
+            </a:lvl6pPr>
+            <a:lvl7pPr marL="2743200" indent="0">
+              <a:buNone/>
+              <a:defRPr sz="900"/>
+            </a:lvl7pPr>
+            <a:lvl8pPr marL="3200400" indent="0">
+              <a:buNone/>
+              <a:defRPr sz="900"/>
+            </a:lvl8pPr>
+            <a:lvl9pPr marL="3657600" indent="0">
+              <a:buNone/>
+              <a:defRPr sz="900"/>
+            </a:lvl9pPr>
+          </a:lstStyle>
+          <a:p>
+            <a:pPr lvl="0"/>
+            <a:r>
+              <a:rPr lang="fi-FI"/>
+              <a:t>Muokkaa tekstin perustyylejä napsauttamalla</a:t>
+            </a:r>
+          </a:p>
+        </p:txBody>
+      </p:sp>
+      <p:sp>
+        <p:nvSpPr>
+          <p:cNvPr id="22" name="Text Placeholder 4"/>
+          <p:cNvSpPr>
+            <a:spLocks noGrp="1"/>
+          </p:cNvSpPr>
+          <p:nvPr>
+            <p:ph type="body" sz="quarter" idx="3"/>
+          </p:nvPr>
+        </p:nvSpPr>
+        <p:spPr>
+          <a:xfrm>
+            <a:off x="4442759" y="4204820"/>
+            <a:ext cx="3301828" cy="576262"/>
+          </a:xfrm>
+        </p:spPr>
+        <p:txBody>
+          <a:bodyPr anchor="b">
+            <a:noAutofit/>
+          </a:bodyPr>
+          <a:lstStyle>
+            <a:lvl1pPr marL="0" indent="0" algn="ctr">
+              <a:lnSpc>
+                <a:spcPct val="85000"/>
+              </a:lnSpc>
+              <a:buNone/>
+              <a:defRPr sz="2200" b="0">
+                <a:solidFill>
+                  <a:schemeClr val="tx1"/>
+                </a:solidFill>
+              </a:defRPr>
+            </a:lvl1pPr>
+            <a:lvl2pPr marL="457200" indent="0">
+              <a:buNone/>
+              <a:defRPr sz="2000" b="1"/>
+            </a:lvl2pPr>
+            <a:lvl3pPr marL="914400" indent="0">
+              <a:buNone/>
+              <a:defRPr sz="1800" b="1"/>
+            </a:lvl3pPr>
+            <a:lvl4pPr marL="1371600" indent="0">
+              <a:buNone/>
+              <a:defRPr sz="1600" b="1"/>
+            </a:lvl4pPr>
+            <a:lvl5pPr marL="1828800" indent="0">
+              <a:buNone/>
+              <a:defRPr sz="1600" b="1"/>
+            </a:lvl5pPr>
+            <a:lvl6pPr marL="2286000" indent="0">
+              <a:buNone/>
+              <a:defRPr sz="1600" b="1"/>
+            </a:lvl6pPr>
+            <a:lvl7pPr marL="2743200" indent="0">
+              <a:buNone/>
+              <a:defRPr sz="1600" b="1"/>
+            </a:lvl7pPr>
+            <a:lvl8pPr marL="3200400" indent="0">
+              <a:buNone/>
+              <a:defRPr sz="1600" b="1"/>
+            </a:lvl8pPr>
+            <a:lvl9pPr marL="3657600" indent="0">
+              <a:buNone/>
+              <a:defRPr sz="1600" b="1"/>
+            </a:lvl9pPr>
+          </a:lstStyle>
+          <a:p>
+            <a:pPr lvl="0"/>
+            <a:r>
+              <a:rPr lang="fi-FI"/>
+              <a:t>Muokkaa tekstin perustyylejä napsauttamalla</a:t>
+            </a:r>
+          </a:p>
+        </p:txBody>
+      </p:sp>
+      <p:sp>
+        <p:nvSpPr>
+          <p:cNvPr id="23" name="Picture Placeholder 2"/>
+          <p:cNvSpPr>
+            <a:spLocks noGrp="1" noChangeAspect="1"/>
+          </p:cNvSpPr>
+          <p:nvPr>
+            <p:ph type="pic" idx="21"/>
+          </p:nvPr>
+        </p:nvSpPr>
+        <p:spPr>
+          <a:xfrm>
+            <a:off x="4441348" y="2367093"/>
+            <a:ext cx="3303352" cy="1524000"/>
+          </a:xfrm>
+          <a:prstGeom prst="roundRect">
+            <a:avLst>
+              <a:gd name="adj" fmla="val 8841"/>
+            </a:avLst>
+          </a:prstGeom>
+          <a:noFill/>
+          <a:ln w="82550" cap="sq">
+            <a:solidFill>
+              <a:srgbClr val="EAEAEA"/>
+            </a:solidFill>
+            <a:miter lim="800000"/>
+          </a:ln>
+          <a:effectLst/>
+          <a:scene3d>
+            <a:camera prst="orthographicFront"/>
+            <a:lightRig rig="threePt" dir="t">
+              <a:rot lat="0" lon="0" rev="2700000"/>
+            </a:lightRig>
+          </a:scene3d>
+          <a:sp3d contourW="6350">
+            <a:bevelT h="38100"/>
+            <a:contourClr>
+              <a:srgbClr val="C0C0C0"/>
+            </a:contourClr>
+          </a:sp3d>
+        </p:spPr>
+        <p:txBody>
+          <a:bodyPr anchor="t">
+            <a:normAutofit/>
+          </a:bodyPr>
+          <a:lstStyle>
+            <a:lvl1pPr marL="0" indent="0" algn="ctr">
+              <a:buNone/>
+              <a:defRPr sz="1600"/>
+            </a:lvl1pPr>
+            <a:lvl2pPr marL="457200" indent="0">
+              <a:buNone/>
+              <a:defRPr sz="1600"/>
+            </a:lvl2pPr>
+            <a:lvl3pPr marL="914400" indent="0">
+              <a:buNone/>
+              <a:defRPr sz="1600"/>
+            </a:lvl3pPr>
+            <a:lvl4pPr marL="1371600" indent="0">
+              <a:buNone/>
+              <a:defRPr sz="1600"/>
+            </a:lvl4pPr>
+            <a:lvl5pPr marL="1828800" indent="0">
+              <a:buNone/>
+              <a:defRPr sz="1600"/>
+            </a:lvl5pPr>
+            <a:lvl6pPr marL="2286000" indent="0">
+              <a:buNone/>
+              <a:defRPr sz="1600"/>
+            </a:lvl6pPr>
+            <a:lvl7pPr marL="2743200" indent="0">
+              <a:buNone/>
+              <a:defRPr sz="1600"/>
+            </a:lvl7pPr>
+            <a:lvl8pPr marL="3200400" indent="0">
+              <a:buNone/>
+              <a:defRPr sz="1600"/>
+            </a:lvl8pPr>
+            <a:lvl9pPr marL="3657600" indent="0">
+              <a:buNone/>
+              <a:defRPr sz="1600"/>
+            </a:lvl9pPr>
+          </a:lstStyle>
+          <a:p>
+            <a:r>
+              <a:rPr lang="fi-FI"/>
+              <a:t>Lisää kuva napsauttamalla kuvaketta</a:t>
+            </a:r>
+            <a:endParaRPr lang="en-US" dirty="0"/>
+          </a:p>
+        </p:txBody>
+      </p:sp>
+      <p:sp>
+        <p:nvSpPr>
+          <p:cNvPr id="24" name="Text Placeholder 3"/>
+          <p:cNvSpPr>
+            <a:spLocks noGrp="1"/>
+          </p:cNvSpPr>
+          <p:nvPr>
+            <p:ph type="body" sz="half" idx="19"/>
+          </p:nvPr>
+        </p:nvSpPr>
+        <p:spPr>
+          <a:xfrm>
+            <a:off x="4441348" y="4781080"/>
+            <a:ext cx="3303352" cy="1010119"/>
+          </a:xfrm>
+        </p:spPr>
+        <p:txBody>
+          <a:bodyPr anchor="t">
+            <a:normAutofit/>
+          </a:bodyPr>
+          <a:lstStyle>
+            <a:lvl1pPr marL="0" indent="0" algn="ctr">
+              <a:buNone/>
+              <a:defRPr sz="1400"/>
+            </a:lvl1pPr>
+            <a:lvl2pPr marL="457200" indent="0">
+              <a:buNone/>
+              <a:defRPr sz="1200"/>
+            </a:lvl2pPr>
+            <a:lvl3pPr marL="914400" indent="0">
+              <a:buNone/>
+              <a:defRPr sz="1000"/>
+            </a:lvl3pPr>
+            <a:lvl4pPr marL="1371600" indent="0">
+              <a:buNone/>
+              <a:defRPr sz="900"/>
+            </a:lvl4pPr>
+            <a:lvl5pPr marL="1828800" indent="0">
+              <a:buNone/>
+              <a:defRPr sz="900"/>
+            </a:lvl5pPr>
+            <a:lvl6pPr marL="2286000" indent="0">
+              <a:buNone/>
+              <a:defRPr sz="900"/>
+            </a:lvl6pPr>
+            <a:lvl7pPr marL="2743200" indent="0">
+              <a:buNone/>
+              <a:defRPr sz="900"/>
+            </a:lvl7pPr>
+            <a:lvl8pPr marL="3200400" indent="0">
+              <a:buNone/>
+              <a:defRPr sz="900"/>
+            </a:lvl8pPr>
+            <a:lvl9pPr marL="3657600" indent="0">
+              <a:buNone/>
+              <a:defRPr sz="900"/>
+            </a:lvl9pPr>
+          </a:lstStyle>
+          <a:p>
+            <a:pPr lvl="0"/>
+            <a:r>
+              <a:rPr lang="fi-FI"/>
+              <a:t>Muokkaa tekstin perustyylejä napsauttamalla</a:t>
+            </a:r>
+          </a:p>
+        </p:txBody>
+      </p:sp>
+      <p:sp>
+        <p:nvSpPr>
+          <p:cNvPr id="25" name="Text Placeholder 4"/>
+          <p:cNvSpPr>
+            <a:spLocks noGrp="1"/>
+          </p:cNvSpPr>
+          <p:nvPr>
+            <p:ph type="body" sz="quarter" idx="13"/>
+          </p:nvPr>
+        </p:nvSpPr>
+        <p:spPr>
+          <a:xfrm>
+            <a:off x="7973298" y="4204820"/>
+            <a:ext cx="3300681" cy="576262"/>
+          </a:xfrm>
+        </p:spPr>
+        <p:txBody>
+          <a:bodyPr anchor="b">
+            <a:noAutofit/>
+          </a:bodyPr>
+          <a:lstStyle>
+            <a:lvl1pPr marL="0" indent="0" algn="ctr">
+              <a:lnSpc>
+                <a:spcPct val="85000"/>
+              </a:lnSpc>
+              <a:buNone/>
+              <a:defRPr sz="2200" b="0">
+                <a:solidFill>
+                  <a:schemeClr val="tx1"/>
+                </a:solidFill>
+              </a:defRPr>
+            </a:lvl1pPr>
+            <a:lvl2pPr marL="457200" indent="0">
+              <a:buNone/>
+              <a:defRPr sz="2000" b="1"/>
+            </a:lvl2pPr>
+            <a:lvl3pPr marL="914400" indent="0">
+              <a:buNone/>
+              <a:defRPr sz="1800" b="1"/>
+            </a:lvl3pPr>
+            <a:lvl4pPr marL="1371600" indent="0">
+              <a:buNone/>
+              <a:defRPr sz="1600" b="1"/>
+            </a:lvl4pPr>
+            <a:lvl5pPr marL="1828800" indent="0">
+              <a:buNone/>
+              <a:defRPr sz="1600" b="1"/>
+            </a:lvl5pPr>
+            <a:lvl6pPr marL="2286000" indent="0">
+              <a:buNone/>
+              <a:defRPr sz="1600" b="1"/>
+            </a:lvl6pPr>
+            <a:lvl7pPr marL="2743200" indent="0">
+              <a:buNone/>
+              <a:defRPr sz="1600" b="1"/>
+            </a:lvl7pPr>
+            <a:lvl8pPr marL="3200400" indent="0">
+              <a:buNone/>
+              <a:defRPr sz="1600" b="1"/>
+            </a:lvl8pPr>
+            <a:lvl9pPr marL="3657600" indent="0">
+              <a:buNone/>
+              <a:defRPr sz="1600" b="1"/>
+            </a:lvl9pPr>
+          </a:lstStyle>
+          <a:p>
+            <a:pPr lvl="0"/>
+            <a:r>
+              <a:rPr lang="fi-FI"/>
+              <a:t>Muokkaa tekstin perustyylejä napsauttamalla</a:t>
+            </a:r>
+          </a:p>
+        </p:txBody>
+      </p:sp>
+      <p:sp>
+        <p:nvSpPr>
+          <p:cNvPr id="26" name="Picture Placeholder 2"/>
+          <p:cNvSpPr>
+            <a:spLocks noGrp="1" noChangeAspect="1"/>
+          </p:cNvSpPr>
+          <p:nvPr>
+            <p:ph type="pic" idx="22"/>
+          </p:nvPr>
+        </p:nvSpPr>
+        <p:spPr>
+          <a:xfrm>
+            <a:off x="7973298" y="2367093"/>
+            <a:ext cx="3304928" cy="1524000"/>
+          </a:xfrm>
+          <a:prstGeom prst="roundRect">
+            <a:avLst>
+              <a:gd name="adj" fmla="val 8841"/>
+            </a:avLst>
+          </a:prstGeom>
+          <a:noFill/>
+          <a:ln w="82550" cap="sq">
+            <a:solidFill>
+              <a:srgbClr val="EAEAEA"/>
+            </a:solidFill>
+            <a:miter lim="800000"/>
+          </a:ln>
+          <a:effectLst/>
+          <a:scene3d>
+            <a:camera prst="orthographicFront"/>
+            <a:lightRig rig="threePt" dir="t">
+              <a:rot lat="0" lon="0" rev="2700000"/>
+            </a:lightRig>
+          </a:scene3d>
+          <a:sp3d contourW="6350">
+            <a:bevelT h="38100"/>
+            <a:contourClr>
+              <a:srgbClr val="C0C0C0"/>
+            </a:contourClr>
+          </a:sp3d>
+        </p:spPr>
+        <p:txBody>
+          <a:bodyPr anchor="t">
+            <a:normAutofit/>
+          </a:bodyPr>
+          <a:lstStyle>
+            <a:lvl1pPr marL="0" indent="0" algn="ctr">
+              <a:buNone/>
+              <a:defRPr sz="1600"/>
+            </a:lvl1pPr>
+            <a:lvl2pPr marL="457200" indent="0">
+              <a:buNone/>
+              <a:defRPr sz="1600"/>
+            </a:lvl2pPr>
+            <a:lvl3pPr marL="914400" indent="0">
+              <a:buNone/>
+              <a:defRPr sz="1600"/>
+            </a:lvl3pPr>
+            <a:lvl4pPr marL="1371600" indent="0">
+              <a:buNone/>
+              <a:defRPr sz="1600"/>
+            </a:lvl4pPr>
+            <a:lvl5pPr marL="1828800" indent="0">
+              <a:buNone/>
+              <a:defRPr sz="1600"/>
+            </a:lvl5pPr>
+            <a:lvl6pPr marL="2286000" indent="0">
+              <a:buNone/>
+              <a:defRPr sz="1600"/>
+            </a:lvl6pPr>
+            <a:lvl7pPr marL="2743200" indent="0">
+              <a:buNone/>
+              <a:defRPr sz="1600"/>
+            </a:lvl7pPr>
+            <a:lvl8pPr marL="3200400" indent="0">
+              <a:buNone/>
+              <a:defRPr sz="1600"/>
+            </a:lvl8pPr>
+            <a:lvl9pPr marL="3657600" indent="0">
+              <a:buNone/>
+              <a:defRPr sz="1600"/>
+            </a:lvl9pPr>
+          </a:lstStyle>
+          <a:p>
+            <a:r>
+              <a:rPr lang="fi-FI"/>
+              <a:t>Lisää kuva napsauttamalla kuvaketta</a:t>
+            </a:r>
+            <a:endParaRPr lang="en-US" dirty="0"/>
+          </a:p>
+        </p:txBody>
+      </p:sp>
+      <p:sp>
+        <p:nvSpPr>
+          <p:cNvPr id="27" name="Text Placeholder 3"/>
+          <p:cNvSpPr>
+            <a:spLocks noGrp="1"/>
+          </p:cNvSpPr>
+          <p:nvPr>
+            <p:ph type="body" sz="half" idx="20"/>
+          </p:nvPr>
+        </p:nvSpPr>
+        <p:spPr>
+          <a:xfrm>
+            <a:off x="7973173" y="4781078"/>
+            <a:ext cx="3305053" cy="1010121"/>
+          </a:xfrm>
+        </p:spPr>
+        <p:txBody>
+          <a:bodyPr anchor="t">
+            <a:normAutofit/>
+          </a:bodyPr>
+          <a:lstStyle>
+            <a:lvl1pPr marL="0" indent="0" algn="ctr">
+              <a:buNone/>
+              <a:defRPr sz="1400"/>
+            </a:lvl1pPr>
+            <a:lvl2pPr marL="457200" indent="0">
+              <a:buNone/>
+              <a:defRPr sz="1200"/>
+            </a:lvl2pPr>
+            <a:lvl3pPr marL="914400" indent="0">
+              <a:buNone/>
+              <a:defRPr sz="1000"/>
+            </a:lvl3pPr>
+            <a:lvl4pPr marL="1371600" indent="0">
+              <a:buNone/>
+              <a:defRPr sz="900"/>
+            </a:lvl4pPr>
+            <a:lvl5pPr marL="1828800" indent="0">
+              <a:buNone/>
+              <a:defRPr sz="900"/>
+            </a:lvl5pPr>
+            <a:lvl6pPr marL="2286000" indent="0">
+              <a:buNone/>
+              <a:defRPr sz="900"/>
+            </a:lvl6pPr>
+            <a:lvl7pPr marL="2743200" indent="0">
+              <a:buNone/>
+              <a:defRPr sz="900"/>
+            </a:lvl7pPr>
+            <a:lvl8pPr marL="3200400" indent="0">
+              <a:buNone/>
+              <a:defRPr sz="900"/>
+            </a:lvl8pPr>
+            <a:lvl9pPr marL="3657600" indent="0">
+              <a:buNone/>
+              <a:defRPr sz="900"/>
+            </a:lvl9pPr>
+          </a:lstStyle>
+          <a:p>
+            <a:pPr lvl="0"/>
+            <a:r>
+              <a:rPr lang="fi-FI"/>
+              <a:t>Muokkaa tekstin perustyylejä napsauttamalla</a:t>
+            </a:r>
+          </a:p>
+        </p:txBody>
+      </p:sp>
+      <p:sp>
+        <p:nvSpPr>
+          <p:cNvPr id="3" name="Date Placeholder 2"/>
+          <p:cNvSpPr>
+            <a:spLocks noGrp="1"/>
+          </p:cNvSpPr>
+          <p:nvPr>
+            <p:ph type="dt" sz="half" idx="10"/>
+          </p:nvPr>
+        </p:nvSpPr>
+        <p:spPr/>
+        <p:txBody>
+          <a:bodyPr/>
+          <a:lstStyle/>
+          <a:p>
+            <a:fld id="{72AD9A15-2235-4C9F-93F1-9D57C5F635C5}" type="datetimeFigureOut">
+              <a:rPr lang="fi-FI" smtClean="0"/>
+              <a:t>10.3.2025</a:t>
+            </a:fld>
+            <a:endParaRPr lang="fi-FI"/>
+          </a:p>
+        </p:txBody>
+      </p:sp>
+      <p:sp>
+        <p:nvSpPr>
+          <p:cNvPr id="4" name="Footer Placeholder 3"/>
+          <p:cNvSpPr>
+            <a:spLocks noGrp="1"/>
+          </p:cNvSpPr>
+          <p:nvPr>
+            <p:ph type="ftr" sz="quarter" idx="11"/>
+          </p:nvPr>
+        </p:nvSpPr>
+        <p:spPr/>
+        <p:txBody>
+          <a:bodyPr/>
+          <a:lstStyle/>
+          <a:p>
+            <a:endParaRPr lang="fi-FI"/>
+          </a:p>
+        </p:txBody>
+      </p:sp>
+      <p:sp>
+        <p:nvSpPr>
+          <p:cNvPr id="5" name="Slide Number Placeholder 4"/>
+          <p:cNvSpPr>
+            <a:spLocks noGrp="1"/>
+          </p:cNvSpPr>
+          <p:nvPr>
+            <p:ph type="sldNum" sz="quarter" idx="12"/>
+          </p:nvPr>
+        </p:nvSpPr>
+        <p:spPr/>
+        <p:txBody>
+          <a:bodyPr/>
+          <a:lstStyle/>
+          <a:p>
+            <a:fld id="{8AB504C9-E4D2-4D44-A261-ACF8E313D9FF}" type="slidenum">
+              <a:rPr lang="fi-FI" smtClean="0"/>
+              <a:t>‹#›</a:t>
+            </a:fld>
+            <a:endParaRPr lang="fi-FI"/>
+          </a:p>
+        </p:txBody>
+      </p:sp>
+    </p:spTree>
+    <p:extLst>
+      <p:ext uri="{BB962C8B-B14F-4D97-AF65-F5344CB8AC3E}">
+        <p14:creationId xmlns:p14="http://schemas.microsoft.com/office/powerpoint/2010/main" val="3967420178"/>
+      </p:ext>
+    </p:extLst>
+  </p:cSld>
+  <p:clrMapOvr>
+    <a:masterClrMapping/>
+  </p:clrMapOvr>
+</p:sldLayout>
+</file>
+
+<file path=ppt/slideLayouts/slideLayout16.xml><?xml version="1.0" encoding="utf-8"?>
 <p:sldLayout xmlns:a="http://schemas.openxmlformats.org/drawingml/2006/main" xmlns:r="http://schemas.openxmlformats.org/officeDocument/2006/relationships" xmlns:p="http://schemas.openxmlformats.org/presentationml/2006/main" type="vertTx" preserve="1">
   <p:cSld name="Otsikko ja pystysuora teksti">
     <p:spTree>
@@ -344,15 +3704,39 @@
           <a:chExt cx="0" cy="0"/>
         </a:xfrm>
       </p:grpSpPr>
-      <p:sp>
-        <p:nvSpPr>
-          <p:cNvPr id="2" name="Otsikko 1">
+      <p:pic>
+        <p:nvPicPr>
+          <p:cNvPr id="8" name="Picture 7" descr="Droplets-HD-Content-R1d.png"/>
+          <p:cNvPicPr>
+            <a:picLocks noChangeAspect="1"/>
+          </p:cNvPicPr>
+          <p:nvPr/>
+        </p:nvPicPr>
+        <p:blipFill>
+          <a:blip r:embed="rId2">
             <a:extLst>
-              <a:ext uri="{FF2B5EF4-FFF2-40B4-BE49-F238E27FC236}">
-                <a16:creationId xmlns:a16="http://schemas.microsoft.com/office/drawing/2014/main" id="{E4E71FB8-D4FE-EFFC-F832-E4D5E4AC3BAB}"/>
+              <a:ext uri="{28A0092B-C50C-407E-A947-70E740481C1C}">
+                <a14:useLocalDpi xmlns:a14="http://schemas.microsoft.com/office/drawing/2010/main" val="0"/>
               </a:ext>
             </a:extLst>
-          </p:cNvPr>
+          </a:blip>
+          <a:stretch>
+            <a:fillRect/>
+          </a:stretch>
+        </p:blipFill>
+        <p:spPr>
+          <a:xfrm>
+            <a:off x="0" y="0"/>
+            <a:ext cx="12192000" cy="6858000"/>
+          </a:xfrm>
+          <a:prstGeom prst="rect">
+            <a:avLst/>
+          </a:prstGeom>
+        </p:spPr>
+      </p:pic>
+      <p:sp>
+        <p:nvSpPr>
+          <p:cNvPr id="2" name="Title 1"/>
           <p:cNvSpPr>
             <a:spLocks noGrp="1"/>
           </p:cNvSpPr>
@@ -369,26 +3753,26 @@
               <a:rPr lang="fi-FI"/>
               <a:t>Muokkaa ots. perustyyl. napsautt.</a:t>
             </a:r>
-          </a:p>
-        </p:txBody>
-      </p:sp>
-      <p:sp>
-        <p:nvSpPr>
-          <p:cNvPr id="3" name="Pystysuoran tekstin paikkamerkki 2">
-            <a:extLst>
-              <a:ext uri="{FF2B5EF4-FFF2-40B4-BE49-F238E27FC236}">
-                <a16:creationId xmlns:a16="http://schemas.microsoft.com/office/drawing/2014/main" id="{5EB2CCB2-16D8-2C41-8FBD-354EB8D5A9B6}"/>
-              </a:ext>
-            </a:extLst>
-          </p:cNvPr>
-          <p:cNvSpPr>
-            <a:spLocks noGrp="1"/>
-          </p:cNvSpPr>
-          <p:nvPr>
-            <p:ph type="body" orient="vert" idx="1"/>
-          </p:nvPr>
-        </p:nvSpPr>
-        <p:spPr/>
+            <a:endParaRPr lang="en-US" dirty="0"/>
+          </a:p>
+        </p:txBody>
+      </p:sp>
+      <p:sp>
+        <p:nvSpPr>
+          <p:cNvPr id="11" name="Vertical Text Placeholder 2"/>
+          <p:cNvSpPr>
+            <a:spLocks noGrp="1"/>
+          </p:cNvSpPr>
+          <p:nvPr>
+            <p:ph type="body" orient="vert" sz="quarter" idx="13"/>
+          </p:nvPr>
+        </p:nvSpPr>
+        <p:spPr>
+          <a:xfrm>
+            <a:off x="913775" y="2367093"/>
+            <a:ext cx="10364452" cy="3424107"/>
+          </a:xfrm>
+        </p:spPr>
         <p:txBody>
           <a:bodyPr vert="eaVert"/>
           <a:lstStyle/>
@@ -426,18 +3810,13 @@
               <a:rPr lang="fi-FI"/>
               <a:t>viides taso</a:t>
             </a:r>
-          </a:p>
-        </p:txBody>
-      </p:sp>
-      <p:sp>
-        <p:nvSpPr>
-          <p:cNvPr id="4" name="Päivämäärän paikkamerkki 3">
-            <a:extLst>
-              <a:ext uri="{FF2B5EF4-FFF2-40B4-BE49-F238E27FC236}">
-                <a16:creationId xmlns:a16="http://schemas.microsoft.com/office/drawing/2014/main" id="{0B111AED-4A4D-B40F-AC70-C7D16F944713}"/>
-              </a:ext>
-            </a:extLst>
-          </p:cNvPr>
+            <a:endParaRPr lang="en-US" dirty="0"/>
+          </a:p>
+        </p:txBody>
+      </p:sp>
+      <p:sp>
+        <p:nvSpPr>
+          <p:cNvPr id="4" name="Date Placeholder 3"/>
           <p:cNvSpPr>
             <a:spLocks noGrp="1"/>
           </p:cNvSpPr>
@@ -452,7 +3831,7 @@
           <a:p>
             <a:fld id="{72AD9A15-2235-4C9F-93F1-9D57C5F635C5}" type="datetimeFigureOut">
               <a:rPr lang="fi-FI" smtClean="0"/>
-              <a:t>8.3.2025</a:t>
+              <a:t>10.3.2025</a:t>
             </a:fld>
             <a:endParaRPr lang="fi-FI"/>
           </a:p>
@@ -460,13 +3839,7 @@
       </p:sp>
       <p:sp>
         <p:nvSpPr>
-          <p:cNvPr id="5" name="Alatunnisteen paikkamerkki 4">
-            <a:extLst>
-              <a:ext uri="{FF2B5EF4-FFF2-40B4-BE49-F238E27FC236}">
-                <a16:creationId xmlns:a16="http://schemas.microsoft.com/office/drawing/2014/main" id="{D0FB10C5-9CE3-38AD-E271-59AC917E4ED4}"/>
-              </a:ext>
-            </a:extLst>
-          </p:cNvPr>
+          <p:cNvPr id="5" name="Footer Placeholder 4"/>
           <p:cNvSpPr>
             <a:spLocks noGrp="1"/>
           </p:cNvSpPr>
@@ -485,13 +3858,7 @@
       </p:sp>
       <p:sp>
         <p:nvSpPr>
-          <p:cNvPr id="6" name="Dian numeron paikkamerkki 5">
-            <a:extLst>
-              <a:ext uri="{FF2B5EF4-FFF2-40B4-BE49-F238E27FC236}">
-                <a16:creationId xmlns:a16="http://schemas.microsoft.com/office/drawing/2014/main" id="{E46AC5B0-918A-70EC-D3A6-FAB3FF054B99}"/>
-              </a:ext>
-            </a:extLst>
-          </p:cNvPr>
+          <p:cNvPr id="6" name="Slide Number Placeholder 5"/>
           <p:cNvSpPr>
             <a:spLocks noGrp="1"/>
           </p:cNvSpPr>
@@ -515,7 +3882,7 @@
     </p:spTree>
     <p:extLst>
       <p:ext uri="{BB962C8B-B14F-4D97-AF65-F5344CB8AC3E}">
-        <p14:creationId xmlns:p14="http://schemas.microsoft.com/office/powerpoint/2010/main" val="1355218491"/>
+        <p14:creationId xmlns:p14="http://schemas.microsoft.com/office/powerpoint/2010/main" val="2747792146"/>
       </p:ext>
     </p:extLst>
   </p:cSld>
@@ -525,7 +3892,7 @@
 </p:sldLayout>
 </file>
 
-<file path=ppt/slideLayouts/slideLayout11.xml><?xml version="1.0" encoding="utf-8"?>
+<file path=ppt/slideLayouts/slideLayout17.xml><?xml version="1.0" encoding="utf-8"?>
 <p:sldLayout xmlns:a="http://schemas.openxmlformats.org/drawingml/2006/main" xmlns:r="http://schemas.openxmlformats.org/officeDocument/2006/relationships" xmlns:p="http://schemas.openxmlformats.org/presentationml/2006/main" type="vertTitleAndTx" preserve="1">
   <p:cSld name="Pystysuora otsikko ja teksti">
     <p:spTree>
@@ -542,59 +3909,82 @@
           <a:chExt cx="0" cy="0"/>
         </a:xfrm>
       </p:grpSpPr>
-      <p:sp>
-        <p:nvSpPr>
-          <p:cNvPr id="2" name="Pystysuora otsikko 1">
+      <p:pic>
+        <p:nvPicPr>
+          <p:cNvPr id="9" name="Picture 8" descr="Droplets-HD-Content-R1d.png"/>
+          <p:cNvPicPr>
+            <a:picLocks noChangeAspect="1"/>
+          </p:cNvPicPr>
+          <p:nvPr/>
+        </p:nvPicPr>
+        <p:blipFill>
+          <a:blip r:embed="rId2">
             <a:extLst>
-              <a:ext uri="{FF2B5EF4-FFF2-40B4-BE49-F238E27FC236}">
-                <a16:creationId xmlns:a16="http://schemas.microsoft.com/office/drawing/2014/main" id="{9E5C0C79-99B3-9B51-0EA4-34DA43A64D07}"/>
+              <a:ext uri="{28A0092B-C50C-407E-A947-70E740481C1C}">
+                <a14:useLocalDpi xmlns:a14="http://schemas.microsoft.com/office/drawing/2010/main" val="0"/>
               </a:ext>
             </a:extLst>
-          </p:cNvPr>
-          <p:cNvSpPr>
-            <a:spLocks noGrp="1"/>
-          </p:cNvSpPr>
-          <p:nvPr>
-            <p:ph type="title" orient="vert"/>
-          </p:nvPr>
-        </p:nvSpPr>
+          </a:blip>
+          <a:stretch>
+            <a:fillRect/>
+          </a:stretch>
+        </p:blipFill>
         <p:spPr>
           <a:xfrm>
-            <a:off x="8724900" y="365125"/>
-            <a:ext cx="2628900" cy="5811838"/>
+            <a:off x="0" y="0"/>
+            <a:ext cx="12192000" cy="6858000"/>
+          </a:xfrm>
+          <a:prstGeom prst="rect">
+            <a:avLst/>
+          </a:prstGeom>
+        </p:spPr>
+      </p:pic>
+      <p:sp>
+        <p:nvSpPr>
+          <p:cNvPr id="2" name="Vertical Title 1"/>
+          <p:cNvSpPr>
+            <a:spLocks noGrp="1"/>
+          </p:cNvSpPr>
+          <p:nvPr>
+            <p:ph type="title" orient="vert"/>
+          </p:nvPr>
+        </p:nvSpPr>
+        <p:spPr>
+          <a:xfrm>
+            <a:off x="8724900" y="609601"/>
+            <a:ext cx="2553326" cy="5181599"/>
           </a:xfrm>
         </p:spPr>
         <p:txBody>
           <a:bodyPr vert="eaVert"/>
-          <a:lstStyle/>
+          <a:lstStyle>
+            <a:lvl1pPr algn="l">
+              <a:defRPr/>
+            </a:lvl1pPr>
+          </a:lstStyle>
           <a:p>
             <a:r>
               <a:rPr lang="fi-FI"/>
               <a:t>Muokkaa ots. perustyyl. napsautt.</a:t>
             </a:r>
-          </a:p>
-        </p:txBody>
-      </p:sp>
-      <p:sp>
-        <p:nvSpPr>
-          <p:cNvPr id="3" name="Pystysuoran tekstin paikkamerkki 2">
-            <a:extLst>
-              <a:ext uri="{FF2B5EF4-FFF2-40B4-BE49-F238E27FC236}">
-                <a16:creationId xmlns:a16="http://schemas.microsoft.com/office/drawing/2014/main" id="{4EAC68F1-22B1-87B5-40D4-47794972FB1E}"/>
-              </a:ext>
-            </a:extLst>
-          </p:cNvPr>
-          <p:cNvSpPr>
-            <a:spLocks noGrp="1"/>
-          </p:cNvSpPr>
-          <p:nvPr>
-            <p:ph type="body" orient="vert" idx="1"/>
+            <a:endParaRPr lang="en-US" dirty="0"/>
+          </a:p>
+        </p:txBody>
+      </p:sp>
+      <p:sp>
+        <p:nvSpPr>
+          <p:cNvPr id="8" name="Vertical Text Placeholder 2"/>
+          <p:cNvSpPr>
+            <a:spLocks noGrp="1"/>
+          </p:cNvSpPr>
+          <p:nvPr>
+            <p:ph type="body" orient="vert" sz="quarter" idx="13"/>
           </p:nvPr>
         </p:nvSpPr>
         <p:spPr>
           <a:xfrm>
-            <a:off x="838200" y="365125"/>
-            <a:ext cx="7734300" cy="5811838"/>
+            <a:off x="913775" y="609601"/>
+            <a:ext cx="7658724" cy="5181599"/>
           </a:xfrm>
         </p:spPr>
         <p:txBody>
@@ -634,18 +4024,13 @@
               <a:rPr lang="fi-FI"/>
               <a:t>viides taso</a:t>
             </a:r>
-          </a:p>
-        </p:txBody>
-      </p:sp>
-      <p:sp>
-        <p:nvSpPr>
-          <p:cNvPr id="4" name="Päivämäärän paikkamerkki 3">
-            <a:extLst>
-              <a:ext uri="{FF2B5EF4-FFF2-40B4-BE49-F238E27FC236}">
-                <a16:creationId xmlns:a16="http://schemas.microsoft.com/office/drawing/2014/main" id="{05903B37-6DDB-7DDE-D76F-55EAD235777A}"/>
-              </a:ext>
-            </a:extLst>
-          </p:cNvPr>
+            <a:endParaRPr lang="en-US" dirty="0"/>
+          </a:p>
+        </p:txBody>
+      </p:sp>
+      <p:sp>
+        <p:nvSpPr>
+          <p:cNvPr id="4" name="Date Placeholder 3"/>
           <p:cNvSpPr>
             <a:spLocks noGrp="1"/>
           </p:cNvSpPr>
@@ -660,7 +4045,7 @@
           <a:p>
             <a:fld id="{72AD9A15-2235-4C9F-93F1-9D57C5F635C5}" type="datetimeFigureOut">
               <a:rPr lang="fi-FI" smtClean="0"/>
-              <a:t>8.3.2025</a:t>
+              <a:t>10.3.2025</a:t>
             </a:fld>
             <a:endParaRPr lang="fi-FI"/>
           </a:p>
@@ -668,13 +4053,7 @@
       </p:sp>
       <p:sp>
         <p:nvSpPr>
-          <p:cNvPr id="5" name="Alatunnisteen paikkamerkki 4">
-            <a:extLst>
-              <a:ext uri="{FF2B5EF4-FFF2-40B4-BE49-F238E27FC236}">
-                <a16:creationId xmlns:a16="http://schemas.microsoft.com/office/drawing/2014/main" id="{CC6C3CE5-2543-99D2-6495-F92252F40077}"/>
-              </a:ext>
-            </a:extLst>
-          </p:cNvPr>
+          <p:cNvPr id="5" name="Footer Placeholder 4"/>
           <p:cNvSpPr>
             <a:spLocks noGrp="1"/>
           </p:cNvSpPr>
@@ -693,13 +4072,7 @@
       </p:sp>
       <p:sp>
         <p:nvSpPr>
-          <p:cNvPr id="6" name="Dian numeron paikkamerkki 5">
-            <a:extLst>
-              <a:ext uri="{FF2B5EF4-FFF2-40B4-BE49-F238E27FC236}">
-                <a16:creationId xmlns:a16="http://schemas.microsoft.com/office/drawing/2014/main" id="{A0A1E542-C229-7762-10E4-E65FAE1D66A4}"/>
-              </a:ext>
-            </a:extLst>
-          </p:cNvPr>
+          <p:cNvPr id="6" name="Slide Number Placeholder 5"/>
           <p:cNvSpPr>
             <a:spLocks noGrp="1"/>
           </p:cNvSpPr>
@@ -723,7 +4096,205 @@
     </p:spTree>
     <p:extLst>
       <p:ext uri="{BB962C8B-B14F-4D97-AF65-F5344CB8AC3E}">
-        <p14:creationId xmlns:p14="http://schemas.microsoft.com/office/powerpoint/2010/main" val="3980053663"/>
+        <p14:creationId xmlns:p14="http://schemas.microsoft.com/office/powerpoint/2010/main" val="860263683"/>
+      </p:ext>
+    </p:extLst>
+  </p:cSld>
+  <p:clrMapOvr>
+    <a:masterClrMapping/>
+  </p:clrMapOvr>
+</p:sldLayout>
+</file>
+
+<file path=ppt/slideLayouts/slideLayout18.xml><?xml version="1.0" encoding="utf-8"?>
+<p:sldLayout xmlns:a="http://schemas.openxmlformats.org/drawingml/2006/main" xmlns:r="http://schemas.openxmlformats.org/officeDocument/2006/relationships" xmlns:p="http://schemas.openxmlformats.org/presentationml/2006/main" type="obj">
+  <p:cSld name="1_Otsikko ja sisältö">
+    <p:spTree>
+      <p:nvGrpSpPr>
+        <p:cNvPr id="1" name=""/>
+        <p:cNvGrpSpPr/>
+        <p:nvPr/>
+      </p:nvGrpSpPr>
+      <p:grpSpPr>
+        <a:xfrm>
+          <a:off x="0" y="0"/>
+          <a:ext cx="0" cy="0"/>
+          <a:chOff x="0" y="0"/>
+          <a:chExt cx="0" cy="0"/>
+        </a:xfrm>
+      </p:grpSpPr>
+      <p:sp>
+        <p:nvSpPr>
+          <p:cNvPr id="2" name="Otsikko 1">
+            <a:extLst>
+              <a:ext uri="{FF2B5EF4-FFF2-40B4-BE49-F238E27FC236}">
+                <a16:creationId xmlns:a16="http://schemas.microsoft.com/office/drawing/2014/main" id="{146F6467-5E60-B827-6DF9-1EA95091BD6F}"/>
+              </a:ext>
+            </a:extLst>
+          </p:cNvPr>
+          <p:cNvSpPr>
+            <a:spLocks noGrp="1"/>
+          </p:cNvSpPr>
+          <p:nvPr>
+            <p:ph type="title"/>
+          </p:nvPr>
+        </p:nvSpPr>
+        <p:spPr/>
+        <p:txBody>
+          <a:bodyPr/>
+          <a:lstStyle/>
+          <a:p>
+            <a:r>
+              <a:rPr lang="fi-FI"/>
+              <a:t>Muokkaa ots. perustyyl. napsautt.</a:t>
+            </a:r>
+          </a:p>
+        </p:txBody>
+      </p:sp>
+      <p:sp>
+        <p:nvSpPr>
+          <p:cNvPr id="3" name="Sisällön paikkamerkki 2">
+            <a:extLst>
+              <a:ext uri="{FF2B5EF4-FFF2-40B4-BE49-F238E27FC236}">
+                <a16:creationId xmlns:a16="http://schemas.microsoft.com/office/drawing/2014/main" id="{73681928-A81F-7BF8-A60F-ECF2494FD154}"/>
+              </a:ext>
+            </a:extLst>
+          </p:cNvPr>
+          <p:cNvSpPr>
+            <a:spLocks noGrp="1"/>
+          </p:cNvSpPr>
+          <p:nvPr>
+            <p:ph idx="1"/>
+          </p:nvPr>
+        </p:nvSpPr>
+        <p:spPr/>
+        <p:txBody>
+          <a:bodyPr/>
+          <a:lstStyle/>
+          <a:p>
+            <a:pPr lvl="0"/>
+            <a:r>
+              <a:rPr lang="fi-FI"/>
+              <a:t>Muokkaa tekstin perustyylejä napsauttamalla</a:t>
+            </a:r>
+          </a:p>
+          <a:p>
+            <a:pPr lvl="1"/>
+            <a:r>
+              <a:rPr lang="fi-FI"/>
+              <a:t>toinen taso</a:t>
+            </a:r>
+          </a:p>
+          <a:p>
+            <a:pPr lvl="2"/>
+            <a:r>
+              <a:rPr lang="fi-FI"/>
+              <a:t>kolmas taso</a:t>
+            </a:r>
+          </a:p>
+          <a:p>
+            <a:pPr lvl="3"/>
+            <a:r>
+              <a:rPr lang="fi-FI"/>
+              <a:t>neljäs taso</a:t>
+            </a:r>
+          </a:p>
+          <a:p>
+            <a:pPr lvl="4"/>
+            <a:r>
+              <a:rPr lang="fi-FI"/>
+              <a:t>viides taso</a:t>
+            </a:r>
+          </a:p>
+        </p:txBody>
+      </p:sp>
+      <p:sp>
+        <p:nvSpPr>
+          <p:cNvPr id="4" name="Päivämäärän paikkamerkki 3">
+            <a:extLst>
+              <a:ext uri="{FF2B5EF4-FFF2-40B4-BE49-F238E27FC236}">
+                <a16:creationId xmlns:a16="http://schemas.microsoft.com/office/drawing/2014/main" id="{30D62280-194D-E4F7-AD9E-0EA1ECE82BF7}"/>
+              </a:ext>
+            </a:extLst>
+          </p:cNvPr>
+          <p:cNvSpPr>
+            <a:spLocks noGrp="1"/>
+          </p:cNvSpPr>
+          <p:nvPr>
+            <p:ph type="dt" sz="half" idx="10"/>
+          </p:nvPr>
+        </p:nvSpPr>
+        <p:spPr/>
+        <p:txBody>
+          <a:bodyPr/>
+          <a:lstStyle/>
+          <a:p>
+            <a:fld id="{72AD9A15-2235-4C9F-93F1-9D57C5F635C5}" type="datetimeFigureOut">
+              <a:rPr lang="fi-FI" smtClean="0"/>
+              <a:t>10.3.2025</a:t>
+            </a:fld>
+            <a:endParaRPr lang="fi-FI"/>
+          </a:p>
+        </p:txBody>
+      </p:sp>
+      <p:sp>
+        <p:nvSpPr>
+          <p:cNvPr id="5" name="Alatunnisteen paikkamerkki 4">
+            <a:extLst>
+              <a:ext uri="{FF2B5EF4-FFF2-40B4-BE49-F238E27FC236}">
+                <a16:creationId xmlns:a16="http://schemas.microsoft.com/office/drawing/2014/main" id="{981A6504-97B7-9EC8-1127-A4B3C4D9591C}"/>
+              </a:ext>
+            </a:extLst>
+          </p:cNvPr>
+          <p:cNvSpPr>
+            <a:spLocks noGrp="1"/>
+          </p:cNvSpPr>
+          <p:nvPr>
+            <p:ph type="ftr" sz="quarter" idx="11"/>
+          </p:nvPr>
+        </p:nvSpPr>
+        <p:spPr/>
+        <p:txBody>
+          <a:bodyPr/>
+          <a:lstStyle/>
+          <a:p>
+            <a:endParaRPr lang="fi-FI"/>
+          </a:p>
+        </p:txBody>
+      </p:sp>
+      <p:sp>
+        <p:nvSpPr>
+          <p:cNvPr id="6" name="Dian numeron paikkamerkki 5">
+            <a:extLst>
+              <a:ext uri="{FF2B5EF4-FFF2-40B4-BE49-F238E27FC236}">
+                <a16:creationId xmlns:a16="http://schemas.microsoft.com/office/drawing/2014/main" id="{E40FE49D-BE38-43A8-753A-A2BBA1344EBC}"/>
+              </a:ext>
+            </a:extLst>
+          </p:cNvPr>
+          <p:cNvSpPr>
+            <a:spLocks noGrp="1"/>
+          </p:cNvSpPr>
+          <p:nvPr>
+            <p:ph type="sldNum" sz="quarter" idx="12"/>
+          </p:nvPr>
+        </p:nvSpPr>
+        <p:spPr/>
+        <p:txBody>
+          <a:bodyPr/>
+          <a:lstStyle/>
+          <a:p>
+            <a:fld id="{8AB504C9-E4D2-4D44-A261-ACF8E313D9FF}" type="slidenum">
+              <a:rPr lang="fi-FI" smtClean="0"/>
+              <a:t>‹#›</a:t>
+            </a:fld>
+            <a:endParaRPr lang="fi-FI"/>
+          </a:p>
+        </p:txBody>
+      </p:sp>
+    </p:spTree>
+    <p:extLst>
+      <p:ext uri="{BB962C8B-B14F-4D97-AF65-F5344CB8AC3E}">
+        <p14:creationId xmlns:p14="http://schemas.microsoft.com/office/powerpoint/2010/main" val="218058083"/>
       </p:ext>
     </p:extLst>
   </p:cSld>
@@ -750,15 +4321,39 @@
           <a:chExt cx="0" cy="0"/>
         </a:xfrm>
       </p:grpSpPr>
-      <p:sp>
-        <p:nvSpPr>
-          <p:cNvPr id="2" name="Otsikko 1">
+      <p:pic>
+        <p:nvPicPr>
+          <p:cNvPr id="3" name="Picture 2" descr="Droplets-HD-Content-R1d.png"/>
+          <p:cNvPicPr>
+            <a:picLocks noChangeAspect="1"/>
+          </p:cNvPicPr>
+          <p:nvPr/>
+        </p:nvPicPr>
+        <p:blipFill>
+          <a:blip r:embed="rId2">
             <a:extLst>
-              <a:ext uri="{FF2B5EF4-FFF2-40B4-BE49-F238E27FC236}">
-                <a16:creationId xmlns:a16="http://schemas.microsoft.com/office/drawing/2014/main" id="{146F6467-5E60-B827-6DF9-1EA95091BD6F}"/>
+              <a:ext uri="{28A0092B-C50C-407E-A947-70E740481C1C}">
+                <a14:useLocalDpi xmlns:a14="http://schemas.microsoft.com/office/drawing/2010/main" val="0"/>
               </a:ext>
             </a:extLst>
-          </p:cNvPr>
+          </a:blip>
+          <a:stretch>
+            <a:fillRect/>
+          </a:stretch>
+        </p:blipFill>
+        <p:spPr>
+          <a:xfrm>
+            <a:off x="0" y="0"/>
+            <a:ext cx="12192000" cy="6858000"/>
+          </a:xfrm>
+          <a:prstGeom prst="rect">
+            <a:avLst/>
+          </a:prstGeom>
+        </p:spPr>
+      </p:pic>
+      <p:sp>
+        <p:nvSpPr>
+          <p:cNvPr id="2" name="Title 1"/>
           <p:cNvSpPr>
             <a:spLocks noGrp="1"/>
           </p:cNvSpPr>
@@ -775,26 +4370,26 @@
               <a:rPr lang="fi-FI"/>
               <a:t>Muokkaa ots. perustyyl. napsautt.</a:t>
             </a:r>
-          </a:p>
-        </p:txBody>
-      </p:sp>
-      <p:sp>
-        <p:nvSpPr>
-          <p:cNvPr id="3" name="Sisällön paikkamerkki 2">
-            <a:extLst>
-              <a:ext uri="{FF2B5EF4-FFF2-40B4-BE49-F238E27FC236}">
-                <a16:creationId xmlns:a16="http://schemas.microsoft.com/office/drawing/2014/main" id="{73681928-A81F-7BF8-A60F-ECF2494FD154}"/>
-              </a:ext>
-            </a:extLst>
-          </p:cNvPr>
-          <p:cNvSpPr>
-            <a:spLocks noGrp="1"/>
-          </p:cNvSpPr>
-          <p:nvPr>
-            <p:ph idx="1"/>
-          </p:nvPr>
-        </p:nvSpPr>
-        <p:spPr/>
+            <a:endParaRPr lang="en-US" dirty="0"/>
+          </a:p>
+        </p:txBody>
+      </p:sp>
+      <p:sp>
+        <p:nvSpPr>
+          <p:cNvPr id="12" name="Content Placeholder 2"/>
+          <p:cNvSpPr>
+            <a:spLocks noGrp="1"/>
+          </p:cNvSpPr>
+          <p:nvPr>
+            <p:ph sz="quarter" idx="13"/>
+          </p:nvPr>
+        </p:nvSpPr>
+        <p:spPr>
+          <a:xfrm>
+            <a:off x="913774" y="2367092"/>
+            <a:ext cx="10363826" cy="3424107"/>
+          </a:xfrm>
+        </p:spPr>
         <p:txBody>
           <a:bodyPr/>
           <a:lstStyle/>
@@ -832,18 +4427,13 @@
               <a:rPr lang="fi-FI"/>
               <a:t>viides taso</a:t>
             </a:r>
-          </a:p>
-        </p:txBody>
-      </p:sp>
-      <p:sp>
-        <p:nvSpPr>
-          <p:cNvPr id="4" name="Päivämäärän paikkamerkki 3">
-            <a:extLst>
-              <a:ext uri="{FF2B5EF4-FFF2-40B4-BE49-F238E27FC236}">
-                <a16:creationId xmlns:a16="http://schemas.microsoft.com/office/drawing/2014/main" id="{30D62280-194D-E4F7-AD9E-0EA1ECE82BF7}"/>
-              </a:ext>
-            </a:extLst>
-          </p:cNvPr>
+            <a:endParaRPr lang="en-US" dirty="0"/>
+          </a:p>
+        </p:txBody>
+      </p:sp>
+      <p:sp>
+        <p:nvSpPr>
+          <p:cNvPr id="4" name="Date Placeholder 3"/>
           <p:cNvSpPr>
             <a:spLocks noGrp="1"/>
           </p:cNvSpPr>
@@ -858,7 +4448,7 @@
           <a:p>
             <a:fld id="{72AD9A15-2235-4C9F-93F1-9D57C5F635C5}" type="datetimeFigureOut">
               <a:rPr lang="fi-FI" smtClean="0"/>
-              <a:t>8.3.2025</a:t>
+              <a:t>10.3.2025</a:t>
             </a:fld>
             <a:endParaRPr lang="fi-FI"/>
           </a:p>
@@ -866,13 +4456,7 @@
       </p:sp>
       <p:sp>
         <p:nvSpPr>
-          <p:cNvPr id="5" name="Alatunnisteen paikkamerkki 4">
-            <a:extLst>
-              <a:ext uri="{FF2B5EF4-FFF2-40B4-BE49-F238E27FC236}">
-                <a16:creationId xmlns:a16="http://schemas.microsoft.com/office/drawing/2014/main" id="{981A6504-97B7-9EC8-1127-A4B3C4D9591C}"/>
-              </a:ext>
-            </a:extLst>
-          </p:cNvPr>
+          <p:cNvPr id="5" name="Footer Placeholder 4"/>
           <p:cNvSpPr>
             <a:spLocks noGrp="1"/>
           </p:cNvSpPr>
@@ -891,13 +4475,7 @@
       </p:sp>
       <p:sp>
         <p:nvSpPr>
-          <p:cNvPr id="6" name="Dian numeron paikkamerkki 5">
-            <a:extLst>
-              <a:ext uri="{FF2B5EF4-FFF2-40B4-BE49-F238E27FC236}">
-                <a16:creationId xmlns:a16="http://schemas.microsoft.com/office/drawing/2014/main" id="{E40FE49D-BE38-43A8-753A-A2BBA1344EBC}"/>
-              </a:ext>
-            </a:extLst>
-          </p:cNvPr>
+          <p:cNvPr id="6" name="Slide Number Placeholder 5"/>
           <p:cNvSpPr>
             <a:spLocks noGrp="1"/>
           </p:cNvSpPr>
@@ -921,7 +4499,7 @@
     </p:spTree>
     <p:extLst>
       <p:ext uri="{BB962C8B-B14F-4D97-AF65-F5344CB8AC3E}">
-        <p14:creationId xmlns:p14="http://schemas.microsoft.com/office/powerpoint/2010/main" val="3034499228"/>
+        <p14:creationId xmlns:p14="http://schemas.microsoft.com/office/powerpoint/2010/main" val="3852127796"/>
       </p:ext>
     </p:extLst>
   </p:cSld>
@@ -948,33 +4526,59 @@
           <a:chExt cx="0" cy="0"/>
         </a:xfrm>
       </p:grpSpPr>
-      <p:sp>
-        <p:nvSpPr>
-          <p:cNvPr id="2" name="Otsikko 1">
+      <p:pic>
+        <p:nvPicPr>
+          <p:cNvPr id="9" name="Picture 8" descr="Droplets-HD-Content-R1d.png"/>
+          <p:cNvPicPr>
+            <a:picLocks noChangeAspect="1"/>
+          </p:cNvPicPr>
+          <p:nvPr/>
+        </p:nvPicPr>
+        <p:blipFill>
+          <a:blip r:embed="rId2">
             <a:extLst>
-              <a:ext uri="{FF2B5EF4-FFF2-40B4-BE49-F238E27FC236}">
-                <a16:creationId xmlns:a16="http://schemas.microsoft.com/office/drawing/2014/main" id="{AC150D28-09AF-3701-D9D5-123FC7B4C699}"/>
+              <a:ext uri="{28A0092B-C50C-407E-A947-70E740481C1C}">
+                <a14:useLocalDpi xmlns:a14="http://schemas.microsoft.com/office/drawing/2010/main" val="0"/>
               </a:ext>
             </a:extLst>
-          </p:cNvPr>
-          <p:cNvSpPr>
-            <a:spLocks noGrp="1"/>
-          </p:cNvSpPr>
-          <p:nvPr>
-            <p:ph type="title"/>
-          </p:nvPr>
-        </p:nvSpPr>
+          </a:blip>
+          <a:stretch>
+            <a:fillRect/>
+          </a:stretch>
+        </p:blipFill>
         <p:spPr>
           <a:xfrm>
-            <a:off x="831850" y="1709738"/>
-            <a:ext cx="10515600" cy="2852737"/>
+            <a:off x="0" y="0"/>
+            <a:ext cx="12192000" cy="6858000"/>
+          </a:xfrm>
+          <a:prstGeom prst="rect">
+            <a:avLst/>
+          </a:prstGeom>
+        </p:spPr>
+      </p:pic>
+      <p:sp>
+        <p:nvSpPr>
+          <p:cNvPr id="2" name="Title 1"/>
+          <p:cNvSpPr>
+            <a:spLocks noGrp="1"/>
+          </p:cNvSpPr>
+          <p:nvPr>
+            <p:ph type="title"/>
+          </p:nvPr>
+        </p:nvSpPr>
+        <p:spPr>
+          <a:xfrm>
+            <a:off x="913774" y="828563"/>
+            <a:ext cx="10351752" cy="2736819"/>
           </a:xfrm>
         </p:spPr>
         <p:txBody>
-          <a:bodyPr anchor="b"/>
+          <a:bodyPr anchor="b">
+            <a:normAutofit/>
+          </a:bodyPr>
           <a:lstStyle>
             <a:lvl1pPr>
-              <a:defRPr sz="6000"/>
+              <a:defRPr sz="4000"/>
             </a:lvl1pPr>
           </a:lstStyle>
           <a:p>
@@ -982,18 +4586,13 @@
               <a:rPr lang="fi-FI"/>
               <a:t>Muokkaa ots. perustyyl. napsautt.</a:t>
             </a:r>
-          </a:p>
-        </p:txBody>
-      </p:sp>
-      <p:sp>
-        <p:nvSpPr>
-          <p:cNvPr id="3" name="Tekstin paikkamerkki 2">
-            <a:extLst>
-              <a:ext uri="{FF2B5EF4-FFF2-40B4-BE49-F238E27FC236}">
-                <a16:creationId xmlns:a16="http://schemas.microsoft.com/office/drawing/2014/main" id="{73BE7E23-85E2-91CC-0762-F9090B0DB118}"/>
-              </a:ext>
-            </a:extLst>
-          </p:cNvPr>
+            <a:endParaRPr lang="en-US" dirty="0"/>
+          </a:p>
+        </p:txBody>
+      </p:sp>
+      <p:sp>
+        <p:nvSpPr>
+          <p:cNvPr id="3" name="Text Placeholder 2"/>
           <p:cNvSpPr>
             <a:spLocks noGrp="1"/>
           </p:cNvSpPr>
@@ -1003,19 +4602,21 @@
         </p:nvSpPr>
         <p:spPr>
           <a:xfrm>
-            <a:off x="831850" y="4589463"/>
-            <a:ext cx="10515600" cy="1500187"/>
+            <a:off x="913774" y="3657457"/>
+            <a:ext cx="10351752" cy="1368183"/>
           </a:xfrm>
         </p:spPr>
         <p:txBody>
-          <a:bodyPr/>
+          <a:bodyPr>
+            <a:normAutofit/>
+          </a:bodyPr>
           <a:lstStyle>
-            <a:lvl1pPr marL="0" indent="0">
-              <a:buNone/>
-              <a:defRPr sz="2400">
+            <a:lvl1pPr marL="0" indent="0" algn="ctr">
+              <a:buNone/>
+              <a:defRPr sz="2000">
                 <a:solidFill>
-                  <a:schemeClr val="tx1">
-                    <a:tint val="82000"/>
+                  <a:schemeClr val="bg1">
+                    <a:lumMod val="50000"/>
                   </a:schemeClr>
                 </a:solidFill>
               </a:defRPr>
@@ -1025,7 +4626,7 @@
               <a:defRPr sz="2000">
                 <a:solidFill>
                   <a:schemeClr val="tx1">
-                    <a:tint val="82000"/>
+                    <a:tint val="75000"/>
                   </a:schemeClr>
                 </a:solidFill>
               </a:defRPr>
@@ -1035,7 +4636,7 @@
               <a:defRPr sz="1800">
                 <a:solidFill>
                   <a:schemeClr val="tx1">
-                    <a:tint val="82000"/>
+                    <a:tint val="75000"/>
                   </a:schemeClr>
                 </a:solidFill>
               </a:defRPr>
@@ -1045,7 +4646,7 @@
               <a:defRPr sz="1600">
                 <a:solidFill>
                   <a:schemeClr val="tx1">
-                    <a:tint val="82000"/>
+                    <a:tint val="75000"/>
                   </a:schemeClr>
                 </a:solidFill>
               </a:defRPr>
@@ -1055,7 +4656,7 @@
               <a:defRPr sz="1600">
                 <a:solidFill>
                   <a:schemeClr val="tx1">
-                    <a:tint val="82000"/>
+                    <a:tint val="75000"/>
                   </a:schemeClr>
                 </a:solidFill>
               </a:defRPr>
@@ -1065,7 +4666,7 @@
               <a:defRPr sz="1600">
                 <a:solidFill>
                   <a:schemeClr val="tx1">
-                    <a:tint val="82000"/>
+                    <a:tint val="75000"/>
                   </a:schemeClr>
                 </a:solidFill>
               </a:defRPr>
@@ -1075,7 +4676,7 @@
               <a:defRPr sz="1600">
                 <a:solidFill>
                   <a:schemeClr val="tx1">
-                    <a:tint val="82000"/>
+                    <a:tint val="75000"/>
                   </a:schemeClr>
                 </a:solidFill>
               </a:defRPr>
@@ -1085,7 +4686,7 @@
               <a:defRPr sz="1600">
                 <a:solidFill>
                   <a:schemeClr val="tx1">
-                    <a:tint val="82000"/>
+                    <a:tint val="75000"/>
                   </a:schemeClr>
                 </a:solidFill>
               </a:defRPr>
@@ -1095,7 +4696,7 @@
               <a:defRPr sz="1600">
                 <a:solidFill>
                   <a:schemeClr val="tx1">
-                    <a:tint val="82000"/>
+                    <a:tint val="75000"/>
                   </a:schemeClr>
                 </a:solidFill>
               </a:defRPr>
@@ -1112,13 +4713,7 @@
       </p:sp>
       <p:sp>
         <p:nvSpPr>
-          <p:cNvPr id="4" name="Päivämäärän paikkamerkki 3">
-            <a:extLst>
-              <a:ext uri="{FF2B5EF4-FFF2-40B4-BE49-F238E27FC236}">
-                <a16:creationId xmlns:a16="http://schemas.microsoft.com/office/drawing/2014/main" id="{052CA69E-32FE-357B-E268-7324F495212C}"/>
-              </a:ext>
-            </a:extLst>
-          </p:cNvPr>
+          <p:cNvPr id="4" name="Date Placeholder 3"/>
           <p:cNvSpPr>
             <a:spLocks noGrp="1"/>
           </p:cNvSpPr>
@@ -1133,7 +4728,7 @@
           <a:p>
             <a:fld id="{72AD9A15-2235-4C9F-93F1-9D57C5F635C5}" type="datetimeFigureOut">
               <a:rPr lang="fi-FI" smtClean="0"/>
-              <a:t>8.3.2025</a:t>
+              <a:t>10.3.2025</a:t>
             </a:fld>
             <a:endParaRPr lang="fi-FI"/>
           </a:p>
@@ -1141,13 +4736,7 @@
       </p:sp>
       <p:sp>
         <p:nvSpPr>
-          <p:cNvPr id="5" name="Alatunnisteen paikkamerkki 4">
-            <a:extLst>
-              <a:ext uri="{FF2B5EF4-FFF2-40B4-BE49-F238E27FC236}">
-                <a16:creationId xmlns:a16="http://schemas.microsoft.com/office/drawing/2014/main" id="{947F0754-919E-741D-1539-B9A3DB5C2A6F}"/>
-              </a:ext>
-            </a:extLst>
-          </p:cNvPr>
+          <p:cNvPr id="5" name="Footer Placeholder 4"/>
           <p:cNvSpPr>
             <a:spLocks noGrp="1"/>
           </p:cNvSpPr>
@@ -1166,13 +4755,7 @@
       </p:sp>
       <p:sp>
         <p:nvSpPr>
-          <p:cNvPr id="6" name="Dian numeron paikkamerkki 5">
-            <a:extLst>
-              <a:ext uri="{FF2B5EF4-FFF2-40B4-BE49-F238E27FC236}">
-                <a16:creationId xmlns:a16="http://schemas.microsoft.com/office/drawing/2014/main" id="{3D632909-478D-8445-E870-2FFCB3AF7488}"/>
-              </a:ext>
-            </a:extLst>
-          </p:cNvPr>
+          <p:cNvPr id="6" name="Slide Number Placeholder 5"/>
           <p:cNvSpPr>
             <a:spLocks noGrp="1"/>
           </p:cNvSpPr>
@@ -1196,7 +4779,7 @@
     </p:spTree>
     <p:extLst>
       <p:ext uri="{BB962C8B-B14F-4D97-AF65-F5344CB8AC3E}">
-        <p14:creationId xmlns:p14="http://schemas.microsoft.com/office/powerpoint/2010/main" val="3009422797"/>
+        <p14:creationId xmlns:p14="http://schemas.microsoft.com/office/powerpoint/2010/main" val="78733161"/>
       </p:ext>
     </p:extLst>
   </p:cSld>
@@ -1223,15 +4806,39 @@
           <a:chExt cx="0" cy="0"/>
         </a:xfrm>
       </p:grpSpPr>
-      <p:sp>
-        <p:nvSpPr>
-          <p:cNvPr id="2" name="Otsikko 1">
+      <p:pic>
+        <p:nvPicPr>
+          <p:cNvPr id="10" name="Picture 9" descr="Droplets-HD-Content-R1d.png"/>
+          <p:cNvPicPr>
+            <a:picLocks noChangeAspect="1"/>
+          </p:cNvPicPr>
+          <p:nvPr/>
+        </p:nvPicPr>
+        <p:blipFill>
+          <a:blip r:embed="rId2">
             <a:extLst>
-              <a:ext uri="{FF2B5EF4-FFF2-40B4-BE49-F238E27FC236}">
-                <a16:creationId xmlns:a16="http://schemas.microsoft.com/office/drawing/2014/main" id="{AB182025-E5D4-9AE8-1724-62CA2121ED85}"/>
+              <a:ext uri="{28A0092B-C50C-407E-A947-70E740481C1C}">
+                <a14:useLocalDpi xmlns:a14="http://schemas.microsoft.com/office/drawing/2010/main" val="0"/>
               </a:ext>
             </a:extLst>
-          </p:cNvPr>
+          </a:blip>
+          <a:stretch>
+            <a:fillRect/>
+          </a:stretch>
+        </p:blipFill>
+        <p:spPr>
+          <a:xfrm>
+            <a:off x="0" y="0"/>
+            <a:ext cx="12192000" cy="6858000"/>
+          </a:xfrm>
+          <a:prstGeom prst="rect">
+            <a:avLst/>
+          </a:prstGeom>
+        </p:spPr>
+      </p:pic>
+      <p:sp>
+        <p:nvSpPr>
+          <p:cNvPr id="14" name="Title 1"/>
           <p:cNvSpPr>
             <a:spLocks noGrp="1"/>
           </p:cNvSpPr>
@@ -1239,7 +4846,12 @@
             <p:ph type="title"/>
           </p:nvPr>
         </p:nvSpPr>
-        <p:spPr/>
+        <p:spPr>
+          <a:xfrm>
+            <a:off x="913775" y="618517"/>
+            <a:ext cx="10364451" cy="1596177"/>
+          </a:xfrm>
+        </p:spPr>
         <p:txBody>
           <a:bodyPr/>
           <a:lstStyle/>
@@ -1248,29 +4860,24 @@
               <a:rPr lang="fi-FI"/>
               <a:t>Muokkaa ots. perustyyl. napsautt.</a:t>
             </a:r>
-          </a:p>
-        </p:txBody>
-      </p:sp>
-      <p:sp>
-        <p:nvSpPr>
-          <p:cNvPr id="3" name="Sisällön paikkamerkki 2">
-            <a:extLst>
-              <a:ext uri="{FF2B5EF4-FFF2-40B4-BE49-F238E27FC236}">
-                <a16:creationId xmlns:a16="http://schemas.microsoft.com/office/drawing/2014/main" id="{498A1710-14C5-4D9C-B60D-F9CEF165FDE7}"/>
-              </a:ext>
-            </a:extLst>
-          </p:cNvPr>
-          <p:cNvSpPr>
-            <a:spLocks noGrp="1"/>
-          </p:cNvSpPr>
-          <p:nvPr>
-            <p:ph sz="half" idx="1"/>
+            <a:endParaRPr lang="en-US" dirty="0"/>
+          </a:p>
+        </p:txBody>
+      </p:sp>
+      <p:sp>
+        <p:nvSpPr>
+          <p:cNvPr id="12" name="Content Placeholder 2"/>
+          <p:cNvSpPr>
+            <a:spLocks noGrp="1"/>
+          </p:cNvSpPr>
+          <p:nvPr>
+            <p:ph sz="quarter" idx="13"/>
           </p:nvPr>
         </p:nvSpPr>
         <p:spPr>
           <a:xfrm>
-            <a:off x="838200" y="1825625"/>
-            <a:ext cx="5181600" cy="4351338"/>
+            <a:off x="913774" y="2367092"/>
+            <a:ext cx="5106026" cy="3424107"/>
           </a:xfrm>
         </p:spPr>
         <p:txBody>
@@ -1310,29 +4917,24 @@
               <a:rPr lang="fi-FI"/>
               <a:t>viides taso</a:t>
             </a:r>
-          </a:p>
-        </p:txBody>
-      </p:sp>
-      <p:sp>
-        <p:nvSpPr>
-          <p:cNvPr id="4" name="Sisällön paikkamerkki 3">
-            <a:extLst>
-              <a:ext uri="{FF2B5EF4-FFF2-40B4-BE49-F238E27FC236}">
-                <a16:creationId xmlns:a16="http://schemas.microsoft.com/office/drawing/2014/main" id="{4D50B157-9A09-DEB5-7073-EBB1E1970503}"/>
-              </a:ext>
-            </a:extLst>
-          </p:cNvPr>
-          <p:cNvSpPr>
-            <a:spLocks noGrp="1"/>
-          </p:cNvSpPr>
-          <p:nvPr>
-            <p:ph sz="half" idx="2"/>
+            <a:endParaRPr lang="en-US" dirty="0"/>
+          </a:p>
+        </p:txBody>
+      </p:sp>
+      <p:sp>
+        <p:nvSpPr>
+          <p:cNvPr id="13" name="Content Placeholder 3"/>
+          <p:cNvSpPr>
+            <a:spLocks noGrp="1"/>
+          </p:cNvSpPr>
+          <p:nvPr>
+            <p:ph sz="quarter" idx="14"/>
           </p:nvPr>
         </p:nvSpPr>
         <p:spPr>
           <a:xfrm>
-            <a:off x="6172200" y="1825625"/>
-            <a:ext cx="5181600" cy="4351338"/>
+            <a:off x="6172200" y="2367092"/>
+            <a:ext cx="5105400" cy="3424107"/>
           </a:xfrm>
         </p:spPr>
         <p:txBody>
@@ -1372,18 +4974,13 @@
               <a:rPr lang="fi-FI"/>
               <a:t>viides taso</a:t>
             </a:r>
-          </a:p>
-        </p:txBody>
-      </p:sp>
-      <p:sp>
-        <p:nvSpPr>
-          <p:cNvPr id="5" name="Päivämäärän paikkamerkki 4">
-            <a:extLst>
-              <a:ext uri="{FF2B5EF4-FFF2-40B4-BE49-F238E27FC236}">
-                <a16:creationId xmlns:a16="http://schemas.microsoft.com/office/drawing/2014/main" id="{5AC26B05-A5B6-F947-1FA3-7A5515BC604F}"/>
-              </a:ext>
-            </a:extLst>
-          </p:cNvPr>
+            <a:endParaRPr lang="en-US" dirty="0"/>
+          </a:p>
+        </p:txBody>
+      </p:sp>
+      <p:sp>
+        <p:nvSpPr>
+          <p:cNvPr id="5" name="Date Placeholder 4"/>
           <p:cNvSpPr>
             <a:spLocks noGrp="1"/>
           </p:cNvSpPr>
@@ -1398,7 +4995,7 @@
           <a:p>
             <a:fld id="{72AD9A15-2235-4C9F-93F1-9D57C5F635C5}" type="datetimeFigureOut">
               <a:rPr lang="fi-FI" smtClean="0"/>
-              <a:t>8.3.2025</a:t>
+              <a:t>10.3.2025</a:t>
             </a:fld>
             <a:endParaRPr lang="fi-FI"/>
           </a:p>
@@ -1406,13 +5003,7 @@
       </p:sp>
       <p:sp>
         <p:nvSpPr>
-          <p:cNvPr id="6" name="Alatunnisteen paikkamerkki 5">
-            <a:extLst>
-              <a:ext uri="{FF2B5EF4-FFF2-40B4-BE49-F238E27FC236}">
-                <a16:creationId xmlns:a16="http://schemas.microsoft.com/office/drawing/2014/main" id="{40B491B4-F39B-0C46-7F9F-03EEFD12D46E}"/>
-              </a:ext>
-            </a:extLst>
-          </p:cNvPr>
+          <p:cNvPr id="6" name="Footer Placeholder 5"/>
           <p:cNvSpPr>
             <a:spLocks noGrp="1"/>
           </p:cNvSpPr>
@@ -1431,13 +5022,7 @@
       </p:sp>
       <p:sp>
         <p:nvSpPr>
-          <p:cNvPr id="7" name="Dian numeron paikkamerkki 6">
-            <a:extLst>
-              <a:ext uri="{FF2B5EF4-FFF2-40B4-BE49-F238E27FC236}">
-                <a16:creationId xmlns:a16="http://schemas.microsoft.com/office/drawing/2014/main" id="{526E0102-6C9D-40D5-4D93-66E5504AC527}"/>
-              </a:ext>
-            </a:extLst>
-          </p:cNvPr>
+          <p:cNvPr id="7" name="Slide Number Placeholder 6"/>
           <p:cNvSpPr>
             <a:spLocks noGrp="1"/>
           </p:cNvSpPr>
@@ -1461,7 +5046,7 @@
     </p:spTree>
     <p:extLst>
       <p:ext uri="{BB962C8B-B14F-4D97-AF65-F5344CB8AC3E}">
-        <p14:creationId xmlns:p14="http://schemas.microsoft.com/office/powerpoint/2010/main" val="3112799560"/>
+        <p14:creationId xmlns:p14="http://schemas.microsoft.com/office/powerpoint/2010/main" val="2933327140"/>
       </p:ext>
     </p:extLst>
   </p:cSld>
@@ -1488,26 +5073,50 @@
           <a:chExt cx="0" cy="0"/>
         </a:xfrm>
       </p:grpSpPr>
-      <p:sp>
-        <p:nvSpPr>
-          <p:cNvPr id="2" name="Otsikko 1">
+      <p:pic>
+        <p:nvPicPr>
+          <p:cNvPr id="15" name="Picture 14" descr="Droplets-HD-Content-R1d.png"/>
+          <p:cNvPicPr>
+            <a:picLocks noChangeAspect="1"/>
+          </p:cNvPicPr>
+          <p:nvPr/>
+        </p:nvPicPr>
+        <p:blipFill>
+          <a:blip r:embed="rId2">
             <a:extLst>
-              <a:ext uri="{FF2B5EF4-FFF2-40B4-BE49-F238E27FC236}">
-                <a16:creationId xmlns:a16="http://schemas.microsoft.com/office/drawing/2014/main" id="{1E77D8AD-D4F8-DA38-4C3A-6902CDB87C72}"/>
+              <a:ext uri="{28A0092B-C50C-407E-A947-70E740481C1C}">
+                <a14:useLocalDpi xmlns:a14="http://schemas.microsoft.com/office/drawing/2010/main" val="0"/>
               </a:ext>
             </a:extLst>
-          </p:cNvPr>
-          <p:cNvSpPr>
-            <a:spLocks noGrp="1"/>
-          </p:cNvSpPr>
-          <p:nvPr>
-            <p:ph type="title"/>
-          </p:nvPr>
-        </p:nvSpPr>
+          </a:blip>
+          <a:stretch>
+            <a:fillRect/>
+          </a:stretch>
+        </p:blipFill>
         <p:spPr>
           <a:xfrm>
-            <a:off x="839788" y="365125"/>
-            <a:ext cx="10515600" cy="1325563"/>
+            <a:off x="0" y="0"/>
+            <a:ext cx="12192000" cy="6858000"/>
+          </a:xfrm>
+          <a:prstGeom prst="rect">
+            <a:avLst/>
+          </a:prstGeom>
+        </p:spPr>
+      </p:pic>
+      <p:sp>
+        <p:nvSpPr>
+          <p:cNvPr id="14" name="Title 1"/>
+          <p:cNvSpPr>
+            <a:spLocks noGrp="1"/>
+          </p:cNvSpPr>
+          <p:nvPr>
+            <p:ph type="title"/>
+          </p:nvPr>
+        </p:nvSpPr>
+        <p:spPr>
+          <a:xfrm>
+            <a:off x="913775" y="618517"/>
+            <a:ext cx="10364451" cy="1596177"/>
           </a:xfrm>
         </p:spPr>
         <p:txBody>
@@ -1518,18 +5127,13 @@
               <a:rPr lang="fi-FI"/>
               <a:t>Muokkaa ots. perustyyl. napsautt.</a:t>
             </a:r>
-          </a:p>
-        </p:txBody>
-      </p:sp>
-      <p:sp>
-        <p:nvSpPr>
-          <p:cNvPr id="3" name="Tekstin paikkamerkki 2">
-            <a:extLst>
-              <a:ext uri="{FF2B5EF4-FFF2-40B4-BE49-F238E27FC236}">
-                <a16:creationId xmlns:a16="http://schemas.microsoft.com/office/drawing/2014/main" id="{6A24699B-4CCF-DD9C-0520-B2DA96237E54}"/>
-              </a:ext>
-            </a:extLst>
-          </p:cNvPr>
+            <a:endParaRPr lang="en-US" dirty="0"/>
+          </a:p>
+        </p:txBody>
+      </p:sp>
+      <p:sp>
+        <p:nvSpPr>
+          <p:cNvPr id="3" name="Text Placeholder 2"/>
           <p:cNvSpPr>
             <a:spLocks noGrp="1"/>
           </p:cNvSpPr>
@@ -1539,16 +5143,25 @@
         </p:nvSpPr>
         <p:spPr>
           <a:xfrm>
-            <a:off x="839788" y="1681163"/>
-            <a:ext cx="5157787" cy="823912"/>
+            <a:off x="1146328" y="2371018"/>
+            <a:ext cx="4873474" cy="679994"/>
           </a:xfrm>
         </p:spPr>
         <p:txBody>
-          <a:bodyPr anchor="b"/>
+          <a:bodyPr anchor="b">
+            <a:noAutofit/>
+          </a:bodyPr>
           <a:lstStyle>
             <a:lvl1pPr marL="0" indent="0">
-              <a:buNone/>
-              <a:defRPr sz="2400" b="1"/>
+              <a:lnSpc>
+                <a:spcPct val="85000"/>
+              </a:lnSpc>
+              <a:buNone/>
+              <a:defRPr sz="2600" b="0">
+                <a:solidFill>
+                  <a:schemeClr val="tx1"/>
+                </a:solidFill>
+              </a:defRPr>
             </a:lvl1pPr>
             <a:lvl2pPr marL="457200" indent="0">
               <a:buNone/>
@@ -1594,24 +5207,18 @@
       </p:sp>
       <p:sp>
         <p:nvSpPr>
-          <p:cNvPr id="4" name="Sisällön paikkamerkki 3">
-            <a:extLst>
-              <a:ext uri="{FF2B5EF4-FFF2-40B4-BE49-F238E27FC236}">
-                <a16:creationId xmlns:a16="http://schemas.microsoft.com/office/drawing/2014/main" id="{CA1C6F6A-E539-5759-BFF1-B47163E88AAD}"/>
-              </a:ext>
-            </a:extLst>
-          </p:cNvPr>
-          <p:cNvSpPr>
-            <a:spLocks noGrp="1"/>
-          </p:cNvSpPr>
-          <p:nvPr>
-            <p:ph sz="half" idx="2"/>
+          <p:cNvPr id="12" name="Content Placeholder 3"/>
+          <p:cNvSpPr>
+            <a:spLocks noGrp="1"/>
+          </p:cNvSpPr>
+          <p:nvPr>
+            <p:ph sz="quarter" idx="13"/>
           </p:nvPr>
         </p:nvSpPr>
         <p:spPr>
           <a:xfrm>
-            <a:off x="839788" y="2505075"/>
-            <a:ext cx="5157787" cy="3684588"/>
+            <a:off x="913774" y="3051012"/>
+            <a:ext cx="5106027" cy="2740187"/>
           </a:xfrm>
         </p:spPr>
         <p:txBody>
@@ -1651,18 +5258,13 @@
               <a:rPr lang="fi-FI"/>
               <a:t>viides taso</a:t>
             </a:r>
-          </a:p>
-        </p:txBody>
-      </p:sp>
-      <p:sp>
-        <p:nvSpPr>
-          <p:cNvPr id="5" name="Tekstin paikkamerkki 4">
-            <a:extLst>
-              <a:ext uri="{FF2B5EF4-FFF2-40B4-BE49-F238E27FC236}">
-                <a16:creationId xmlns:a16="http://schemas.microsoft.com/office/drawing/2014/main" id="{61A8D5B2-1B27-66B6-0BB6-245803E4ABB9}"/>
-              </a:ext>
-            </a:extLst>
-          </p:cNvPr>
+            <a:endParaRPr lang="en-US" dirty="0"/>
+          </a:p>
+        </p:txBody>
+      </p:sp>
+      <p:sp>
+        <p:nvSpPr>
+          <p:cNvPr id="5" name="Text Placeholder 4"/>
           <p:cNvSpPr>
             <a:spLocks noGrp="1"/>
           </p:cNvSpPr>
@@ -1672,16 +5274,25 @@
         </p:nvSpPr>
         <p:spPr>
           <a:xfrm>
-            <a:off x="6172200" y="1681163"/>
-            <a:ext cx="5183188" cy="823912"/>
+            <a:off x="6396423" y="2371018"/>
+            <a:ext cx="4881804" cy="679994"/>
           </a:xfrm>
         </p:spPr>
         <p:txBody>
-          <a:bodyPr anchor="b"/>
+          <a:bodyPr anchor="b">
+            <a:noAutofit/>
+          </a:bodyPr>
           <a:lstStyle>
             <a:lvl1pPr marL="0" indent="0">
-              <a:buNone/>
-              <a:defRPr sz="2400" b="1"/>
+              <a:lnSpc>
+                <a:spcPct val="85000"/>
+              </a:lnSpc>
+              <a:buNone/>
+              <a:defRPr sz="2600" b="0">
+                <a:solidFill>
+                  <a:schemeClr val="tx1"/>
+                </a:solidFill>
+              </a:defRPr>
             </a:lvl1pPr>
             <a:lvl2pPr marL="457200" indent="0">
               <a:buNone/>
@@ -1727,24 +5338,18 @@
       </p:sp>
       <p:sp>
         <p:nvSpPr>
-          <p:cNvPr id="6" name="Sisällön paikkamerkki 5">
-            <a:extLst>
-              <a:ext uri="{FF2B5EF4-FFF2-40B4-BE49-F238E27FC236}">
-                <a16:creationId xmlns:a16="http://schemas.microsoft.com/office/drawing/2014/main" id="{66A63EFD-27F5-B69E-D17A-CB250F6AB051}"/>
-              </a:ext>
-            </a:extLst>
-          </p:cNvPr>
-          <p:cNvSpPr>
-            <a:spLocks noGrp="1"/>
-          </p:cNvSpPr>
-          <p:nvPr>
-            <p:ph sz="quarter" idx="4"/>
+          <p:cNvPr id="13" name="Content Placeholder 5"/>
+          <p:cNvSpPr>
+            <a:spLocks noGrp="1"/>
+          </p:cNvSpPr>
+          <p:nvPr>
+            <p:ph sz="quarter" idx="14"/>
           </p:nvPr>
         </p:nvSpPr>
         <p:spPr>
           <a:xfrm>
-            <a:off x="6172200" y="2505075"/>
-            <a:ext cx="5183188" cy="3684588"/>
+            <a:off x="6172200" y="3051012"/>
+            <a:ext cx="5105401" cy="2740187"/>
           </a:xfrm>
         </p:spPr>
         <p:txBody>
@@ -1784,18 +5389,13 @@
               <a:rPr lang="fi-FI"/>
               <a:t>viides taso</a:t>
             </a:r>
-          </a:p>
-        </p:txBody>
-      </p:sp>
-      <p:sp>
-        <p:nvSpPr>
-          <p:cNvPr id="7" name="Päivämäärän paikkamerkki 6">
-            <a:extLst>
-              <a:ext uri="{FF2B5EF4-FFF2-40B4-BE49-F238E27FC236}">
-                <a16:creationId xmlns:a16="http://schemas.microsoft.com/office/drawing/2014/main" id="{4A137642-4D32-EBCC-E55D-A7EDBD0A2015}"/>
-              </a:ext>
-            </a:extLst>
-          </p:cNvPr>
+            <a:endParaRPr lang="en-US" dirty="0"/>
+          </a:p>
+        </p:txBody>
+      </p:sp>
+      <p:sp>
+        <p:nvSpPr>
+          <p:cNvPr id="7" name="Date Placeholder 6"/>
           <p:cNvSpPr>
             <a:spLocks noGrp="1"/>
           </p:cNvSpPr>
@@ -1810,7 +5410,7 @@
           <a:p>
             <a:fld id="{72AD9A15-2235-4C9F-93F1-9D57C5F635C5}" type="datetimeFigureOut">
               <a:rPr lang="fi-FI" smtClean="0"/>
-              <a:t>8.3.2025</a:t>
+              <a:t>10.3.2025</a:t>
             </a:fld>
             <a:endParaRPr lang="fi-FI"/>
           </a:p>
@@ -1818,13 +5418,7 @@
       </p:sp>
       <p:sp>
         <p:nvSpPr>
-          <p:cNvPr id="8" name="Alatunnisteen paikkamerkki 7">
-            <a:extLst>
-              <a:ext uri="{FF2B5EF4-FFF2-40B4-BE49-F238E27FC236}">
-                <a16:creationId xmlns:a16="http://schemas.microsoft.com/office/drawing/2014/main" id="{03A0FE16-DD89-3540-8D85-7653D5D8C455}"/>
-              </a:ext>
-            </a:extLst>
-          </p:cNvPr>
+          <p:cNvPr id="8" name="Footer Placeholder 7"/>
           <p:cNvSpPr>
             <a:spLocks noGrp="1"/>
           </p:cNvSpPr>
@@ -1843,13 +5437,7 @@
       </p:sp>
       <p:sp>
         <p:nvSpPr>
-          <p:cNvPr id="9" name="Dian numeron paikkamerkki 8">
-            <a:extLst>
-              <a:ext uri="{FF2B5EF4-FFF2-40B4-BE49-F238E27FC236}">
-                <a16:creationId xmlns:a16="http://schemas.microsoft.com/office/drawing/2014/main" id="{C52FC433-2262-62C1-BECC-3A4D179BCC81}"/>
-              </a:ext>
-            </a:extLst>
-          </p:cNvPr>
+          <p:cNvPr id="9" name="Slide Number Placeholder 8"/>
           <p:cNvSpPr>
             <a:spLocks noGrp="1"/>
           </p:cNvSpPr>
@@ -1873,7 +5461,7 @@
     </p:spTree>
     <p:extLst>
       <p:ext uri="{BB962C8B-B14F-4D97-AF65-F5344CB8AC3E}">
-        <p14:creationId xmlns:p14="http://schemas.microsoft.com/office/powerpoint/2010/main" val="2427570820"/>
+        <p14:creationId xmlns:p14="http://schemas.microsoft.com/office/powerpoint/2010/main" val="536771553"/>
       </p:ext>
     </p:extLst>
   </p:cSld>
@@ -1900,15 +5488,39 @@
           <a:chExt cx="0" cy="0"/>
         </a:xfrm>
       </p:grpSpPr>
-      <p:sp>
-        <p:nvSpPr>
-          <p:cNvPr id="2" name="Otsikko 1">
+      <p:pic>
+        <p:nvPicPr>
+          <p:cNvPr id="8" name="Picture 7" descr="Droplets-HD-Content-R1d.png"/>
+          <p:cNvPicPr>
+            <a:picLocks noChangeAspect="1"/>
+          </p:cNvPicPr>
+          <p:nvPr/>
+        </p:nvPicPr>
+        <p:blipFill>
+          <a:blip r:embed="rId2">
             <a:extLst>
-              <a:ext uri="{FF2B5EF4-FFF2-40B4-BE49-F238E27FC236}">
-                <a16:creationId xmlns:a16="http://schemas.microsoft.com/office/drawing/2014/main" id="{01500918-2317-8A8B-4E3A-C7E9493AF002}"/>
+              <a:ext uri="{28A0092B-C50C-407E-A947-70E740481C1C}">
+                <a14:useLocalDpi xmlns:a14="http://schemas.microsoft.com/office/drawing/2010/main" val="0"/>
               </a:ext>
             </a:extLst>
-          </p:cNvPr>
+          </a:blip>
+          <a:stretch>
+            <a:fillRect/>
+          </a:stretch>
+        </p:blipFill>
+        <p:spPr>
+          <a:xfrm>
+            <a:off x="0" y="0"/>
+            <a:ext cx="12192000" cy="6858000"/>
+          </a:xfrm>
+          <a:prstGeom prst="rect">
+            <a:avLst/>
+          </a:prstGeom>
+        </p:spPr>
+      </p:pic>
+      <p:sp>
+        <p:nvSpPr>
+          <p:cNvPr id="2" name="Title 1"/>
           <p:cNvSpPr>
             <a:spLocks noGrp="1"/>
           </p:cNvSpPr>
@@ -1925,18 +5537,13 @@
               <a:rPr lang="fi-FI"/>
               <a:t>Muokkaa ots. perustyyl. napsautt.</a:t>
             </a:r>
-          </a:p>
-        </p:txBody>
-      </p:sp>
-      <p:sp>
-        <p:nvSpPr>
-          <p:cNvPr id="3" name="Päivämäärän paikkamerkki 2">
-            <a:extLst>
-              <a:ext uri="{FF2B5EF4-FFF2-40B4-BE49-F238E27FC236}">
-                <a16:creationId xmlns:a16="http://schemas.microsoft.com/office/drawing/2014/main" id="{4A0141DC-1776-42D5-9F37-11B11636BCF7}"/>
-              </a:ext>
-            </a:extLst>
-          </p:cNvPr>
+            <a:endParaRPr lang="en-US" dirty="0"/>
+          </a:p>
+        </p:txBody>
+      </p:sp>
+      <p:sp>
+        <p:nvSpPr>
+          <p:cNvPr id="3" name="Date Placeholder 2"/>
           <p:cNvSpPr>
             <a:spLocks noGrp="1"/>
           </p:cNvSpPr>
@@ -1951,7 +5558,7 @@
           <a:p>
             <a:fld id="{72AD9A15-2235-4C9F-93F1-9D57C5F635C5}" type="datetimeFigureOut">
               <a:rPr lang="fi-FI" smtClean="0"/>
-              <a:t>8.3.2025</a:t>
+              <a:t>10.3.2025</a:t>
             </a:fld>
             <a:endParaRPr lang="fi-FI"/>
           </a:p>
@@ -1959,13 +5566,7 @@
       </p:sp>
       <p:sp>
         <p:nvSpPr>
-          <p:cNvPr id="4" name="Alatunnisteen paikkamerkki 3">
-            <a:extLst>
-              <a:ext uri="{FF2B5EF4-FFF2-40B4-BE49-F238E27FC236}">
-                <a16:creationId xmlns:a16="http://schemas.microsoft.com/office/drawing/2014/main" id="{93425EA4-5093-A160-1CF5-DF4A1F566AB7}"/>
-              </a:ext>
-            </a:extLst>
-          </p:cNvPr>
+          <p:cNvPr id="4" name="Footer Placeholder 3"/>
           <p:cNvSpPr>
             <a:spLocks noGrp="1"/>
           </p:cNvSpPr>
@@ -1984,13 +5585,7 @@
       </p:sp>
       <p:sp>
         <p:nvSpPr>
-          <p:cNvPr id="5" name="Dian numeron paikkamerkki 4">
-            <a:extLst>
-              <a:ext uri="{FF2B5EF4-FFF2-40B4-BE49-F238E27FC236}">
-                <a16:creationId xmlns:a16="http://schemas.microsoft.com/office/drawing/2014/main" id="{F9197FC3-EB6D-C8B3-D0A2-9CF14146D6DA}"/>
-              </a:ext>
-            </a:extLst>
-          </p:cNvPr>
+          <p:cNvPr id="5" name="Slide Number Placeholder 4"/>
           <p:cNvSpPr>
             <a:spLocks noGrp="1"/>
           </p:cNvSpPr>
@@ -2014,7 +5609,7 @@
     </p:spTree>
     <p:extLst>
       <p:ext uri="{BB962C8B-B14F-4D97-AF65-F5344CB8AC3E}">
-        <p14:creationId xmlns:p14="http://schemas.microsoft.com/office/powerpoint/2010/main" val="1011749434"/>
+        <p14:creationId xmlns:p14="http://schemas.microsoft.com/office/powerpoint/2010/main" val="1866066651"/>
       </p:ext>
     </p:extLst>
   </p:cSld>
@@ -2041,15 +5636,39 @@
           <a:chExt cx="0" cy="0"/>
         </a:xfrm>
       </p:grpSpPr>
-      <p:sp>
-        <p:nvSpPr>
-          <p:cNvPr id="2" name="Päivämäärän paikkamerkki 1">
+      <p:pic>
+        <p:nvPicPr>
+          <p:cNvPr id="7" name="Picture 6" descr="Droplets-HD-Content-R1d.png"/>
+          <p:cNvPicPr>
+            <a:picLocks noChangeAspect="1"/>
+          </p:cNvPicPr>
+          <p:nvPr/>
+        </p:nvPicPr>
+        <p:blipFill>
+          <a:blip r:embed="rId2">
             <a:extLst>
-              <a:ext uri="{FF2B5EF4-FFF2-40B4-BE49-F238E27FC236}">
-                <a16:creationId xmlns:a16="http://schemas.microsoft.com/office/drawing/2014/main" id="{001F17E5-E38B-4675-FFF9-0EACF7994167}"/>
+              <a:ext uri="{28A0092B-C50C-407E-A947-70E740481C1C}">
+                <a14:useLocalDpi xmlns:a14="http://schemas.microsoft.com/office/drawing/2010/main" val="0"/>
               </a:ext>
             </a:extLst>
-          </p:cNvPr>
+          </a:blip>
+          <a:stretch>
+            <a:fillRect/>
+          </a:stretch>
+        </p:blipFill>
+        <p:spPr>
+          <a:xfrm>
+            <a:off x="0" y="0"/>
+            <a:ext cx="12192000" cy="6858000"/>
+          </a:xfrm>
+          <a:prstGeom prst="rect">
+            <a:avLst/>
+          </a:prstGeom>
+        </p:spPr>
+      </p:pic>
+      <p:sp>
+        <p:nvSpPr>
+          <p:cNvPr id="2" name="Date Placeholder 1"/>
           <p:cNvSpPr>
             <a:spLocks noGrp="1"/>
           </p:cNvSpPr>
@@ -2064,7 +5683,7 @@
           <a:p>
             <a:fld id="{72AD9A15-2235-4C9F-93F1-9D57C5F635C5}" type="datetimeFigureOut">
               <a:rPr lang="fi-FI" smtClean="0"/>
-              <a:t>8.3.2025</a:t>
+              <a:t>10.3.2025</a:t>
             </a:fld>
             <a:endParaRPr lang="fi-FI"/>
           </a:p>
@@ -2072,13 +5691,7 @@
       </p:sp>
       <p:sp>
         <p:nvSpPr>
-          <p:cNvPr id="3" name="Alatunnisteen paikkamerkki 2">
-            <a:extLst>
-              <a:ext uri="{FF2B5EF4-FFF2-40B4-BE49-F238E27FC236}">
-                <a16:creationId xmlns:a16="http://schemas.microsoft.com/office/drawing/2014/main" id="{D1A09283-41AE-724E-F7A6-4BFB2A342BA4}"/>
-              </a:ext>
-            </a:extLst>
-          </p:cNvPr>
+          <p:cNvPr id="3" name="Footer Placeholder 2"/>
           <p:cNvSpPr>
             <a:spLocks noGrp="1"/>
           </p:cNvSpPr>
@@ -2097,13 +5710,7 @@
       </p:sp>
       <p:sp>
         <p:nvSpPr>
-          <p:cNvPr id="4" name="Dian numeron paikkamerkki 3">
-            <a:extLst>
-              <a:ext uri="{FF2B5EF4-FFF2-40B4-BE49-F238E27FC236}">
-                <a16:creationId xmlns:a16="http://schemas.microsoft.com/office/drawing/2014/main" id="{3D8A91C4-CCAE-E5AF-0597-EAFF60E87F35}"/>
-              </a:ext>
-            </a:extLst>
-          </p:cNvPr>
+          <p:cNvPr id="4" name="Slide Number Placeholder 3"/>
           <p:cNvSpPr>
             <a:spLocks noGrp="1"/>
           </p:cNvSpPr>
@@ -2127,7 +5734,7 @@
     </p:spTree>
     <p:extLst>
       <p:ext uri="{BB962C8B-B14F-4D97-AF65-F5344CB8AC3E}">
-        <p14:creationId xmlns:p14="http://schemas.microsoft.com/office/powerpoint/2010/main" val="846747263"/>
+        <p14:creationId xmlns:p14="http://schemas.microsoft.com/office/powerpoint/2010/main" val="3226930143"/>
       </p:ext>
     </p:extLst>
   </p:cSld>
@@ -2154,32 +5761,56 @@
           <a:chExt cx="0" cy="0"/>
         </a:xfrm>
       </p:grpSpPr>
-      <p:sp>
-        <p:nvSpPr>
-          <p:cNvPr id="2" name="Otsikko 1">
+      <p:pic>
+        <p:nvPicPr>
+          <p:cNvPr id="11" name="Picture 10" descr="Droplets-HD-Content-R1d.png"/>
+          <p:cNvPicPr>
+            <a:picLocks noChangeAspect="1"/>
+          </p:cNvPicPr>
+          <p:nvPr/>
+        </p:nvPicPr>
+        <p:blipFill>
+          <a:blip r:embed="rId2">
             <a:extLst>
-              <a:ext uri="{FF2B5EF4-FFF2-40B4-BE49-F238E27FC236}">
-                <a16:creationId xmlns:a16="http://schemas.microsoft.com/office/drawing/2014/main" id="{86AB7D4A-FCCC-22B0-DC28-65D4D1100BC0}"/>
+              <a:ext uri="{28A0092B-C50C-407E-A947-70E740481C1C}">
+                <a14:useLocalDpi xmlns:a14="http://schemas.microsoft.com/office/drawing/2010/main" val="0"/>
               </a:ext>
             </a:extLst>
-          </p:cNvPr>
-          <p:cNvSpPr>
-            <a:spLocks noGrp="1"/>
-          </p:cNvSpPr>
-          <p:nvPr>
-            <p:ph type="title"/>
-          </p:nvPr>
-        </p:nvSpPr>
+          </a:blip>
+          <a:stretch>
+            <a:fillRect/>
+          </a:stretch>
+        </p:blipFill>
         <p:spPr>
           <a:xfrm>
-            <a:off x="839788" y="457200"/>
-            <a:ext cx="3932237" cy="1600200"/>
+            <a:off x="0" y="0"/>
+            <a:ext cx="12192000" cy="6858000"/>
+          </a:xfrm>
+          <a:prstGeom prst="rect">
+            <a:avLst/>
+          </a:prstGeom>
+        </p:spPr>
+      </p:pic>
+      <p:sp>
+        <p:nvSpPr>
+          <p:cNvPr id="2" name="Title 1"/>
+          <p:cNvSpPr>
+            <a:spLocks noGrp="1"/>
+          </p:cNvSpPr>
+          <p:nvPr>
+            <p:ph type="title"/>
+          </p:nvPr>
+        </p:nvSpPr>
+        <p:spPr>
+          <a:xfrm>
+            <a:off x="913775" y="609600"/>
+            <a:ext cx="3935688" cy="2023252"/>
           </a:xfrm>
         </p:spPr>
         <p:txBody>
           <a:bodyPr anchor="b"/>
           <a:lstStyle>
-            <a:lvl1pPr>
+            <a:lvl1pPr algn="ctr">
               <a:defRPr sz="3200"/>
             </a:lvl1pPr>
           </a:lstStyle>
@@ -2188,62 +5819,29 @@
               <a:rPr lang="fi-FI"/>
               <a:t>Muokkaa ots. perustyyl. napsautt.</a:t>
             </a:r>
-          </a:p>
-        </p:txBody>
-      </p:sp>
-      <p:sp>
-        <p:nvSpPr>
-          <p:cNvPr id="3" name="Sisällön paikkamerkki 2">
-            <a:extLst>
-              <a:ext uri="{FF2B5EF4-FFF2-40B4-BE49-F238E27FC236}">
-                <a16:creationId xmlns:a16="http://schemas.microsoft.com/office/drawing/2014/main" id="{ACA894FC-8D92-B083-8362-9D7CF94EDCD4}"/>
-              </a:ext>
-            </a:extLst>
-          </p:cNvPr>
-          <p:cNvSpPr>
-            <a:spLocks noGrp="1"/>
-          </p:cNvSpPr>
-          <p:nvPr>
-            <p:ph idx="1"/>
+            <a:endParaRPr lang="en-US" dirty="0"/>
+          </a:p>
+        </p:txBody>
+      </p:sp>
+      <p:sp>
+        <p:nvSpPr>
+          <p:cNvPr id="10" name="Content Placeholder 2"/>
+          <p:cNvSpPr>
+            <a:spLocks noGrp="1"/>
+          </p:cNvSpPr>
+          <p:nvPr>
+            <p:ph sz="quarter" idx="13"/>
           </p:nvPr>
         </p:nvSpPr>
         <p:spPr>
           <a:xfrm>
-            <a:off x="5183188" y="987425"/>
-            <a:ext cx="6172200" cy="4873625"/>
+            <a:off x="5078062" y="609600"/>
+            <a:ext cx="6200163" cy="5181599"/>
           </a:xfrm>
         </p:spPr>
         <p:txBody>
           <a:bodyPr/>
-          <a:lstStyle>
-            <a:lvl1pPr>
-              <a:defRPr sz="3200"/>
-            </a:lvl1pPr>
-            <a:lvl2pPr>
-              <a:defRPr sz="2800"/>
-            </a:lvl2pPr>
-            <a:lvl3pPr>
-              <a:defRPr sz="2400"/>
-            </a:lvl3pPr>
-            <a:lvl4pPr>
-              <a:defRPr sz="2000"/>
-            </a:lvl4pPr>
-            <a:lvl5pPr>
-              <a:defRPr sz="2000"/>
-            </a:lvl5pPr>
-            <a:lvl6pPr>
-              <a:defRPr sz="2000"/>
-            </a:lvl6pPr>
-            <a:lvl7pPr>
-              <a:defRPr sz="2000"/>
-            </a:lvl7pPr>
-            <a:lvl8pPr>
-              <a:defRPr sz="2000"/>
-            </a:lvl8pPr>
-            <a:lvl9pPr>
-              <a:defRPr sz="2000"/>
-            </a:lvl9pPr>
-          </a:lstStyle>
+          <a:lstStyle/>
           <a:p>
             <a:pPr lvl="0"/>
             <a:r>
@@ -2278,18 +5876,13 @@
               <a:rPr lang="fi-FI"/>
               <a:t>viides taso</a:t>
             </a:r>
-          </a:p>
-        </p:txBody>
-      </p:sp>
-      <p:sp>
-        <p:nvSpPr>
-          <p:cNvPr id="4" name="Tekstin paikkamerkki 3">
-            <a:extLst>
-              <a:ext uri="{FF2B5EF4-FFF2-40B4-BE49-F238E27FC236}">
-                <a16:creationId xmlns:a16="http://schemas.microsoft.com/office/drawing/2014/main" id="{08341AEA-0688-49D5-C84F-3118E4B32DF9}"/>
-              </a:ext>
-            </a:extLst>
-          </p:cNvPr>
+            <a:endParaRPr lang="en-US" dirty="0"/>
+          </a:p>
+        </p:txBody>
+      </p:sp>
+      <p:sp>
+        <p:nvSpPr>
+          <p:cNvPr id="4" name="Text Placeholder 3"/>
           <p:cNvSpPr>
             <a:spLocks noGrp="1"/>
           </p:cNvSpPr>
@@ -2299,14 +5892,14 @@
         </p:nvSpPr>
         <p:spPr>
           <a:xfrm>
-            <a:off x="839788" y="2057400"/>
-            <a:ext cx="3932237" cy="3811588"/>
+            <a:off x="913774" y="2632852"/>
+            <a:ext cx="3935689" cy="3158348"/>
           </a:xfrm>
         </p:spPr>
         <p:txBody>
           <a:bodyPr/>
           <a:lstStyle>
-            <a:lvl1pPr marL="0" indent="0">
+            <a:lvl1pPr marL="0" indent="0" algn="ctr">
               <a:buNone/>
               <a:defRPr sz="1600"/>
             </a:lvl1pPr>
@@ -2354,13 +5947,7 @@
       </p:sp>
       <p:sp>
         <p:nvSpPr>
-          <p:cNvPr id="5" name="Päivämäärän paikkamerkki 4">
-            <a:extLst>
-              <a:ext uri="{FF2B5EF4-FFF2-40B4-BE49-F238E27FC236}">
-                <a16:creationId xmlns:a16="http://schemas.microsoft.com/office/drawing/2014/main" id="{3BA345F9-F647-8DE4-56D0-C8F14FF7D3F9}"/>
-              </a:ext>
-            </a:extLst>
-          </p:cNvPr>
+          <p:cNvPr id="5" name="Date Placeholder 4"/>
           <p:cNvSpPr>
             <a:spLocks noGrp="1"/>
           </p:cNvSpPr>
@@ -2375,7 +5962,7 @@
           <a:p>
             <a:fld id="{72AD9A15-2235-4C9F-93F1-9D57C5F635C5}" type="datetimeFigureOut">
               <a:rPr lang="fi-FI" smtClean="0"/>
-              <a:t>8.3.2025</a:t>
+              <a:t>10.3.2025</a:t>
             </a:fld>
             <a:endParaRPr lang="fi-FI"/>
           </a:p>
@@ -2383,13 +5970,7 @@
       </p:sp>
       <p:sp>
         <p:nvSpPr>
-          <p:cNvPr id="6" name="Alatunnisteen paikkamerkki 5">
-            <a:extLst>
-              <a:ext uri="{FF2B5EF4-FFF2-40B4-BE49-F238E27FC236}">
-                <a16:creationId xmlns:a16="http://schemas.microsoft.com/office/drawing/2014/main" id="{F8467D64-5176-FF1E-EA76-0BE40EEC9FF8}"/>
-              </a:ext>
-            </a:extLst>
-          </p:cNvPr>
+          <p:cNvPr id="6" name="Footer Placeholder 5"/>
           <p:cNvSpPr>
             <a:spLocks noGrp="1"/>
           </p:cNvSpPr>
@@ -2408,13 +5989,7 @@
       </p:sp>
       <p:sp>
         <p:nvSpPr>
-          <p:cNvPr id="7" name="Dian numeron paikkamerkki 6">
-            <a:extLst>
-              <a:ext uri="{FF2B5EF4-FFF2-40B4-BE49-F238E27FC236}">
-                <a16:creationId xmlns:a16="http://schemas.microsoft.com/office/drawing/2014/main" id="{0205BC0E-29AE-D8A2-182F-453EB80A32EF}"/>
-              </a:ext>
-            </a:extLst>
-          </p:cNvPr>
+          <p:cNvPr id="7" name="Slide Number Placeholder 6"/>
           <p:cNvSpPr>
             <a:spLocks noGrp="1"/>
           </p:cNvSpPr>
@@ -2438,7 +6013,7 @@
     </p:spTree>
     <p:extLst>
       <p:ext uri="{BB962C8B-B14F-4D97-AF65-F5344CB8AC3E}">
-        <p14:creationId xmlns:p14="http://schemas.microsoft.com/office/powerpoint/2010/main" val="2418578196"/>
+        <p14:creationId xmlns:p14="http://schemas.microsoft.com/office/powerpoint/2010/main" val="2592099150"/>
       </p:ext>
     </p:extLst>
   </p:cSld>
@@ -2465,32 +6040,56 @@
           <a:chExt cx="0" cy="0"/>
         </a:xfrm>
       </p:grpSpPr>
-      <p:sp>
-        <p:nvSpPr>
-          <p:cNvPr id="2" name="Otsikko 1">
+      <p:pic>
+        <p:nvPicPr>
+          <p:cNvPr id="10" name="Picture 9" descr="Droplets-HD-Content-R1d.png"/>
+          <p:cNvPicPr>
+            <a:picLocks noChangeAspect="1"/>
+          </p:cNvPicPr>
+          <p:nvPr/>
+        </p:nvPicPr>
+        <p:blipFill>
+          <a:blip r:embed="rId2">
             <a:extLst>
-              <a:ext uri="{FF2B5EF4-FFF2-40B4-BE49-F238E27FC236}">
-                <a16:creationId xmlns:a16="http://schemas.microsoft.com/office/drawing/2014/main" id="{69223817-06AF-EFAA-4EA7-38B9FFDF6BCA}"/>
+              <a:ext uri="{28A0092B-C50C-407E-A947-70E740481C1C}">
+                <a14:useLocalDpi xmlns:a14="http://schemas.microsoft.com/office/drawing/2010/main" val="0"/>
               </a:ext>
             </a:extLst>
-          </p:cNvPr>
-          <p:cNvSpPr>
-            <a:spLocks noGrp="1"/>
-          </p:cNvSpPr>
-          <p:nvPr>
-            <p:ph type="title"/>
-          </p:nvPr>
-        </p:nvSpPr>
+          </a:blip>
+          <a:stretch>
+            <a:fillRect/>
+          </a:stretch>
+        </p:blipFill>
         <p:spPr>
           <a:xfrm>
-            <a:off x="839788" y="457200"/>
-            <a:ext cx="3932237" cy="1600200"/>
+            <a:off x="0" y="0"/>
+            <a:ext cx="12192000" cy="6858000"/>
+          </a:xfrm>
+          <a:prstGeom prst="rect">
+            <a:avLst/>
+          </a:prstGeom>
+        </p:spPr>
+      </p:pic>
+      <p:sp>
+        <p:nvSpPr>
+          <p:cNvPr id="2" name="Title 1"/>
+          <p:cNvSpPr>
+            <a:spLocks noGrp="1"/>
+          </p:cNvSpPr>
+          <p:nvPr>
+            <p:ph type="title"/>
+          </p:nvPr>
+        </p:nvSpPr>
+        <p:spPr>
+          <a:xfrm>
+            <a:off x="913774" y="609600"/>
+            <a:ext cx="5934969" cy="2023254"/>
           </a:xfrm>
         </p:spPr>
         <p:txBody>
           <a:bodyPr anchor="b"/>
           <a:lstStyle>
-            <a:lvl1pPr>
+            <a:lvl1pPr algn="ctr">
               <a:defRPr sz="3200"/>
             </a:lvl1pPr>
           </a:lstStyle>
@@ -2499,20 +6098,15 @@
               <a:rPr lang="fi-FI"/>
               <a:t>Muokkaa ots. perustyyl. napsautt.</a:t>
             </a:r>
-          </a:p>
-        </p:txBody>
-      </p:sp>
-      <p:sp>
-        <p:nvSpPr>
-          <p:cNvPr id="3" name="Kuvan paikkamerkki 2">
-            <a:extLst>
-              <a:ext uri="{FF2B5EF4-FFF2-40B4-BE49-F238E27FC236}">
-                <a16:creationId xmlns:a16="http://schemas.microsoft.com/office/drawing/2014/main" id="{F7998159-F56A-53AF-5C78-8A8E56735422}"/>
-              </a:ext>
-            </a:extLst>
-          </p:cNvPr>
-          <p:cNvSpPr>
-            <a:spLocks noGrp="1"/>
+            <a:endParaRPr lang="en-US" dirty="0"/>
+          </a:p>
+        </p:txBody>
+      </p:sp>
+      <p:sp>
+        <p:nvSpPr>
+          <p:cNvPr id="3" name="Picture Placeholder 2"/>
+          <p:cNvSpPr>
+            <a:spLocks noGrp="1" noChangeAspect="1"/>
           </p:cNvSpPr>
           <p:nvPr>
             <p:ph type="pic" idx="1"/>
@@ -2520,12 +6114,37 @@
         </p:nvSpPr>
         <p:spPr>
           <a:xfrm>
-            <a:off x="5183188" y="987425"/>
-            <a:ext cx="6172200" cy="4873625"/>
+            <a:off x="7424803" y="609601"/>
+            <a:ext cx="3255358" cy="5181600"/>
           </a:xfrm>
+          <a:prstGeom prst="roundRect">
+            <a:avLst>
+              <a:gd name="adj" fmla="val 4943"/>
+            </a:avLst>
+          </a:prstGeom>
+          <a:noFill/>
+          <a:ln w="82550" cap="sq">
+            <a:solidFill>
+              <a:srgbClr val="EAEAEA"/>
+            </a:solidFill>
+            <a:miter lim="800000"/>
+          </a:ln>
+          <a:effectLst/>
+          <a:scene3d>
+            <a:camera prst="orthographicFront"/>
+            <a:lightRig rig="threePt" dir="t">
+              <a:rot lat="0" lon="0" rev="2700000"/>
+            </a:lightRig>
+          </a:scene3d>
+          <a:sp3d contourW="6350">
+            <a:bevelT h="38100"/>
+            <a:contourClr>
+              <a:srgbClr val="C0C0C0"/>
+            </a:contourClr>
+          </a:sp3d>
         </p:spPr>
         <p:txBody>
-          <a:bodyPr/>
+          <a:bodyPr anchor="t"/>
           <a:lstStyle>
             <a:lvl1pPr marL="0" indent="0">
               <a:buNone/>
@@ -2565,19 +6184,17 @@
             </a:lvl9pPr>
           </a:lstStyle>
           <a:p>
-            <a:endParaRPr lang="fi-FI"/>
-          </a:p>
-        </p:txBody>
-      </p:sp>
-      <p:sp>
-        <p:nvSpPr>
-          <p:cNvPr id="4" name="Tekstin paikkamerkki 3">
-            <a:extLst>
-              <a:ext uri="{FF2B5EF4-FFF2-40B4-BE49-F238E27FC236}">
-                <a16:creationId xmlns:a16="http://schemas.microsoft.com/office/drawing/2014/main" id="{EF1B843E-DEAA-45B9-FFA1-174DCF0910E6}"/>
-              </a:ext>
-            </a:extLst>
-          </p:cNvPr>
+            <a:r>
+              <a:rPr lang="fi-FI"/>
+              <a:t>Lisää kuva napsauttamalla kuvaketta</a:t>
+            </a:r>
+            <a:endParaRPr lang="en-US" dirty="0"/>
+          </a:p>
+        </p:txBody>
+      </p:sp>
+      <p:sp>
+        <p:nvSpPr>
+          <p:cNvPr id="4" name="Text Placeholder 3"/>
           <p:cNvSpPr>
             <a:spLocks noGrp="1"/>
           </p:cNvSpPr>
@@ -2587,14 +6204,14 @@
         </p:nvSpPr>
         <p:spPr>
           <a:xfrm>
-            <a:off x="839788" y="2057400"/>
-            <a:ext cx="3932237" cy="3811588"/>
+            <a:off x="913794" y="2632852"/>
+            <a:ext cx="5934949" cy="3158347"/>
           </a:xfrm>
         </p:spPr>
         <p:txBody>
           <a:bodyPr/>
           <a:lstStyle>
-            <a:lvl1pPr marL="0" indent="0">
+            <a:lvl1pPr marL="0" indent="0" algn="ctr">
               <a:buNone/>
               <a:defRPr sz="1600"/>
             </a:lvl1pPr>
@@ -2642,13 +6259,7 @@
       </p:sp>
       <p:sp>
         <p:nvSpPr>
-          <p:cNvPr id="5" name="Päivämäärän paikkamerkki 4">
-            <a:extLst>
-              <a:ext uri="{FF2B5EF4-FFF2-40B4-BE49-F238E27FC236}">
-                <a16:creationId xmlns:a16="http://schemas.microsoft.com/office/drawing/2014/main" id="{0E71E540-CA02-D992-29EC-E363C267AE26}"/>
-              </a:ext>
-            </a:extLst>
-          </p:cNvPr>
+          <p:cNvPr id="5" name="Date Placeholder 4"/>
           <p:cNvSpPr>
             <a:spLocks noGrp="1"/>
           </p:cNvSpPr>
@@ -2663,7 +6274,7 @@
           <a:p>
             <a:fld id="{72AD9A15-2235-4C9F-93F1-9D57C5F635C5}" type="datetimeFigureOut">
               <a:rPr lang="fi-FI" smtClean="0"/>
-              <a:t>8.3.2025</a:t>
+              <a:t>10.3.2025</a:t>
             </a:fld>
             <a:endParaRPr lang="fi-FI"/>
           </a:p>
@@ -2671,13 +6282,7 @@
       </p:sp>
       <p:sp>
         <p:nvSpPr>
-          <p:cNvPr id="6" name="Alatunnisteen paikkamerkki 5">
-            <a:extLst>
-              <a:ext uri="{FF2B5EF4-FFF2-40B4-BE49-F238E27FC236}">
-                <a16:creationId xmlns:a16="http://schemas.microsoft.com/office/drawing/2014/main" id="{05BF8CE6-0C76-C1EC-C3DA-A83D18AC5A76}"/>
-              </a:ext>
-            </a:extLst>
-          </p:cNvPr>
+          <p:cNvPr id="6" name="Footer Placeholder 5"/>
           <p:cNvSpPr>
             <a:spLocks noGrp="1"/>
           </p:cNvSpPr>
@@ -2696,13 +6301,7 @@
       </p:sp>
       <p:sp>
         <p:nvSpPr>
-          <p:cNvPr id="7" name="Dian numeron paikkamerkki 6">
-            <a:extLst>
-              <a:ext uri="{FF2B5EF4-FFF2-40B4-BE49-F238E27FC236}">
-                <a16:creationId xmlns:a16="http://schemas.microsoft.com/office/drawing/2014/main" id="{1DE75C9E-D969-DAB4-B5E6-CDD5E531E83E}"/>
-              </a:ext>
-            </a:extLst>
-          </p:cNvPr>
+          <p:cNvPr id="7" name="Slide Number Placeholder 6"/>
           <p:cNvSpPr>
             <a:spLocks noGrp="1"/>
           </p:cNvSpPr>
@@ -2726,7 +6325,7 @@
     </p:spTree>
     <p:extLst>
       <p:ext uri="{BB962C8B-B14F-4D97-AF65-F5344CB8AC3E}">
-        <p14:creationId xmlns:p14="http://schemas.microsoft.com/office/powerpoint/2010/main" val="2868874783"/>
+        <p14:creationId xmlns:p14="http://schemas.microsoft.com/office/powerpoint/2010/main" val="3320853643"/>
       </p:ext>
     </p:extLst>
   </p:cSld>
@@ -2740,7 +6339,7 @@
 <p:sldMaster xmlns:a="http://schemas.openxmlformats.org/drawingml/2006/main" xmlns:r="http://schemas.openxmlformats.org/officeDocument/2006/relationships" xmlns:p="http://schemas.openxmlformats.org/presentationml/2006/main">
   <p:cSld>
     <p:bg>
-      <p:bgRef idx="1001">
+      <p:bgRef idx="1002">
         <a:schemeClr val="bg1"/>
       </p:bgRef>
     </p:bg>
@@ -2758,15 +6357,51 @@
           <a:chExt cx="0" cy="0"/>
         </a:xfrm>
       </p:grpSpPr>
-      <p:sp>
-        <p:nvSpPr>
-          <p:cNvPr id="2" name="Otsikon paikkamerkki 1">
+      <p:pic>
+        <p:nvPicPr>
+          <p:cNvPr id="1026" name="Picture 2" descr="\\DROBO-FS\QuickDrops\JB\PPTX NG\Droplets\LightingOverlay.png"/>
+          <p:cNvPicPr>
+            <a:picLocks noChangeAspect="1" noChangeArrowheads="1"/>
+          </p:cNvPicPr>
+          <p:nvPr/>
+        </p:nvPicPr>
+        <p:blipFill>
+          <a:blip r:embed="rId20">
+            <a:alphaModFix/>
             <a:extLst>
-              <a:ext uri="{FF2B5EF4-FFF2-40B4-BE49-F238E27FC236}">
-                <a16:creationId xmlns:a16="http://schemas.microsoft.com/office/drawing/2014/main" id="{C04A131F-AFE5-EF87-BE6E-AEDD07D69B16}"/>
+              <a:ext uri="{28A0092B-C50C-407E-A947-70E740481C1C}">
+                <a14:useLocalDpi xmlns:a14="http://schemas.microsoft.com/office/drawing/2010/main" val="0"/>
               </a:ext>
             </a:extLst>
-          </p:cNvPr>
+          </a:blip>
+          <a:srcRect/>
+          <a:stretch>
+            <a:fillRect/>
+          </a:stretch>
+        </p:blipFill>
+        <p:spPr bwMode="auto">
+          <a:xfrm>
+            <a:off x="0" y="-1"/>
+            <a:ext cx="12192003" cy="6858001"/>
+          </a:xfrm>
+          <a:prstGeom prst="rect">
+            <a:avLst/>
+          </a:prstGeom>
+          <a:noFill/>
+          <a:extLst>
+            <a:ext uri="{909E8E84-426E-40DD-AFC4-6F175D3DCCD1}">
+              <a14:hiddenFill xmlns:a14="http://schemas.microsoft.com/office/drawing/2010/main">
+                <a:solidFill>
+                  <a:srgbClr val="FFFFFF"/>
+                </a:solidFill>
+              </a14:hiddenFill>
+            </a:ext>
+          </a:extLst>
+        </p:spPr>
+      </p:pic>
+      <p:sp>
+        <p:nvSpPr>
+          <p:cNvPr id="2" name="Title Placeholder 1"/>
           <p:cNvSpPr>
             <a:spLocks noGrp="1"/>
           </p:cNvSpPr>
@@ -2776,8 +6411,8 @@
         </p:nvSpPr>
         <p:spPr>
           <a:xfrm>
-            <a:off x="838200" y="365125"/>
-            <a:ext cx="10515600" cy="1325563"/>
+            <a:off x="913775" y="618517"/>
+            <a:ext cx="10364451" cy="1596177"/>
           </a:xfrm>
           <a:prstGeom prst="rect">
             <a:avLst/>
@@ -2793,18 +6428,13 @@
               <a:rPr lang="fi-FI"/>
               <a:t>Muokkaa ots. perustyyl. napsautt.</a:t>
             </a:r>
-          </a:p>
-        </p:txBody>
-      </p:sp>
-      <p:sp>
-        <p:nvSpPr>
-          <p:cNvPr id="3" name="Tekstin paikkamerkki 2">
-            <a:extLst>
-              <a:ext uri="{FF2B5EF4-FFF2-40B4-BE49-F238E27FC236}">
-                <a16:creationId xmlns:a16="http://schemas.microsoft.com/office/drawing/2014/main" id="{EC2B2889-FAB2-F0FA-51DC-3ED8A20D1CE7}"/>
-              </a:ext>
-            </a:extLst>
-          </p:cNvPr>
+            <a:endParaRPr lang="en-US" dirty="0"/>
+          </a:p>
+        </p:txBody>
+      </p:sp>
+      <p:sp>
+        <p:nvSpPr>
+          <p:cNvPr id="3" name="Text Placeholder 2"/>
           <p:cNvSpPr>
             <a:spLocks noGrp="1"/>
           </p:cNvSpPr>
@@ -2814,8 +6444,8 @@
         </p:nvSpPr>
         <p:spPr>
           <a:xfrm>
-            <a:off x="838200" y="1825625"/>
-            <a:ext cx="10515600" cy="4351338"/>
+            <a:off x="913775" y="2367093"/>
+            <a:ext cx="10364452" cy="3424107"/>
           </a:xfrm>
           <a:prstGeom prst="rect">
             <a:avLst/>
@@ -2860,18 +6490,13 @@
               <a:rPr lang="fi-FI"/>
               <a:t>viides taso</a:t>
             </a:r>
-          </a:p>
-        </p:txBody>
-      </p:sp>
-      <p:sp>
-        <p:nvSpPr>
-          <p:cNvPr id="4" name="Päivämäärän paikkamerkki 3">
-            <a:extLst>
-              <a:ext uri="{FF2B5EF4-FFF2-40B4-BE49-F238E27FC236}">
-                <a16:creationId xmlns:a16="http://schemas.microsoft.com/office/drawing/2014/main" id="{BE0019CD-3FBC-76B7-7F01-2E4FF33E9CD5}"/>
-              </a:ext>
-            </a:extLst>
-          </p:cNvPr>
+            <a:endParaRPr lang="en-US" dirty="0"/>
+          </a:p>
+        </p:txBody>
+      </p:sp>
+      <p:sp>
+        <p:nvSpPr>
+          <p:cNvPr id="4" name="Date Placeholder 3"/>
           <p:cNvSpPr>
             <a:spLocks noGrp="1"/>
           </p:cNvSpPr>
@@ -2881,7 +6506,7 @@
         </p:nvSpPr>
         <p:spPr>
           <a:xfrm>
-            <a:off x="838200" y="6356350"/>
+            <a:off x="7678737" y="5883275"/>
             <a:ext cx="2743200" cy="365125"/>
           </a:xfrm>
           <a:prstGeom prst="rect">
@@ -2891,12 +6516,10 @@
         <p:txBody>
           <a:bodyPr vert="horz" lIns="91440" tIns="45720" rIns="91440" bIns="45720" rtlCol="0" anchor="ctr"/>
           <a:lstStyle>
-            <a:lvl1pPr algn="l">
-              <a:defRPr sz="1200">
+            <a:lvl1pPr algn="r">
+              <a:defRPr sz="1000">
                 <a:solidFill>
-                  <a:schemeClr val="tx1">
-                    <a:tint val="82000"/>
-                  </a:schemeClr>
+                  <a:schemeClr val="tx1"/>
                 </a:solidFill>
               </a:defRPr>
             </a:lvl1pPr>
@@ -2904,7 +6527,7 @@
           <a:p>
             <a:fld id="{72AD9A15-2235-4C9F-93F1-9D57C5F635C5}" type="datetimeFigureOut">
               <a:rPr lang="fi-FI" smtClean="0"/>
-              <a:t>8.3.2025</a:t>
+              <a:t>10.3.2025</a:t>
             </a:fld>
             <a:endParaRPr lang="fi-FI"/>
           </a:p>
@@ -2912,13 +6535,7 @@
       </p:sp>
       <p:sp>
         <p:nvSpPr>
-          <p:cNvPr id="5" name="Alatunnisteen paikkamerkki 4">
-            <a:extLst>
-              <a:ext uri="{FF2B5EF4-FFF2-40B4-BE49-F238E27FC236}">
-                <a16:creationId xmlns:a16="http://schemas.microsoft.com/office/drawing/2014/main" id="{FE9AFED8-55B1-626C-4840-13B5A0E15842}"/>
-              </a:ext>
-            </a:extLst>
-          </p:cNvPr>
+          <p:cNvPr id="5" name="Footer Placeholder 4"/>
           <p:cNvSpPr>
             <a:spLocks noGrp="1"/>
           </p:cNvSpPr>
@@ -2928,8 +6545,8 @@
         </p:nvSpPr>
         <p:spPr>
           <a:xfrm>
-            <a:off x="4038600" y="6356350"/>
-            <a:ext cx="4114800" cy="365125"/>
+            <a:off x="913774" y="5883275"/>
+            <a:ext cx="6672887" cy="365125"/>
           </a:xfrm>
           <a:prstGeom prst="rect">
             <a:avLst/>
@@ -2938,12 +6555,10 @@
         <p:txBody>
           <a:bodyPr vert="horz" lIns="91440" tIns="45720" rIns="91440" bIns="45720" rtlCol="0" anchor="ctr"/>
           <a:lstStyle>
-            <a:lvl1pPr algn="ctr">
-              <a:defRPr sz="1200">
+            <a:lvl1pPr algn="l">
+              <a:defRPr sz="1000">
                 <a:solidFill>
-                  <a:schemeClr val="tx1">
-                    <a:tint val="82000"/>
-                  </a:schemeClr>
+                  <a:schemeClr val="tx1"/>
                 </a:solidFill>
               </a:defRPr>
             </a:lvl1pPr>
@@ -2955,13 +6570,7 @@
       </p:sp>
       <p:sp>
         <p:nvSpPr>
-          <p:cNvPr id="6" name="Dian numeron paikkamerkki 5">
-            <a:extLst>
-              <a:ext uri="{FF2B5EF4-FFF2-40B4-BE49-F238E27FC236}">
-                <a16:creationId xmlns:a16="http://schemas.microsoft.com/office/drawing/2014/main" id="{3F661C37-5CFF-EAED-E91A-18235520BCAC}"/>
-              </a:ext>
-            </a:extLst>
-          </p:cNvPr>
+          <p:cNvPr id="6" name="Slide Number Placeholder 5"/>
           <p:cNvSpPr>
             <a:spLocks noGrp="1"/>
           </p:cNvSpPr>
@@ -2971,8 +6580,8 @@
         </p:nvSpPr>
         <p:spPr>
           <a:xfrm>
-            <a:off x="8610600" y="6356350"/>
-            <a:ext cx="2743200" cy="365125"/>
+            <a:off x="10514011" y="5883275"/>
+            <a:ext cx="764215" cy="365125"/>
           </a:xfrm>
           <a:prstGeom prst="rect">
             <a:avLst/>
@@ -2982,11 +6591,9 @@
           <a:bodyPr vert="horz" lIns="91440" tIns="45720" rIns="91440" bIns="45720" rtlCol="0" anchor="ctr"/>
           <a:lstStyle>
             <a:lvl1pPr algn="r">
-              <a:defRPr sz="1200">
+              <a:defRPr sz="1000">
                 <a:solidFill>
-                  <a:schemeClr val="tx1">
-                    <a:tint val="82000"/>
-                  </a:schemeClr>
+                  <a:schemeClr val="tx1"/>
                 </a:solidFill>
               </a:defRPr>
             </a:lvl1pPr>
@@ -3003,27 +6610,34 @@
     </p:spTree>
     <p:extLst>
       <p:ext uri="{BB962C8B-B14F-4D97-AF65-F5344CB8AC3E}">
-        <p14:creationId xmlns:p14="http://schemas.microsoft.com/office/powerpoint/2010/main" val="902194191"/>
+        <p14:creationId xmlns:p14="http://schemas.microsoft.com/office/powerpoint/2010/main" val="2323693882"/>
       </p:ext>
     </p:extLst>
   </p:cSld>
   <p:clrMap bg1="lt1" tx1="dk1" bg2="lt2" tx2="dk2" accent1="accent1" accent2="accent2" accent3="accent3" accent4="accent4" accent5="accent5" accent6="accent6" hlink="hlink" folHlink="folHlink"/>
   <p:sldLayoutIdLst>
-    <p:sldLayoutId id="2147483649" r:id="rId1"/>
-    <p:sldLayoutId id="2147483650" r:id="rId2"/>
-    <p:sldLayoutId id="2147483651" r:id="rId3"/>
-    <p:sldLayoutId id="2147483652" r:id="rId4"/>
-    <p:sldLayoutId id="2147483653" r:id="rId5"/>
-    <p:sldLayoutId id="2147483654" r:id="rId6"/>
-    <p:sldLayoutId id="2147483655" r:id="rId7"/>
-    <p:sldLayoutId id="2147483656" r:id="rId8"/>
-    <p:sldLayoutId id="2147483657" r:id="rId9"/>
-    <p:sldLayoutId id="2147483658" r:id="rId10"/>
-    <p:sldLayoutId id="2147483659" r:id="rId11"/>
+    <p:sldLayoutId id="2147483661" r:id="rId1"/>
+    <p:sldLayoutId id="2147483662" r:id="rId2"/>
+    <p:sldLayoutId id="2147483663" r:id="rId3"/>
+    <p:sldLayoutId id="2147483664" r:id="rId4"/>
+    <p:sldLayoutId id="2147483665" r:id="rId5"/>
+    <p:sldLayoutId id="2147483666" r:id="rId6"/>
+    <p:sldLayoutId id="2147483667" r:id="rId7"/>
+    <p:sldLayoutId id="2147483668" r:id="rId8"/>
+    <p:sldLayoutId id="2147483669" r:id="rId9"/>
+    <p:sldLayoutId id="2147483670" r:id="rId10"/>
+    <p:sldLayoutId id="2147483671" r:id="rId11"/>
+    <p:sldLayoutId id="2147483672" r:id="rId12"/>
+    <p:sldLayoutId id="2147483673" r:id="rId13"/>
+    <p:sldLayoutId id="2147483674" r:id="rId14"/>
+    <p:sldLayoutId id="2147483675" r:id="rId15"/>
+    <p:sldLayoutId id="2147483676" r:id="rId16"/>
+    <p:sldLayoutId id="2147483677" r:id="rId17"/>
+    <p:sldLayoutId id="2147483678" r:id="rId18"/>
   </p:sldLayoutIdLst>
   <p:txStyles>
     <p:titleStyle>
-      <a:lvl1pPr algn="l" defTabSz="914400" rtl="0" eaLnBrk="1" latinLnBrk="0" hangingPunct="1">
+      <a:lvl1pPr algn="ctr" defTabSz="914400" rtl="0" eaLnBrk="1" latinLnBrk="0" hangingPunct="1">
         <a:lnSpc>
           <a:spcPct val="90000"/>
         </a:lnSpc>
@@ -3031,10 +6645,11 @@
           <a:spcPct val="0"/>
         </a:spcBef>
         <a:buNone/>
-        <a:defRPr sz="4400" kern="1200">
+        <a:defRPr sz="3600" kern="1200" cap="all" baseline="0">
           <a:solidFill>
             <a:schemeClr val="tx1"/>
           </a:solidFill>
+          <a:effectLst/>
           <a:latin typeface="+mj-lt"/>
           <a:ea typeface="+mj-ea"/>
           <a:cs typeface="+mj-cs"/>
@@ -3044,17 +6659,21 @@
     <p:bodyStyle>
       <a:lvl1pPr marL="228600" indent="-228600" algn="l" defTabSz="914400" rtl="0" eaLnBrk="1" latinLnBrk="0" hangingPunct="1">
         <a:lnSpc>
-          <a:spcPct val="90000"/>
+          <a:spcPct val="120000"/>
         </a:lnSpc>
         <a:spcBef>
           <a:spcPts val="1000"/>
         </a:spcBef>
+        <a:buClr>
+          <a:schemeClr val="tx1"/>
+        </a:buClr>
         <a:buFont typeface="Arial" panose="020B0604020202020204" pitchFamily="34" charset="0"/>
         <a:buChar char="•"/>
-        <a:defRPr sz="2800" kern="1200">
+        <a:defRPr sz="2000" kern="1200" cap="all" baseline="0">
           <a:solidFill>
             <a:schemeClr val="tx1"/>
           </a:solidFill>
+          <a:effectLst/>
           <a:latin typeface="+mn-lt"/>
           <a:ea typeface="+mn-ea"/>
           <a:cs typeface="+mn-cs"/>
@@ -3062,17 +6681,21 @@
       </a:lvl1pPr>
       <a:lvl2pPr marL="685800" indent="-228600" algn="l" defTabSz="914400" rtl="0" eaLnBrk="1" latinLnBrk="0" hangingPunct="1">
         <a:lnSpc>
-          <a:spcPct val="90000"/>
+          <a:spcPct val="120000"/>
         </a:lnSpc>
         <a:spcBef>
           <a:spcPts val="500"/>
         </a:spcBef>
+        <a:buClr>
+          <a:schemeClr val="tx1"/>
+        </a:buClr>
         <a:buFont typeface="Arial" panose="020B0604020202020204" pitchFamily="34" charset="0"/>
         <a:buChar char="•"/>
-        <a:defRPr sz="2400" kern="1200">
+        <a:defRPr sz="1800" kern="1200" cap="all" baseline="0">
           <a:solidFill>
             <a:schemeClr val="tx1"/>
           </a:solidFill>
+          <a:effectLst/>
           <a:latin typeface="+mn-lt"/>
           <a:ea typeface="+mn-ea"/>
           <a:cs typeface="+mn-cs"/>
@@ -3080,17 +6703,21 @@
       </a:lvl2pPr>
       <a:lvl3pPr marL="1143000" indent="-228600" algn="l" defTabSz="914400" rtl="0" eaLnBrk="1" latinLnBrk="0" hangingPunct="1">
         <a:lnSpc>
-          <a:spcPct val="90000"/>
+          <a:spcPct val="120000"/>
         </a:lnSpc>
         <a:spcBef>
           <a:spcPts val="500"/>
         </a:spcBef>
+        <a:buClr>
+          <a:schemeClr val="tx1"/>
+        </a:buClr>
         <a:buFont typeface="Arial" panose="020B0604020202020204" pitchFamily="34" charset="0"/>
         <a:buChar char="•"/>
-        <a:defRPr sz="2000" kern="1200">
+        <a:defRPr sz="1600" kern="1200" cap="all" baseline="0">
           <a:solidFill>
             <a:schemeClr val="tx1"/>
           </a:solidFill>
+          <a:effectLst/>
           <a:latin typeface="+mn-lt"/>
           <a:ea typeface="+mn-ea"/>
           <a:cs typeface="+mn-cs"/>
@@ -3098,17 +6725,21 @@
       </a:lvl3pPr>
       <a:lvl4pPr marL="1600200" indent="-228600" algn="l" defTabSz="914400" rtl="0" eaLnBrk="1" latinLnBrk="0" hangingPunct="1">
         <a:lnSpc>
-          <a:spcPct val="90000"/>
+          <a:spcPct val="120000"/>
         </a:lnSpc>
         <a:spcBef>
           <a:spcPts val="500"/>
         </a:spcBef>
+        <a:buClr>
+          <a:schemeClr val="tx1"/>
+        </a:buClr>
         <a:buFont typeface="Arial" panose="020B0604020202020204" pitchFamily="34" charset="0"/>
         <a:buChar char="•"/>
-        <a:defRPr sz="1800" kern="1200">
+        <a:defRPr sz="1400" kern="1200" cap="all" baseline="0">
           <a:solidFill>
             <a:schemeClr val="tx1"/>
           </a:solidFill>
+          <a:effectLst/>
           <a:latin typeface="+mn-lt"/>
           <a:ea typeface="+mn-ea"/>
           <a:cs typeface="+mn-cs"/>
@@ -3116,17 +6747,21 @@
       </a:lvl4pPr>
       <a:lvl5pPr marL="2057400" indent="-228600" algn="l" defTabSz="914400" rtl="0" eaLnBrk="1" latinLnBrk="0" hangingPunct="1">
         <a:lnSpc>
-          <a:spcPct val="90000"/>
+          <a:spcPct val="120000"/>
         </a:lnSpc>
         <a:spcBef>
           <a:spcPts val="500"/>
         </a:spcBef>
+        <a:buClr>
+          <a:schemeClr val="tx1"/>
+        </a:buClr>
         <a:buFont typeface="Arial" panose="020B0604020202020204" pitchFamily="34" charset="0"/>
         <a:buChar char="•"/>
-        <a:defRPr sz="1800" kern="1200">
+        <a:defRPr sz="1400" kern="1200" cap="all" baseline="0">
           <a:solidFill>
             <a:schemeClr val="tx1"/>
           </a:solidFill>
+          <a:effectLst/>
           <a:latin typeface="+mn-lt"/>
           <a:ea typeface="+mn-ea"/>
           <a:cs typeface="+mn-cs"/>
@@ -3134,17 +6769,21 @@
       </a:lvl5pPr>
       <a:lvl6pPr marL="2514600" indent="-228600" algn="l" defTabSz="914400" rtl="0" eaLnBrk="1" latinLnBrk="0" hangingPunct="1">
         <a:lnSpc>
-          <a:spcPct val="90000"/>
+          <a:spcPct val="120000"/>
         </a:lnSpc>
         <a:spcBef>
           <a:spcPts val="500"/>
         </a:spcBef>
+        <a:buClr>
+          <a:schemeClr val="tx1"/>
+        </a:buClr>
         <a:buFont typeface="Arial" panose="020B0604020202020204" pitchFamily="34" charset="0"/>
         <a:buChar char="•"/>
-        <a:defRPr sz="1800" kern="1200">
+        <a:defRPr sz="1400" kern="1200" cap="all" baseline="0">
           <a:solidFill>
             <a:schemeClr val="tx1"/>
           </a:solidFill>
+          <a:effectLst/>
           <a:latin typeface="+mn-lt"/>
           <a:ea typeface="+mn-ea"/>
           <a:cs typeface="+mn-cs"/>
@@ -3152,17 +6791,21 @@
       </a:lvl6pPr>
       <a:lvl7pPr marL="2971800" indent="-228600" algn="l" defTabSz="914400" rtl="0" eaLnBrk="1" latinLnBrk="0" hangingPunct="1">
         <a:lnSpc>
-          <a:spcPct val="90000"/>
+          <a:spcPct val="120000"/>
         </a:lnSpc>
         <a:spcBef>
           <a:spcPts val="500"/>
         </a:spcBef>
+        <a:buClr>
+          <a:schemeClr val="tx1"/>
+        </a:buClr>
         <a:buFont typeface="Arial" panose="020B0604020202020204" pitchFamily="34" charset="0"/>
         <a:buChar char="•"/>
-        <a:defRPr sz="1800" kern="1200">
+        <a:defRPr sz="1400" kern="1200" cap="all" baseline="0">
           <a:solidFill>
             <a:schemeClr val="tx1"/>
           </a:solidFill>
+          <a:effectLst/>
           <a:latin typeface="+mn-lt"/>
           <a:ea typeface="+mn-ea"/>
           <a:cs typeface="+mn-cs"/>
@@ -3170,17 +6813,21 @@
       </a:lvl7pPr>
       <a:lvl8pPr marL="3429000" indent="-228600" algn="l" defTabSz="914400" rtl="0" eaLnBrk="1" latinLnBrk="0" hangingPunct="1">
         <a:lnSpc>
-          <a:spcPct val="90000"/>
+          <a:spcPct val="120000"/>
         </a:lnSpc>
         <a:spcBef>
           <a:spcPts val="500"/>
         </a:spcBef>
+        <a:buClr>
+          <a:schemeClr val="tx1"/>
+        </a:buClr>
         <a:buFont typeface="Arial" panose="020B0604020202020204" pitchFamily="34" charset="0"/>
         <a:buChar char="•"/>
-        <a:defRPr sz="1800" kern="1200">
+        <a:defRPr sz="1400" kern="1200" cap="all" baseline="0">
           <a:solidFill>
             <a:schemeClr val="tx1"/>
           </a:solidFill>
+          <a:effectLst/>
           <a:latin typeface="+mn-lt"/>
           <a:ea typeface="+mn-ea"/>
           <a:cs typeface="+mn-cs"/>
@@ -3188,17 +6835,21 @@
       </a:lvl8pPr>
       <a:lvl9pPr marL="3886200" indent="-228600" algn="l" defTabSz="914400" rtl="0" eaLnBrk="1" latinLnBrk="0" hangingPunct="1">
         <a:lnSpc>
-          <a:spcPct val="90000"/>
+          <a:spcPct val="120000"/>
         </a:lnSpc>
         <a:spcBef>
           <a:spcPts val="500"/>
         </a:spcBef>
+        <a:buClr>
+          <a:schemeClr val="tx1"/>
+        </a:buClr>
         <a:buFont typeface="Arial" panose="020B0604020202020204" pitchFamily="34" charset="0"/>
         <a:buChar char="•"/>
-        <a:defRPr sz="1800" kern="1200">
+        <a:defRPr sz="1400" kern="1200" cap="all" baseline="0">
           <a:solidFill>
             <a:schemeClr val="tx1"/>
           </a:solidFill>
+          <a:effectLst/>
           <a:latin typeface="+mn-lt"/>
           <a:ea typeface="+mn-ea"/>
           <a:cs typeface="+mn-cs"/>
@@ -3207,7 +6858,7 @@
     </p:bodyStyle>
     <p:otherStyle>
       <a:defPPr>
-        <a:defRPr lang="fi-FI"/>
+        <a:defRPr lang="en-US"/>
       </a:defPPr>
       <a:lvl1pPr marL="0" algn="l" defTabSz="914400" rtl="0" eaLnBrk="1" latinLnBrk="0" hangingPunct="1">
         <a:defRPr sz="1800" kern="1200">
@@ -3307,6 +6958,28 @@
 <file path=ppt/slides/slide1.xml><?xml version="1.0" encoding="utf-8"?>
 <p:sld xmlns:a="http://schemas.openxmlformats.org/drawingml/2006/main" xmlns:r="http://schemas.openxmlformats.org/officeDocument/2006/relationships" xmlns:p="http://schemas.openxmlformats.org/presentationml/2006/main">
   <p:cSld>
+    <p:bg>
+      <p:bgPr>
+        <a:gradFill rotWithShape="1">
+          <a:gsLst>
+            <a:gs pos="0">
+              <a:schemeClr val="bg1">
+                <a:tint val="90000"/>
+                <a:lumMod val="110000"/>
+              </a:schemeClr>
+            </a:gs>
+            <a:gs pos="100000">
+              <a:schemeClr val="bg1">
+                <a:shade val="64000"/>
+                <a:lumMod val="88000"/>
+              </a:schemeClr>
+            </a:gs>
+          </a:gsLst>
+          <a:lin ang="5400000" scaled="0"/>
+        </a:gradFill>
+        <a:effectLst/>
+      </p:bgPr>
+    </p:bg>
     <p:spTree>
       <p:nvGrpSpPr>
         <p:cNvPr id="1" name=""/>
@@ -3323,6 +6996,90 @@
       </p:grpSpPr>
       <p:sp>
         <p:nvSpPr>
+          <p:cNvPr id="21" name="Rectangle 7">
+            <a:extLst>
+              <a:ext uri="{FF2B5EF4-FFF2-40B4-BE49-F238E27FC236}">
+                <a16:creationId xmlns:a16="http://schemas.microsoft.com/office/drawing/2014/main" id="{A4921F60-5118-4274-90FB-B9934DC833E8}"/>
+              </a:ext>
+              <a:ext uri="{C183D7F6-B498-43B3-948B-1728B52AA6E4}">
+                <adec:decorative xmlns:adec="http://schemas.microsoft.com/office/drawing/2017/decorative" val="1"/>
+              </a:ext>
+            </a:extLst>
+          </p:cNvPr>
+          <p:cNvSpPr>
+            <a:spLocks noGrp="1" noRot="1" noChangeAspect="1" noMove="1" noResize="1" noEditPoints="1" noAdjustHandles="1" noChangeArrowheads="1" noChangeShapeType="1" noTextEdit="1"/>
+          </p:cNvSpPr>
+          <p:nvPr>
+            <p:extLst>
+              <p:ext uri="{386F3935-93C4-4BCD-93E2-E3B085C9AB24}">
+                <p16:designElem xmlns:p16="http://schemas.microsoft.com/office/powerpoint/2015/main" val="1"/>
+              </p:ext>
+            </p:extLst>
+          </p:nvPr>
+        </p:nvSpPr>
+        <p:spPr>
+          <a:xfrm>
+            <a:off x="0" y="0"/>
+            <a:ext cx="12192000" cy="6858000"/>
+          </a:xfrm>
+          <a:prstGeom prst="rect">
+            <a:avLst/>
+          </a:prstGeom>
+          <a:gradFill flip="none" rotWithShape="1">
+            <a:gsLst>
+              <a:gs pos="0">
+                <a:schemeClr val="bg1">
+                  <a:alpha val="0"/>
+                </a:schemeClr>
+              </a:gs>
+              <a:gs pos="44000">
+                <a:srgbClr val="B8B8B8">
+                  <a:alpha val="8000"/>
+                </a:srgbClr>
+              </a:gs>
+              <a:gs pos="100000">
+                <a:schemeClr val="bg1">
+                  <a:lumMod val="50000"/>
+                  <a:alpha val="29000"/>
+                </a:schemeClr>
+              </a:gs>
+            </a:gsLst>
+            <a:path path="circle">
+              <a:fillToRect r="100000" b="100000"/>
+            </a:path>
+            <a:tileRect l="-100000" t="-100000"/>
+          </a:gradFill>
+          <a:ln>
+            <a:noFill/>
+          </a:ln>
+        </p:spPr>
+        <p:style>
+          <a:lnRef idx="2">
+            <a:schemeClr val="accent1">
+              <a:shade val="50000"/>
+            </a:schemeClr>
+          </a:lnRef>
+          <a:fillRef idx="1">
+            <a:schemeClr val="accent1"/>
+          </a:fillRef>
+          <a:effectRef idx="0">
+            <a:schemeClr val="accent1"/>
+          </a:effectRef>
+          <a:fontRef idx="minor">
+            <a:schemeClr val="lt1"/>
+          </a:fontRef>
+        </p:style>
+        <p:txBody>
+          <a:bodyPr rtlCol="0" anchor="ctr"/>
+          <a:lstStyle/>
+          <a:p>
+            <a:pPr algn="ctr"/>
+            <a:endParaRPr lang="en-US"/>
+          </a:p>
+        </p:txBody>
+      </p:sp>
+      <p:sp>
+        <p:nvSpPr>
           <p:cNvPr id="2" name="Otsikko 1">
             <a:extLst>
               <a:ext uri="{FF2B5EF4-FFF2-40B4-BE49-F238E27FC236}">
@@ -3337,16 +7094,23 @@
             <p:ph type="ctrTitle"/>
           </p:nvPr>
         </p:nvSpPr>
-        <p:spPr/>
-        <p:txBody>
-          <a:bodyPr/>
+        <p:spPr>
+          <a:xfrm>
+            <a:off x="913774" y="1642004"/>
+            <a:ext cx="5452532" cy="3248777"/>
+          </a:xfrm>
+        </p:spPr>
+        <p:txBody>
+          <a:bodyPr anchor="ctr">
+            <a:normAutofit/>
+          </a:bodyPr>
           <a:lstStyle/>
           <a:p>
             <a:r>
-              <a:rPr lang="fi-FI" dirty="0" err="1"/>
+              <a:rPr lang="fi-FI" sz="6000" dirty="0" err="1"/>
               <a:t>SäähänSopiva</a:t>
             </a:r>
-            <a:endParaRPr lang="fi-FI" dirty="0"/>
+            <a:endParaRPr lang="fi-FI" sz="6000" dirty="0"/>
           </a:p>
         </p:txBody>
       </p:sp>
@@ -3366,18 +7130,29 @@
             <p:ph type="subTitle" idx="1"/>
           </p:nvPr>
         </p:nvSpPr>
-        <p:spPr/>
-        <p:txBody>
-          <a:bodyPr/>
+        <p:spPr>
+          <a:xfrm>
+            <a:off x="7678737" y="1642004"/>
+            <a:ext cx="2743200" cy="3248777"/>
+          </a:xfrm>
+        </p:spPr>
+        <p:txBody>
+          <a:bodyPr anchor="ctr">
+            <a:normAutofit/>
+          </a:bodyPr>
           <a:lstStyle/>
           <a:p>
-            <a:r>
-              <a:rPr lang="fi-FI" dirty="0"/>
-              <a:t>Jenna Aalto, Samu Puumala, Joona Jalonen ja </a:t>
-            </a:r>
-            <a:r>
-              <a:rPr lang="fi-FI"/>
-              <a:t>Iiro Anttila</a:t>
+            <a:pPr algn="r"/>
+            <a:r>
+              <a:rPr lang="fi-FI" sz="2400" dirty="0">
+                <a:solidFill>
+                  <a:schemeClr val="tx1">
+                    <a:lumMod val="50000"/>
+                    <a:lumOff val="50000"/>
+                  </a:schemeClr>
+                </a:solidFill>
+              </a:rPr>
+              <a:t>Jenna Aalto, Samu Puumala, Joona Jalonen ja Iiro Anttila</a:t>
             </a:r>
           </a:p>
         </p:txBody>
@@ -3395,10 +7170,2266 @@
 </p:sld>
 </file>
 
+<file path=ppt/slides/slide2.xml><?xml version="1.0" encoding="utf-8"?>
+<p:sld xmlns:a="http://schemas.openxmlformats.org/drawingml/2006/main" xmlns:r="http://schemas.openxmlformats.org/officeDocument/2006/relationships" xmlns:p="http://schemas.openxmlformats.org/presentationml/2006/main">
+  <p:cSld>
+    <p:bg>
+      <p:bgPr>
+        <a:gradFill rotWithShape="1">
+          <a:gsLst>
+            <a:gs pos="0">
+              <a:schemeClr val="bg1">
+                <a:tint val="90000"/>
+                <a:lumMod val="110000"/>
+              </a:schemeClr>
+            </a:gs>
+            <a:gs pos="100000">
+              <a:schemeClr val="bg1">
+                <a:shade val="64000"/>
+                <a:lumMod val="88000"/>
+              </a:schemeClr>
+            </a:gs>
+          </a:gsLst>
+          <a:lin ang="5400000" scaled="0"/>
+        </a:gradFill>
+        <a:effectLst/>
+      </p:bgPr>
+    </p:bg>
+    <p:spTree>
+      <p:nvGrpSpPr>
+        <p:cNvPr id="1" name=""/>
+        <p:cNvGrpSpPr/>
+        <p:nvPr/>
+      </p:nvGrpSpPr>
+      <p:grpSpPr>
+        <a:xfrm>
+          <a:off x="0" y="0"/>
+          <a:ext cx="0" cy="0"/>
+          <a:chOff x="0" y="0"/>
+          <a:chExt cx="0" cy="0"/>
+        </a:xfrm>
+      </p:grpSpPr>
+      <p:sp useBgFill="1">
+        <p:nvSpPr>
+          <p:cNvPr id="27" name="Rectangle 8">
+            <a:extLst>
+              <a:ext uri="{FF2B5EF4-FFF2-40B4-BE49-F238E27FC236}">
+                <a16:creationId xmlns:a16="http://schemas.microsoft.com/office/drawing/2014/main" id="{6D58954F-C5AC-4BE0-811D-8DFE18E3506B}"/>
+              </a:ext>
+              <a:ext uri="{C183D7F6-B498-43B3-948B-1728B52AA6E4}">
+                <adec:decorative xmlns:adec="http://schemas.microsoft.com/office/drawing/2017/decorative" val="1"/>
+              </a:ext>
+            </a:extLst>
+          </p:cNvPr>
+          <p:cNvSpPr>
+            <a:spLocks noGrp="1" noRot="1" noChangeAspect="1" noMove="1" noResize="1" noEditPoints="1" noAdjustHandles="1" noChangeArrowheads="1" noChangeShapeType="1" noTextEdit="1"/>
+          </p:cNvSpPr>
+          <p:nvPr>
+            <p:extLst>
+              <p:ext uri="{386F3935-93C4-4BCD-93E2-E3B085C9AB24}">
+                <p16:designElem xmlns:p16="http://schemas.microsoft.com/office/powerpoint/2015/main" val="1"/>
+              </p:ext>
+            </p:extLst>
+          </p:nvPr>
+        </p:nvSpPr>
+        <p:spPr>
+          <a:xfrm>
+            <a:off x="0" y="0"/>
+            <a:ext cx="12192000" cy="6858000"/>
+          </a:xfrm>
+          <a:prstGeom prst="rect">
+            <a:avLst/>
+          </a:prstGeom>
+          <a:ln>
+            <a:noFill/>
+          </a:ln>
+        </p:spPr>
+        <p:style>
+          <a:lnRef idx="2">
+            <a:schemeClr val="accent1">
+              <a:shade val="50000"/>
+            </a:schemeClr>
+          </a:lnRef>
+          <a:fillRef idx="1">
+            <a:schemeClr val="accent1"/>
+          </a:fillRef>
+          <a:effectRef idx="0">
+            <a:schemeClr val="accent1"/>
+          </a:effectRef>
+          <a:fontRef idx="minor">
+            <a:schemeClr val="lt1"/>
+          </a:fontRef>
+        </p:style>
+        <p:txBody>
+          <a:bodyPr rtlCol="0" anchor="ctr"/>
+          <a:lstStyle/>
+          <a:p>
+            <a:pPr algn="ctr"/>
+            <a:endParaRPr lang="en-US"/>
+          </a:p>
+        </p:txBody>
+      </p:sp>
+      <p:sp>
+        <p:nvSpPr>
+          <p:cNvPr id="28" name="Rectangle 10">
+            <a:extLst>
+              <a:ext uri="{FF2B5EF4-FFF2-40B4-BE49-F238E27FC236}">
+                <a16:creationId xmlns:a16="http://schemas.microsoft.com/office/drawing/2014/main" id="{C359E835-CE77-4DCC-8EC3-1924094D3B5B}"/>
+              </a:ext>
+              <a:ext uri="{C183D7F6-B498-43B3-948B-1728B52AA6E4}">
+                <adec:decorative xmlns:adec="http://schemas.microsoft.com/office/drawing/2017/decorative" val="1"/>
+              </a:ext>
+            </a:extLst>
+          </p:cNvPr>
+          <p:cNvSpPr>
+            <a:spLocks noGrp="1" noRot="1" noChangeAspect="1" noMove="1" noResize="1" noEditPoints="1" noAdjustHandles="1" noChangeArrowheads="1" noChangeShapeType="1" noTextEdit="1"/>
+          </p:cNvSpPr>
+          <p:nvPr>
+            <p:extLst>
+              <p:ext uri="{386F3935-93C4-4BCD-93E2-E3B085C9AB24}">
+                <p16:designElem xmlns:p16="http://schemas.microsoft.com/office/powerpoint/2015/main" val="1"/>
+              </p:ext>
+            </p:extLst>
+          </p:nvPr>
+        </p:nvSpPr>
+        <p:spPr>
+          <a:xfrm>
+            <a:off x="8076061" y="-2"/>
+            <a:ext cx="81313" cy="6858002"/>
+          </a:xfrm>
+          <a:prstGeom prst="rect">
+            <a:avLst/>
+          </a:prstGeom>
+          <a:gradFill flip="none" rotWithShape="1">
+            <a:gsLst>
+              <a:gs pos="84000">
+                <a:srgbClr val="B5B5B5"/>
+              </a:gs>
+              <a:gs pos="60159">
+                <a:srgbClr val="D5D5D5"/>
+              </a:gs>
+              <a:gs pos="50447">
+                <a:srgbClr val="E6E6E6"/>
+              </a:gs>
+              <a:gs pos="44260">
+                <a:srgbClr val="D5D5D5"/>
+              </a:gs>
+              <a:gs pos="15928">
+                <a:srgbClr val="B5B5B5"/>
+              </a:gs>
+              <a:gs pos="7000">
+                <a:srgbClr val="8A8A8A"/>
+              </a:gs>
+              <a:gs pos="0">
+                <a:srgbClr val="BBBBBB"/>
+              </a:gs>
+              <a:gs pos="93000">
+                <a:srgbClr val="8A8A8A"/>
+              </a:gs>
+              <a:gs pos="100000">
+                <a:srgbClr val="BBBBBB"/>
+              </a:gs>
+            </a:gsLst>
+            <a:lin ang="0" scaled="1"/>
+            <a:tileRect/>
+          </a:gradFill>
+          <a:ln>
+            <a:noFill/>
+          </a:ln>
+        </p:spPr>
+        <p:style>
+          <a:lnRef idx="2">
+            <a:schemeClr val="accent1">
+              <a:shade val="50000"/>
+            </a:schemeClr>
+          </a:lnRef>
+          <a:fillRef idx="1">
+            <a:schemeClr val="accent1"/>
+          </a:fillRef>
+          <a:effectRef idx="0">
+            <a:schemeClr val="accent1"/>
+          </a:effectRef>
+          <a:fontRef idx="minor">
+            <a:schemeClr val="lt1"/>
+          </a:fontRef>
+        </p:style>
+        <p:txBody>
+          <a:bodyPr rtlCol="0" anchor="ctr"/>
+          <a:lstStyle/>
+          <a:p>
+            <a:pPr algn="ctr"/>
+            <a:endParaRPr lang="en-US"/>
+          </a:p>
+        </p:txBody>
+      </p:sp>
+      <p:pic>
+        <p:nvPicPr>
+          <p:cNvPr id="4" name="Kuva 3" descr="Kuva, joka sisältää kohteen henkilö, vaate, piha-, Katumuoti&#10;&#10;Tekoälyn generoima sisältö voi olla virheellistä.">
+            <a:extLst>
+              <a:ext uri="{FF2B5EF4-FFF2-40B4-BE49-F238E27FC236}">
+                <a16:creationId xmlns:a16="http://schemas.microsoft.com/office/drawing/2014/main" id="{6CD398E6-A4A0-5F54-A136-FD8A76162C84}"/>
+              </a:ext>
+            </a:extLst>
+          </p:cNvPr>
+          <p:cNvPicPr>
+            <a:picLocks noChangeAspect="1"/>
+          </p:cNvPicPr>
+          <p:nvPr/>
+        </p:nvPicPr>
+        <p:blipFill>
+          <a:blip r:embed="rId2">
+            <a:extLst>
+              <a:ext uri="{28A0092B-C50C-407E-A947-70E740481C1C}">
+                <a14:useLocalDpi xmlns:a14="http://schemas.microsoft.com/office/drawing/2010/main" val="0"/>
+              </a:ext>
+            </a:extLst>
+          </a:blip>
+          <a:srcRect l="28009" r="27868"/>
+          <a:stretch/>
+        </p:blipFill>
+        <p:spPr>
+          <a:xfrm>
+            <a:off x="8076061" y="10"/>
+            <a:ext cx="4115939" cy="6857990"/>
+          </a:xfrm>
+          <a:prstGeom prst="rect">
+            <a:avLst/>
+          </a:prstGeom>
+        </p:spPr>
+      </p:pic>
+      <p:pic>
+        <p:nvPicPr>
+          <p:cNvPr id="29" name="Picture 12">
+            <a:extLst>
+              <a:ext uri="{FF2B5EF4-FFF2-40B4-BE49-F238E27FC236}">
+                <a16:creationId xmlns:a16="http://schemas.microsoft.com/office/drawing/2014/main" id="{B03B59B5-123A-4DC5-87BD-6D3E22FA6504}"/>
+              </a:ext>
+              <a:ext uri="{C183D7F6-B498-43B3-948B-1728B52AA6E4}">
+                <adec:decorative xmlns:adec="http://schemas.microsoft.com/office/drawing/2017/decorative" val="1"/>
+              </a:ext>
+            </a:extLst>
+          </p:cNvPr>
+          <p:cNvPicPr>
+            <a:picLocks noGrp="1" noRot="1" noChangeAspect="1" noMove="1" noResize="1" noEditPoints="1" noAdjustHandles="1" noChangeArrowheads="1" noChangeShapeType="1" noCrop="1"/>
+          </p:cNvPicPr>
+          <p:nvPr>
+            <p:extLst>
+              <p:ext uri="{386F3935-93C4-4BCD-93E2-E3B085C9AB24}">
+                <p16:designElem xmlns:p16="http://schemas.microsoft.com/office/powerpoint/2015/main" val="1"/>
+              </p:ext>
+            </p:extLst>
+          </p:nvPr>
+        </p:nvPicPr>
+        <p:blipFill>
+          <a:blip r:embed="rId3">
+            <a:extLst>
+              <a:ext uri="{28A0092B-C50C-407E-A947-70E740481C1C}">
+                <a14:useLocalDpi xmlns:a14="http://schemas.microsoft.com/office/drawing/2010/main" val="0"/>
+              </a:ext>
+            </a:extLst>
+          </a:blip>
+          <a:stretch>
+            <a:fillRect/>
+          </a:stretch>
+        </p:blipFill>
+        <p:spPr>
+          <a:xfrm>
+            <a:off x="0" y="0"/>
+            <a:ext cx="12192000" cy="6858000"/>
+          </a:xfrm>
+          <a:prstGeom prst="rect">
+            <a:avLst/>
+          </a:prstGeom>
+        </p:spPr>
+      </p:pic>
+      <p:sp>
+        <p:nvSpPr>
+          <p:cNvPr id="3" name="Sisällön paikkamerkki 2">
+            <a:extLst>
+              <a:ext uri="{FF2B5EF4-FFF2-40B4-BE49-F238E27FC236}">
+                <a16:creationId xmlns:a16="http://schemas.microsoft.com/office/drawing/2014/main" id="{187029FE-0F1C-2055-9476-D24F2CE59617}"/>
+              </a:ext>
+            </a:extLst>
+          </p:cNvPr>
+          <p:cNvSpPr>
+            <a:spLocks noGrp="1"/>
+          </p:cNvSpPr>
+          <p:nvPr>
+            <p:ph idx="1"/>
+          </p:nvPr>
+        </p:nvSpPr>
+        <p:spPr>
+          <a:xfrm>
+            <a:off x="139540" y="1922206"/>
+            <a:ext cx="7796981" cy="4812891"/>
+          </a:xfrm>
+        </p:spPr>
+        <p:txBody>
+          <a:bodyPr>
+            <a:normAutofit fontScale="85000" lnSpcReduction="20000"/>
+          </a:bodyPr>
+          <a:lstStyle/>
+          <a:p>
+            <a:pPr>
+              <a:lnSpc>
+                <a:spcPct val="110000"/>
+              </a:lnSpc>
+              <a:buFontTx/>
+              <a:buChar char="-"/>
+            </a:pPr>
+            <a:r>
+              <a:rPr lang="fi-FI" sz="2400" dirty="0" err="1"/>
+              <a:t>Aims</a:t>
+            </a:r>
+            <a:r>
+              <a:rPr lang="fi-FI" sz="2400" dirty="0"/>
+              <a:t> to help </a:t>
+            </a:r>
+            <a:r>
+              <a:rPr lang="fi-FI" sz="2400" dirty="0" err="1"/>
+              <a:t>families</a:t>
+            </a:r>
+            <a:r>
+              <a:rPr lang="fi-FI" sz="2400" dirty="0"/>
+              <a:t>, </a:t>
+            </a:r>
+            <a:r>
+              <a:rPr lang="fi-FI" sz="2400" dirty="0" err="1"/>
+              <a:t>couples</a:t>
+            </a:r>
+            <a:r>
+              <a:rPr lang="fi-FI" sz="2400" dirty="0"/>
+              <a:t> and </a:t>
+            </a:r>
+            <a:r>
+              <a:rPr lang="fi-FI" sz="2400" dirty="0" err="1"/>
+              <a:t>people</a:t>
+            </a:r>
+            <a:r>
+              <a:rPr lang="fi-FI" sz="2400" dirty="0"/>
+              <a:t> </a:t>
+            </a:r>
+            <a:r>
+              <a:rPr lang="fi-FI" sz="2400" dirty="0" err="1"/>
+              <a:t>who</a:t>
+            </a:r>
+            <a:r>
+              <a:rPr lang="fi-FI" sz="2400" dirty="0"/>
+              <a:t> </a:t>
+            </a:r>
+            <a:r>
+              <a:rPr lang="fi-FI" sz="2400" dirty="0" err="1"/>
+              <a:t>struggle</a:t>
+            </a:r>
+            <a:r>
+              <a:rPr lang="fi-FI" sz="2400" dirty="0"/>
+              <a:t> </a:t>
+            </a:r>
+            <a:r>
+              <a:rPr lang="fi-FI" sz="2400" dirty="0" err="1"/>
+              <a:t>with</a:t>
+            </a:r>
+            <a:r>
+              <a:rPr lang="fi-FI" sz="2400" dirty="0"/>
+              <a:t> </a:t>
+            </a:r>
+            <a:r>
+              <a:rPr lang="fi-FI" sz="2400" dirty="0" err="1"/>
+              <a:t>decision</a:t>
+            </a:r>
+            <a:r>
+              <a:rPr lang="fi-FI" sz="2400" dirty="0"/>
+              <a:t> </a:t>
+            </a:r>
+            <a:r>
+              <a:rPr lang="fi-FI" sz="2400" dirty="0" err="1"/>
+              <a:t>making</a:t>
+            </a:r>
+            <a:r>
+              <a:rPr lang="fi-FI" sz="2400" dirty="0"/>
+              <a:t>.</a:t>
+            </a:r>
+          </a:p>
+          <a:p>
+            <a:pPr>
+              <a:lnSpc>
+                <a:spcPct val="110000"/>
+              </a:lnSpc>
+              <a:buFontTx/>
+              <a:buChar char="-"/>
+            </a:pPr>
+            <a:r>
+              <a:rPr lang="fi-FI" sz="2400" dirty="0" err="1"/>
+              <a:t>Offers</a:t>
+            </a:r>
+            <a:r>
+              <a:rPr lang="fi-FI" sz="2400" dirty="0"/>
+              <a:t> </a:t>
+            </a:r>
+            <a:r>
+              <a:rPr lang="fi-FI" sz="2400" dirty="0" err="1"/>
+              <a:t>fast</a:t>
+            </a:r>
+            <a:r>
+              <a:rPr lang="fi-FI" sz="2400" dirty="0"/>
+              <a:t> </a:t>
+            </a:r>
+            <a:r>
+              <a:rPr lang="fi-FI" sz="2400" dirty="0" err="1"/>
+              <a:t>ideas</a:t>
+            </a:r>
+            <a:r>
+              <a:rPr lang="fi-FI" sz="2400" dirty="0"/>
+              <a:t> and </a:t>
+            </a:r>
+            <a:r>
+              <a:rPr lang="fi-FI" sz="2400" dirty="0" err="1"/>
+              <a:t>decisions</a:t>
+            </a:r>
+            <a:r>
+              <a:rPr lang="fi-FI" sz="2400" dirty="0"/>
+              <a:t> </a:t>
+            </a:r>
+            <a:r>
+              <a:rPr lang="fi-FI" sz="2400" dirty="0" err="1"/>
+              <a:t>which</a:t>
+            </a:r>
+            <a:r>
+              <a:rPr lang="fi-FI" sz="2400" dirty="0"/>
+              <a:t> </a:t>
+            </a:r>
+            <a:r>
+              <a:rPr lang="fi-FI" sz="2400" dirty="0" err="1"/>
+              <a:t>helps</a:t>
+            </a:r>
+            <a:r>
+              <a:rPr lang="fi-FI" sz="2400" dirty="0"/>
+              <a:t> </a:t>
+            </a:r>
+            <a:r>
+              <a:rPr lang="fi-FI" sz="2400" dirty="0" err="1"/>
+              <a:t>especially</a:t>
+            </a:r>
+            <a:r>
+              <a:rPr lang="fi-FI" sz="2400" dirty="0"/>
+              <a:t> </a:t>
+            </a:r>
+            <a:r>
+              <a:rPr lang="fi-FI" sz="2400" dirty="0" err="1"/>
+              <a:t>if</a:t>
+            </a:r>
+            <a:r>
+              <a:rPr lang="fi-FI" sz="2400" dirty="0"/>
+              <a:t> </a:t>
+            </a:r>
+            <a:r>
+              <a:rPr lang="fi-FI" sz="2400" dirty="0" err="1"/>
+              <a:t>you</a:t>
+            </a:r>
+            <a:r>
+              <a:rPr lang="fi-FI" sz="2400" dirty="0"/>
+              <a:t> </a:t>
+            </a:r>
+            <a:r>
+              <a:rPr lang="fi-FI" sz="2400" dirty="0" err="1"/>
+              <a:t>are</a:t>
+            </a:r>
+            <a:r>
+              <a:rPr lang="fi-FI" sz="2400" dirty="0"/>
+              <a:t> outside </a:t>
+            </a:r>
+            <a:r>
+              <a:rPr lang="fi-FI" sz="2400" dirty="0" err="1"/>
+              <a:t>or</a:t>
+            </a:r>
+            <a:r>
+              <a:rPr lang="fi-FI" sz="2400" dirty="0"/>
+              <a:t> in a </a:t>
+            </a:r>
+            <a:r>
+              <a:rPr lang="fi-FI" sz="2400" dirty="0" err="1"/>
+              <a:t>large</a:t>
+            </a:r>
+            <a:r>
+              <a:rPr lang="fi-FI" sz="2400" dirty="0"/>
+              <a:t> </a:t>
+            </a:r>
+            <a:r>
+              <a:rPr lang="fi-FI" sz="2400" dirty="0" err="1"/>
+              <a:t>group</a:t>
+            </a:r>
+            <a:r>
+              <a:rPr lang="fi-FI" sz="2400" dirty="0"/>
+              <a:t> of </a:t>
+            </a:r>
+            <a:r>
+              <a:rPr lang="fi-FI" sz="2400" dirty="0" err="1"/>
+              <a:t>people</a:t>
+            </a:r>
+            <a:r>
+              <a:rPr lang="fi-FI" sz="2400" dirty="0"/>
+              <a:t> </a:t>
+            </a:r>
+            <a:r>
+              <a:rPr lang="fi-FI" sz="2400" dirty="0" err="1"/>
+              <a:t>who</a:t>
+            </a:r>
+            <a:r>
+              <a:rPr lang="fi-FI" sz="2400" dirty="0"/>
+              <a:t> </a:t>
+            </a:r>
+            <a:r>
+              <a:rPr lang="fi-FI" sz="2400" dirty="0" err="1"/>
+              <a:t>need</a:t>
+            </a:r>
+            <a:r>
+              <a:rPr lang="fi-FI" sz="2400" dirty="0"/>
+              <a:t> </a:t>
+            </a:r>
+            <a:r>
+              <a:rPr lang="fi-FI" sz="2400" dirty="0" err="1"/>
+              <a:t>ideas</a:t>
+            </a:r>
+            <a:r>
+              <a:rPr lang="fi-FI" sz="2400" dirty="0"/>
+              <a:t>, </a:t>
+            </a:r>
+            <a:r>
+              <a:rPr lang="fi-FI" sz="2400" dirty="0" err="1"/>
+              <a:t>fast</a:t>
+            </a:r>
+            <a:r>
+              <a:rPr lang="fi-FI" sz="2400" dirty="0"/>
+              <a:t>!!</a:t>
+            </a:r>
+          </a:p>
+          <a:p>
+            <a:pPr>
+              <a:lnSpc>
+                <a:spcPct val="110000"/>
+              </a:lnSpc>
+              <a:buFontTx/>
+              <a:buChar char="-"/>
+            </a:pPr>
+            <a:r>
+              <a:rPr lang="fi-FI" sz="2400" dirty="0" err="1"/>
+              <a:t>Potential</a:t>
+            </a:r>
+            <a:r>
+              <a:rPr lang="fi-FI" sz="2400" dirty="0"/>
+              <a:t> </a:t>
+            </a:r>
+            <a:r>
+              <a:rPr lang="fi-FI" sz="2400" dirty="0" err="1"/>
+              <a:t>customers</a:t>
+            </a:r>
+            <a:r>
+              <a:rPr lang="fi-FI" sz="2400" dirty="0"/>
+              <a:t> </a:t>
+            </a:r>
+            <a:r>
+              <a:rPr lang="fi-FI" sz="2400" dirty="0" err="1"/>
+              <a:t>include</a:t>
+            </a:r>
+            <a:r>
+              <a:rPr lang="fi-FI" sz="2400" dirty="0"/>
+              <a:t>:</a:t>
+            </a:r>
+          </a:p>
+          <a:p>
+            <a:pPr lvl="1">
+              <a:lnSpc>
+                <a:spcPct val="110000"/>
+              </a:lnSpc>
+              <a:buFontTx/>
+              <a:buChar char="-"/>
+            </a:pPr>
+            <a:r>
+              <a:rPr lang="fi-FI" sz="2400" dirty="0" err="1"/>
+              <a:t>busy</a:t>
+            </a:r>
+            <a:r>
+              <a:rPr lang="fi-FI" sz="2400" dirty="0"/>
+              <a:t> </a:t>
+            </a:r>
+            <a:r>
+              <a:rPr lang="fi-FI" sz="2400" dirty="0" err="1"/>
+              <a:t>people</a:t>
+            </a:r>
+            <a:endParaRPr lang="fi-FI" sz="2400" dirty="0"/>
+          </a:p>
+          <a:p>
+            <a:pPr lvl="1">
+              <a:lnSpc>
+                <a:spcPct val="110000"/>
+              </a:lnSpc>
+              <a:buFontTx/>
+              <a:buChar char="-"/>
+            </a:pPr>
+            <a:r>
+              <a:rPr lang="fi-FI" sz="2400" dirty="0" err="1"/>
+              <a:t>families</a:t>
+            </a:r>
+            <a:r>
+              <a:rPr lang="fi-FI" sz="2400" dirty="0"/>
+              <a:t> </a:t>
+            </a:r>
+            <a:r>
+              <a:rPr lang="fi-FI" sz="2400" dirty="0" err="1"/>
+              <a:t>who</a:t>
+            </a:r>
+            <a:r>
+              <a:rPr lang="fi-FI" sz="2400" dirty="0"/>
+              <a:t> </a:t>
+            </a:r>
+            <a:r>
+              <a:rPr lang="fi-FI" sz="2400" dirty="0" err="1"/>
+              <a:t>don’t</a:t>
+            </a:r>
+            <a:r>
+              <a:rPr lang="fi-FI" sz="2400" dirty="0"/>
+              <a:t> </a:t>
+            </a:r>
+            <a:r>
+              <a:rPr lang="fi-FI" sz="2400" dirty="0" err="1"/>
+              <a:t>have</a:t>
+            </a:r>
+            <a:r>
+              <a:rPr lang="fi-FI" sz="2400" dirty="0"/>
+              <a:t> </a:t>
+            </a:r>
+            <a:r>
+              <a:rPr lang="fi-FI" sz="2400" dirty="0" err="1"/>
+              <a:t>the</a:t>
+            </a:r>
+            <a:r>
+              <a:rPr lang="fi-FI" sz="2400" dirty="0"/>
+              <a:t> </a:t>
+            </a:r>
+            <a:r>
+              <a:rPr lang="fi-FI" sz="2400" dirty="0" err="1"/>
+              <a:t>time</a:t>
+            </a:r>
+            <a:r>
+              <a:rPr lang="fi-FI" sz="2400" dirty="0"/>
+              <a:t> of </a:t>
+            </a:r>
+            <a:r>
+              <a:rPr lang="fi-FI" sz="2400" dirty="0" err="1"/>
+              <a:t>the</a:t>
+            </a:r>
+            <a:r>
+              <a:rPr lang="fi-FI" sz="2400" dirty="0"/>
+              <a:t> </a:t>
+            </a:r>
+            <a:r>
+              <a:rPr lang="fi-FI" sz="2400" dirty="0" err="1"/>
+              <a:t>day</a:t>
+            </a:r>
+            <a:r>
+              <a:rPr lang="fi-FI" sz="2400" dirty="0"/>
+              <a:t> to </a:t>
+            </a:r>
+            <a:r>
+              <a:rPr lang="fi-FI" sz="2400" dirty="0" err="1"/>
+              <a:t>plan</a:t>
+            </a:r>
+            <a:r>
+              <a:rPr lang="fi-FI" sz="2400" dirty="0"/>
+              <a:t> </a:t>
+            </a:r>
+            <a:r>
+              <a:rPr lang="fi-FI" sz="2400" dirty="0" err="1"/>
+              <a:t>activities</a:t>
+            </a:r>
+            <a:r>
+              <a:rPr lang="fi-FI" sz="2400" dirty="0"/>
+              <a:t> </a:t>
+            </a:r>
+            <a:r>
+              <a:rPr lang="fi-FI" sz="2400" dirty="0" err="1"/>
+              <a:t>ahead</a:t>
+            </a:r>
+            <a:endParaRPr lang="fi-FI" sz="2400" dirty="0"/>
+          </a:p>
+          <a:p>
+            <a:pPr lvl="1">
+              <a:lnSpc>
+                <a:spcPct val="110000"/>
+              </a:lnSpc>
+              <a:buFontTx/>
+              <a:buChar char="-"/>
+            </a:pPr>
+            <a:r>
+              <a:rPr lang="fi-FI" sz="2400" dirty="0" err="1"/>
+              <a:t>Couples</a:t>
+            </a:r>
+            <a:r>
+              <a:rPr lang="fi-FI" sz="2400" dirty="0"/>
+              <a:t> </a:t>
+            </a:r>
+            <a:r>
+              <a:rPr lang="fi-FI" sz="2400" dirty="0" err="1"/>
+              <a:t>who</a:t>
+            </a:r>
+            <a:r>
+              <a:rPr lang="fi-FI" sz="2400" dirty="0"/>
+              <a:t> </a:t>
+            </a:r>
+            <a:r>
+              <a:rPr lang="fi-FI" sz="2400" dirty="0" err="1"/>
+              <a:t>wan’t</a:t>
+            </a:r>
+            <a:r>
+              <a:rPr lang="fi-FI" sz="2400" dirty="0"/>
+              <a:t> a </a:t>
+            </a:r>
+            <a:r>
+              <a:rPr lang="fi-FI" sz="2400" dirty="0" err="1"/>
+              <a:t>touch</a:t>
+            </a:r>
+            <a:r>
+              <a:rPr lang="fi-FI" sz="2400" dirty="0"/>
+              <a:t> of </a:t>
+            </a:r>
+            <a:r>
+              <a:rPr lang="fi-FI" sz="2400" dirty="0" err="1"/>
+              <a:t>spontaneity</a:t>
+            </a:r>
+            <a:endParaRPr lang="fi-FI" sz="2400" dirty="0"/>
+          </a:p>
+          <a:p>
+            <a:pPr lvl="1">
+              <a:lnSpc>
+                <a:spcPct val="110000"/>
+              </a:lnSpc>
+              <a:buFontTx/>
+              <a:buChar char="-"/>
+            </a:pPr>
+            <a:r>
+              <a:rPr lang="fi-FI" sz="2400" dirty="0"/>
+              <a:t>People </a:t>
+            </a:r>
+            <a:r>
+              <a:rPr lang="fi-FI" sz="2400" dirty="0" err="1"/>
+              <a:t>who</a:t>
+            </a:r>
+            <a:r>
+              <a:rPr lang="fi-FI" sz="2400" dirty="0"/>
+              <a:t> </a:t>
+            </a:r>
+            <a:r>
+              <a:rPr lang="fi-FI" sz="2400" dirty="0" err="1"/>
+              <a:t>have</a:t>
+            </a:r>
+            <a:r>
+              <a:rPr lang="fi-FI" sz="2400" dirty="0"/>
+              <a:t> </a:t>
+            </a:r>
+            <a:r>
+              <a:rPr lang="fi-FI" sz="2400" dirty="0" err="1"/>
+              <a:t>issues</a:t>
+            </a:r>
+            <a:r>
+              <a:rPr lang="fi-FI" sz="2400" dirty="0"/>
+              <a:t> </a:t>
+            </a:r>
+            <a:r>
+              <a:rPr lang="fi-FI" sz="2400" dirty="0" err="1"/>
+              <a:t>coming</a:t>
+            </a:r>
+            <a:r>
+              <a:rPr lang="fi-FI" sz="2400" dirty="0"/>
+              <a:t> </a:t>
+            </a:r>
+            <a:r>
+              <a:rPr lang="fi-FI" sz="2400" dirty="0" err="1"/>
+              <a:t>up</a:t>
+            </a:r>
+            <a:r>
+              <a:rPr lang="fi-FI" sz="2400" dirty="0"/>
+              <a:t> </a:t>
+            </a:r>
+            <a:r>
+              <a:rPr lang="fi-FI" sz="2400" dirty="0" err="1"/>
+              <a:t>with</a:t>
+            </a:r>
+            <a:r>
+              <a:rPr lang="fi-FI" sz="2400" dirty="0"/>
+              <a:t> </a:t>
+            </a:r>
+            <a:r>
+              <a:rPr lang="fi-FI" sz="2400" dirty="0" err="1"/>
+              <a:t>ideas</a:t>
+            </a:r>
+            <a:r>
+              <a:rPr lang="fi-FI" sz="2400" dirty="0"/>
+              <a:t> </a:t>
+            </a:r>
+            <a:r>
+              <a:rPr lang="fi-FI" sz="2400" dirty="0" err="1"/>
+              <a:t>or</a:t>
+            </a:r>
+            <a:r>
+              <a:rPr lang="fi-FI" sz="2400" dirty="0"/>
+              <a:t> </a:t>
+            </a:r>
+            <a:r>
+              <a:rPr lang="fi-FI" sz="2400" dirty="0" err="1"/>
+              <a:t>decisions</a:t>
+            </a:r>
+            <a:endParaRPr lang="fi-FI" sz="2400" dirty="0"/>
+          </a:p>
+          <a:p>
+            <a:pPr lvl="1">
+              <a:lnSpc>
+                <a:spcPct val="110000"/>
+              </a:lnSpc>
+              <a:buFontTx/>
+              <a:buChar char="-"/>
+            </a:pPr>
+            <a:r>
+              <a:rPr lang="fi-FI" sz="2400" dirty="0" err="1"/>
+              <a:t>Friendgroups</a:t>
+            </a:r>
+            <a:endParaRPr lang="fi-FI" sz="2400" dirty="0"/>
+          </a:p>
+          <a:p>
+            <a:pPr lvl="1">
+              <a:lnSpc>
+                <a:spcPct val="110000"/>
+              </a:lnSpc>
+              <a:buFontTx/>
+              <a:buChar char="-"/>
+            </a:pPr>
+            <a:r>
+              <a:rPr lang="fi-FI" sz="2400" dirty="0"/>
+              <a:t>People </a:t>
+            </a:r>
+            <a:r>
+              <a:rPr lang="fi-FI" sz="2400" dirty="0" err="1"/>
+              <a:t>who</a:t>
+            </a:r>
+            <a:r>
+              <a:rPr lang="fi-FI" sz="2400" dirty="0"/>
+              <a:t> </a:t>
+            </a:r>
+            <a:r>
+              <a:rPr lang="fi-FI" sz="2400" dirty="0" err="1"/>
+              <a:t>want</a:t>
+            </a:r>
+            <a:r>
+              <a:rPr lang="fi-FI" sz="2400" dirty="0"/>
+              <a:t> to </a:t>
+            </a:r>
+            <a:r>
+              <a:rPr lang="fi-FI" sz="2400" dirty="0" err="1"/>
+              <a:t>do</a:t>
+            </a:r>
+            <a:r>
+              <a:rPr lang="fi-FI" sz="2400" dirty="0"/>
+              <a:t> </a:t>
+            </a:r>
+            <a:r>
+              <a:rPr lang="fi-FI" sz="2400" dirty="0" err="1"/>
+              <a:t>something</a:t>
+            </a:r>
+            <a:r>
+              <a:rPr lang="fi-FI" sz="2400" dirty="0"/>
+              <a:t> </a:t>
+            </a:r>
+            <a:r>
+              <a:rPr lang="fi-FI" sz="2400" dirty="0" err="1"/>
+              <a:t>different</a:t>
+            </a:r>
+            <a:endParaRPr lang="fi-FI" sz="2400" dirty="0"/>
+          </a:p>
+        </p:txBody>
+      </p:sp>
+      <p:sp>
+        <p:nvSpPr>
+          <p:cNvPr id="5" name="Tekstiruutu 4">
+            <a:extLst>
+              <a:ext uri="{FF2B5EF4-FFF2-40B4-BE49-F238E27FC236}">
+                <a16:creationId xmlns:a16="http://schemas.microsoft.com/office/drawing/2014/main" id="{611395A4-2F4A-8FDF-D82C-52915ED88055}"/>
+              </a:ext>
+            </a:extLst>
+          </p:cNvPr>
+          <p:cNvSpPr txBox="1"/>
+          <p:nvPr/>
+        </p:nvSpPr>
+        <p:spPr>
+          <a:xfrm>
+            <a:off x="1219199" y="945494"/>
+            <a:ext cx="5063613" cy="984885"/>
+          </a:xfrm>
+          <a:prstGeom prst="rect">
+            <a:avLst/>
+          </a:prstGeom>
+          <a:noFill/>
+        </p:spPr>
+        <p:txBody>
+          <a:bodyPr wrap="square" rtlCol="0">
+            <a:spAutoFit/>
+          </a:bodyPr>
+          <a:lstStyle/>
+          <a:p>
+            <a:r>
+              <a:rPr lang="fi-FI" sz="4000" dirty="0" err="1"/>
+              <a:t>SäähänSopiva</a:t>
+            </a:r>
+            <a:endParaRPr lang="fi-FI" sz="1200" dirty="0"/>
+          </a:p>
+          <a:p>
+            <a:endParaRPr lang="fi-FI" dirty="0"/>
+          </a:p>
+        </p:txBody>
+      </p:sp>
+    </p:spTree>
+    <p:extLst>
+      <p:ext uri="{BB962C8B-B14F-4D97-AF65-F5344CB8AC3E}">
+        <p14:creationId xmlns:p14="http://schemas.microsoft.com/office/powerpoint/2010/main" val="521330205"/>
+      </p:ext>
+    </p:extLst>
+  </p:cSld>
+  <p:clrMapOvr>
+    <a:masterClrMapping/>
+  </p:clrMapOvr>
+</p:sld>
+</file>
+
+<file path=ppt/slides/slide3.xml><?xml version="1.0" encoding="utf-8"?>
+<p:sld xmlns:a="http://schemas.openxmlformats.org/drawingml/2006/main" xmlns:r="http://schemas.openxmlformats.org/officeDocument/2006/relationships" xmlns:p="http://schemas.openxmlformats.org/presentationml/2006/main">
+  <p:cSld>
+    <p:bg>
+      <p:bgPr>
+        <a:gradFill rotWithShape="1">
+          <a:gsLst>
+            <a:gs pos="0">
+              <a:schemeClr val="bg1">
+                <a:tint val="90000"/>
+                <a:lumMod val="110000"/>
+              </a:schemeClr>
+            </a:gs>
+            <a:gs pos="100000">
+              <a:schemeClr val="bg1">
+                <a:shade val="64000"/>
+                <a:lumMod val="88000"/>
+              </a:schemeClr>
+            </a:gs>
+          </a:gsLst>
+          <a:lin ang="5400000" scaled="0"/>
+        </a:gradFill>
+        <a:effectLst/>
+      </p:bgPr>
+    </p:bg>
+    <p:spTree>
+      <p:nvGrpSpPr>
+        <p:cNvPr id="1" name=""/>
+        <p:cNvGrpSpPr/>
+        <p:nvPr/>
+      </p:nvGrpSpPr>
+      <p:grpSpPr>
+        <a:xfrm>
+          <a:off x="0" y="0"/>
+          <a:ext cx="0" cy="0"/>
+          <a:chOff x="0" y="0"/>
+          <a:chExt cx="0" cy="0"/>
+        </a:xfrm>
+      </p:grpSpPr>
+      <p:pic>
+        <p:nvPicPr>
+          <p:cNvPr id="5" name="Kuva 4" descr="Kuva, joka sisältää kohteen piha-, taivas, loma, vesi&#10;&#10;Tekoälyn generoima sisältö voi olla virheellistä.">
+            <a:extLst>
+              <a:ext uri="{FF2B5EF4-FFF2-40B4-BE49-F238E27FC236}">
+                <a16:creationId xmlns:a16="http://schemas.microsoft.com/office/drawing/2014/main" id="{2170E2AD-A5C0-A150-2428-8F72ABCC07D4}"/>
+              </a:ext>
+            </a:extLst>
+          </p:cNvPr>
+          <p:cNvPicPr>
+            <a:picLocks noChangeAspect="1"/>
+          </p:cNvPicPr>
+          <p:nvPr/>
+        </p:nvPicPr>
+        <p:blipFill>
+          <a:blip r:embed="rId2">
+            <a:extLst>
+              <a:ext uri="{28A0092B-C50C-407E-A947-70E740481C1C}">
+                <a14:useLocalDpi xmlns:a14="http://schemas.microsoft.com/office/drawing/2010/main" val="0"/>
+              </a:ext>
+            </a:extLst>
+          </a:blip>
+          <a:srcRect t="13461"/>
+          <a:stretch/>
+        </p:blipFill>
+        <p:spPr>
+          <a:xfrm>
+            <a:off x="20" y="2754"/>
+            <a:ext cx="12191980" cy="6858000"/>
+          </a:xfrm>
+          <a:prstGeom prst="rect">
+            <a:avLst/>
+          </a:prstGeom>
+        </p:spPr>
+      </p:pic>
+      <p:sp>
+        <p:nvSpPr>
+          <p:cNvPr id="51" name="Rectangle 46">
+            <a:extLst>
+              <a:ext uri="{FF2B5EF4-FFF2-40B4-BE49-F238E27FC236}">
+                <a16:creationId xmlns:a16="http://schemas.microsoft.com/office/drawing/2014/main" id="{23E246C7-AE23-4B78-B596-A021E638F0E8}"/>
+              </a:ext>
+              <a:ext uri="{C183D7F6-B498-43B3-948B-1728B52AA6E4}">
+                <adec:decorative xmlns:adec="http://schemas.microsoft.com/office/drawing/2017/decorative" val="1"/>
+              </a:ext>
+            </a:extLst>
+          </p:cNvPr>
+          <p:cNvSpPr>
+            <a:spLocks noGrp="1" noRot="1" noChangeAspect="1" noMove="1" noResize="1" noEditPoints="1" noAdjustHandles="1" noChangeArrowheads="1" noChangeShapeType="1" noTextEdit="1"/>
+          </p:cNvSpPr>
+          <p:nvPr>
+            <p:extLst>
+              <p:ext uri="{386F3935-93C4-4BCD-93E2-E3B085C9AB24}">
+                <p16:designElem xmlns:p16="http://schemas.microsoft.com/office/powerpoint/2015/main" val="1"/>
+              </p:ext>
+            </p:extLst>
+          </p:nvPr>
+        </p:nvSpPr>
+        <p:spPr>
+          <a:xfrm>
+            <a:off x="0" y="2754"/>
+            <a:ext cx="12192000" cy="6858000"/>
+          </a:xfrm>
+          <a:prstGeom prst="rect">
+            <a:avLst/>
+          </a:prstGeom>
+          <a:gradFill>
+            <a:gsLst>
+              <a:gs pos="10000">
+                <a:schemeClr val="bg1">
+                  <a:alpha val="75000"/>
+                </a:schemeClr>
+              </a:gs>
+              <a:gs pos="85000">
+                <a:schemeClr val="bg1">
+                  <a:lumMod val="95000"/>
+                </a:schemeClr>
+              </a:gs>
+            </a:gsLst>
+            <a:path path="circle">
+              <a:fillToRect l="50000" t="50000" r="50000" b="50000"/>
+            </a:path>
+          </a:gradFill>
+          <a:ln>
+            <a:noFill/>
+          </a:ln>
+        </p:spPr>
+        <p:style>
+          <a:lnRef idx="2">
+            <a:schemeClr val="accent1">
+              <a:shade val="50000"/>
+            </a:schemeClr>
+          </a:lnRef>
+          <a:fillRef idx="1">
+            <a:schemeClr val="accent1"/>
+          </a:fillRef>
+          <a:effectRef idx="0">
+            <a:schemeClr val="accent1"/>
+          </a:effectRef>
+          <a:fontRef idx="minor">
+            <a:schemeClr val="lt1"/>
+          </a:fontRef>
+        </p:style>
+        <p:txBody>
+          <a:bodyPr rtlCol="0" anchor="ctr"/>
+          <a:lstStyle/>
+          <a:p>
+            <a:pPr algn="ctr"/>
+            <a:endParaRPr lang="en-US"/>
+          </a:p>
+        </p:txBody>
+      </p:sp>
+      <p:pic>
+        <p:nvPicPr>
+          <p:cNvPr id="52" name="Picture 48">
+            <a:extLst>
+              <a:ext uri="{FF2B5EF4-FFF2-40B4-BE49-F238E27FC236}">
+                <a16:creationId xmlns:a16="http://schemas.microsoft.com/office/drawing/2014/main" id="{4388652C-EA91-4836-8F81-08E05C74EBC0}"/>
+              </a:ext>
+              <a:ext uri="{C183D7F6-B498-43B3-948B-1728B52AA6E4}">
+                <adec:decorative xmlns:adec="http://schemas.microsoft.com/office/drawing/2017/decorative" val="1"/>
+              </a:ext>
+            </a:extLst>
+          </p:cNvPr>
+          <p:cNvPicPr>
+            <a:picLocks noGrp="1" noRot="1" noChangeAspect="1" noMove="1" noResize="1" noEditPoints="1" noAdjustHandles="1" noChangeArrowheads="1" noChangeShapeType="1" noCrop="1"/>
+          </p:cNvPicPr>
+          <p:nvPr>
+            <p:extLst>
+              <p:ext uri="{386F3935-93C4-4BCD-93E2-E3B085C9AB24}">
+                <p16:designElem xmlns:p16="http://schemas.microsoft.com/office/powerpoint/2015/main" val="1"/>
+              </p:ext>
+            </p:extLst>
+          </p:nvPr>
+        </p:nvPicPr>
+        <p:blipFill>
+          <a:blip r:embed="rId3">
+            <a:extLst>
+              <a:ext uri="{28A0092B-C50C-407E-A947-70E740481C1C}">
+                <a14:useLocalDpi xmlns:a14="http://schemas.microsoft.com/office/drawing/2010/main" val="0"/>
+              </a:ext>
+            </a:extLst>
+          </a:blip>
+          <a:stretch>
+            <a:fillRect/>
+          </a:stretch>
+        </p:blipFill>
+        <p:spPr>
+          <a:xfrm>
+            <a:off x="0" y="0"/>
+            <a:ext cx="12192000" cy="6858000"/>
+          </a:xfrm>
+          <a:prstGeom prst="rect">
+            <a:avLst/>
+          </a:prstGeom>
+        </p:spPr>
+      </p:pic>
+      <p:sp>
+        <p:nvSpPr>
+          <p:cNvPr id="2" name="Otsikko 1">
+            <a:extLst>
+              <a:ext uri="{FF2B5EF4-FFF2-40B4-BE49-F238E27FC236}">
+                <a16:creationId xmlns:a16="http://schemas.microsoft.com/office/drawing/2014/main" id="{DE2D10E5-3D41-78C0-759E-07F34B82F0C7}"/>
+              </a:ext>
+            </a:extLst>
+          </p:cNvPr>
+          <p:cNvSpPr>
+            <a:spLocks noGrp="1"/>
+          </p:cNvSpPr>
+          <p:nvPr>
+            <p:ph type="title"/>
+          </p:nvPr>
+        </p:nvSpPr>
+        <p:spPr>
+          <a:xfrm>
+            <a:off x="913147" y="729754"/>
+            <a:ext cx="10364451" cy="757999"/>
+          </a:xfrm>
+        </p:spPr>
+        <p:txBody>
+          <a:bodyPr>
+            <a:normAutofit/>
+          </a:bodyPr>
+          <a:lstStyle/>
+          <a:p>
+            <a:r>
+              <a:rPr lang="fi-FI" sz="4000" dirty="0"/>
+              <a:t>Soo.. </a:t>
+            </a:r>
+            <a:r>
+              <a:rPr lang="fi-FI" sz="4000" dirty="0" err="1"/>
+              <a:t>What</a:t>
+            </a:r>
+            <a:r>
+              <a:rPr lang="fi-FI" sz="4000" dirty="0"/>
+              <a:t> </a:t>
+            </a:r>
+            <a:r>
+              <a:rPr lang="fi-FI" sz="4000" dirty="0" err="1"/>
+              <a:t>activities</a:t>
+            </a:r>
+            <a:r>
+              <a:rPr lang="fi-FI" sz="4000" dirty="0"/>
+              <a:t>?</a:t>
+            </a:r>
+          </a:p>
+        </p:txBody>
+      </p:sp>
+      <p:sp>
+        <p:nvSpPr>
+          <p:cNvPr id="42" name="Sisällön paikkamerkki 2">
+            <a:extLst>
+              <a:ext uri="{FF2B5EF4-FFF2-40B4-BE49-F238E27FC236}">
+                <a16:creationId xmlns:a16="http://schemas.microsoft.com/office/drawing/2014/main" id="{7848ABE8-E32C-EC48-4452-F1B5D80BAFA5}"/>
+              </a:ext>
+            </a:extLst>
+          </p:cNvPr>
+          <p:cNvSpPr>
+            <a:spLocks noGrp="1"/>
+          </p:cNvSpPr>
+          <p:nvPr>
+            <p:ph idx="1"/>
+          </p:nvPr>
+        </p:nvSpPr>
+        <p:spPr>
+          <a:xfrm>
+            <a:off x="653219" y="1868129"/>
+            <a:ext cx="10884309" cy="4709649"/>
+          </a:xfrm>
+        </p:spPr>
+        <p:txBody>
+          <a:bodyPr>
+            <a:normAutofit/>
+          </a:bodyPr>
+          <a:lstStyle/>
+          <a:p>
+            <a:pPr marL="0" indent="0">
+              <a:lnSpc>
+                <a:spcPct val="110000"/>
+              </a:lnSpc>
+              <a:buNone/>
+            </a:pPr>
+            <a:r>
+              <a:rPr lang="fi-FI" dirty="0" err="1"/>
+              <a:t>Säähänsopiva</a:t>
+            </a:r>
+            <a:r>
+              <a:rPr lang="fi-FI" dirty="0"/>
+              <a:t> </a:t>
+            </a:r>
+            <a:r>
+              <a:rPr lang="fi-FI" dirty="0" err="1"/>
+              <a:t>offers</a:t>
+            </a:r>
+            <a:r>
+              <a:rPr lang="fi-FI" dirty="0"/>
+              <a:t> </a:t>
+            </a:r>
+            <a:r>
+              <a:rPr lang="fi-FI" dirty="0" err="1"/>
+              <a:t>you</a:t>
+            </a:r>
+            <a:r>
+              <a:rPr lang="fi-FI" dirty="0"/>
+              <a:t> </a:t>
+            </a:r>
+            <a:r>
+              <a:rPr lang="fi-FI" dirty="0" err="1"/>
+              <a:t>activities</a:t>
+            </a:r>
+            <a:r>
+              <a:rPr lang="fi-FI" dirty="0"/>
+              <a:t> </a:t>
+            </a:r>
+            <a:r>
+              <a:rPr lang="fi-FI" dirty="0" err="1"/>
+              <a:t>based</a:t>
+            </a:r>
+            <a:r>
+              <a:rPr lang="fi-FI" dirty="0"/>
+              <a:t> on </a:t>
+            </a:r>
+            <a:r>
+              <a:rPr lang="fi-FI" dirty="0" err="1"/>
+              <a:t>the</a:t>
+            </a:r>
+            <a:r>
+              <a:rPr lang="fi-FI" dirty="0"/>
+              <a:t> </a:t>
+            </a:r>
+            <a:r>
+              <a:rPr lang="fi-FI" dirty="0" err="1"/>
+              <a:t>weather</a:t>
+            </a:r>
+            <a:r>
+              <a:rPr lang="fi-FI" dirty="0"/>
+              <a:t> </a:t>
+            </a:r>
+            <a:r>
+              <a:rPr lang="fi-FI" dirty="0" err="1"/>
+              <a:t>you</a:t>
+            </a:r>
+            <a:r>
+              <a:rPr lang="fi-FI" dirty="0"/>
+              <a:t> input into </a:t>
+            </a:r>
+            <a:r>
+              <a:rPr lang="fi-FI" dirty="0" err="1"/>
+              <a:t>the</a:t>
+            </a:r>
+            <a:r>
+              <a:rPr lang="fi-FI" dirty="0"/>
+              <a:t> </a:t>
+            </a:r>
+            <a:r>
+              <a:rPr lang="fi-FI" dirty="0" err="1"/>
+              <a:t>system</a:t>
+            </a:r>
+            <a:endParaRPr lang="fi-FI" dirty="0"/>
+          </a:p>
+          <a:p>
+            <a:pPr marL="0" indent="0">
+              <a:lnSpc>
+                <a:spcPct val="110000"/>
+              </a:lnSpc>
+              <a:buNone/>
+            </a:pPr>
+            <a:r>
+              <a:rPr lang="fi-FI" dirty="0" err="1"/>
+              <a:t>Activities</a:t>
+            </a:r>
+            <a:r>
+              <a:rPr lang="fi-FI" dirty="0"/>
+              <a:t> </a:t>
+            </a:r>
+            <a:r>
+              <a:rPr lang="fi-FI" dirty="0" err="1"/>
+              <a:t>vary</a:t>
+            </a:r>
+            <a:r>
+              <a:rPr lang="fi-FI" dirty="0"/>
+              <a:t> </a:t>
+            </a:r>
+            <a:r>
+              <a:rPr lang="fi-FI" dirty="0" err="1"/>
+              <a:t>from</a:t>
+            </a:r>
+            <a:r>
+              <a:rPr lang="fi-FI" dirty="0"/>
+              <a:t> inside to outside, COUPLES TO FAMILIES</a:t>
+            </a:r>
+          </a:p>
+          <a:p>
+            <a:pPr marL="0" indent="0">
+              <a:lnSpc>
+                <a:spcPct val="110000"/>
+              </a:lnSpc>
+              <a:buNone/>
+            </a:pPr>
+            <a:r>
+              <a:rPr lang="fi-FI" dirty="0" err="1"/>
+              <a:t>Activities</a:t>
+            </a:r>
+            <a:r>
+              <a:rPr lang="fi-FI" dirty="0"/>
+              <a:t> </a:t>
+            </a:r>
+            <a:r>
+              <a:rPr lang="fi-FI" dirty="0" err="1"/>
+              <a:t>are</a:t>
+            </a:r>
+            <a:r>
+              <a:rPr lang="fi-FI" dirty="0"/>
+              <a:t> </a:t>
+            </a:r>
+            <a:r>
+              <a:rPr lang="fi-FI" dirty="0" err="1"/>
+              <a:t>weather</a:t>
+            </a:r>
+            <a:r>
+              <a:rPr lang="fi-FI" dirty="0"/>
+              <a:t> </a:t>
+            </a:r>
+            <a:r>
+              <a:rPr lang="fi-FI" dirty="0" err="1"/>
+              <a:t>based</a:t>
+            </a:r>
+            <a:r>
+              <a:rPr lang="fi-FI" dirty="0"/>
+              <a:t> and some of </a:t>
+            </a:r>
+            <a:r>
+              <a:rPr lang="fi-FI" dirty="0" err="1"/>
+              <a:t>them</a:t>
+            </a:r>
+            <a:r>
+              <a:rPr lang="fi-FI" dirty="0"/>
+              <a:t> </a:t>
+            </a:r>
+            <a:r>
+              <a:rPr lang="fi-FI" dirty="0" err="1"/>
+              <a:t>are</a:t>
+            </a:r>
+            <a:r>
+              <a:rPr lang="fi-FI" dirty="0"/>
+              <a:t> </a:t>
+            </a:r>
+            <a:r>
+              <a:rPr lang="fi-FI" dirty="0" err="1"/>
+              <a:t>locked</a:t>
+            </a:r>
+            <a:r>
+              <a:rPr lang="fi-FI" dirty="0"/>
+              <a:t> </a:t>
+            </a:r>
+            <a:r>
+              <a:rPr lang="fi-FI" dirty="0" err="1"/>
+              <a:t>behind</a:t>
+            </a:r>
+            <a:r>
+              <a:rPr lang="fi-FI" dirty="0"/>
+              <a:t> </a:t>
+            </a:r>
+            <a:r>
+              <a:rPr lang="fi-FI" dirty="0" err="1"/>
+              <a:t>certain</a:t>
+            </a:r>
+            <a:r>
+              <a:rPr lang="fi-FI" dirty="0"/>
+              <a:t> </a:t>
+            </a:r>
+            <a:r>
+              <a:rPr lang="fi-FI" dirty="0" err="1"/>
+              <a:t>weather</a:t>
+            </a:r>
+            <a:r>
+              <a:rPr lang="fi-FI" dirty="0"/>
+              <a:t> </a:t>
+            </a:r>
+            <a:r>
+              <a:rPr lang="fi-FI" dirty="0" err="1"/>
+              <a:t>types</a:t>
+            </a:r>
+            <a:r>
+              <a:rPr lang="fi-FI" dirty="0"/>
+              <a:t>, for an </a:t>
+            </a:r>
+            <a:r>
+              <a:rPr lang="fi-FI" dirty="0" err="1"/>
+              <a:t>example</a:t>
+            </a:r>
+            <a:endParaRPr lang="fi-FI" dirty="0"/>
+          </a:p>
+          <a:p>
+            <a:pPr marL="0" indent="0">
+              <a:lnSpc>
+                <a:spcPct val="110000"/>
+              </a:lnSpc>
+              <a:buNone/>
+            </a:pPr>
+            <a:r>
+              <a:rPr lang="fi-FI" dirty="0" err="1"/>
+              <a:t>Snowy</a:t>
+            </a:r>
+            <a:r>
+              <a:rPr lang="fi-FI" dirty="0"/>
+              <a:t> </a:t>
+            </a:r>
+            <a:r>
+              <a:rPr lang="fi-FI" dirty="0" err="1"/>
+              <a:t>weather</a:t>
+            </a:r>
+            <a:endParaRPr lang="fi-FI" dirty="0"/>
+          </a:p>
+          <a:p>
+            <a:pPr lvl="1">
+              <a:lnSpc>
+                <a:spcPct val="110000"/>
+              </a:lnSpc>
+              <a:buFontTx/>
+              <a:buChar char="-"/>
+            </a:pPr>
+            <a:r>
+              <a:rPr lang="fi-FI" sz="2000" dirty="0" err="1"/>
+              <a:t>Skiing</a:t>
+            </a:r>
+            <a:endParaRPr lang="fi-FI" sz="2000" dirty="0"/>
+          </a:p>
+          <a:p>
+            <a:pPr lvl="1">
+              <a:lnSpc>
+                <a:spcPct val="110000"/>
+              </a:lnSpc>
+              <a:buFontTx/>
+              <a:buChar char="-"/>
+            </a:pPr>
+            <a:r>
+              <a:rPr lang="fi-FI" sz="2000" dirty="0"/>
+              <a:t>Building a </a:t>
+            </a:r>
+            <a:r>
+              <a:rPr lang="fi-FI" sz="2000" dirty="0" err="1"/>
+              <a:t>snowman</a:t>
+            </a:r>
+            <a:endParaRPr lang="fi-FI" sz="2000" dirty="0"/>
+          </a:p>
+          <a:p>
+            <a:pPr marL="0" indent="0">
+              <a:lnSpc>
+                <a:spcPct val="110000"/>
+              </a:lnSpc>
+              <a:buNone/>
+            </a:pPr>
+            <a:r>
+              <a:rPr lang="fi-FI" dirty="0" err="1"/>
+              <a:t>Sunny</a:t>
+            </a:r>
+            <a:r>
+              <a:rPr lang="fi-FI" dirty="0"/>
+              <a:t> </a:t>
+            </a:r>
+            <a:r>
+              <a:rPr lang="fi-FI" dirty="0" err="1"/>
+              <a:t>weather</a:t>
+            </a:r>
+            <a:endParaRPr lang="fi-FI" dirty="0"/>
+          </a:p>
+          <a:p>
+            <a:pPr lvl="1">
+              <a:lnSpc>
+                <a:spcPct val="110000"/>
+              </a:lnSpc>
+              <a:buFontTx/>
+              <a:buChar char="-"/>
+            </a:pPr>
+            <a:r>
+              <a:rPr lang="fi-FI" sz="2000" dirty="0" err="1"/>
+              <a:t>Sunbathing</a:t>
+            </a:r>
+            <a:endParaRPr lang="fi-FI" sz="2000" dirty="0"/>
+          </a:p>
+          <a:p>
+            <a:pPr lvl="1">
+              <a:lnSpc>
+                <a:spcPct val="110000"/>
+              </a:lnSpc>
+              <a:buFontTx/>
+              <a:buChar char="-"/>
+            </a:pPr>
+            <a:r>
+              <a:rPr lang="fi-FI" sz="2000" dirty="0" err="1"/>
+              <a:t>Swimming</a:t>
+            </a:r>
+            <a:endParaRPr lang="fi-FI" sz="2000" dirty="0"/>
+          </a:p>
+        </p:txBody>
+      </p:sp>
+    </p:spTree>
+    <p:extLst>
+      <p:ext uri="{BB962C8B-B14F-4D97-AF65-F5344CB8AC3E}">
+        <p14:creationId xmlns:p14="http://schemas.microsoft.com/office/powerpoint/2010/main" val="2751763783"/>
+      </p:ext>
+    </p:extLst>
+  </p:cSld>
+  <p:clrMapOvr>
+    <a:masterClrMapping/>
+  </p:clrMapOvr>
+</p:sld>
+</file>
+
+<file path=ppt/slides/slide4.xml><?xml version="1.0" encoding="utf-8"?>
+<p:sld xmlns:a="http://schemas.openxmlformats.org/drawingml/2006/main" xmlns:r="http://schemas.openxmlformats.org/officeDocument/2006/relationships" xmlns:p="http://schemas.openxmlformats.org/presentationml/2006/main">
+  <p:cSld>
+    <p:bg>
+      <p:bgPr>
+        <a:gradFill rotWithShape="1">
+          <a:gsLst>
+            <a:gs pos="0">
+              <a:schemeClr val="bg1">
+                <a:tint val="90000"/>
+                <a:lumMod val="110000"/>
+              </a:schemeClr>
+            </a:gs>
+            <a:gs pos="100000">
+              <a:schemeClr val="bg1">
+                <a:shade val="64000"/>
+                <a:lumMod val="88000"/>
+              </a:schemeClr>
+            </a:gs>
+          </a:gsLst>
+          <a:lin ang="5400000" scaled="0"/>
+        </a:gradFill>
+        <a:effectLst/>
+      </p:bgPr>
+    </p:bg>
+    <p:spTree>
+      <p:nvGrpSpPr>
+        <p:cNvPr id="1" name=""/>
+        <p:cNvGrpSpPr/>
+        <p:nvPr/>
+      </p:nvGrpSpPr>
+      <p:grpSpPr>
+        <a:xfrm>
+          <a:off x="0" y="0"/>
+          <a:ext cx="0" cy="0"/>
+          <a:chOff x="0" y="0"/>
+          <a:chExt cx="0" cy="0"/>
+        </a:xfrm>
+      </p:grpSpPr>
+      <p:sp useBgFill="1">
+        <p:nvSpPr>
+          <p:cNvPr id="23" name="Rectangle 22">
+            <a:extLst>
+              <a:ext uri="{FF2B5EF4-FFF2-40B4-BE49-F238E27FC236}">
+                <a16:creationId xmlns:a16="http://schemas.microsoft.com/office/drawing/2014/main" id="{DC3B8C6B-63CA-4384-8059-2036BE520277}"/>
+              </a:ext>
+              <a:ext uri="{C183D7F6-B498-43B3-948B-1728B52AA6E4}">
+                <adec:decorative xmlns:adec="http://schemas.microsoft.com/office/drawing/2017/decorative" val="1"/>
+              </a:ext>
+            </a:extLst>
+          </p:cNvPr>
+          <p:cNvSpPr>
+            <a:spLocks noGrp="1" noRot="1" noChangeAspect="1" noMove="1" noResize="1" noEditPoints="1" noAdjustHandles="1" noChangeArrowheads="1" noChangeShapeType="1" noTextEdit="1"/>
+          </p:cNvSpPr>
+          <p:nvPr>
+            <p:extLst>
+              <p:ext uri="{386F3935-93C4-4BCD-93E2-E3B085C9AB24}">
+                <p16:designElem xmlns:p16="http://schemas.microsoft.com/office/powerpoint/2015/main" val="1"/>
+              </p:ext>
+            </p:extLst>
+          </p:nvPr>
+        </p:nvSpPr>
+        <p:spPr>
+          <a:xfrm>
+            <a:off x="0" y="0"/>
+            <a:ext cx="12192000" cy="6858000"/>
+          </a:xfrm>
+          <a:prstGeom prst="rect">
+            <a:avLst/>
+          </a:prstGeom>
+          <a:ln>
+            <a:noFill/>
+          </a:ln>
+        </p:spPr>
+        <p:style>
+          <a:lnRef idx="2">
+            <a:schemeClr val="accent1">
+              <a:shade val="50000"/>
+            </a:schemeClr>
+          </a:lnRef>
+          <a:fillRef idx="1">
+            <a:schemeClr val="accent1"/>
+          </a:fillRef>
+          <a:effectRef idx="0">
+            <a:schemeClr val="accent1"/>
+          </a:effectRef>
+          <a:fontRef idx="minor">
+            <a:schemeClr val="lt1"/>
+          </a:fontRef>
+        </p:style>
+        <p:txBody>
+          <a:bodyPr rtlCol="0" anchor="ctr"/>
+          <a:lstStyle/>
+          <a:p>
+            <a:pPr algn="ctr"/>
+            <a:endParaRPr lang="en-US"/>
+          </a:p>
+        </p:txBody>
+      </p:sp>
+      <p:pic>
+        <p:nvPicPr>
+          <p:cNvPr id="5" name="Kuva 4" descr="Kuva, joka sisältää kohteen henkilö, sormi, kynsi, peukalo&#10;&#10;Tekoälyn generoima sisältö voi olla virheellistä.">
+            <a:extLst>
+              <a:ext uri="{FF2B5EF4-FFF2-40B4-BE49-F238E27FC236}">
+                <a16:creationId xmlns:a16="http://schemas.microsoft.com/office/drawing/2014/main" id="{9EE75921-D2CF-D54D-6D7B-C600792849E6}"/>
+              </a:ext>
+            </a:extLst>
+          </p:cNvPr>
+          <p:cNvPicPr>
+            <a:picLocks noChangeAspect="1"/>
+          </p:cNvPicPr>
+          <p:nvPr/>
+        </p:nvPicPr>
+        <p:blipFill>
+          <a:blip r:embed="rId2">
+            <a:extLst>
+              <a:ext uri="{28A0092B-C50C-407E-A947-70E740481C1C}">
+                <a14:useLocalDpi xmlns:a14="http://schemas.microsoft.com/office/drawing/2010/main" val="0"/>
+              </a:ext>
+            </a:extLst>
+          </a:blip>
+          <a:srcRect l="4490" r="56336" b="-1"/>
+          <a:stretch/>
+        </p:blipFill>
+        <p:spPr>
+          <a:xfrm>
+            <a:off x="20" y="10"/>
+            <a:ext cx="4024741" cy="6857990"/>
+          </a:xfrm>
+          <a:prstGeom prst="rect">
+            <a:avLst/>
+          </a:prstGeom>
+        </p:spPr>
+      </p:pic>
+      <p:sp>
+        <p:nvSpPr>
+          <p:cNvPr id="25" name="Rectangle 24">
+            <a:extLst>
+              <a:ext uri="{FF2B5EF4-FFF2-40B4-BE49-F238E27FC236}">
+                <a16:creationId xmlns:a16="http://schemas.microsoft.com/office/drawing/2014/main" id="{C71B03AA-C0EB-4104-84F8-E1AB8BFBEF60}"/>
+              </a:ext>
+              <a:ext uri="{C183D7F6-B498-43B3-948B-1728B52AA6E4}">
+                <adec:decorative xmlns:adec="http://schemas.microsoft.com/office/drawing/2017/decorative" val="1"/>
+              </a:ext>
+            </a:extLst>
+          </p:cNvPr>
+          <p:cNvSpPr>
+            <a:spLocks noGrp="1" noRot="1" noChangeAspect="1" noMove="1" noResize="1" noEditPoints="1" noAdjustHandles="1" noChangeArrowheads="1" noChangeShapeType="1" noTextEdit="1"/>
+          </p:cNvSpPr>
+          <p:nvPr>
+            <p:extLst>
+              <p:ext uri="{386F3935-93C4-4BCD-93E2-E3B085C9AB24}">
+                <p16:designElem xmlns:p16="http://schemas.microsoft.com/office/powerpoint/2015/main" val="1"/>
+              </p:ext>
+            </p:extLst>
+          </p:nvPr>
+        </p:nvSpPr>
+        <p:spPr>
+          <a:xfrm>
+            <a:off x="4024761" y="-2"/>
+            <a:ext cx="81313" cy="6858002"/>
+          </a:xfrm>
+          <a:prstGeom prst="rect">
+            <a:avLst/>
+          </a:prstGeom>
+          <a:gradFill flip="none" rotWithShape="1">
+            <a:gsLst>
+              <a:gs pos="84000">
+                <a:srgbClr val="B5B5B5"/>
+              </a:gs>
+              <a:gs pos="60159">
+                <a:srgbClr val="D5D5D5"/>
+              </a:gs>
+              <a:gs pos="50447">
+                <a:srgbClr val="E6E6E6"/>
+              </a:gs>
+              <a:gs pos="44260">
+                <a:srgbClr val="D5D5D5"/>
+              </a:gs>
+              <a:gs pos="15928">
+                <a:srgbClr val="B5B5B5"/>
+              </a:gs>
+              <a:gs pos="7000">
+                <a:srgbClr val="8A8A8A"/>
+              </a:gs>
+              <a:gs pos="0">
+                <a:srgbClr val="BBBBBB"/>
+              </a:gs>
+              <a:gs pos="93000">
+                <a:srgbClr val="8A8A8A"/>
+              </a:gs>
+              <a:gs pos="100000">
+                <a:srgbClr val="BBBBBB"/>
+              </a:gs>
+            </a:gsLst>
+            <a:lin ang="0" scaled="1"/>
+            <a:tileRect/>
+          </a:gradFill>
+          <a:ln>
+            <a:noFill/>
+          </a:ln>
+        </p:spPr>
+        <p:style>
+          <a:lnRef idx="2">
+            <a:schemeClr val="accent1">
+              <a:shade val="50000"/>
+            </a:schemeClr>
+          </a:lnRef>
+          <a:fillRef idx="1">
+            <a:schemeClr val="accent1"/>
+          </a:fillRef>
+          <a:effectRef idx="0">
+            <a:schemeClr val="accent1"/>
+          </a:effectRef>
+          <a:fontRef idx="minor">
+            <a:schemeClr val="lt1"/>
+          </a:fontRef>
+        </p:style>
+        <p:txBody>
+          <a:bodyPr rtlCol="0" anchor="ctr"/>
+          <a:lstStyle/>
+          <a:p>
+            <a:pPr algn="ctr"/>
+            <a:endParaRPr lang="en-US"/>
+          </a:p>
+        </p:txBody>
+      </p:sp>
+      <p:pic>
+        <p:nvPicPr>
+          <p:cNvPr id="27" name="Picture 26">
+            <a:extLst>
+              <a:ext uri="{FF2B5EF4-FFF2-40B4-BE49-F238E27FC236}">
+                <a16:creationId xmlns:a16="http://schemas.microsoft.com/office/drawing/2014/main" id="{09C2B723-6C2F-49DE-A429-50BDFD1ADB45}"/>
+              </a:ext>
+              <a:ext uri="{C183D7F6-B498-43B3-948B-1728B52AA6E4}">
+                <adec:decorative xmlns:adec="http://schemas.microsoft.com/office/drawing/2017/decorative" val="1"/>
+              </a:ext>
+            </a:extLst>
+          </p:cNvPr>
+          <p:cNvPicPr>
+            <a:picLocks noGrp="1" noRot="1" noChangeAspect="1" noMove="1" noResize="1" noEditPoints="1" noAdjustHandles="1" noChangeArrowheads="1" noChangeShapeType="1" noCrop="1"/>
+          </p:cNvPicPr>
+          <p:nvPr>
+            <p:extLst>
+              <p:ext uri="{386F3935-93C4-4BCD-93E2-E3B085C9AB24}">
+                <p16:designElem xmlns:p16="http://schemas.microsoft.com/office/powerpoint/2015/main" val="1"/>
+              </p:ext>
+            </p:extLst>
+          </p:nvPr>
+        </p:nvPicPr>
+        <p:blipFill>
+          <a:blip r:embed="rId3">
+            <a:extLst>
+              <a:ext uri="{28A0092B-C50C-407E-A947-70E740481C1C}">
+                <a14:useLocalDpi xmlns:a14="http://schemas.microsoft.com/office/drawing/2010/main" val="0"/>
+              </a:ext>
+            </a:extLst>
+          </a:blip>
+          <a:stretch>
+            <a:fillRect/>
+          </a:stretch>
+        </p:blipFill>
+        <p:spPr>
+          <a:xfrm>
+            <a:off x="0" y="0"/>
+            <a:ext cx="12192000" cy="6858000"/>
+          </a:xfrm>
+          <a:prstGeom prst="rect">
+            <a:avLst/>
+          </a:prstGeom>
+        </p:spPr>
+      </p:pic>
+      <p:sp>
+        <p:nvSpPr>
+          <p:cNvPr id="2" name="Otsikko 1">
+            <a:extLst>
+              <a:ext uri="{FF2B5EF4-FFF2-40B4-BE49-F238E27FC236}">
+                <a16:creationId xmlns:a16="http://schemas.microsoft.com/office/drawing/2014/main" id="{62D20488-B112-57AD-DA33-DA410A20E2AC}"/>
+              </a:ext>
+            </a:extLst>
+          </p:cNvPr>
+          <p:cNvSpPr>
+            <a:spLocks noGrp="1"/>
+          </p:cNvSpPr>
+          <p:nvPr>
+            <p:ph type="title"/>
+          </p:nvPr>
+        </p:nvSpPr>
+        <p:spPr>
+          <a:xfrm>
+            <a:off x="4465049" y="284220"/>
+            <a:ext cx="6672886" cy="1596177"/>
+          </a:xfrm>
+        </p:spPr>
+        <p:txBody>
+          <a:bodyPr>
+            <a:normAutofit/>
+          </a:bodyPr>
+          <a:lstStyle/>
+          <a:p>
+            <a:r>
+              <a:rPr lang="fi-FI" sz="4000" dirty="0" err="1"/>
+              <a:t>reflection</a:t>
+            </a:r>
+            <a:endParaRPr lang="fi-FI" sz="4000" dirty="0"/>
+          </a:p>
+        </p:txBody>
+      </p:sp>
+      <p:sp>
+        <p:nvSpPr>
+          <p:cNvPr id="3" name="Sisällön paikkamerkki 2">
+            <a:extLst>
+              <a:ext uri="{FF2B5EF4-FFF2-40B4-BE49-F238E27FC236}">
+                <a16:creationId xmlns:a16="http://schemas.microsoft.com/office/drawing/2014/main" id="{F3A1D7FE-8240-E01B-FD62-59F66C0AF6D3}"/>
+              </a:ext>
+            </a:extLst>
+          </p:cNvPr>
+          <p:cNvSpPr>
+            <a:spLocks noGrp="1"/>
+          </p:cNvSpPr>
+          <p:nvPr>
+            <p:ph idx="1"/>
+          </p:nvPr>
+        </p:nvSpPr>
+        <p:spPr>
+          <a:xfrm>
+            <a:off x="4407252" y="1880397"/>
+            <a:ext cx="7284500" cy="4813806"/>
+          </a:xfrm>
+        </p:spPr>
+        <p:txBody>
+          <a:bodyPr>
+            <a:normAutofit/>
+          </a:bodyPr>
+          <a:lstStyle/>
+          <a:p>
+            <a:pPr marL="0" indent="0">
+              <a:buNone/>
+            </a:pPr>
+            <a:r>
+              <a:rPr lang="fi-FI" dirty="0" err="1"/>
+              <a:t>Coming</a:t>
+            </a:r>
+            <a:r>
+              <a:rPr lang="fi-FI" dirty="0"/>
+              <a:t> </a:t>
+            </a:r>
+            <a:r>
+              <a:rPr lang="fi-FI" dirty="0" err="1"/>
+              <a:t>up</a:t>
+            </a:r>
+            <a:r>
+              <a:rPr lang="fi-FI" dirty="0"/>
+              <a:t> </a:t>
+            </a:r>
+            <a:r>
+              <a:rPr lang="fi-FI" dirty="0" err="1"/>
+              <a:t>with</a:t>
+            </a:r>
+            <a:r>
+              <a:rPr lang="fi-FI" dirty="0"/>
+              <a:t> </a:t>
+            </a:r>
+            <a:r>
+              <a:rPr lang="fi-FI" dirty="0" err="1"/>
+              <a:t>the</a:t>
+            </a:r>
+            <a:r>
+              <a:rPr lang="fi-FI" dirty="0"/>
+              <a:t> idea at </a:t>
+            </a:r>
+            <a:r>
+              <a:rPr lang="fi-FI" dirty="0" err="1"/>
+              <a:t>the</a:t>
+            </a:r>
+            <a:r>
+              <a:rPr lang="fi-FI" dirty="0"/>
+              <a:t> </a:t>
+            </a:r>
+            <a:r>
+              <a:rPr lang="fi-FI" dirty="0" err="1"/>
+              <a:t>start</a:t>
+            </a:r>
+            <a:r>
+              <a:rPr lang="fi-FI" dirty="0"/>
+              <a:t> </a:t>
+            </a:r>
+            <a:r>
+              <a:rPr lang="fi-FI" dirty="0" err="1"/>
+              <a:t>was</a:t>
+            </a:r>
+            <a:r>
+              <a:rPr lang="fi-FI" dirty="0"/>
+              <a:t> </a:t>
+            </a:r>
+            <a:r>
+              <a:rPr lang="fi-FI" dirty="0" err="1"/>
+              <a:t>difficult</a:t>
+            </a:r>
+            <a:r>
+              <a:rPr lang="fi-FI" dirty="0"/>
+              <a:t> </a:t>
+            </a:r>
+            <a:r>
+              <a:rPr lang="fi-FI" dirty="0" err="1"/>
+              <a:t>but</a:t>
+            </a:r>
+            <a:r>
+              <a:rPr lang="fi-FI" dirty="0"/>
+              <a:t> </a:t>
+            </a:r>
+            <a:r>
+              <a:rPr lang="fi-FI" dirty="0" err="1"/>
+              <a:t>once</a:t>
+            </a:r>
+            <a:r>
+              <a:rPr lang="fi-FI" dirty="0"/>
+              <a:t> </a:t>
+            </a:r>
+            <a:r>
+              <a:rPr lang="fi-FI" dirty="0" err="1"/>
+              <a:t>we</a:t>
+            </a:r>
+            <a:r>
+              <a:rPr lang="fi-FI" dirty="0"/>
+              <a:t> </a:t>
+            </a:r>
+            <a:r>
+              <a:rPr lang="fi-FI" dirty="0" err="1"/>
+              <a:t>figured</a:t>
+            </a:r>
+            <a:r>
+              <a:rPr lang="fi-FI" dirty="0"/>
+              <a:t> it out </a:t>
+            </a:r>
+            <a:r>
+              <a:rPr lang="fi-FI" dirty="0" err="1"/>
+              <a:t>we</a:t>
+            </a:r>
+            <a:r>
+              <a:rPr lang="fi-FI" dirty="0"/>
+              <a:t> </a:t>
+            </a:r>
+            <a:r>
+              <a:rPr lang="fi-FI" dirty="0" err="1"/>
+              <a:t>were</a:t>
+            </a:r>
+            <a:r>
+              <a:rPr lang="fi-FI" dirty="0"/>
+              <a:t> set in to </a:t>
+            </a:r>
+            <a:r>
+              <a:rPr lang="fi-FI" dirty="0" err="1"/>
+              <a:t>complete</a:t>
+            </a:r>
+            <a:r>
+              <a:rPr lang="fi-FI" dirty="0"/>
+              <a:t> it</a:t>
+            </a:r>
+          </a:p>
+          <a:p>
+            <a:pPr marL="0" indent="0">
+              <a:buNone/>
+            </a:pPr>
+            <a:endParaRPr lang="fi-FI" dirty="0"/>
+          </a:p>
+          <a:p>
+            <a:pPr marL="0" indent="0">
+              <a:buNone/>
+            </a:pPr>
+            <a:r>
+              <a:rPr lang="fi-FI" dirty="0"/>
+              <a:t>If </a:t>
+            </a:r>
+            <a:r>
+              <a:rPr lang="fi-FI" dirty="0" err="1"/>
+              <a:t>we</a:t>
+            </a:r>
+            <a:r>
+              <a:rPr lang="fi-FI" dirty="0"/>
+              <a:t> </a:t>
+            </a:r>
+            <a:r>
+              <a:rPr lang="fi-FI" dirty="0" err="1"/>
+              <a:t>were</a:t>
+            </a:r>
+            <a:r>
+              <a:rPr lang="fi-FI" dirty="0"/>
+              <a:t> to </a:t>
+            </a:r>
+            <a:r>
+              <a:rPr lang="fi-FI" dirty="0" err="1"/>
+              <a:t>do</a:t>
+            </a:r>
+            <a:r>
+              <a:rPr lang="fi-FI" dirty="0"/>
+              <a:t> </a:t>
+            </a:r>
+            <a:r>
+              <a:rPr lang="fi-FI" dirty="0" err="1"/>
+              <a:t>something</a:t>
+            </a:r>
+            <a:r>
+              <a:rPr lang="fi-FI" dirty="0"/>
+              <a:t> </a:t>
+            </a:r>
+            <a:r>
+              <a:rPr lang="fi-FI" dirty="0" err="1"/>
+              <a:t>differently</a:t>
+            </a:r>
+            <a:r>
+              <a:rPr lang="fi-FI" dirty="0"/>
+              <a:t>, </a:t>
+            </a:r>
+            <a:r>
+              <a:rPr lang="fi-FI" dirty="0" err="1"/>
+              <a:t>we</a:t>
+            </a:r>
+            <a:r>
+              <a:rPr lang="fi-FI" dirty="0"/>
+              <a:t> </a:t>
+            </a:r>
+            <a:r>
+              <a:rPr lang="fi-FI" dirty="0" err="1"/>
+              <a:t>would</a:t>
+            </a:r>
+            <a:r>
+              <a:rPr lang="fi-FI" dirty="0"/>
+              <a:t> </a:t>
+            </a:r>
+            <a:r>
+              <a:rPr lang="fi-FI" dirty="0" err="1"/>
+              <a:t>have</a:t>
+            </a:r>
+            <a:r>
+              <a:rPr lang="fi-FI" dirty="0"/>
+              <a:t> </a:t>
+            </a:r>
+            <a:r>
+              <a:rPr lang="fi-FI" dirty="0" err="1"/>
+              <a:t>started</a:t>
+            </a:r>
+            <a:r>
+              <a:rPr lang="fi-FI" dirty="0"/>
+              <a:t> to </a:t>
+            </a:r>
+            <a:r>
+              <a:rPr lang="fi-FI" dirty="0" err="1"/>
+              <a:t>do</a:t>
+            </a:r>
+            <a:r>
+              <a:rPr lang="fi-FI" dirty="0"/>
+              <a:t> THE PROJECT </a:t>
+            </a:r>
+            <a:r>
+              <a:rPr lang="fi-FI" dirty="0" err="1"/>
+              <a:t>sooner</a:t>
+            </a:r>
+            <a:r>
+              <a:rPr lang="fi-FI" dirty="0"/>
+              <a:t> AND </a:t>
+            </a:r>
+            <a:r>
+              <a:rPr lang="fi-FI" dirty="0" err="1"/>
+              <a:t>communicate</a:t>
+            </a:r>
+            <a:r>
+              <a:rPr lang="fi-FI" dirty="0"/>
+              <a:t> </a:t>
+            </a:r>
+            <a:r>
+              <a:rPr lang="fi-FI" dirty="0" err="1"/>
+              <a:t>better</a:t>
+            </a:r>
+            <a:r>
+              <a:rPr lang="fi-FI" dirty="0"/>
+              <a:t> </a:t>
+            </a:r>
+            <a:r>
+              <a:rPr lang="fi-FI" dirty="0" err="1"/>
+              <a:t>more</a:t>
+            </a:r>
+            <a:r>
+              <a:rPr lang="fi-FI" dirty="0"/>
+              <a:t> </a:t>
+            </a:r>
+            <a:r>
+              <a:rPr lang="fi-FI" dirty="0" err="1"/>
+              <a:t>often</a:t>
+            </a:r>
+            <a:endParaRPr lang="fi-FI" dirty="0"/>
+          </a:p>
+          <a:p>
+            <a:pPr marL="0" indent="0">
+              <a:buNone/>
+            </a:pPr>
+            <a:endParaRPr lang="fi-FI" dirty="0"/>
+          </a:p>
+          <a:p>
+            <a:pPr marL="0" indent="0">
+              <a:buNone/>
+            </a:pPr>
+            <a:r>
+              <a:rPr lang="fi-FI" dirty="0"/>
+              <a:t>Learning </a:t>
+            </a:r>
+            <a:r>
+              <a:rPr lang="fi-FI" dirty="0" err="1"/>
+              <a:t>about</a:t>
+            </a:r>
+            <a:r>
+              <a:rPr lang="fi-FI" dirty="0"/>
+              <a:t> </a:t>
+            </a:r>
+            <a:r>
+              <a:rPr lang="fi-FI" dirty="0" err="1"/>
+              <a:t>what</a:t>
+            </a:r>
+            <a:r>
+              <a:rPr lang="fi-FI" dirty="0"/>
+              <a:t> </a:t>
+            </a:r>
+            <a:r>
+              <a:rPr lang="fi-FI" dirty="0" err="1"/>
+              <a:t>kind</a:t>
+            </a:r>
+            <a:r>
+              <a:rPr lang="fi-FI" dirty="0"/>
+              <a:t> of a </a:t>
+            </a:r>
+            <a:r>
+              <a:rPr lang="fi-FI" dirty="0" err="1"/>
+              <a:t>groupmember</a:t>
+            </a:r>
+            <a:r>
+              <a:rPr lang="fi-FI" dirty="0"/>
+              <a:t> </a:t>
+            </a:r>
+            <a:r>
+              <a:rPr lang="fi-FI" dirty="0" err="1"/>
+              <a:t>was</a:t>
+            </a:r>
+            <a:r>
+              <a:rPr lang="fi-FI" dirty="0"/>
+              <a:t> </a:t>
+            </a:r>
+            <a:r>
+              <a:rPr lang="fi-FI" dirty="0" err="1"/>
+              <a:t>fun</a:t>
+            </a:r>
+            <a:r>
+              <a:rPr lang="fi-FI" dirty="0"/>
+              <a:t> and to </a:t>
+            </a:r>
+            <a:r>
+              <a:rPr lang="fi-FI" dirty="0" err="1"/>
+              <a:t>implement</a:t>
+            </a:r>
+            <a:r>
+              <a:rPr lang="fi-FI" dirty="0"/>
+              <a:t> it to </a:t>
+            </a:r>
+            <a:r>
+              <a:rPr lang="fi-FI" dirty="0" err="1"/>
+              <a:t>the</a:t>
+            </a:r>
+            <a:r>
+              <a:rPr lang="fi-FI" dirty="0"/>
+              <a:t> </a:t>
+            </a:r>
+            <a:r>
+              <a:rPr lang="fi-FI" dirty="0" err="1"/>
+              <a:t>project</a:t>
+            </a:r>
+            <a:r>
+              <a:rPr lang="fi-FI" dirty="0"/>
+              <a:t> </a:t>
+            </a:r>
+            <a:r>
+              <a:rPr lang="fi-FI" dirty="0" err="1"/>
+              <a:t>built</a:t>
+            </a:r>
+            <a:r>
+              <a:rPr lang="fi-FI" dirty="0"/>
+              <a:t> </a:t>
+            </a:r>
+            <a:r>
+              <a:rPr lang="fi-FI" dirty="0" err="1"/>
+              <a:t>confidence</a:t>
+            </a:r>
+            <a:endParaRPr lang="fi-FI" dirty="0"/>
+          </a:p>
+          <a:p>
+            <a:pPr marL="0" indent="0">
+              <a:buNone/>
+            </a:pPr>
+            <a:endParaRPr lang="fi-FI" dirty="0"/>
+          </a:p>
+          <a:p>
+            <a:pPr marL="0" indent="0">
+              <a:buNone/>
+            </a:pPr>
+            <a:endParaRPr lang="fi-FI" dirty="0"/>
+          </a:p>
+        </p:txBody>
+      </p:sp>
+    </p:spTree>
+    <p:extLst>
+      <p:ext uri="{BB962C8B-B14F-4D97-AF65-F5344CB8AC3E}">
+        <p14:creationId xmlns:p14="http://schemas.microsoft.com/office/powerpoint/2010/main" val="1847543742"/>
+      </p:ext>
+    </p:extLst>
+  </p:cSld>
+  <p:clrMapOvr>
+    <a:masterClrMapping/>
+  </p:clrMapOvr>
+</p:sld>
+</file>
+
 <file path=ppt/theme/theme1.xml><?xml version="1.0" encoding="utf-8"?>
-<a:theme xmlns:a="http://schemas.openxmlformats.org/drawingml/2006/main" name="Office-teema">
+<a:theme xmlns:a="http://schemas.openxmlformats.org/drawingml/2006/main" name="Pisara">
   <a:themeElements>
-    <a:clrScheme name="Office">
+    <a:clrScheme name="Pisara">
       <a:dk1>
         <a:sysClr val="windowText" lastClr="000000"/>
       </a:dk1>
@@ -3406,44 +9437,44 @@
         <a:sysClr val="window" lastClr="FFFFFF"/>
       </a:lt1>
       <a:dk2>
-        <a:srgbClr val="0E2841"/>
+        <a:srgbClr val="355071"/>
       </a:dk2>
       <a:lt2>
-        <a:srgbClr val="E8E8E8"/>
+        <a:srgbClr val="AABED7"/>
       </a:lt2>
       <a:accent1>
-        <a:srgbClr val="156082"/>
+        <a:srgbClr val="2FA3EE"/>
       </a:accent1>
       <a:accent2>
-        <a:srgbClr val="E97132"/>
+        <a:srgbClr val="4BCAAD"/>
       </a:accent2>
       <a:accent3>
-        <a:srgbClr val="196B24"/>
+        <a:srgbClr val="86C157"/>
       </a:accent3>
       <a:accent4>
-        <a:srgbClr val="0F9ED5"/>
+        <a:srgbClr val="D99C3F"/>
       </a:accent4>
       <a:accent5>
-        <a:srgbClr val="A02B93"/>
+        <a:srgbClr val="CE6633"/>
       </a:accent5>
       <a:accent6>
-        <a:srgbClr val="4EA72E"/>
+        <a:srgbClr val="A35DD1"/>
       </a:accent6>
       <a:hlink>
-        <a:srgbClr val="467886"/>
+        <a:srgbClr val="56BCFE"/>
       </a:hlink>
       <a:folHlink>
-        <a:srgbClr val="96607D"/>
+        <a:srgbClr val="97C5E3"/>
       </a:folHlink>
     </a:clrScheme>
-    <a:fontScheme name="Office">
+    <a:fontScheme name="Pisara">
       <a:majorFont>
-        <a:latin typeface="Aptos Display" panose="02110004020202020204"/>
+        <a:latin typeface="Tw Cen MT" panose="020B0602020104020603"/>
         <a:ea typeface=""/>
         <a:cs typeface=""/>
-        <a:font script="Jpan" typeface="游ゴシック Light"/>
+        <a:font script="Jpan" typeface="ＭＳ Ｐゴシック"/>
         <a:font script="Hang" typeface="맑은 고딕"/>
-        <a:font script="Hans" typeface="等线 Light"/>
+        <a:font script="Hans" typeface="宋体"/>
         <a:font script="Hant" typeface="新細明體"/>
         <a:font script="Arab" typeface="Times New Roman"/>
         <a:font script="Hebr" typeface="Times New Roman"/>
@@ -3471,31 +9502,14 @@
         <a:font script="Viet" typeface="Times New Roman"/>
         <a:font script="Uigh" typeface="Microsoft Uighur"/>
         <a:font script="Geor" typeface="Sylfaen"/>
-        <a:font script="Armn" typeface="Arial"/>
-        <a:font script="Bugi" typeface="Leelawadee UI"/>
-        <a:font script="Bopo" typeface="Microsoft JhengHei"/>
-        <a:font script="Java" typeface="Javanese Text"/>
-        <a:font script="Lisu" typeface="Segoe UI"/>
-        <a:font script="Mymr" typeface="Myanmar Text"/>
-        <a:font script="Nkoo" typeface="Ebrima"/>
-        <a:font script="Olck" typeface="Nirmala UI"/>
-        <a:font script="Osma" typeface="Ebrima"/>
-        <a:font script="Phag" typeface="Phagspa"/>
-        <a:font script="Syrn" typeface="Estrangelo Edessa"/>
-        <a:font script="Syrj" typeface="Estrangelo Edessa"/>
-        <a:font script="Syre" typeface="Estrangelo Edessa"/>
-        <a:font script="Sora" typeface="Nirmala UI"/>
-        <a:font script="Tale" typeface="Microsoft Tai Le"/>
-        <a:font script="Talu" typeface="Microsoft New Tai Lue"/>
-        <a:font script="Tfng" typeface="Ebrima"/>
       </a:majorFont>
       <a:minorFont>
-        <a:latin typeface="Aptos" panose="02110004020202020204"/>
+        <a:latin typeface="Tw Cen MT" panose="020B0602020104020603"/>
         <a:ea typeface=""/>
         <a:cs typeface=""/>
-        <a:font script="Jpan" typeface="游ゴシック"/>
+        <a:font script="Jpan" typeface="ＭＳ Ｐゴシック"/>
         <a:font script="Hang" typeface="맑은 고딕"/>
-        <a:font script="Hans" typeface="等线"/>
+        <a:font script="Hans" typeface="宋体"/>
         <a:font script="Hant" typeface="新細明體"/>
         <a:font script="Arab" typeface="Arial"/>
         <a:font script="Hebr" typeface="Arial"/>
@@ -3523,27 +9537,105 @@
         <a:font script="Viet" typeface="Arial"/>
         <a:font script="Uigh" typeface="Microsoft Uighur"/>
         <a:font script="Geor" typeface="Sylfaen"/>
-        <a:font script="Armn" typeface="Arial"/>
-        <a:font script="Bugi" typeface="Leelawadee UI"/>
-        <a:font script="Bopo" typeface="Microsoft JhengHei"/>
-        <a:font script="Java" typeface="Javanese Text"/>
-        <a:font script="Lisu" typeface="Segoe UI"/>
-        <a:font script="Mymr" typeface="Myanmar Text"/>
-        <a:font script="Nkoo" typeface="Ebrima"/>
-        <a:font script="Olck" typeface="Nirmala UI"/>
-        <a:font script="Osma" typeface="Ebrima"/>
-        <a:font script="Phag" typeface="Phagspa"/>
-        <a:font script="Syrn" typeface="Estrangelo Edessa"/>
-        <a:font script="Syrj" typeface="Estrangelo Edessa"/>
-        <a:font script="Syre" typeface="Estrangelo Edessa"/>
-        <a:font script="Sora" typeface="Nirmala UI"/>
-        <a:font script="Tale" typeface="Microsoft Tai Le"/>
-        <a:font script="Talu" typeface="Microsoft New Tai Lue"/>
-        <a:font script="Tfng" typeface="Ebrima"/>
       </a:minorFont>
     </a:fontScheme>
-    <a:fmtScheme name="Office">
+    <a:fmtScheme name="Pisara">
       <a:fillStyleLst>
+        <a:solidFill>
+          <a:schemeClr val="phClr"/>
+        </a:solidFill>
+        <a:solidFill>
+          <a:schemeClr val="phClr">
+            <a:tint val="69000"/>
+            <a:satMod val="105000"/>
+            <a:lumMod val="110000"/>
+          </a:schemeClr>
+        </a:solidFill>
+        <a:gradFill rotWithShape="1">
+          <a:gsLst>
+            <a:gs pos="0">
+              <a:schemeClr val="phClr">
+                <a:tint val="94000"/>
+                <a:satMod val="100000"/>
+                <a:lumMod val="108000"/>
+              </a:schemeClr>
+            </a:gs>
+            <a:gs pos="50000">
+              <a:schemeClr val="phClr">
+                <a:tint val="98000"/>
+                <a:shade val="100000"/>
+                <a:satMod val="100000"/>
+                <a:lumMod val="100000"/>
+              </a:schemeClr>
+            </a:gs>
+            <a:gs pos="100000">
+              <a:schemeClr val="phClr">
+                <a:shade val="72000"/>
+                <a:satMod val="120000"/>
+                <a:lumMod val="100000"/>
+              </a:schemeClr>
+            </a:gs>
+          </a:gsLst>
+          <a:lin ang="5400000" scaled="0"/>
+        </a:gradFill>
+      </a:fillStyleLst>
+      <a:lnStyleLst>
+        <a:ln w="9525" cap="flat" cmpd="sng" algn="ctr">
+          <a:solidFill>
+            <a:schemeClr val="phClr">
+              <a:shade val="60000"/>
+            </a:schemeClr>
+          </a:solidFill>
+          <a:prstDash val="solid"/>
+        </a:ln>
+        <a:ln w="15875" cap="flat" cmpd="sng" algn="ctr">
+          <a:solidFill>
+            <a:schemeClr val="phClr"/>
+          </a:solidFill>
+          <a:prstDash val="solid"/>
+        </a:ln>
+        <a:ln w="22225" cap="flat" cmpd="sng" algn="ctr">
+          <a:solidFill>
+            <a:schemeClr val="phClr"/>
+          </a:solidFill>
+          <a:prstDash val="solid"/>
+        </a:ln>
+      </a:lnStyleLst>
+      <a:effectStyleLst>
+        <a:effectStyle>
+          <a:effectLst/>
+        </a:effectStyle>
+        <a:effectStyle>
+          <a:effectLst>
+            <a:outerShdw blurRad="50800" dist="25400" dir="5400000" rotWithShape="0">
+              <a:srgbClr val="000000">
+                <a:alpha val="28000"/>
+              </a:srgbClr>
+            </a:outerShdw>
+          </a:effectLst>
+        </a:effectStyle>
+        <a:effectStyle>
+          <a:effectLst>
+            <a:outerShdw blurRad="63500" dist="25400" dir="5400000" algn="ctr" rotWithShape="0">
+              <a:srgbClr val="000000">
+                <a:alpha val="69000"/>
+              </a:srgbClr>
+            </a:outerShdw>
+          </a:effectLst>
+          <a:scene3d>
+            <a:camera prst="orthographicFront">
+              <a:rot lat="0" lon="0" rev="0"/>
+            </a:camera>
+            <a:lightRig rig="balanced" dir="t">
+              <a:rot lat="0" lon="0" rev="1200000"/>
+            </a:lightRig>
+          </a:scene3d>
+          <a:sp3d prstMaterial="plastic">
+            <a:bevelT w="25400" h="25400"/>
+          </a:sp3d>
+        </a:effectStyle>
+      </a:effectStyleLst>
+      <a:bgFillStyleLst>
         <a:solidFill>
           <a:schemeClr val="phClr"/>
         </a:solidFill>
@@ -3551,23 +9643,14 @@
           <a:gsLst>
             <a:gs pos="0">
               <a:schemeClr val="phClr">
+                <a:tint val="90000"/>
                 <a:lumMod val="110000"/>
-                <a:satMod val="105000"/>
-                <a:tint val="67000"/>
-              </a:schemeClr>
-            </a:gs>
-            <a:gs pos="50000">
-              <a:schemeClr val="phClr">
-                <a:lumMod val="105000"/>
-                <a:satMod val="103000"/>
-                <a:tint val="73000"/>
               </a:schemeClr>
             </a:gs>
             <a:gs pos="100000">
               <a:schemeClr val="phClr">
-                <a:lumMod val="105000"/>
-                <a:satMod val="109000"/>
-                <a:tint val="81000"/>
+                <a:shade val="64000"/>
+                <a:lumMod val="88000"/>
               </a:schemeClr>
             </a:gs>
           </a:gsLst>
@@ -3577,101 +9660,18 @@
           <a:gsLst>
             <a:gs pos="0">
               <a:schemeClr val="phClr">
-                <a:satMod val="103000"/>
-                <a:lumMod val="102000"/>
-                <a:tint val="94000"/>
-              </a:schemeClr>
-            </a:gs>
-            <a:gs pos="50000">
-              <a:schemeClr val="phClr">
-                <a:satMod val="110000"/>
-                <a:lumMod val="100000"/>
+                <a:tint val="84000"/>
                 <a:shade val="100000"/>
+                <a:hueMod val="130000"/>
+                <a:satMod val="150000"/>
+                <a:lumMod val="112000"/>
               </a:schemeClr>
             </a:gs>
             <a:gs pos="100000">
               <a:schemeClr val="phClr">
-                <a:lumMod val="99000"/>
-                <a:satMod val="120000"/>
-                <a:shade val="78000"/>
-              </a:schemeClr>
-            </a:gs>
-          </a:gsLst>
-          <a:lin ang="5400000" scaled="0"/>
-        </a:gradFill>
-      </a:fillStyleLst>
-      <a:lnStyleLst>
-        <a:ln w="12700" cap="flat" cmpd="sng" algn="ctr">
-          <a:solidFill>
-            <a:schemeClr val="phClr"/>
-          </a:solidFill>
-          <a:prstDash val="solid"/>
-          <a:miter lim="800000"/>
-        </a:ln>
-        <a:ln w="19050" cap="flat" cmpd="sng" algn="ctr">
-          <a:solidFill>
-            <a:schemeClr val="phClr"/>
-          </a:solidFill>
-          <a:prstDash val="solid"/>
-          <a:miter lim="800000"/>
-        </a:ln>
-        <a:ln w="25400" cap="flat" cmpd="sng" algn="ctr">
-          <a:solidFill>
-            <a:schemeClr val="phClr"/>
-          </a:solidFill>
-          <a:prstDash val="solid"/>
-          <a:miter lim="800000"/>
-        </a:ln>
-      </a:lnStyleLst>
-      <a:effectStyleLst>
-        <a:effectStyle>
-          <a:effectLst/>
-        </a:effectStyle>
-        <a:effectStyle>
-          <a:effectLst/>
-        </a:effectStyle>
-        <a:effectStyle>
-          <a:effectLst>
-            <a:outerShdw blurRad="57150" dist="19050" dir="5400000" algn="ctr" rotWithShape="0">
-              <a:srgbClr val="000000">
-                <a:alpha val="63000"/>
-              </a:srgbClr>
-            </a:outerShdw>
-          </a:effectLst>
-        </a:effectStyle>
-      </a:effectStyleLst>
-      <a:bgFillStyleLst>
-        <a:solidFill>
-          <a:schemeClr val="phClr"/>
-        </a:solidFill>
-        <a:solidFill>
-          <a:schemeClr val="phClr">
-            <a:tint val="95000"/>
-            <a:satMod val="170000"/>
-          </a:schemeClr>
-        </a:solidFill>
-        <a:gradFill rotWithShape="1">
-          <a:gsLst>
-            <a:gs pos="0">
-              <a:schemeClr val="phClr">
-                <a:tint val="93000"/>
-                <a:satMod val="150000"/>
-                <a:shade val="98000"/>
-                <a:lumMod val="102000"/>
-              </a:schemeClr>
-            </a:gs>
-            <a:gs pos="50000">
-              <a:schemeClr val="phClr">
-                <a:tint val="98000"/>
-                <a:satMod val="130000"/>
-                <a:shade val="90000"/>
-                <a:lumMod val="103000"/>
-              </a:schemeClr>
-            </a:gs>
-            <a:gs pos="100000">
-              <a:schemeClr val="phClr">
-                <a:shade val="63000"/>
-                <a:satMod val="120000"/>
+                <a:shade val="92000"/>
+                <a:satMod val="140000"/>
+                <a:lumMod val="110000"/>
               </a:schemeClr>
             </a:gs>
           </a:gsLst>
@@ -3680,31 +9680,11 @@
       </a:bgFillStyleLst>
     </a:fmtScheme>
   </a:themeElements>
-  <a:objectDefaults>
-    <a:lnDef>
-      <a:spPr/>
-      <a:bodyPr/>
-      <a:lstStyle/>
-      <a:style>
-        <a:lnRef idx="2">
-          <a:schemeClr val="accent1"/>
-        </a:lnRef>
-        <a:fillRef idx="0">
-          <a:schemeClr val="accent1"/>
-        </a:fillRef>
-        <a:effectRef idx="1">
-          <a:schemeClr val="accent1"/>
-        </a:effectRef>
-        <a:fontRef idx="minor">
-          <a:schemeClr val="tx1"/>
-        </a:fontRef>
-      </a:style>
-    </a:lnDef>
-  </a:objectDefaults>
+  <a:objectDefaults/>
   <a:extraClrSchemeLst/>
   <a:extLst>
     <a:ext uri="{05A4C25C-085E-4340-85A3-A5531E510DB2}">
-      <thm15:themeFamily xmlns:thm15="http://schemas.microsoft.com/office/thememl/2012/main" name="Office Theme" id="{2E142A2C-CD16-42D6-873A-C26D2A0506FA}" vid="{1BDDFF52-6CD6-40A5-AB3C-68EB2F1E4D0A}"/>
+      <thm15:themeFamily xmlns:thm15="http://schemas.microsoft.com/office/thememl/2012/main" name="Droplet" id="{8984A317-299A-4E50-B45D-BFC9EDE2337A}" vid="{A633B6A3-9E7F-4C10-9C98-2517A3134361}"/>
     </a:ext>
   </a:extLst>
 </a:theme>

--- a/SäähänSopivaFinal.pptx
+++ b/SäähänSopivaFinal.pptx
@@ -6,9 +6,14 @@
   </p:sldMasterIdLst>
   <p:sldIdLst>
     <p:sldId id="256" r:id="rId2"/>
-    <p:sldId id="257" r:id="rId3"/>
-    <p:sldId id="258" r:id="rId4"/>
-    <p:sldId id="259" r:id="rId5"/>
+    <p:sldId id="262" r:id="rId3"/>
+    <p:sldId id="257" r:id="rId4"/>
+    <p:sldId id="258" r:id="rId5"/>
+    <p:sldId id="260" r:id="rId6"/>
+    <p:sldId id="264" r:id="rId7"/>
+    <p:sldId id="263" r:id="rId8"/>
+    <p:sldId id="259" r:id="rId9"/>
+    <p:sldId id="261" r:id="rId10"/>
   </p:sldIdLst>
   <p:sldSz cx="12192000" cy="6858000"/>
   <p:notesSz cx="6858000" cy="9144000"/>
@@ -118,7 +123,7 @@
 <file path=ppt/revisionInfo.xml><?xml version="1.0" encoding="utf-8"?>
 <p1510:revInfo xmlns:a="http://schemas.openxmlformats.org/drawingml/2006/main" xmlns:r="http://schemas.openxmlformats.org/officeDocument/2006/relationships" xmlns:p1510="http://schemas.microsoft.com/office/powerpoint/2015/10/main">
   <p1510:revLst>
-    <p1510:client id="{B1DE7EB4-CBF5-43E7-A477-F69A04DF836B}" v="5" dt="2025-03-10T02:14:49.884"/>
+    <p1510:client id="{B1DE7EB4-CBF5-43E7-A477-F69A04DF836B}" v="15" dt="2025-03-11T18:48:27.165"/>
   </p1510:revLst>
 </p1510:revInfo>
 </file>
@@ -127,8 +132,8 @@
 <pc:chgInfo xmlns:a="http://schemas.openxmlformats.org/drawingml/2006/main" xmlns:r="http://schemas.openxmlformats.org/officeDocument/2006/relationships" xmlns:ac="http://schemas.microsoft.com/office/drawing/2013/main/command" xmlns:pc="http://schemas.microsoft.com/office/powerpoint/2013/main/command">
   <pc:docChgLst>
     <pc:chgData name="Jenna Aalto" userId="30c784d162ed7057" providerId="LiveId" clId="{B1DE7EB4-CBF5-43E7-A477-F69A04DF836B}"/>
-    <pc:docChg chg="undo custSel addSld delSld modSld">
-      <pc:chgData name="Jenna Aalto" userId="30c784d162ed7057" providerId="LiveId" clId="{B1DE7EB4-CBF5-43E7-A477-F69A04DF836B}" dt="2025-03-10T02:19:52.993" v="2734" actId="14100"/>
+    <pc:docChg chg="undo redo custSel addSld delSld modSld sldOrd">
+      <pc:chgData name="Jenna Aalto" userId="30c784d162ed7057" providerId="LiveId" clId="{B1DE7EB4-CBF5-43E7-A477-F69A04DF836B}" dt="2025-03-11T18:50:10.051" v="4321" actId="20577"/>
       <pc:docMkLst>
         <pc:docMk/>
       </pc:docMkLst>
@@ -225,14 +230,6 @@
           <pc:docMk/>
           <pc:sldMk cId="521330205" sldId="257"/>
         </pc:sldMkLst>
-        <pc:spChg chg="del">
-          <ac:chgData name="Jenna Aalto" userId="30c784d162ed7057" providerId="LiveId" clId="{B1DE7EB4-CBF5-43E7-A477-F69A04DF836B}" dt="2025-03-09T21:35:11.703" v="1" actId="21"/>
-          <ac:spMkLst>
-            <pc:docMk/>
-            <pc:sldMk cId="521330205" sldId="257"/>
-            <ac:spMk id="2" creationId="{3278453B-E01D-5104-AD75-FB8E865B6E4A}"/>
-          </ac:spMkLst>
-        </pc:spChg>
         <pc:spChg chg="mod ord">
           <ac:chgData name="Jenna Aalto" userId="30c784d162ed7057" providerId="LiveId" clId="{B1DE7EB4-CBF5-43E7-A477-F69A04DF836B}" dt="2025-03-10T01:56:40.007" v="1106" actId="14100"/>
           <ac:spMkLst>
@@ -618,13 +615,13 @@
         </pc:picChg>
       </pc:sldChg>
       <pc:sldChg chg="addSp delSp modSp new mod setBg">
-        <pc:chgData name="Jenna Aalto" userId="30c784d162ed7057" providerId="LiveId" clId="{B1DE7EB4-CBF5-43E7-A477-F69A04DF836B}" dt="2025-03-10T02:19:52.993" v="2734" actId="14100"/>
+        <pc:chgData name="Jenna Aalto" userId="30c784d162ed7057" providerId="LiveId" clId="{B1DE7EB4-CBF5-43E7-A477-F69A04DF836B}" dt="2025-03-11T18:25:02.751" v="2784" actId="1076"/>
         <pc:sldMkLst>
           <pc:docMk/>
           <pc:sldMk cId="1847543742" sldId="259"/>
         </pc:sldMkLst>
         <pc:spChg chg="mod">
-          <ac:chgData name="Jenna Aalto" userId="30c784d162ed7057" providerId="LiveId" clId="{B1DE7EB4-CBF5-43E7-A477-F69A04DF836B}" dt="2025-03-10T02:16:12.466" v="2357" actId="1076"/>
+          <ac:chgData name="Jenna Aalto" userId="30c784d162ed7057" providerId="LiveId" clId="{B1DE7EB4-CBF5-43E7-A477-F69A04DF836B}" dt="2025-03-11T18:25:02.751" v="2784" actId="1076"/>
           <ac:spMkLst>
             <pc:docMk/>
             <pc:sldMk cId="1847543742" sldId="259"/>
@@ -632,7 +629,7 @@
           </ac:spMkLst>
         </pc:spChg>
         <pc:spChg chg="mod">
-          <ac:chgData name="Jenna Aalto" userId="30c784d162ed7057" providerId="LiveId" clId="{B1DE7EB4-CBF5-43E7-A477-F69A04DF836B}" dt="2025-03-10T02:19:41.318" v="2730" actId="1076"/>
+          <ac:chgData name="Jenna Aalto" userId="30c784d162ed7057" providerId="LiveId" clId="{B1DE7EB4-CBF5-43E7-A477-F69A04DF836B}" dt="2025-03-11T18:24:57.949" v="2783" actId="1076"/>
           <ac:spMkLst>
             <pc:docMk/>
             <pc:sldMk cId="1847543742" sldId="259"/>
@@ -688,7 +685,7 @@
           </ac:spMkLst>
         </pc:spChg>
         <pc:picChg chg="add mod ord">
-          <ac:chgData name="Jenna Aalto" userId="30c784d162ed7057" providerId="LiveId" clId="{B1DE7EB4-CBF5-43E7-A477-F69A04DF836B}" dt="2025-03-10T02:19:52.993" v="2734" actId="14100"/>
+          <ac:chgData name="Jenna Aalto" userId="30c784d162ed7057" providerId="LiveId" clId="{B1DE7EB4-CBF5-43E7-A477-F69A04DF836B}" dt="2025-03-11T18:23:59.136" v="2760" actId="166"/>
           <ac:picMkLst>
             <pc:docMk/>
             <pc:sldMk cId="1847543742" sldId="259"/>
@@ -742,6 +739,545 @@
             <ac:spMk id="3" creationId="{A951EC4D-D327-CA01-E505-3072609BA30D}"/>
           </ac:spMkLst>
         </pc:spChg>
+      </pc:sldChg>
+      <pc:sldChg chg="addSp delSp modSp new mod ord">
+        <pc:chgData name="Jenna Aalto" userId="30c784d162ed7057" providerId="LiveId" clId="{B1DE7EB4-CBF5-43E7-A477-F69A04DF836B}" dt="2025-03-11T18:45:10.078" v="3837" actId="20577"/>
+        <pc:sldMkLst>
+          <pc:docMk/>
+          <pc:sldMk cId="2272837899" sldId="260"/>
+        </pc:sldMkLst>
+        <pc:spChg chg="del mod">
+          <ac:chgData name="Jenna Aalto" userId="30c784d162ed7057" providerId="LiveId" clId="{B1DE7EB4-CBF5-43E7-A477-F69A04DF836B}" dt="2025-03-11T18:39:20.227" v="3727" actId="21"/>
+          <ac:spMkLst>
+            <pc:docMk/>
+            <pc:sldMk cId="2272837899" sldId="260"/>
+            <ac:spMk id="2" creationId="{6FB78E4E-497C-C833-FE8A-53D5FB5A2B73}"/>
+          </ac:spMkLst>
+        </pc:spChg>
+        <pc:spChg chg="del">
+          <ac:chgData name="Jenna Aalto" userId="30c784d162ed7057" providerId="LiveId" clId="{B1DE7EB4-CBF5-43E7-A477-F69A04DF836B}" dt="2025-03-11T18:23:20.238" v="2746" actId="21"/>
+          <ac:spMkLst>
+            <pc:docMk/>
+            <pc:sldMk cId="2272837899" sldId="260"/>
+            <ac:spMk id="3" creationId="{41024F86-6BCD-74CE-4C4D-8FA43232DA83}"/>
+          </ac:spMkLst>
+        </pc:spChg>
+        <pc:spChg chg="add mod">
+          <ac:chgData name="Jenna Aalto" userId="30c784d162ed7057" providerId="LiveId" clId="{B1DE7EB4-CBF5-43E7-A477-F69A04DF836B}" dt="2025-03-11T18:42:21.710" v="3791" actId="1076"/>
+          <ac:spMkLst>
+            <pc:docMk/>
+            <pc:sldMk cId="2272837899" sldId="260"/>
+            <ac:spMk id="5" creationId="{4BC00198-B183-C532-69B3-95CCE2101503}"/>
+          </ac:spMkLst>
+        </pc:spChg>
+        <pc:spChg chg="add mod">
+          <ac:chgData name="Jenna Aalto" userId="30c784d162ed7057" providerId="LiveId" clId="{B1DE7EB4-CBF5-43E7-A477-F69A04DF836B}" dt="2025-03-11T18:45:10.078" v="3837" actId="20577"/>
+          <ac:spMkLst>
+            <pc:docMk/>
+            <pc:sldMk cId="2272837899" sldId="260"/>
+            <ac:spMk id="7" creationId="{5A328F2D-DFF1-3FA9-AA7C-A80DA4FDB238}"/>
+          </ac:spMkLst>
+        </pc:spChg>
+        <pc:spChg chg="add del">
+          <ac:chgData name="Jenna Aalto" userId="30c784d162ed7057" providerId="LiveId" clId="{B1DE7EB4-CBF5-43E7-A477-F69A04DF836B}" dt="2025-03-11T18:43:23.146" v="3806" actId="22"/>
+          <ac:spMkLst>
+            <pc:docMk/>
+            <pc:sldMk cId="2272837899" sldId="260"/>
+            <ac:spMk id="12" creationId="{C98D55ED-46D5-8790-0706-E8F2F9826F94}"/>
+          </ac:spMkLst>
+        </pc:spChg>
+        <pc:picChg chg="add mod">
+          <ac:chgData name="Jenna Aalto" userId="30c784d162ed7057" providerId="LiveId" clId="{B1DE7EB4-CBF5-43E7-A477-F69A04DF836B}" dt="2025-03-11T18:42:07.366" v="3787" actId="1076"/>
+          <ac:picMkLst>
+            <pc:docMk/>
+            <pc:sldMk cId="2272837899" sldId="260"/>
+            <ac:picMk id="8" creationId="{5D0C513A-A552-5BC3-7ECC-A488360EB2E8}"/>
+          </ac:picMkLst>
+        </pc:picChg>
+        <pc:picChg chg="add mod">
+          <ac:chgData name="Jenna Aalto" userId="30c784d162ed7057" providerId="LiveId" clId="{B1DE7EB4-CBF5-43E7-A477-F69A04DF836B}" dt="2025-03-11T18:42:08.689" v="3788" actId="1076"/>
+          <ac:picMkLst>
+            <pc:docMk/>
+            <pc:sldMk cId="2272837899" sldId="260"/>
+            <ac:picMk id="9" creationId="{0A77E2A0-DF6C-B993-B626-CFB868BB4193}"/>
+          </ac:picMkLst>
+        </pc:picChg>
+        <pc:picChg chg="add mod">
+          <ac:chgData name="Jenna Aalto" userId="30c784d162ed7057" providerId="LiveId" clId="{B1DE7EB4-CBF5-43E7-A477-F69A04DF836B}" dt="2025-03-11T18:42:13.622" v="3790" actId="1076"/>
+          <ac:picMkLst>
+            <pc:docMk/>
+            <pc:sldMk cId="2272837899" sldId="260"/>
+            <ac:picMk id="10" creationId="{531F3E19-FCDC-3D5C-44BA-4D31989017F0}"/>
+          </ac:picMkLst>
+        </pc:picChg>
+      </pc:sldChg>
+      <pc:sldChg chg="addSp delSp modSp new mod setBg">
+        <pc:chgData name="Jenna Aalto" userId="30c784d162ed7057" providerId="LiveId" clId="{B1DE7EB4-CBF5-43E7-A477-F69A04DF836B}" dt="2025-03-11T18:30:43.065" v="3135" actId="1076"/>
+        <pc:sldMkLst>
+          <pc:docMk/>
+          <pc:sldMk cId="1493860325" sldId="261"/>
+        </pc:sldMkLst>
+        <pc:spChg chg="mod">
+          <ac:chgData name="Jenna Aalto" userId="30c784d162ed7057" providerId="LiveId" clId="{B1DE7EB4-CBF5-43E7-A477-F69A04DF836B}" dt="2025-03-11T18:30:37.520" v="3134" actId="1076"/>
+          <ac:spMkLst>
+            <pc:docMk/>
+            <pc:sldMk cId="1493860325" sldId="261"/>
+            <ac:spMk id="2" creationId="{A7F7186D-8ADF-CE9B-B34D-BA5057738818}"/>
+          </ac:spMkLst>
+        </pc:spChg>
+        <pc:spChg chg="add del mod">
+          <ac:chgData name="Jenna Aalto" userId="30c784d162ed7057" providerId="LiveId" clId="{B1DE7EB4-CBF5-43E7-A477-F69A04DF836B}" dt="2025-03-11T18:29:32.894" v="3111" actId="26606"/>
+          <ac:spMkLst>
+            <pc:docMk/>
+            <pc:sldMk cId="1493860325" sldId="261"/>
+            <ac:spMk id="3" creationId="{E729B06B-D418-C86F-0783-053DCC7344E1}"/>
+          </ac:spMkLst>
+        </pc:spChg>
+        <pc:spChg chg="add del">
+          <ac:chgData name="Jenna Aalto" userId="30c784d162ed7057" providerId="LiveId" clId="{B1DE7EB4-CBF5-43E7-A477-F69A04DF836B}" dt="2025-03-11T18:29:17.899" v="3104" actId="26606"/>
+          <ac:spMkLst>
+            <pc:docMk/>
+            <pc:sldMk cId="1493860325" sldId="261"/>
+            <ac:spMk id="8" creationId="{3A9C15D4-2EE7-4D05-B87C-91D1F3B9604B}"/>
+          </ac:spMkLst>
+        </pc:spChg>
+        <pc:spChg chg="add del">
+          <ac:chgData name="Jenna Aalto" userId="30c784d162ed7057" providerId="LiveId" clId="{B1DE7EB4-CBF5-43E7-A477-F69A04DF836B}" dt="2025-03-11T18:29:11.745" v="3100" actId="26606"/>
+          <ac:spMkLst>
+            <pc:docMk/>
+            <pc:sldMk cId="1493860325" sldId="261"/>
+            <ac:spMk id="9" creationId="{DC3B8C6B-63CA-4384-8059-2036BE520277}"/>
+          </ac:spMkLst>
+        </pc:spChg>
+        <pc:spChg chg="add del">
+          <ac:chgData name="Jenna Aalto" userId="30c784d162ed7057" providerId="LiveId" clId="{B1DE7EB4-CBF5-43E7-A477-F69A04DF836B}" dt="2025-03-11T18:29:17.899" v="3104" actId="26606"/>
+          <ac:spMkLst>
+            <pc:docMk/>
+            <pc:sldMk cId="1493860325" sldId="261"/>
+            <ac:spMk id="10" creationId="{4ED7B0FB-9654-4441-9545-02D458B68620}"/>
+          </ac:spMkLst>
+        </pc:spChg>
+        <pc:spChg chg="add del">
+          <ac:chgData name="Jenna Aalto" userId="30c784d162ed7057" providerId="LiveId" clId="{B1DE7EB4-CBF5-43E7-A477-F69A04DF836B}" dt="2025-03-11T18:29:11.745" v="3100" actId="26606"/>
+          <ac:spMkLst>
+            <pc:docMk/>
+            <pc:sldMk cId="1493860325" sldId="261"/>
+            <ac:spMk id="11" creationId="{C71B03AA-C0EB-4104-84F8-E1AB8BFBEF60}"/>
+          </ac:spMkLst>
+        </pc:spChg>
+        <pc:spChg chg="add del">
+          <ac:chgData name="Jenna Aalto" userId="30c784d162ed7057" providerId="LiveId" clId="{B1DE7EB4-CBF5-43E7-A477-F69A04DF836B}" dt="2025-03-11T18:29:15.079" v="3102" actId="26606"/>
+          <ac:spMkLst>
+            <pc:docMk/>
+            <pc:sldMk cId="1493860325" sldId="261"/>
+            <ac:spMk id="15" creationId="{6D58954F-C5AC-4BE0-811D-8DFE18E3506B}"/>
+          </ac:spMkLst>
+        </pc:spChg>
+        <pc:spChg chg="add del">
+          <ac:chgData name="Jenna Aalto" userId="30c784d162ed7057" providerId="LiveId" clId="{B1DE7EB4-CBF5-43E7-A477-F69A04DF836B}" dt="2025-03-11T18:29:15.079" v="3102" actId="26606"/>
+          <ac:spMkLst>
+            <pc:docMk/>
+            <pc:sldMk cId="1493860325" sldId="261"/>
+            <ac:spMk id="16" creationId="{C359E835-CE77-4DCC-8EC3-1924094D3B5B}"/>
+          </ac:spMkLst>
+        </pc:spChg>
+        <pc:spChg chg="add del">
+          <ac:chgData name="Jenna Aalto" userId="30c784d162ed7057" providerId="LiveId" clId="{B1DE7EB4-CBF5-43E7-A477-F69A04DF836B}" dt="2025-03-11T18:29:21.857" v="3106" actId="26606"/>
+          <ac:spMkLst>
+            <pc:docMk/>
+            <pc:sldMk cId="1493860325" sldId="261"/>
+            <ac:spMk id="19" creationId="{DC3B8C6B-63CA-4384-8059-2036BE520277}"/>
+          </ac:spMkLst>
+        </pc:spChg>
+        <pc:spChg chg="add del">
+          <ac:chgData name="Jenna Aalto" userId="30c784d162ed7057" providerId="LiveId" clId="{B1DE7EB4-CBF5-43E7-A477-F69A04DF836B}" dt="2025-03-11T18:29:21.857" v="3106" actId="26606"/>
+          <ac:spMkLst>
+            <pc:docMk/>
+            <pc:sldMk cId="1493860325" sldId="261"/>
+            <ac:spMk id="21" creationId="{C71B03AA-C0EB-4104-84F8-E1AB8BFBEF60}"/>
+          </ac:spMkLst>
+        </pc:spChg>
+        <pc:spChg chg="add del">
+          <ac:chgData name="Jenna Aalto" userId="30c784d162ed7057" providerId="LiveId" clId="{B1DE7EB4-CBF5-43E7-A477-F69A04DF836B}" dt="2025-03-11T18:29:29.688" v="3108" actId="26606"/>
+          <ac:spMkLst>
+            <pc:docMk/>
+            <pc:sldMk cId="1493860325" sldId="261"/>
+            <ac:spMk id="24" creationId="{3A9C15D4-2EE7-4D05-B87C-91D1F3B9604B}"/>
+          </ac:spMkLst>
+        </pc:spChg>
+        <pc:spChg chg="add del">
+          <ac:chgData name="Jenna Aalto" userId="30c784d162ed7057" providerId="LiveId" clId="{B1DE7EB4-CBF5-43E7-A477-F69A04DF836B}" dt="2025-03-11T18:29:29.688" v="3108" actId="26606"/>
+          <ac:spMkLst>
+            <pc:docMk/>
+            <pc:sldMk cId="1493860325" sldId="261"/>
+            <ac:spMk id="25" creationId="{4ED7B0FB-9654-4441-9545-02D458B68620}"/>
+          </ac:spMkLst>
+        </pc:spChg>
+        <pc:spChg chg="add del">
+          <ac:chgData name="Jenna Aalto" userId="30c784d162ed7057" providerId="LiveId" clId="{B1DE7EB4-CBF5-43E7-A477-F69A04DF836B}" dt="2025-03-11T18:29:32.831" v="3110" actId="26606"/>
+          <ac:spMkLst>
+            <pc:docMk/>
+            <pc:sldMk cId="1493860325" sldId="261"/>
+            <ac:spMk id="30" creationId="{4D4DD4CF-9732-4771-98FE-77886DC915F2}"/>
+          </ac:spMkLst>
+        </pc:spChg>
+        <pc:spChg chg="add del">
+          <ac:chgData name="Jenna Aalto" userId="30c784d162ed7057" providerId="LiveId" clId="{B1DE7EB4-CBF5-43E7-A477-F69A04DF836B}" dt="2025-03-11T18:29:32.831" v="3110" actId="26606"/>
+          <ac:spMkLst>
+            <pc:docMk/>
+            <pc:sldMk cId="1493860325" sldId="261"/>
+            <ac:spMk id="32" creationId="{A2861A9C-C970-4FFE-B67C-222B6F573287}"/>
+          </ac:spMkLst>
+        </pc:spChg>
+        <pc:spChg chg="add del">
+          <ac:chgData name="Jenna Aalto" userId="30c784d162ed7057" providerId="LiveId" clId="{B1DE7EB4-CBF5-43E7-A477-F69A04DF836B}" dt="2025-03-11T18:29:32.831" v="3110" actId="26606"/>
+          <ac:spMkLst>
+            <pc:docMk/>
+            <pc:sldMk cId="1493860325" sldId="261"/>
+            <ac:spMk id="34" creationId="{E729B06B-D418-C86F-0783-053DCC7344E1}"/>
+          </ac:spMkLst>
+        </pc:spChg>
+        <pc:spChg chg="add">
+          <ac:chgData name="Jenna Aalto" userId="30c784d162ed7057" providerId="LiveId" clId="{B1DE7EB4-CBF5-43E7-A477-F69A04DF836B}" dt="2025-03-11T18:29:32.894" v="3111" actId="26606"/>
+          <ac:spMkLst>
+            <pc:docMk/>
+            <pc:sldMk cId="1493860325" sldId="261"/>
+            <ac:spMk id="36" creationId="{44F95DE6-BC61-4DB8-97B8-E32959EA0E1D}"/>
+          </ac:spMkLst>
+        </pc:spChg>
+        <pc:spChg chg="add mod">
+          <ac:chgData name="Jenna Aalto" userId="30c784d162ed7057" providerId="LiveId" clId="{B1DE7EB4-CBF5-43E7-A477-F69A04DF836B}" dt="2025-03-11T18:30:43.065" v="3135" actId="1076"/>
+          <ac:spMkLst>
+            <pc:docMk/>
+            <pc:sldMk cId="1493860325" sldId="261"/>
+            <ac:spMk id="40" creationId="{E729B06B-D418-C86F-0783-053DCC7344E1}"/>
+          </ac:spMkLst>
+        </pc:spChg>
+        <pc:graphicFrameChg chg="add del">
+          <ac:chgData name="Jenna Aalto" userId="30c784d162ed7057" providerId="LiveId" clId="{B1DE7EB4-CBF5-43E7-A477-F69A04DF836B}" dt="2025-03-11T18:29:29.688" v="3108" actId="26606"/>
+          <ac:graphicFrameMkLst>
+            <pc:docMk/>
+            <pc:sldMk cId="1493860325" sldId="261"/>
+            <ac:graphicFrameMk id="28" creationId="{E828166F-C6D4-65BD-C27E-E6E0CBA61C1B}"/>
+          </ac:graphicFrameMkLst>
+        </pc:graphicFrameChg>
+        <pc:picChg chg="add del">
+          <ac:chgData name="Jenna Aalto" userId="30c784d162ed7057" providerId="LiveId" clId="{B1DE7EB4-CBF5-43E7-A477-F69A04DF836B}" dt="2025-03-11T18:29:11.745" v="3100" actId="26606"/>
+          <ac:picMkLst>
+            <pc:docMk/>
+            <pc:sldMk cId="1493860325" sldId="261"/>
+            <ac:picMk id="5" creationId="{9C409443-77AF-797F-1AB7-2E27A22A3F87}"/>
+          </ac:picMkLst>
+        </pc:picChg>
+        <pc:picChg chg="add del">
+          <ac:chgData name="Jenna Aalto" userId="30c784d162ed7057" providerId="LiveId" clId="{B1DE7EB4-CBF5-43E7-A477-F69A04DF836B}" dt="2025-03-11T18:29:17.899" v="3104" actId="26606"/>
+          <ac:picMkLst>
+            <pc:docMk/>
+            <pc:sldMk cId="1493860325" sldId="261"/>
+            <ac:picMk id="12" creationId="{7BB94C57-FDF3-45A3-9D1F-904523D795D4}"/>
+          </ac:picMkLst>
+        </pc:picChg>
+        <pc:picChg chg="add del">
+          <ac:chgData name="Jenna Aalto" userId="30c784d162ed7057" providerId="LiveId" clId="{B1DE7EB4-CBF5-43E7-A477-F69A04DF836B}" dt="2025-03-11T18:29:11.745" v="3100" actId="26606"/>
+          <ac:picMkLst>
+            <pc:docMk/>
+            <pc:sldMk cId="1493860325" sldId="261"/>
+            <ac:picMk id="13" creationId="{09C2B723-6C2F-49DE-A429-50BDFD1ADB45}"/>
+          </ac:picMkLst>
+        </pc:picChg>
+        <pc:picChg chg="add del">
+          <ac:chgData name="Jenna Aalto" userId="30c784d162ed7057" providerId="LiveId" clId="{B1DE7EB4-CBF5-43E7-A477-F69A04DF836B}" dt="2025-03-11T18:29:17.899" v="3104" actId="26606"/>
+          <ac:picMkLst>
+            <pc:docMk/>
+            <pc:sldMk cId="1493860325" sldId="261"/>
+            <ac:picMk id="14" creationId="{6AEBDF1A-221A-4497-BBA9-57A70D161510}"/>
+          </ac:picMkLst>
+        </pc:picChg>
+        <pc:picChg chg="add del">
+          <ac:chgData name="Jenna Aalto" userId="30c784d162ed7057" providerId="LiveId" clId="{B1DE7EB4-CBF5-43E7-A477-F69A04DF836B}" dt="2025-03-11T18:29:15.079" v="3102" actId="26606"/>
+          <ac:picMkLst>
+            <pc:docMk/>
+            <pc:sldMk cId="1493860325" sldId="261"/>
+            <ac:picMk id="17" creationId="{A47A902D-AF6F-3CA8-8E93-02888896B12A}"/>
+          </ac:picMkLst>
+        </pc:picChg>
+        <pc:picChg chg="add del">
+          <ac:chgData name="Jenna Aalto" userId="30c784d162ed7057" providerId="LiveId" clId="{B1DE7EB4-CBF5-43E7-A477-F69A04DF836B}" dt="2025-03-11T18:29:15.079" v="3102" actId="26606"/>
+          <ac:picMkLst>
+            <pc:docMk/>
+            <pc:sldMk cId="1493860325" sldId="261"/>
+            <ac:picMk id="18" creationId="{B03B59B5-123A-4DC5-87BD-6D3E22FA6504}"/>
+          </ac:picMkLst>
+        </pc:picChg>
+        <pc:picChg chg="add del">
+          <ac:chgData name="Jenna Aalto" userId="30c784d162ed7057" providerId="LiveId" clId="{B1DE7EB4-CBF5-43E7-A477-F69A04DF836B}" dt="2025-03-11T18:29:21.857" v="3106" actId="26606"/>
+          <ac:picMkLst>
+            <pc:docMk/>
+            <pc:sldMk cId="1493860325" sldId="261"/>
+            <ac:picMk id="20" creationId="{9C409443-77AF-797F-1AB7-2E27A22A3F87}"/>
+          </ac:picMkLst>
+        </pc:picChg>
+        <pc:picChg chg="add del">
+          <ac:chgData name="Jenna Aalto" userId="30c784d162ed7057" providerId="LiveId" clId="{B1DE7EB4-CBF5-43E7-A477-F69A04DF836B}" dt="2025-03-11T18:29:21.857" v="3106" actId="26606"/>
+          <ac:picMkLst>
+            <pc:docMk/>
+            <pc:sldMk cId="1493860325" sldId="261"/>
+            <ac:picMk id="22" creationId="{09C2B723-6C2F-49DE-A429-50BDFD1ADB45}"/>
+          </ac:picMkLst>
+        </pc:picChg>
+        <pc:picChg chg="add del">
+          <ac:chgData name="Jenna Aalto" userId="30c784d162ed7057" providerId="LiveId" clId="{B1DE7EB4-CBF5-43E7-A477-F69A04DF836B}" dt="2025-03-11T18:29:29.688" v="3108" actId="26606"/>
+          <ac:picMkLst>
+            <pc:docMk/>
+            <pc:sldMk cId="1493860325" sldId="261"/>
+            <ac:picMk id="26" creationId="{7BB94C57-FDF3-45A3-9D1F-904523D795D4}"/>
+          </ac:picMkLst>
+        </pc:picChg>
+        <pc:picChg chg="add del">
+          <ac:chgData name="Jenna Aalto" userId="30c784d162ed7057" providerId="LiveId" clId="{B1DE7EB4-CBF5-43E7-A477-F69A04DF836B}" dt="2025-03-11T18:29:29.688" v="3108" actId="26606"/>
+          <ac:picMkLst>
+            <pc:docMk/>
+            <pc:sldMk cId="1493860325" sldId="261"/>
+            <ac:picMk id="27" creationId="{6AEBDF1A-221A-4497-BBA9-57A70D161510}"/>
+          </ac:picMkLst>
+        </pc:picChg>
+        <pc:picChg chg="add del">
+          <ac:chgData name="Jenna Aalto" userId="30c784d162ed7057" providerId="LiveId" clId="{B1DE7EB4-CBF5-43E7-A477-F69A04DF836B}" dt="2025-03-11T18:29:32.831" v="3110" actId="26606"/>
+          <ac:picMkLst>
+            <pc:docMk/>
+            <pc:sldMk cId="1493860325" sldId="261"/>
+            <ac:picMk id="31" creationId="{E873F9E1-9E39-EA17-ACC9-5B0C90AB217C}"/>
+          </ac:picMkLst>
+        </pc:picChg>
+        <pc:picChg chg="add del">
+          <ac:chgData name="Jenna Aalto" userId="30c784d162ed7057" providerId="LiveId" clId="{B1DE7EB4-CBF5-43E7-A477-F69A04DF836B}" dt="2025-03-11T18:29:32.831" v="3110" actId="26606"/>
+          <ac:picMkLst>
+            <pc:docMk/>
+            <pc:sldMk cId="1493860325" sldId="261"/>
+            <ac:picMk id="33" creationId="{D2FDF82E-EBD8-4EC5-AD10-CD9E70EE85CF}"/>
+          </ac:picMkLst>
+        </pc:picChg>
+        <pc:picChg chg="add">
+          <ac:chgData name="Jenna Aalto" userId="30c784d162ed7057" providerId="LiveId" clId="{B1DE7EB4-CBF5-43E7-A477-F69A04DF836B}" dt="2025-03-11T18:29:32.894" v="3111" actId="26606"/>
+          <ac:picMkLst>
+            <pc:docMk/>
+            <pc:sldMk cId="1493860325" sldId="261"/>
+            <ac:picMk id="37" creationId="{48D9C176-456B-4F71-AB87-9D14B8B3D1C1}"/>
+          </ac:picMkLst>
+        </pc:picChg>
+        <pc:picChg chg="add">
+          <ac:chgData name="Jenna Aalto" userId="30c784d162ed7057" providerId="LiveId" clId="{B1DE7EB4-CBF5-43E7-A477-F69A04DF836B}" dt="2025-03-11T18:29:32.894" v="3111" actId="26606"/>
+          <ac:picMkLst>
+            <pc:docMk/>
+            <pc:sldMk cId="1493860325" sldId="261"/>
+            <ac:picMk id="38" creationId="{CFF97C55-868F-4FDD-BD3C-D2F191796F43}"/>
+          </ac:picMkLst>
+        </pc:picChg>
+        <pc:picChg chg="add">
+          <ac:chgData name="Jenna Aalto" userId="30c784d162ed7057" providerId="LiveId" clId="{B1DE7EB4-CBF5-43E7-A477-F69A04DF836B}" dt="2025-03-11T18:29:32.894" v="3111" actId="26606"/>
+          <ac:picMkLst>
+            <pc:docMk/>
+            <pc:sldMk cId="1493860325" sldId="261"/>
+            <ac:picMk id="39" creationId="{69722FB9-EA01-42A6-96B2-185F5CC120DF}"/>
+          </ac:picMkLst>
+        </pc:picChg>
+        <pc:picChg chg="add">
+          <ac:chgData name="Jenna Aalto" userId="30c784d162ed7057" providerId="LiveId" clId="{B1DE7EB4-CBF5-43E7-A477-F69A04DF836B}" dt="2025-03-11T18:29:32.894" v="3111" actId="26606"/>
+          <ac:picMkLst>
+            <pc:docMk/>
+            <pc:sldMk cId="1493860325" sldId="261"/>
+            <ac:picMk id="41" creationId="{D2B4E49C-E7B4-4F6A-8B93-646A0E241191}"/>
+          </ac:picMkLst>
+        </pc:picChg>
+        <pc:picChg chg="add">
+          <ac:chgData name="Jenna Aalto" userId="30c784d162ed7057" providerId="LiveId" clId="{B1DE7EB4-CBF5-43E7-A477-F69A04DF836B}" dt="2025-03-11T18:29:32.894" v="3111" actId="26606"/>
+          <ac:picMkLst>
+            <pc:docMk/>
+            <pc:sldMk cId="1493860325" sldId="261"/>
+            <ac:picMk id="42" creationId="{46528FBF-1727-4546-8131-BA22ED8B5497}"/>
+          </ac:picMkLst>
+        </pc:picChg>
+      </pc:sldChg>
+      <pc:sldChg chg="addSp delSp modSp new mod ord setBg">
+        <pc:chgData name="Jenna Aalto" userId="30c784d162ed7057" providerId="LiveId" clId="{B1DE7EB4-CBF5-43E7-A477-F69A04DF836B}" dt="2025-03-11T18:43:09.647" v="3804"/>
+        <pc:sldMkLst>
+          <pc:docMk/>
+          <pc:sldMk cId="100650578" sldId="262"/>
+        </pc:sldMkLst>
+        <pc:spChg chg="mod">
+          <ac:chgData name="Jenna Aalto" userId="30c784d162ed7057" providerId="LiveId" clId="{B1DE7EB4-CBF5-43E7-A477-F69A04DF836B}" dt="2025-03-11T18:43:05.965" v="3802" actId="1076"/>
+          <ac:spMkLst>
+            <pc:docMk/>
+            <pc:sldMk cId="100650578" sldId="262"/>
+            <ac:spMk id="2" creationId="{66A46F86-5DCD-AD79-6D15-B8F2441A0926}"/>
+          </ac:spMkLst>
+        </pc:spChg>
+        <pc:spChg chg="del mod">
+          <ac:chgData name="Jenna Aalto" userId="30c784d162ed7057" providerId="LiveId" clId="{B1DE7EB4-CBF5-43E7-A477-F69A04DF836B}" dt="2025-03-11T18:42:27.852" v="3792" actId="21"/>
+          <ac:spMkLst>
+            <pc:docMk/>
+            <pc:sldMk cId="100650578" sldId="262"/>
+            <ac:spMk id="3" creationId="{06EC5720-B8BA-4105-4426-CA381905B6E2}"/>
+          </ac:spMkLst>
+        </pc:spChg>
+        <pc:spChg chg="add">
+          <ac:chgData name="Jenna Aalto" userId="30c784d162ed7057" providerId="LiveId" clId="{B1DE7EB4-CBF5-43E7-A477-F69A04DF836B}" dt="2025-03-11T18:42:40.706" v="3798" actId="26606"/>
+          <ac:spMkLst>
+            <pc:docMk/>
+            <pc:sldMk cId="100650578" sldId="262"/>
+            <ac:spMk id="8" creationId="{4E50CAEE-CAC0-4F18-9593-F09A3338C1A8}"/>
+          </ac:spMkLst>
+        </pc:spChg>
+        <pc:spChg chg="add del mod">
+          <ac:chgData name="Jenna Aalto" userId="30c784d162ed7057" providerId="LiveId" clId="{B1DE7EB4-CBF5-43E7-A477-F69A04DF836B}" dt="2025-03-11T18:42:34.263" v="3797"/>
+          <ac:spMkLst>
+            <pc:docMk/>
+            <pc:sldMk cId="100650578" sldId="262"/>
+            <ac:spMk id="11" creationId="{61ECB70A-E0E3-7453-1F83-B9F606FA8527}"/>
+          </ac:spMkLst>
+        </pc:spChg>
+        <pc:picChg chg="add">
+          <ac:chgData name="Jenna Aalto" userId="30c784d162ed7057" providerId="LiveId" clId="{B1DE7EB4-CBF5-43E7-A477-F69A04DF836B}" dt="2025-03-11T18:42:40.706" v="3798" actId="26606"/>
+          <ac:picMkLst>
+            <pc:docMk/>
+            <pc:sldMk cId="100650578" sldId="262"/>
+            <ac:picMk id="4" creationId="{9A0F0AC6-A89F-416B-9FA4-48E664065E73}"/>
+          </ac:picMkLst>
+        </pc:picChg>
+        <pc:picChg chg="add del mod">
+          <ac:chgData name="Jenna Aalto" userId="30c784d162ed7057" providerId="LiveId" clId="{B1DE7EB4-CBF5-43E7-A477-F69A04DF836B}" dt="2025-03-11T18:40:00.407" v="3747" actId="21"/>
+          <ac:picMkLst>
+            <pc:docMk/>
+            <pc:sldMk cId="100650578" sldId="262"/>
+            <ac:picMk id="5" creationId="{5D0C513A-A552-5BC3-7ECC-A488360EB2E8}"/>
+          </ac:picMkLst>
+        </pc:picChg>
+        <pc:picChg chg="add">
+          <ac:chgData name="Jenna Aalto" userId="30c784d162ed7057" providerId="LiveId" clId="{B1DE7EB4-CBF5-43E7-A477-F69A04DF836B}" dt="2025-03-11T18:42:40.706" v="3798" actId="26606"/>
+          <ac:picMkLst>
+            <pc:docMk/>
+            <pc:sldMk cId="100650578" sldId="262"/>
+            <ac:picMk id="6" creationId="{C31AA009-40AD-4098-8AE7-680CA35C6EAA}"/>
+          </ac:picMkLst>
+        </pc:picChg>
+        <pc:picChg chg="add del mod">
+          <ac:chgData name="Jenna Aalto" userId="30c784d162ed7057" providerId="LiveId" clId="{B1DE7EB4-CBF5-43E7-A477-F69A04DF836B}" dt="2025-03-11T18:40:34.499" v="3759" actId="21"/>
+          <ac:picMkLst>
+            <pc:docMk/>
+            <pc:sldMk cId="100650578" sldId="262"/>
+            <ac:picMk id="7" creationId="{0A77E2A0-DF6C-B993-B626-CFB868BB4193}"/>
+          </ac:picMkLst>
+        </pc:picChg>
+        <pc:picChg chg="add del mod">
+          <ac:chgData name="Jenna Aalto" userId="30c784d162ed7057" providerId="LiveId" clId="{B1DE7EB4-CBF5-43E7-A477-F69A04DF836B}" dt="2025-03-11T18:40:53.463" v="3765" actId="21"/>
+          <ac:picMkLst>
+            <pc:docMk/>
+            <pc:sldMk cId="100650578" sldId="262"/>
+            <ac:picMk id="9" creationId="{531F3E19-FCDC-3D5C-44BA-4D31989017F0}"/>
+          </ac:picMkLst>
+        </pc:picChg>
+        <pc:picChg chg="add">
+          <ac:chgData name="Jenna Aalto" userId="30c784d162ed7057" providerId="LiveId" clId="{B1DE7EB4-CBF5-43E7-A477-F69A04DF836B}" dt="2025-03-11T18:42:40.706" v="3798" actId="26606"/>
+          <ac:picMkLst>
+            <pc:docMk/>
+            <pc:sldMk cId="100650578" sldId="262"/>
+            <ac:picMk id="13" creationId="{D2DA77D5-12C4-446D-AC72-A514960A553E}"/>
+          </ac:picMkLst>
+        </pc:picChg>
+        <pc:picChg chg="add">
+          <ac:chgData name="Jenna Aalto" userId="30c784d162ed7057" providerId="LiveId" clId="{B1DE7EB4-CBF5-43E7-A477-F69A04DF836B}" dt="2025-03-11T18:42:40.706" v="3798" actId="26606"/>
+          <ac:picMkLst>
+            <pc:docMk/>
+            <pc:sldMk cId="100650578" sldId="262"/>
+            <ac:picMk id="15" creationId="{19E04E4F-6B32-4651-ACE0-DACABF1FC254}"/>
+          </ac:picMkLst>
+        </pc:picChg>
+        <pc:picChg chg="add">
+          <ac:chgData name="Jenna Aalto" userId="30c784d162ed7057" providerId="LiveId" clId="{B1DE7EB4-CBF5-43E7-A477-F69A04DF836B}" dt="2025-03-11T18:42:40.706" v="3798" actId="26606"/>
+          <ac:picMkLst>
+            <pc:docMk/>
+            <pc:sldMk cId="100650578" sldId="262"/>
+            <ac:picMk id="17" creationId="{13D4F2B0-7771-46FC-9763-240E8F55F14D}"/>
+          </ac:picMkLst>
+        </pc:picChg>
+        <pc:picChg chg="add">
+          <ac:chgData name="Jenna Aalto" userId="30c784d162ed7057" providerId="LiveId" clId="{B1DE7EB4-CBF5-43E7-A477-F69A04DF836B}" dt="2025-03-11T18:42:40.706" v="3798" actId="26606"/>
+          <ac:picMkLst>
+            <pc:docMk/>
+            <pc:sldMk cId="100650578" sldId="262"/>
+            <ac:picMk id="19" creationId="{6164F387-6750-4AFF-8A10-65C64D31ECA3}"/>
+          </ac:picMkLst>
+        </pc:picChg>
+      </pc:sldChg>
+      <pc:sldChg chg="delSp modSp new mod">
+        <pc:chgData name="Jenna Aalto" userId="30c784d162ed7057" providerId="LiveId" clId="{B1DE7EB4-CBF5-43E7-A477-F69A04DF836B}" dt="2025-03-11T18:43:43.258" v="3827" actId="1076"/>
+        <pc:sldMkLst>
+          <pc:docMk/>
+          <pc:sldMk cId="771216309" sldId="263"/>
+        </pc:sldMkLst>
+        <pc:spChg chg="mod">
+          <ac:chgData name="Jenna Aalto" userId="30c784d162ed7057" providerId="LiveId" clId="{B1DE7EB4-CBF5-43E7-A477-F69A04DF836B}" dt="2025-03-11T18:43:43.258" v="3827" actId="1076"/>
+          <ac:spMkLst>
+            <pc:docMk/>
+            <pc:sldMk cId="771216309" sldId="263"/>
+            <ac:spMk id="2" creationId="{864B4E2A-E947-F09A-9E79-37178EC1C395}"/>
+          </ac:spMkLst>
+        </pc:spChg>
+        <pc:spChg chg="del">
+          <ac:chgData name="Jenna Aalto" userId="30c784d162ed7057" providerId="LiveId" clId="{B1DE7EB4-CBF5-43E7-A477-F69A04DF836B}" dt="2025-03-11T18:43:35.050" v="3821" actId="21"/>
+          <ac:spMkLst>
+            <pc:docMk/>
+            <pc:sldMk cId="771216309" sldId="263"/>
+            <ac:spMk id="3" creationId="{140C220C-BA9C-F15F-5D80-7FFE20AA5957}"/>
+          </ac:spMkLst>
+        </pc:spChg>
+      </pc:sldChg>
+      <pc:sldChg chg="addSp modSp new mod">
+        <pc:chgData name="Jenna Aalto" userId="30c784d162ed7057" providerId="LiveId" clId="{B1DE7EB4-CBF5-43E7-A477-F69A04DF836B}" dt="2025-03-11T18:50:10.051" v="4321" actId="20577"/>
+        <pc:sldMkLst>
+          <pc:docMk/>
+          <pc:sldMk cId="799996320" sldId="264"/>
+        </pc:sldMkLst>
+        <pc:spChg chg="mod">
+          <ac:chgData name="Jenna Aalto" userId="30c784d162ed7057" providerId="LiveId" clId="{B1DE7EB4-CBF5-43E7-A477-F69A04DF836B}" dt="2025-03-11T18:47:19.356" v="3982" actId="1076"/>
+          <ac:spMkLst>
+            <pc:docMk/>
+            <pc:sldMk cId="799996320" sldId="264"/>
+            <ac:spMk id="2" creationId="{CBEE997E-3A00-EAF8-EF43-065755103ABC}"/>
+          </ac:spMkLst>
+        </pc:spChg>
+        <pc:spChg chg="mod">
+          <ac:chgData name="Jenna Aalto" userId="30c784d162ed7057" providerId="LiveId" clId="{B1DE7EB4-CBF5-43E7-A477-F69A04DF836B}" dt="2025-03-11T18:48:23.358" v="4109" actId="20577"/>
+          <ac:spMkLst>
+            <pc:docMk/>
+            <pc:sldMk cId="799996320" sldId="264"/>
+            <ac:spMk id="3" creationId="{181C9464-FC1D-7532-882E-D547F1B951B3}"/>
+          </ac:spMkLst>
+        </pc:spChg>
+        <pc:spChg chg="add mod">
+          <ac:chgData name="Jenna Aalto" userId="30c784d162ed7057" providerId="LiveId" clId="{B1DE7EB4-CBF5-43E7-A477-F69A04DF836B}" dt="2025-03-11T18:50:10.051" v="4321" actId="20577"/>
+          <ac:spMkLst>
+            <pc:docMk/>
+            <pc:sldMk cId="799996320" sldId="264"/>
+            <ac:spMk id="8" creationId="{EB370A43-C95D-BFB6-8E85-D72C2358F539}"/>
+          </ac:spMkLst>
+        </pc:spChg>
+        <pc:picChg chg="add mod">
+          <ac:chgData name="Jenna Aalto" userId="30c784d162ed7057" providerId="LiveId" clId="{B1DE7EB4-CBF5-43E7-A477-F69A04DF836B}" dt="2025-03-11T18:47:40.253" v="3986" actId="1076"/>
+          <ac:picMkLst>
+            <pc:docMk/>
+            <pc:sldMk cId="799996320" sldId="264"/>
+            <ac:picMk id="5" creationId="{46957C8B-CDD1-7141-4A45-4FB856B4610F}"/>
+          </ac:picMkLst>
+        </pc:picChg>
+        <pc:picChg chg="add mod">
+          <ac:chgData name="Jenna Aalto" userId="30c784d162ed7057" providerId="LiveId" clId="{B1DE7EB4-CBF5-43E7-A477-F69A04DF836B}" dt="2025-03-11T18:47:42.914" v="3987" actId="1076"/>
+          <ac:picMkLst>
+            <pc:docMk/>
+            <pc:sldMk cId="799996320" sldId="264"/>
+            <ac:picMk id="7" creationId="{F6808DF5-AC1C-3737-E8EC-63FA25A46572}"/>
+          </ac:picMkLst>
+        </pc:picChg>
       </pc:sldChg>
     </pc:docChg>
   </pc:docChgLst>
@@ -919,7 +1455,7 @@
           <a:p>
             <a:fld id="{72AD9A15-2235-4C9F-93F1-9D57C5F635C5}" type="datetimeFigureOut">
               <a:rPr lang="fi-FI" smtClean="0"/>
-              <a:t>10.3.2025</a:t>
+              <a:t>11.3.2025</a:t>
             </a:fld>
             <a:endParaRPr lang="fi-FI"/>
           </a:p>
@@ -1231,7 +1767,7 @@
           <a:p>
             <a:fld id="{72AD9A15-2235-4C9F-93F1-9D57C5F635C5}" type="datetimeFigureOut">
               <a:rPr lang="fi-FI" smtClean="0"/>
-              <a:t>10.3.2025</a:t>
+              <a:t>11.3.2025</a:t>
             </a:fld>
             <a:endParaRPr lang="fi-FI"/>
           </a:p>
@@ -1453,7 +1989,7 @@
           <a:p>
             <a:fld id="{72AD9A15-2235-4C9F-93F1-9D57C5F635C5}" type="datetimeFigureOut">
               <a:rPr lang="fi-FI" smtClean="0"/>
-              <a:t>10.3.2025</a:t>
+              <a:t>11.3.2025</a:t>
             </a:fld>
             <a:endParaRPr lang="fi-FI"/>
           </a:p>
@@ -1744,7 +2280,7 @@
           <a:p>
             <a:fld id="{72AD9A15-2235-4C9F-93F1-9D57C5F635C5}" type="datetimeFigureOut">
               <a:rPr lang="fi-FI" smtClean="0"/>
-              <a:t>10.3.2025</a:t>
+              <a:t>11.3.2025</a:t>
             </a:fld>
             <a:endParaRPr lang="fi-FI"/>
           </a:p>
@@ -2198,7 +2734,7 @@
           <a:p>
             <a:fld id="{72AD9A15-2235-4C9F-93F1-9D57C5F635C5}" type="datetimeFigureOut">
               <a:rPr lang="fi-FI" smtClean="0"/>
-              <a:t>10.3.2025</a:t>
+              <a:t>11.3.2025</a:t>
             </a:fld>
             <a:endParaRPr lang="fi-FI"/>
           </a:p>
@@ -2774,7 +3310,7 @@
           <a:p>
             <a:fld id="{72AD9A15-2235-4C9F-93F1-9D57C5F635C5}" type="datetimeFigureOut">
               <a:rPr lang="fi-FI" smtClean="0"/>
-              <a:t>10.3.2025</a:t>
+              <a:t>11.3.2025</a:t>
             </a:fld>
             <a:endParaRPr lang="fi-FI"/>
           </a:p>
@@ -3626,7 +4162,7 @@
           <a:p>
             <a:fld id="{72AD9A15-2235-4C9F-93F1-9D57C5F635C5}" type="datetimeFigureOut">
               <a:rPr lang="fi-FI" smtClean="0"/>
-              <a:t>10.3.2025</a:t>
+              <a:t>11.3.2025</a:t>
             </a:fld>
             <a:endParaRPr lang="fi-FI"/>
           </a:p>
@@ -3831,7 +4367,7 @@
           <a:p>
             <a:fld id="{72AD9A15-2235-4C9F-93F1-9D57C5F635C5}" type="datetimeFigureOut">
               <a:rPr lang="fi-FI" smtClean="0"/>
-              <a:t>10.3.2025</a:t>
+              <a:t>11.3.2025</a:t>
             </a:fld>
             <a:endParaRPr lang="fi-FI"/>
           </a:p>
@@ -4045,7 +4581,7 @@
           <a:p>
             <a:fld id="{72AD9A15-2235-4C9F-93F1-9D57C5F635C5}" type="datetimeFigureOut">
               <a:rPr lang="fi-FI" smtClean="0"/>
-              <a:t>10.3.2025</a:t>
+              <a:t>11.3.2025</a:t>
             </a:fld>
             <a:endParaRPr lang="fi-FI"/>
           </a:p>
@@ -4231,7 +4767,7 @@
           <a:p>
             <a:fld id="{72AD9A15-2235-4C9F-93F1-9D57C5F635C5}" type="datetimeFigureOut">
               <a:rPr lang="fi-FI" smtClean="0"/>
-              <a:t>10.3.2025</a:t>
+              <a:t>11.3.2025</a:t>
             </a:fld>
             <a:endParaRPr lang="fi-FI"/>
           </a:p>
@@ -4448,7 +4984,7 @@
           <a:p>
             <a:fld id="{72AD9A15-2235-4C9F-93F1-9D57C5F635C5}" type="datetimeFigureOut">
               <a:rPr lang="fi-FI" smtClean="0"/>
-              <a:t>10.3.2025</a:t>
+              <a:t>11.3.2025</a:t>
             </a:fld>
             <a:endParaRPr lang="fi-FI"/>
           </a:p>
@@ -4728,7 +5264,7 @@
           <a:p>
             <a:fld id="{72AD9A15-2235-4C9F-93F1-9D57C5F635C5}" type="datetimeFigureOut">
               <a:rPr lang="fi-FI" smtClean="0"/>
-              <a:t>10.3.2025</a:t>
+              <a:t>11.3.2025</a:t>
             </a:fld>
             <a:endParaRPr lang="fi-FI"/>
           </a:p>
@@ -4995,7 +5531,7 @@
           <a:p>
             <a:fld id="{72AD9A15-2235-4C9F-93F1-9D57C5F635C5}" type="datetimeFigureOut">
               <a:rPr lang="fi-FI" smtClean="0"/>
-              <a:t>10.3.2025</a:t>
+              <a:t>11.3.2025</a:t>
             </a:fld>
             <a:endParaRPr lang="fi-FI"/>
           </a:p>
@@ -5410,7 +5946,7 @@
           <a:p>
             <a:fld id="{72AD9A15-2235-4C9F-93F1-9D57C5F635C5}" type="datetimeFigureOut">
               <a:rPr lang="fi-FI" smtClean="0"/>
-              <a:t>10.3.2025</a:t>
+              <a:t>11.3.2025</a:t>
             </a:fld>
             <a:endParaRPr lang="fi-FI"/>
           </a:p>
@@ -5558,7 +6094,7 @@
           <a:p>
             <a:fld id="{72AD9A15-2235-4C9F-93F1-9D57C5F635C5}" type="datetimeFigureOut">
               <a:rPr lang="fi-FI" smtClean="0"/>
-              <a:t>10.3.2025</a:t>
+              <a:t>11.3.2025</a:t>
             </a:fld>
             <a:endParaRPr lang="fi-FI"/>
           </a:p>
@@ -5683,7 +6219,7 @@
           <a:p>
             <a:fld id="{72AD9A15-2235-4C9F-93F1-9D57C5F635C5}" type="datetimeFigureOut">
               <a:rPr lang="fi-FI" smtClean="0"/>
-              <a:t>10.3.2025</a:t>
+              <a:t>11.3.2025</a:t>
             </a:fld>
             <a:endParaRPr lang="fi-FI"/>
           </a:p>
@@ -5962,7 +6498,7 @@
           <a:p>
             <a:fld id="{72AD9A15-2235-4C9F-93F1-9D57C5F635C5}" type="datetimeFigureOut">
               <a:rPr lang="fi-FI" smtClean="0"/>
-              <a:t>10.3.2025</a:t>
+              <a:t>11.3.2025</a:t>
             </a:fld>
             <a:endParaRPr lang="fi-FI"/>
           </a:p>
@@ -6274,7 +6810,7 @@
           <a:p>
             <a:fld id="{72AD9A15-2235-4C9F-93F1-9D57C5F635C5}" type="datetimeFigureOut">
               <a:rPr lang="fi-FI" smtClean="0"/>
-              <a:t>10.3.2025</a:t>
+              <a:t>11.3.2025</a:t>
             </a:fld>
             <a:endParaRPr lang="fi-FI"/>
           </a:p>
@@ -6527,7 +7063,7 @@
           <a:p>
             <a:fld id="{72AD9A15-2235-4C9F-93F1-9D57C5F635C5}" type="datetimeFigureOut">
               <a:rPr lang="fi-FI" smtClean="0"/>
-              <a:t>10.3.2025</a:t>
+              <a:t>11.3.2025</a:t>
             </a:fld>
             <a:endParaRPr lang="fi-FI"/>
           </a:p>
@@ -7209,6 +7745,599 @@
           <a:chExt cx="0" cy="0"/>
         </a:xfrm>
       </p:grpSpPr>
+      <p:pic>
+        <p:nvPicPr>
+          <p:cNvPr id="4" name="Picture 2">
+            <a:extLst>
+              <a:ext uri="{FF2B5EF4-FFF2-40B4-BE49-F238E27FC236}">
+                <a16:creationId xmlns:a16="http://schemas.microsoft.com/office/drawing/2014/main" id="{9A0F0AC6-A89F-416B-9FA4-48E664065E73}"/>
+              </a:ext>
+              <a:ext uri="{C183D7F6-B498-43B3-948B-1728B52AA6E4}">
+                <adec:decorative xmlns:adec="http://schemas.microsoft.com/office/drawing/2017/decorative" val="1"/>
+              </a:ext>
+            </a:extLst>
+          </p:cNvPr>
+          <p:cNvPicPr>
+            <a:picLocks noGrp="1" noRot="1" noChangeAspect="1" noMove="1" noResize="1" noEditPoints="1" noAdjustHandles="1" noChangeArrowheads="1" noChangeShapeType="1" noCrop="1"/>
+          </p:cNvPicPr>
+          <p:nvPr>
+            <p:extLst>
+              <p:ext uri="{386F3935-93C4-4BCD-93E2-E3B085C9AB24}">
+                <p16:designElem xmlns:p16="http://schemas.microsoft.com/office/powerpoint/2015/main" val="1"/>
+              </p:ext>
+            </p:extLst>
+          </p:nvPr>
+        </p:nvPicPr>
+        <p:blipFill>
+          <a:blip r:embed="rId2">
+            <a:alphaModFix/>
+            <a:extLst>
+              <a:ext uri="{28A0092B-C50C-407E-A947-70E740481C1C}">
+                <a14:useLocalDpi xmlns:a14="http://schemas.microsoft.com/office/drawing/2010/main" val="0"/>
+              </a:ext>
+            </a:extLst>
+          </a:blip>
+          <a:srcRect/>
+          <a:stretch>
+            <a:fillRect/>
+          </a:stretch>
+        </p:blipFill>
+        <p:spPr bwMode="auto">
+          <a:xfrm>
+            <a:off x="0" y="-1"/>
+            <a:ext cx="12192003" cy="6858001"/>
+          </a:xfrm>
+          <a:prstGeom prst="rect">
+            <a:avLst/>
+          </a:prstGeom>
+          <a:noFill/>
+          <a:extLst>
+            <a:ext uri="{909E8E84-426E-40DD-AFC4-6F175D3DCCD1}">
+              <a14:hiddenFill xmlns:a14="http://schemas.microsoft.com/office/drawing/2010/main">
+                <a:solidFill>
+                  <a:srgbClr val="FFFFFF"/>
+                </a:solidFill>
+              </a14:hiddenFill>
+            </a:ext>
+          </a:extLst>
+        </p:spPr>
+      </p:pic>
+      <p:pic>
+        <p:nvPicPr>
+          <p:cNvPr id="6" name="Picture 8">
+            <a:extLst>
+              <a:ext uri="{FF2B5EF4-FFF2-40B4-BE49-F238E27FC236}">
+                <a16:creationId xmlns:a16="http://schemas.microsoft.com/office/drawing/2014/main" id="{C31AA009-40AD-4098-8AE7-680CA35C6EAA}"/>
+              </a:ext>
+              <a:ext uri="{C183D7F6-B498-43B3-948B-1728B52AA6E4}">
+                <adec:decorative xmlns:adec="http://schemas.microsoft.com/office/drawing/2017/decorative" val="1"/>
+              </a:ext>
+            </a:extLst>
+          </p:cNvPr>
+          <p:cNvPicPr>
+            <a:picLocks noGrp="1" noRot="1" noChangeAspect="1" noMove="1" noResize="1" noEditPoints="1" noAdjustHandles="1" noChangeArrowheads="1" noChangeShapeType="1" noCrop="1"/>
+          </p:cNvPicPr>
+          <p:nvPr>
+            <p:extLst>
+              <p:ext uri="{386F3935-93C4-4BCD-93E2-E3B085C9AB24}">
+                <p16:designElem xmlns:p16="http://schemas.microsoft.com/office/powerpoint/2015/main" val="1"/>
+              </p:ext>
+            </p:extLst>
+          </p:nvPr>
+        </p:nvPicPr>
+        <p:blipFill>
+          <a:blip r:embed="rId3">
+            <a:extLst>
+              <a:ext uri="{28A0092B-C50C-407E-A947-70E740481C1C}">
+                <a14:useLocalDpi xmlns:a14="http://schemas.microsoft.com/office/drawing/2010/main" val="0"/>
+              </a:ext>
+            </a:extLst>
+          </a:blip>
+          <a:stretch>
+            <a:fillRect/>
+          </a:stretch>
+        </p:blipFill>
+        <p:spPr>
+          <a:xfrm>
+            <a:off x="0" y="0"/>
+            <a:ext cx="12192000" cy="6858000"/>
+          </a:xfrm>
+          <a:prstGeom prst="rect">
+            <a:avLst/>
+          </a:prstGeom>
+        </p:spPr>
+      </p:pic>
+      <p:sp useBgFill="1">
+        <p:nvSpPr>
+          <p:cNvPr id="8" name="Rectangle 10">
+            <a:extLst>
+              <a:ext uri="{FF2B5EF4-FFF2-40B4-BE49-F238E27FC236}">
+                <a16:creationId xmlns:a16="http://schemas.microsoft.com/office/drawing/2014/main" id="{4E50CAEE-CAC0-4F18-9593-F09A3338C1A8}"/>
+              </a:ext>
+              <a:ext uri="{C183D7F6-B498-43B3-948B-1728B52AA6E4}">
+                <adec:decorative xmlns:adec="http://schemas.microsoft.com/office/drawing/2017/decorative" val="1"/>
+              </a:ext>
+            </a:extLst>
+          </p:cNvPr>
+          <p:cNvSpPr>
+            <a:spLocks noGrp="1" noRot="1" noChangeAspect="1" noMove="1" noResize="1" noEditPoints="1" noAdjustHandles="1" noChangeArrowheads="1" noChangeShapeType="1" noTextEdit="1"/>
+          </p:cNvSpPr>
+          <p:nvPr>
+            <p:extLst>
+              <p:ext uri="{386F3935-93C4-4BCD-93E2-E3B085C9AB24}">
+                <p16:designElem xmlns:p16="http://schemas.microsoft.com/office/powerpoint/2015/main" val="1"/>
+              </p:ext>
+            </p:extLst>
+          </p:nvPr>
+        </p:nvSpPr>
+        <p:spPr>
+          <a:xfrm>
+            <a:off x="0" y="0"/>
+            <a:ext cx="12192000" cy="6858000"/>
+          </a:xfrm>
+          <a:prstGeom prst="rect">
+            <a:avLst/>
+          </a:prstGeom>
+          <a:ln>
+            <a:noFill/>
+          </a:ln>
+        </p:spPr>
+        <p:style>
+          <a:lnRef idx="2">
+            <a:schemeClr val="accent1">
+              <a:shade val="50000"/>
+            </a:schemeClr>
+          </a:lnRef>
+          <a:fillRef idx="1">
+            <a:schemeClr val="accent1"/>
+          </a:fillRef>
+          <a:effectRef idx="0">
+            <a:schemeClr val="accent1"/>
+          </a:effectRef>
+          <a:fontRef idx="minor">
+            <a:schemeClr val="lt1"/>
+          </a:fontRef>
+        </p:style>
+        <p:txBody>
+          <a:bodyPr rtlCol="0" anchor="ctr"/>
+          <a:lstStyle/>
+          <a:p>
+            <a:pPr algn="ctr"/>
+            <a:endParaRPr lang="en-US" dirty="0"/>
+          </a:p>
+        </p:txBody>
+      </p:sp>
+      <p:pic>
+        <p:nvPicPr>
+          <p:cNvPr id="13" name="Picture 12">
+            <a:extLst>
+              <a:ext uri="{FF2B5EF4-FFF2-40B4-BE49-F238E27FC236}">
+                <a16:creationId xmlns:a16="http://schemas.microsoft.com/office/drawing/2014/main" id="{D2DA77D5-12C4-446D-AC72-A514960A553E}"/>
+              </a:ext>
+              <a:ext uri="{C183D7F6-B498-43B3-948B-1728B52AA6E4}">
+                <adec:decorative xmlns:adec="http://schemas.microsoft.com/office/drawing/2017/decorative" val="1"/>
+              </a:ext>
+            </a:extLst>
+          </p:cNvPr>
+          <p:cNvPicPr>
+            <a:picLocks noGrp="1" noRot="1" noChangeAspect="1" noMove="1" noResize="1" noEditPoints="1" noAdjustHandles="1" noChangeArrowheads="1" noChangeShapeType="1" noCrop="1"/>
+          </p:cNvPicPr>
+          <p:nvPr>
+            <p:extLst>
+              <p:ext uri="{386F3935-93C4-4BCD-93E2-E3B085C9AB24}">
+                <p16:designElem xmlns:p16="http://schemas.microsoft.com/office/powerpoint/2015/main" val="1"/>
+              </p:ext>
+            </p:extLst>
+          </p:nvPr>
+        </p:nvPicPr>
+        <p:blipFill rotWithShape="1">
+          <a:blip r:embed="rId3">
+            <a:extLst>
+              <a:ext uri="{28A0092B-C50C-407E-A947-70E740481C1C}">
+                <a14:useLocalDpi xmlns:a14="http://schemas.microsoft.com/office/drawing/2010/main" val="0"/>
+              </a:ext>
+            </a:extLst>
+          </a:blip>
+          <a:srcRect l="73623" t="43915" r="1" b="10213"/>
+          <a:stretch/>
+        </p:blipFill>
+        <p:spPr>
+          <a:xfrm>
+            <a:off x="8199690" y="290557"/>
+            <a:ext cx="3992310" cy="3905520"/>
+          </a:xfrm>
+          <a:prstGeom prst="rect">
+            <a:avLst/>
+          </a:prstGeom>
+        </p:spPr>
+      </p:pic>
+      <p:pic>
+        <p:nvPicPr>
+          <p:cNvPr id="15" name="Picture 14">
+            <a:extLst>
+              <a:ext uri="{FF2B5EF4-FFF2-40B4-BE49-F238E27FC236}">
+                <a16:creationId xmlns:a16="http://schemas.microsoft.com/office/drawing/2014/main" id="{19E04E4F-6B32-4651-ACE0-DACABF1FC254}"/>
+              </a:ext>
+              <a:ext uri="{C183D7F6-B498-43B3-948B-1728B52AA6E4}">
+                <adec:decorative xmlns:adec="http://schemas.microsoft.com/office/drawing/2017/decorative" val="1"/>
+              </a:ext>
+            </a:extLst>
+          </p:cNvPr>
+          <p:cNvPicPr>
+            <a:picLocks noGrp="1" noRot="1" noChangeAspect="1" noMove="1" noResize="1" noEditPoints="1" noAdjustHandles="1" noChangeArrowheads="1" noChangeShapeType="1" noCrop="1"/>
+          </p:cNvPicPr>
+          <p:nvPr>
+            <p:extLst>
+              <p:ext uri="{386F3935-93C4-4BCD-93E2-E3B085C9AB24}">
+                <p16:designElem xmlns:p16="http://schemas.microsoft.com/office/powerpoint/2015/main" val="1"/>
+              </p:ext>
+            </p:extLst>
+          </p:nvPr>
+        </p:nvPicPr>
+        <p:blipFill rotWithShape="1">
+          <a:blip r:embed="rId3">
+            <a:extLst>
+              <a:ext uri="{28A0092B-C50C-407E-A947-70E740481C1C}">
+                <a14:useLocalDpi xmlns:a14="http://schemas.microsoft.com/office/drawing/2010/main" val="0"/>
+              </a:ext>
+            </a:extLst>
+          </a:blip>
+          <a:srcRect l="12450" t="1120" r="54326" b="73832"/>
+          <a:stretch/>
+        </p:blipFill>
+        <p:spPr>
+          <a:xfrm>
+            <a:off x="4581330" y="0"/>
+            <a:ext cx="6762408" cy="2867764"/>
+          </a:xfrm>
+          <a:prstGeom prst="rect">
+            <a:avLst/>
+          </a:prstGeom>
+        </p:spPr>
+      </p:pic>
+      <p:sp>
+        <p:nvSpPr>
+          <p:cNvPr id="2" name="Otsikko 1">
+            <a:extLst>
+              <a:ext uri="{FF2B5EF4-FFF2-40B4-BE49-F238E27FC236}">
+                <a16:creationId xmlns:a16="http://schemas.microsoft.com/office/drawing/2014/main" id="{66A46F86-5DCD-AD79-6D15-B8F2441A0926}"/>
+              </a:ext>
+            </a:extLst>
+          </p:cNvPr>
+          <p:cNvSpPr>
+            <a:spLocks noGrp="1"/>
+          </p:cNvSpPr>
+          <p:nvPr>
+            <p:ph type="title"/>
+          </p:nvPr>
+        </p:nvSpPr>
+        <p:spPr>
+          <a:xfrm>
+            <a:off x="1457466" y="1860181"/>
+            <a:ext cx="6247721" cy="2204815"/>
+          </a:xfrm>
+        </p:spPr>
+        <p:txBody>
+          <a:bodyPr vert="horz" lIns="91440" tIns="45720" rIns="91440" bIns="45720" rtlCol="0" anchor="b">
+            <a:normAutofit/>
+          </a:bodyPr>
+          <a:lstStyle/>
+          <a:p>
+            <a:pPr algn="l"/>
+            <a:r>
+              <a:rPr lang="en-US" sz="6000" dirty="0" err="1"/>
+              <a:t>Esittely</a:t>
+            </a:r>
+            <a:endParaRPr lang="en-US" sz="4800" dirty="0"/>
+          </a:p>
+        </p:txBody>
+      </p:sp>
+      <p:pic>
+        <p:nvPicPr>
+          <p:cNvPr id="17" name="Picture 16">
+            <a:extLst>
+              <a:ext uri="{FF2B5EF4-FFF2-40B4-BE49-F238E27FC236}">
+                <a16:creationId xmlns:a16="http://schemas.microsoft.com/office/drawing/2014/main" id="{13D4F2B0-7771-46FC-9763-240E8F55F14D}"/>
+              </a:ext>
+              <a:ext uri="{C183D7F6-B498-43B3-948B-1728B52AA6E4}">
+                <adec:decorative xmlns:adec="http://schemas.microsoft.com/office/drawing/2017/decorative" val="1"/>
+              </a:ext>
+            </a:extLst>
+          </p:cNvPr>
+          <p:cNvPicPr>
+            <a:picLocks noGrp="1" noRot="1" noChangeAspect="1" noMove="1" noResize="1" noEditPoints="1" noAdjustHandles="1" noChangeArrowheads="1" noChangeShapeType="1" noCrop="1"/>
+          </p:cNvPicPr>
+          <p:nvPr>
+            <p:extLst>
+              <p:ext uri="{386F3935-93C4-4BCD-93E2-E3B085C9AB24}">
+                <p16:designElem xmlns:p16="http://schemas.microsoft.com/office/powerpoint/2015/main" val="1"/>
+              </p:ext>
+            </p:extLst>
+          </p:nvPr>
+        </p:nvPicPr>
+        <p:blipFill rotWithShape="1">
+          <a:blip r:embed="rId3">
+            <a:extLst>
+              <a:ext uri="{28A0092B-C50C-407E-A947-70E740481C1C}">
+                <a14:useLocalDpi xmlns:a14="http://schemas.microsoft.com/office/drawing/2010/main" val="0"/>
+              </a:ext>
+            </a:extLst>
+          </a:blip>
+          <a:srcRect l="65973" t="81531" r="19879"/>
+          <a:stretch/>
+        </p:blipFill>
+        <p:spPr>
+          <a:xfrm>
+            <a:off x="10246407" y="5429242"/>
+            <a:ext cx="1945594" cy="1428758"/>
+          </a:xfrm>
+          <a:custGeom>
+            <a:avLst/>
+            <a:gdLst>
+              <a:gd name="connsiteX0" fmla="*/ 2051608 w 4103216"/>
+              <a:gd name="connsiteY0" fmla="*/ 0 h 1714050"/>
+              <a:gd name="connsiteX1" fmla="*/ 4103216 w 4103216"/>
+              <a:gd name="connsiteY1" fmla="*/ 1266738 h 1714050"/>
+              <a:gd name="connsiteX2" fmla="*/ 4010980 w 4103216"/>
+              <a:gd name="connsiteY2" fmla="*/ 1643427 h 1714050"/>
+              <a:gd name="connsiteX3" fmla="*/ 3969116 w 4103216"/>
+              <a:gd name="connsiteY3" fmla="*/ 1714050 h 1714050"/>
+              <a:gd name="connsiteX4" fmla="*/ 134100 w 4103216"/>
+              <a:gd name="connsiteY4" fmla="*/ 1714050 h 1714050"/>
+              <a:gd name="connsiteX5" fmla="*/ 92237 w 4103216"/>
+              <a:gd name="connsiteY5" fmla="*/ 1643427 h 1714050"/>
+              <a:gd name="connsiteX6" fmla="*/ 0 w 4103216"/>
+              <a:gd name="connsiteY6" fmla="*/ 1266738 h 1714050"/>
+              <a:gd name="connsiteX7" fmla="*/ 2051608 w 4103216"/>
+              <a:gd name="connsiteY7" fmla="*/ 0 h 1714050"/>
+            </a:gdLst>
+            <a:ahLst/>
+            <a:cxnLst>
+              <a:cxn ang="0">
+                <a:pos x="connsiteX0" y="connsiteY0"/>
+              </a:cxn>
+              <a:cxn ang="0">
+                <a:pos x="connsiteX1" y="connsiteY1"/>
+              </a:cxn>
+              <a:cxn ang="0">
+                <a:pos x="connsiteX2" y="connsiteY2"/>
+              </a:cxn>
+              <a:cxn ang="0">
+                <a:pos x="connsiteX3" y="connsiteY3"/>
+              </a:cxn>
+              <a:cxn ang="0">
+                <a:pos x="connsiteX4" y="connsiteY4"/>
+              </a:cxn>
+              <a:cxn ang="0">
+                <a:pos x="connsiteX5" y="connsiteY5"/>
+              </a:cxn>
+              <a:cxn ang="0">
+                <a:pos x="connsiteX6" y="connsiteY6"/>
+              </a:cxn>
+              <a:cxn ang="0">
+                <a:pos x="connsiteX7" y="connsiteY7"/>
+              </a:cxn>
+            </a:cxnLst>
+            <a:rect l="l" t="t" r="r" b="b"/>
+            <a:pathLst>
+              <a:path w="4103216" h="1714050">
+                <a:moveTo>
+                  <a:pt x="2051608" y="0"/>
+                </a:moveTo>
+                <a:cubicBezTo>
+                  <a:pt x="3184680" y="0"/>
+                  <a:pt x="4103216" y="567138"/>
+                  <a:pt x="4103216" y="1266738"/>
+                </a:cubicBezTo>
+                <a:cubicBezTo>
+                  <a:pt x="4103216" y="1397913"/>
+                  <a:pt x="4070924" y="1524431"/>
+                  <a:pt x="4010980" y="1643427"/>
+                </a:cubicBezTo>
+                <a:lnTo>
+                  <a:pt x="3969116" y="1714050"/>
+                </a:lnTo>
+                <a:lnTo>
+                  <a:pt x="134100" y="1714050"/>
+                </a:lnTo>
+                <a:lnTo>
+                  <a:pt x="92237" y="1643427"/>
+                </a:lnTo>
+                <a:cubicBezTo>
+                  <a:pt x="32293" y="1524431"/>
+                  <a:pt x="0" y="1397913"/>
+                  <a:pt x="0" y="1266738"/>
+                </a:cubicBezTo>
+                <a:cubicBezTo>
+                  <a:pt x="0" y="567138"/>
+                  <a:pt x="918536" y="0"/>
+                  <a:pt x="2051608" y="0"/>
+                </a:cubicBezTo>
+                <a:close/>
+              </a:path>
+            </a:pathLst>
+          </a:custGeom>
+        </p:spPr>
+      </p:pic>
+      <p:pic>
+        <p:nvPicPr>
+          <p:cNvPr id="19" name="Picture 18">
+            <a:extLst>
+              <a:ext uri="{FF2B5EF4-FFF2-40B4-BE49-F238E27FC236}">
+                <a16:creationId xmlns:a16="http://schemas.microsoft.com/office/drawing/2014/main" id="{6164F387-6750-4AFF-8A10-65C64D31ECA3}"/>
+              </a:ext>
+              <a:ext uri="{C183D7F6-B498-43B3-948B-1728B52AA6E4}">
+                <adec:decorative xmlns:adec="http://schemas.microsoft.com/office/drawing/2017/decorative" val="1"/>
+              </a:ext>
+            </a:extLst>
+          </p:cNvPr>
+          <p:cNvPicPr>
+            <a:picLocks noGrp="1" noRot="1" noChangeAspect="1" noMove="1" noResize="1" noEditPoints="1" noAdjustHandles="1" noChangeArrowheads="1" noChangeShapeType="1" noCrop="1"/>
+          </p:cNvPicPr>
+          <p:nvPr>
+            <p:extLst>
+              <p:ext uri="{386F3935-93C4-4BCD-93E2-E3B085C9AB24}">
+                <p16:designElem xmlns:p16="http://schemas.microsoft.com/office/powerpoint/2015/main" val="1"/>
+              </p:ext>
+            </p:extLst>
+          </p:nvPr>
+        </p:nvPicPr>
+        <p:blipFill rotWithShape="1">
+          <a:blip r:embed="rId3">
+            <a:extLst>
+              <a:ext uri="{28A0092B-C50C-407E-A947-70E740481C1C}">
+                <a14:useLocalDpi xmlns:a14="http://schemas.microsoft.com/office/drawing/2010/main" val="0"/>
+              </a:ext>
+            </a:extLst>
+          </a:blip>
+          <a:srcRect l="46466" t="75007" r="30510"/>
+          <a:stretch/>
+        </p:blipFill>
+        <p:spPr>
+          <a:xfrm>
+            <a:off x="9795659" y="4064996"/>
+            <a:ext cx="2716669" cy="1658803"/>
+          </a:xfrm>
+          <a:custGeom>
+            <a:avLst/>
+            <a:gdLst>
+              <a:gd name="connsiteX0" fmla="*/ 2051608 w 4103216"/>
+              <a:gd name="connsiteY0" fmla="*/ 0 h 1714050"/>
+              <a:gd name="connsiteX1" fmla="*/ 4103216 w 4103216"/>
+              <a:gd name="connsiteY1" fmla="*/ 1266738 h 1714050"/>
+              <a:gd name="connsiteX2" fmla="*/ 4010980 w 4103216"/>
+              <a:gd name="connsiteY2" fmla="*/ 1643427 h 1714050"/>
+              <a:gd name="connsiteX3" fmla="*/ 3969116 w 4103216"/>
+              <a:gd name="connsiteY3" fmla="*/ 1714050 h 1714050"/>
+              <a:gd name="connsiteX4" fmla="*/ 134100 w 4103216"/>
+              <a:gd name="connsiteY4" fmla="*/ 1714050 h 1714050"/>
+              <a:gd name="connsiteX5" fmla="*/ 92237 w 4103216"/>
+              <a:gd name="connsiteY5" fmla="*/ 1643427 h 1714050"/>
+              <a:gd name="connsiteX6" fmla="*/ 0 w 4103216"/>
+              <a:gd name="connsiteY6" fmla="*/ 1266738 h 1714050"/>
+              <a:gd name="connsiteX7" fmla="*/ 2051608 w 4103216"/>
+              <a:gd name="connsiteY7" fmla="*/ 0 h 1714050"/>
+            </a:gdLst>
+            <a:ahLst/>
+            <a:cxnLst>
+              <a:cxn ang="0">
+                <a:pos x="connsiteX0" y="connsiteY0"/>
+              </a:cxn>
+              <a:cxn ang="0">
+                <a:pos x="connsiteX1" y="connsiteY1"/>
+              </a:cxn>
+              <a:cxn ang="0">
+                <a:pos x="connsiteX2" y="connsiteY2"/>
+              </a:cxn>
+              <a:cxn ang="0">
+                <a:pos x="connsiteX3" y="connsiteY3"/>
+              </a:cxn>
+              <a:cxn ang="0">
+                <a:pos x="connsiteX4" y="connsiteY4"/>
+              </a:cxn>
+              <a:cxn ang="0">
+                <a:pos x="connsiteX5" y="connsiteY5"/>
+              </a:cxn>
+              <a:cxn ang="0">
+                <a:pos x="connsiteX6" y="connsiteY6"/>
+              </a:cxn>
+              <a:cxn ang="0">
+                <a:pos x="connsiteX7" y="connsiteY7"/>
+              </a:cxn>
+            </a:cxnLst>
+            <a:rect l="l" t="t" r="r" b="b"/>
+            <a:pathLst>
+              <a:path w="4103216" h="1714050">
+                <a:moveTo>
+                  <a:pt x="2051608" y="0"/>
+                </a:moveTo>
+                <a:cubicBezTo>
+                  <a:pt x="3184680" y="0"/>
+                  <a:pt x="4103216" y="567138"/>
+                  <a:pt x="4103216" y="1266738"/>
+                </a:cubicBezTo>
+                <a:cubicBezTo>
+                  <a:pt x="4103216" y="1397913"/>
+                  <a:pt x="4070924" y="1524431"/>
+                  <a:pt x="4010980" y="1643427"/>
+                </a:cubicBezTo>
+                <a:lnTo>
+                  <a:pt x="3969116" y="1714050"/>
+                </a:lnTo>
+                <a:lnTo>
+                  <a:pt x="134100" y="1714050"/>
+                </a:lnTo>
+                <a:lnTo>
+                  <a:pt x="92237" y="1643427"/>
+                </a:lnTo>
+                <a:cubicBezTo>
+                  <a:pt x="32293" y="1524431"/>
+                  <a:pt x="0" y="1397913"/>
+                  <a:pt x="0" y="1266738"/>
+                </a:cubicBezTo>
+                <a:cubicBezTo>
+                  <a:pt x="0" y="567138"/>
+                  <a:pt x="918536" y="0"/>
+                  <a:pt x="2051608" y="0"/>
+                </a:cubicBezTo>
+                <a:close/>
+              </a:path>
+            </a:pathLst>
+          </a:custGeom>
+        </p:spPr>
+      </p:pic>
+    </p:spTree>
+    <p:extLst>
+      <p:ext uri="{BB962C8B-B14F-4D97-AF65-F5344CB8AC3E}">
+        <p14:creationId xmlns:p14="http://schemas.microsoft.com/office/powerpoint/2010/main" val="100650578"/>
+      </p:ext>
+    </p:extLst>
+  </p:cSld>
+  <p:clrMapOvr>
+    <a:masterClrMapping/>
+  </p:clrMapOvr>
+</p:sld>
+</file>
+
+<file path=ppt/slides/slide3.xml><?xml version="1.0" encoding="utf-8"?>
+<p:sld xmlns:a="http://schemas.openxmlformats.org/drawingml/2006/main" xmlns:r="http://schemas.openxmlformats.org/officeDocument/2006/relationships" xmlns:p="http://schemas.openxmlformats.org/presentationml/2006/main">
+  <p:cSld>
+    <p:bg>
+      <p:bgPr>
+        <a:gradFill rotWithShape="1">
+          <a:gsLst>
+            <a:gs pos="0">
+              <a:schemeClr val="bg1">
+                <a:tint val="90000"/>
+                <a:lumMod val="110000"/>
+              </a:schemeClr>
+            </a:gs>
+            <a:gs pos="100000">
+              <a:schemeClr val="bg1">
+                <a:shade val="64000"/>
+                <a:lumMod val="88000"/>
+              </a:schemeClr>
+            </a:gs>
+          </a:gsLst>
+          <a:lin ang="5400000" scaled="0"/>
+        </a:gradFill>
+        <a:effectLst/>
+      </p:bgPr>
+    </p:bg>
+    <p:spTree>
+      <p:nvGrpSpPr>
+        <p:cNvPr id="1" name=""/>
+        <p:cNvGrpSpPr/>
+        <p:nvPr/>
+      </p:nvGrpSpPr>
+      <p:grpSpPr>
+        <a:xfrm>
+          <a:off x="0" y="0"/>
+          <a:ext cx="0" cy="0"/>
+          <a:chOff x="0" y="0"/>
+          <a:chExt cx="0" cy="0"/>
+        </a:xfrm>
+      </p:grpSpPr>
       <p:sp useBgFill="1">
         <p:nvSpPr>
           <p:cNvPr id="27" name="Rectangle 8">
@@ -8098,7 +9227,7 @@
 </p:sld>
 </file>
 
-<file path=ppt/slides/slide3.xml><?xml version="1.0" encoding="utf-8"?>
+<file path=ppt/slides/slide4.xml><?xml version="1.0" encoding="utf-8"?>
 <p:sld xmlns:a="http://schemas.openxmlformats.org/drawingml/2006/main" xmlns:r="http://schemas.openxmlformats.org/officeDocument/2006/relationships" xmlns:p="http://schemas.openxmlformats.org/presentationml/2006/main">
   <p:cSld>
     <p:bg>
@@ -8707,7 +9836,1346 @@
 </p:sld>
 </file>
 
-<file path=ppt/slides/slide4.xml><?xml version="1.0" encoding="utf-8"?>
+<file path=ppt/slides/slide5.xml><?xml version="1.0" encoding="utf-8"?>
+<p:sld xmlns:a="http://schemas.openxmlformats.org/drawingml/2006/main" xmlns:r="http://schemas.openxmlformats.org/officeDocument/2006/relationships" xmlns:p="http://schemas.openxmlformats.org/presentationml/2006/main">
+  <p:cSld>
+    <p:spTree>
+      <p:nvGrpSpPr>
+        <p:cNvPr id="1" name=""/>
+        <p:cNvGrpSpPr/>
+        <p:nvPr/>
+      </p:nvGrpSpPr>
+      <p:grpSpPr>
+        <a:xfrm>
+          <a:off x="0" y="0"/>
+          <a:ext cx="0" cy="0"/>
+          <a:chOff x="0" y="0"/>
+          <a:chExt cx="0" cy="0"/>
+        </a:xfrm>
+      </p:grpSpPr>
+      <p:sp>
+        <p:nvSpPr>
+          <p:cNvPr id="5" name="Tekstiruutu 4">
+            <a:extLst>
+              <a:ext uri="{FF2B5EF4-FFF2-40B4-BE49-F238E27FC236}">
+                <a16:creationId xmlns:a16="http://schemas.microsoft.com/office/drawing/2014/main" id="{4BC00198-B183-C532-69B3-95CCE2101503}"/>
+              </a:ext>
+            </a:extLst>
+          </p:cNvPr>
+          <p:cNvSpPr txBox="1"/>
+          <p:nvPr/>
+        </p:nvSpPr>
+        <p:spPr>
+          <a:xfrm>
+            <a:off x="6676103" y="34021"/>
+            <a:ext cx="6096000" cy="769441"/>
+          </a:xfrm>
+          <a:prstGeom prst="rect">
+            <a:avLst/>
+          </a:prstGeom>
+          <a:noFill/>
+        </p:spPr>
+        <p:txBody>
+          <a:bodyPr wrap="square">
+            <a:spAutoFit/>
+          </a:bodyPr>
+          <a:lstStyle/>
+          <a:p>
+            <a:r>
+              <a:rPr lang="fi-FI" sz="4400" dirty="0"/>
+              <a:t>Technical </a:t>
+            </a:r>
+            <a:r>
+              <a:rPr lang="fi-FI" sz="4400" dirty="0" err="1"/>
+              <a:t>development</a:t>
+            </a:r>
+            <a:endParaRPr lang="fi-FI" sz="4400" dirty="0"/>
+          </a:p>
+        </p:txBody>
+      </p:sp>
+      <p:sp>
+        <p:nvSpPr>
+          <p:cNvPr id="7" name="Tekstiruutu 6">
+            <a:extLst>
+              <a:ext uri="{FF2B5EF4-FFF2-40B4-BE49-F238E27FC236}">
+                <a16:creationId xmlns:a16="http://schemas.microsoft.com/office/drawing/2014/main" id="{5A328F2D-DFF1-3FA9-AA7C-A80DA4FDB238}"/>
+              </a:ext>
+            </a:extLst>
+          </p:cNvPr>
+          <p:cNvSpPr txBox="1"/>
+          <p:nvPr/>
+        </p:nvSpPr>
+        <p:spPr>
+          <a:xfrm>
+            <a:off x="181897" y="470337"/>
+            <a:ext cx="11828206" cy="6247864"/>
+          </a:xfrm>
+          <a:prstGeom prst="rect">
+            <a:avLst/>
+          </a:prstGeom>
+          <a:noFill/>
+        </p:spPr>
+        <p:txBody>
+          <a:bodyPr wrap="square">
+            <a:spAutoFit/>
+          </a:bodyPr>
+          <a:lstStyle/>
+          <a:p>
+            <a:pPr>
+              <a:buFontTx/>
+              <a:buChar char="-"/>
+            </a:pPr>
+            <a:r>
+              <a:rPr lang="fi-FI" sz="2000" dirty="0"/>
+              <a:t> </a:t>
+            </a:r>
+            <a:r>
+              <a:rPr lang="fi-FI" sz="2000" dirty="0" err="1"/>
+              <a:t>The</a:t>
+            </a:r>
+            <a:r>
+              <a:rPr lang="fi-FI" sz="2000" dirty="0"/>
+              <a:t> </a:t>
+            </a:r>
+            <a:r>
+              <a:rPr lang="fi-FI" sz="2000" dirty="0" err="1"/>
+              <a:t>project</a:t>
+            </a:r>
+            <a:r>
+              <a:rPr lang="fi-FI" sz="2000" dirty="0"/>
+              <a:t> </a:t>
+            </a:r>
+            <a:r>
+              <a:rPr lang="fi-FI" sz="2000" dirty="0" err="1"/>
+              <a:t>was</a:t>
+            </a:r>
+            <a:r>
+              <a:rPr lang="fi-FI" sz="2000" dirty="0"/>
+              <a:t> </a:t>
+            </a:r>
+            <a:r>
+              <a:rPr lang="fi-FI" sz="2000" dirty="0" err="1"/>
+              <a:t>coded</a:t>
+            </a:r>
+            <a:r>
+              <a:rPr lang="fi-FI" sz="2000" dirty="0"/>
+              <a:t> in c-</a:t>
+            </a:r>
+            <a:r>
+              <a:rPr lang="fi-FI" sz="2000" dirty="0" err="1"/>
+              <a:t>sharp</a:t>
+            </a:r>
+            <a:r>
+              <a:rPr lang="fi-FI" sz="2000" dirty="0"/>
+              <a:t> </a:t>
+            </a:r>
+            <a:r>
+              <a:rPr lang="fi-FI" sz="2000" dirty="0" err="1"/>
+              <a:t>using</a:t>
+            </a:r>
+            <a:r>
+              <a:rPr lang="fi-FI" sz="2000" dirty="0"/>
+              <a:t> </a:t>
+            </a:r>
+            <a:r>
+              <a:rPr lang="fi-FI" sz="2000" dirty="0" err="1"/>
+              <a:t>visual</a:t>
+            </a:r>
+            <a:r>
+              <a:rPr lang="fi-FI" sz="2000" dirty="0"/>
+              <a:t> studio 2022</a:t>
+            </a:r>
+          </a:p>
+          <a:p>
+            <a:endParaRPr lang="fi-FI" sz="2000" dirty="0"/>
+          </a:p>
+          <a:p>
+            <a:endParaRPr lang="fi-FI" sz="2000" dirty="0"/>
+          </a:p>
+          <a:p>
+            <a:pPr>
+              <a:buFontTx/>
+              <a:buChar char="-"/>
+            </a:pPr>
+            <a:r>
+              <a:rPr lang="fi-FI" sz="2000" dirty="0"/>
+              <a:t> </a:t>
+            </a:r>
+            <a:r>
+              <a:rPr lang="fi-FI" sz="2000" dirty="0" err="1"/>
+              <a:t>Starts</a:t>
+            </a:r>
+            <a:r>
+              <a:rPr lang="fi-FI" sz="2000" dirty="0"/>
+              <a:t> </a:t>
+            </a:r>
+            <a:r>
+              <a:rPr lang="fi-FI" sz="2000" dirty="0" err="1"/>
+              <a:t>by</a:t>
+            </a:r>
+            <a:r>
+              <a:rPr lang="fi-FI" sz="2000" dirty="0"/>
+              <a:t> </a:t>
+            </a:r>
+            <a:r>
+              <a:rPr lang="fi-FI" sz="2000" dirty="0" err="1"/>
+              <a:t>asking</a:t>
+            </a:r>
+            <a:r>
+              <a:rPr lang="fi-FI" sz="2000" dirty="0"/>
+              <a:t> </a:t>
+            </a:r>
+            <a:r>
+              <a:rPr lang="fi-FI" sz="2000" dirty="0" err="1"/>
+              <a:t>the</a:t>
+            </a:r>
+            <a:r>
+              <a:rPr lang="fi-FI" sz="2000" dirty="0"/>
+              <a:t> </a:t>
+            </a:r>
+            <a:r>
+              <a:rPr lang="fi-FI" sz="2000" dirty="0" err="1"/>
+              <a:t>weather</a:t>
+            </a:r>
+            <a:r>
+              <a:rPr lang="fi-FI" sz="2000" dirty="0"/>
+              <a:t>, </a:t>
+            </a:r>
+            <a:r>
+              <a:rPr lang="fi-FI" sz="2000" dirty="0" err="1"/>
+              <a:t>you</a:t>
+            </a:r>
+            <a:r>
+              <a:rPr lang="fi-FI" sz="2000" dirty="0"/>
+              <a:t> </a:t>
+            </a:r>
+            <a:r>
+              <a:rPr lang="fi-FI" sz="2000" dirty="0" err="1"/>
+              <a:t>can</a:t>
+            </a:r>
+            <a:r>
+              <a:rPr lang="fi-FI" sz="2000" dirty="0"/>
+              <a:t> </a:t>
+            </a:r>
+            <a:r>
+              <a:rPr lang="fi-FI" sz="2000" dirty="0" err="1"/>
+              <a:t>choose</a:t>
+            </a:r>
+            <a:r>
+              <a:rPr lang="fi-FI" sz="2000" dirty="0"/>
+              <a:t> </a:t>
+            </a:r>
+            <a:r>
+              <a:rPr lang="fi-FI" sz="2000" dirty="0" err="1"/>
+              <a:t>which</a:t>
+            </a:r>
+            <a:r>
+              <a:rPr lang="fi-FI" sz="2000" dirty="0"/>
+              <a:t> </a:t>
+            </a:r>
+            <a:r>
+              <a:rPr lang="fi-FI" sz="2000" dirty="0" err="1"/>
+              <a:t>one</a:t>
+            </a:r>
+            <a:r>
+              <a:rPr lang="fi-FI" sz="2000" dirty="0"/>
+              <a:t> </a:t>
+            </a:r>
+            <a:r>
+              <a:rPr lang="fi-FI" sz="2000" dirty="0" err="1"/>
+              <a:t>from</a:t>
+            </a:r>
+            <a:r>
+              <a:rPr lang="fi-FI" sz="2000" dirty="0"/>
+              <a:t> </a:t>
+            </a:r>
+            <a:r>
+              <a:rPr lang="fi-FI" sz="2000" dirty="0" err="1"/>
+              <a:t>them</a:t>
+            </a:r>
+            <a:r>
+              <a:rPr lang="fi-FI" sz="2000" dirty="0"/>
+              <a:t> </a:t>
+            </a:r>
+            <a:r>
+              <a:rPr lang="fi-FI" sz="2000" dirty="0" err="1"/>
+              <a:t>matches</a:t>
+            </a:r>
+            <a:endParaRPr lang="fi-FI" sz="2000" dirty="0"/>
+          </a:p>
+          <a:p>
+            <a:pPr>
+              <a:buFontTx/>
+              <a:buChar char="-"/>
+            </a:pPr>
+            <a:endParaRPr lang="fi-FI" sz="2000" dirty="0"/>
+          </a:p>
+          <a:p>
+            <a:pPr>
+              <a:buFontTx/>
+              <a:buChar char="-"/>
+            </a:pPr>
+            <a:endParaRPr lang="fi-FI" sz="2000" dirty="0"/>
+          </a:p>
+          <a:p>
+            <a:pPr>
+              <a:buFontTx/>
+              <a:buChar char="-"/>
+            </a:pPr>
+            <a:endParaRPr lang="fi-FI" sz="2000" dirty="0"/>
+          </a:p>
+          <a:p>
+            <a:pPr>
+              <a:buFontTx/>
+              <a:buChar char="-"/>
+            </a:pPr>
+            <a:endParaRPr lang="fi-FI" sz="2000" dirty="0"/>
+          </a:p>
+          <a:p>
+            <a:pPr>
+              <a:buFontTx/>
+              <a:buChar char="-"/>
+            </a:pPr>
+            <a:r>
+              <a:rPr lang="fi-FI" sz="2000" dirty="0"/>
+              <a:t> </a:t>
+            </a:r>
+            <a:r>
+              <a:rPr lang="fi-FI" sz="2000" dirty="0" err="1"/>
+              <a:t>After</a:t>
+            </a:r>
+            <a:r>
+              <a:rPr lang="fi-FI" sz="2000" dirty="0"/>
+              <a:t> </a:t>
+            </a:r>
+            <a:r>
+              <a:rPr lang="fi-FI" sz="2000" dirty="0" err="1"/>
+              <a:t>that</a:t>
+            </a:r>
+            <a:r>
+              <a:rPr lang="fi-FI" sz="2000" dirty="0"/>
+              <a:t> </a:t>
+            </a:r>
+            <a:r>
+              <a:rPr lang="fi-FI" sz="2000" dirty="0" err="1"/>
+              <a:t>asks</a:t>
+            </a:r>
+            <a:r>
+              <a:rPr lang="fi-FI" sz="2000" dirty="0"/>
+              <a:t> </a:t>
+            </a:r>
+            <a:r>
+              <a:rPr lang="fi-FI" sz="2000" dirty="0" err="1"/>
+              <a:t>you</a:t>
+            </a:r>
+            <a:r>
+              <a:rPr lang="fi-FI" sz="2000" dirty="0"/>
+              <a:t> </a:t>
+            </a:r>
+            <a:r>
+              <a:rPr lang="fi-FI" sz="2000" dirty="0" err="1"/>
+              <a:t>if</a:t>
+            </a:r>
+            <a:r>
+              <a:rPr lang="fi-FI" sz="2000" dirty="0"/>
+              <a:t> </a:t>
+            </a:r>
+            <a:r>
+              <a:rPr lang="fi-FI" sz="2000" dirty="0" err="1"/>
+              <a:t>the</a:t>
+            </a:r>
+            <a:r>
+              <a:rPr lang="fi-FI" sz="2000" dirty="0"/>
+              <a:t> </a:t>
+            </a:r>
+            <a:r>
+              <a:rPr lang="fi-FI" sz="2000" dirty="0" err="1"/>
+              <a:t>weather</a:t>
+            </a:r>
+            <a:r>
+              <a:rPr lang="fi-FI" sz="2000" dirty="0"/>
+              <a:t> is </a:t>
+            </a:r>
+            <a:r>
+              <a:rPr lang="fi-FI" sz="2000" dirty="0" err="1"/>
+              <a:t>rough</a:t>
+            </a:r>
+            <a:r>
+              <a:rPr lang="fi-FI" sz="2000" dirty="0"/>
+              <a:t> </a:t>
+            </a:r>
+            <a:r>
+              <a:rPr lang="fi-FI" sz="2000" dirty="0" err="1"/>
+              <a:t>or</a:t>
+            </a:r>
+            <a:r>
+              <a:rPr lang="fi-FI" sz="2000" dirty="0"/>
+              <a:t> </a:t>
+            </a:r>
+            <a:r>
+              <a:rPr lang="fi-FI" sz="2000" dirty="0" err="1"/>
+              <a:t>mild</a:t>
+            </a:r>
+            <a:r>
+              <a:rPr lang="fi-FI" sz="2000" dirty="0"/>
+              <a:t> (</a:t>
+            </a:r>
+            <a:r>
+              <a:rPr lang="fi-FI" sz="2000" dirty="0" err="1"/>
+              <a:t>rainfall</a:t>
+            </a:r>
+            <a:r>
+              <a:rPr lang="fi-FI" sz="2000" dirty="0"/>
+              <a:t>, </a:t>
+            </a:r>
+            <a:r>
+              <a:rPr lang="fi-FI" sz="2000" dirty="0" err="1"/>
+              <a:t>snowfall</a:t>
+            </a:r>
+            <a:r>
+              <a:rPr lang="fi-FI" sz="2000" dirty="0"/>
+              <a:t> </a:t>
+            </a:r>
+            <a:r>
+              <a:rPr lang="fi-FI" sz="2000" dirty="0" err="1"/>
+              <a:t>or</a:t>
+            </a:r>
+            <a:r>
+              <a:rPr lang="fi-FI" sz="2000" dirty="0"/>
+              <a:t> </a:t>
+            </a:r>
+            <a:r>
+              <a:rPr lang="fi-FI" sz="2000" dirty="0" err="1"/>
+              <a:t>wind</a:t>
+            </a:r>
+            <a:r>
+              <a:rPr lang="fi-FI" sz="2000" dirty="0"/>
+              <a:t>)</a:t>
+            </a:r>
+          </a:p>
+          <a:p>
+            <a:pPr>
+              <a:buFontTx/>
+              <a:buChar char="-"/>
+            </a:pPr>
+            <a:endParaRPr lang="fi-FI" sz="2000" dirty="0"/>
+          </a:p>
+          <a:p>
+            <a:pPr>
+              <a:buFontTx/>
+              <a:buChar char="-"/>
+            </a:pPr>
+            <a:endParaRPr lang="fi-FI" sz="2000" dirty="0"/>
+          </a:p>
+          <a:p>
+            <a:pPr>
+              <a:buFontTx/>
+              <a:buChar char="-"/>
+            </a:pPr>
+            <a:endParaRPr lang="fi-FI" sz="2000" dirty="0"/>
+          </a:p>
+          <a:p>
+            <a:pPr>
+              <a:buFontTx/>
+              <a:buChar char="-"/>
+            </a:pPr>
+            <a:endParaRPr lang="fi-FI" sz="2000" dirty="0"/>
+          </a:p>
+          <a:p>
+            <a:pPr>
+              <a:buFontTx/>
+              <a:buChar char="-"/>
+            </a:pPr>
+            <a:endParaRPr lang="fi-FI" sz="2000" dirty="0"/>
+          </a:p>
+          <a:p>
+            <a:pPr>
+              <a:buFontTx/>
+              <a:buChar char="-"/>
+            </a:pPr>
+            <a:endParaRPr lang="fi-FI" sz="2000" dirty="0"/>
+          </a:p>
+          <a:p>
+            <a:pPr>
+              <a:buFontTx/>
+              <a:buChar char="-"/>
+            </a:pPr>
+            <a:endParaRPr lang="fi-FI" sz="2000" dirty="0"/>
+          </a:p>
+          <a:p>
+            <a:pPr>
+              <a:buFontTx/>
+              <a:buChar char="-"/>
+            </a:pPr>
+            <a:endParaRPr lang="fi-FI" sz="2000" dirty="0"/>
+          </a:p>
+          <a:p>
+            <a:pPr>
+              <a:buFontTx/>
+              <a:buChar char="-"/>
+            </a:pPr>
+            <a:endParaRPr lang="fi-FI" sz="2000" dirty="0"/>
+          </a:p>
+          <a:p>
+            <a:pPr>
+              <a:buFontTx/>
+              <a:buChar char="-"/>
+            </a:pPr>
+            <a:r>
+              <a:rPr lang="fi-FI" sz="2000" dirty="0"/>
+              <a:t> </a:t>
+            </a:r>
+            <a:r>
+              <a:rPr lang="fi-FI" sz="2000" dirty="0" err="1"/>
+              <a:t>Finally</a:t>
+            </a:r>
+            <a:r>
+              <a:rPr lang="fi-FI" sz="2000" dirty="0"/>
+              <a:t> </a:t>
+            </a:r>
+            <a:r>
+              <a:rPr lang="fi-FI" sz="2000" dirty="0" err="1"/>
+              <a:t>asks</a:t>
+            </a:r>
+            <a:r>
+              <a:rPr lang="fi-FI" sz="2000" dirty="0"/>
+              <a:t> </a:t>
+            </a:r>
+            <a:r>
+              <a:rPr lang="fi-FI" sz="2000" dirty="0" err="1"/>
+              <a:t>you</a:t>
+            </a:r>
+            <a:r>
+              <a:rPr lang="fi-FI" sz="2000" dirty="0"/>
+              <a:t> </a:t>
+            </a:r>
+            <a:r>
+              <a:rPr lang="fi-FI" sz="2000" dirty="0" err="1"/>
+              <a:t>if</a:t>
+            </a:r>
+            <a:r>
+              <a:rPr lang="fi-FI" sz="2000" dirty="0"/>
+              <a:t> </a:t>
+            </a:r>
+            <a:r>
+              <a:rPr lang="fi-FI" sz="2000" dirty="0" err="1"/>
+              <a:t>you</a:t>
+            </a:r>
+            <a:r>
+              <a:rPr lang="fi-FI" sz="2000" dirty="0"/>
+              <a:t> </a:t>
+            </a:r>
+            <a:r>
+              <a:rPr lang="fi-FI" sz="2000" dirty="0" err="1"/>
+              <a:t>want</a:t>
+            </a:r>
+            <a:r>
+              <a:rPr lang="fi-FI" sz="2000" dirty="0"/>
+              <a:t> </a:t>
+            </a:r>
+            <a:r>
+              <a:rPr lang="fi-FI" sz="2000" dirty="0" err="1"/>
+              <a:t>specific</a:t>
+            </a:r>
+            <a:r>
+              <a:rPr lang="fi-FI" sz="2000" dirty="0"/>
+              <a:t> </a:t>
+            </a:r>
+            <a:r>
+              <a:rPr lang="fi-FI" sz="2000" dirty="0" err="1"/>
+              <a:t>reccomendations</a:t>
+            </a:r>
+            <a:r>
+              <a:rPr lang="fi-FI" sz="2000" dirty="0"/>
+              <a:t> for </a:t>
+            </a:r>
+            <a:r>
+              <a:rPr lang="fi-FI" sz="2000" dirty="0" err="1"/>
+              <a:t>families</a:t>
+            </a:r>
+            <a:r>
+              <a:rPr lang="fi-FI" sz="2000" dirty="0"/>
+              <a:t> </a:t>
+            </a:r>
+            <a:r>
+              <a:rPr lang="fi-FI" sz="2000" dirty="0" err="1"/>
+              <a:t>or</a:t>
+            </a:r>
+            <a:r>
+              <a:rPr lang="fi-FI" sz="2000" dirty="0"/>
+              <a:t> </a:t>
+            </a:r>
+            <a:r>
+              <a:rPr lang="fi-FI" sz="2000" dirty="0" err="1"/>
+              <a:t>friendgroups</a:t>
+            </a:r>
+            <a:r>
+              <a:rPr lang="fi-FI" sz="2000" dirty="0"/>
+              <a:t> </a:t>
+            </a:r>
+            <a:r>
+              <a:rPr lang="fi-FI" sz="2000" dirty="0" err="1"/>
+              <a:t>or</a:t>
+            </a:r>
+            <a:r>
+              <a:rPr lang="fi-FI" sz="2000" dirty="0"/>
+              <a:t> </a:t>
+            </a:r>
+            <a:r>
+              <a:rPr lang="fi-FI" sz="2000" dirty="0" err="1"/>
+              <a:t>couples</a:t>
+            </a:r>
+            <a:r>
+              <a:rPr lang="fi-FI" sz="2000" dirty="0"/>
+              <a:t> </a:t>
+            </a:r>
+            <a:r>
+              <a:rPr lang="fi-FI" sz="2000" dirty="0" err="1"/>
+              <a:t>but</a:t>
+            </a:r>
+            <a:r>
+              <a:rPr lang="fi-FI" sz="2000" dirty="0"/>
+              <a:t> </a:t>
+            </a:r>
+            <a:r>
+              <a:rPr lang="fi-FI" sz="2000" dirty="0" err="1"/>
+              <a:t>if</a:t>
+            </a:r>
+            <a:r>
+              <a:rPr lang="fi-FI" sz="2000" dirty="0"/>
+              <a:t> </a:t>
+            </a:r>
+            <a:r>
+              <a:rPr lang="fi-FI" sz="2000" dirty="0" err="1"/>
+              <a:t>you</a:t>
+            </a:r>
+            <a:r>
+              <a:rPr lang="fi-FI" sz="2000" dirty="0"/>
+              <a:t> </a:t>
+            </a:r>
+            <a:r>
+              <a:rPr lang="fi-FI" sz="2000" dirty="0" err="1"/>
+              <a:t>want</a:t>
+            </a:r>
+            <a:r>
+              <a:rPr lang="fi-FI" sz="2000" dirty="0"/>
+              <a:t> </a:t>
+            </a:r>
+            <a:r>
+              <a:rPr lang="fi-FI" sz="2000" dirty="0" err="1"/>
+              <a:t>reccomendations</a:t>
+            </a:r>
+            <a:r>
+              <a:rPr lang="fi-FI" sz="2000" dirty="0"/>
+              <a:t> in general just </a:t>
+            </a:r>
+            <a:r>
+              <a:rPr lang="fi-FI" sz="2000" dirty="0" err="1"/>
+              <a:t>press</a:t>
+            </a:r>
+            <a:r>
+              <a:rPr lang="fi-FI" sz="2000" dirty="0"/>
+              <a:t> </a:t>
+            </a:r>
+            <a:r>
+              <a:rPr lang="fi-FI" sz="2000" dirty="0" err="1"/>
+              <a:t>enter</a:t>
+            </a:r>
+            <a:endParaRPr lang="fi-FI" sz="2000" dirty="0"/>
+          </a:p>
+        </p:txBody>
+      </p:sp>
+      <p:pic>
+        <p:nvPicPr>
+          <p:cNvPr id="8" name="Kuva 7">
+            <a:extLst>
+              <a:ext uri="{FF2B5EF4-FFF2-40B4-BE49-F238E27FC236}">
+                <a16:creationId xmlns:a16="http://schemas.microsoft.com/office/drawing/2014/main" id="{5D0C513A-A552-5BC3-7ECC-A488360EB2E8}"/>
+              </a:ext>
+            </a:extLst>
+          </p:cNvPr>
+          <p:cNvPicPr>
+            <a:picLocks noChangeAspect="1"/>
+          </p:cNvPicPr>
+          <p:nvPr/>
+        </p:nvPicPr>
+        <p:blipFill>
+          <a:blip r:embed="rId2"/>
+          <a:stretch>
+            <a:fillRect/>
+          </a:stretch>
+        </p:blipFill>
+        <p:spPr>
+          <a:xfrm>
+            <a:off x="411668" y="989823"/>
+            <a:ext cx="8893311" cy="365792"/>
+          </a:xfrm>
+          <a:prstGeom prst="rect">
+            <a:avLst/>
+          </a:prstGeom>
+        </p:spPr>
+      </p:pic>
+      <p:pic>
+        <p:nvPicPr>
+          <p:cNvPr id="9" name="Kuva 8">
+            <a:extLst>
+              <a:ext uri="{FF2B5EF4-FFF2-40B4-BE49-F238E27FC236}">
+                <a16:creationId xmlns:a16="http://schemas.microsoft.com/office/drawing/2014/main" id="{0A77E2A0-DF6C-B993-B626-CFB868BB4193}"/>
+              </a:ext>
+            </a:extLst>
+          </p:cNvPr>
+          <p:cNvPicPr>
+            <a:picLocks noChangeAspect="1"/>
+          </p:cNvPicPr>
+          <p:nvPr/>
+        </p:nvPicPr>
+        <p:blipFill>
+          <a:blip r:embed="rId3"/>
+          <a:stretch>
+            <a:fillRect/>
+          </a:stretch>
+        </p:blipFill>
+        <p:spPr>
+          <a:xfrm>
+            <a:off x="411668" y="1901733"/>
+            <a:ext cx="9731583" cy="960203"/>
+          </a:xfrm>
+          <a:prstGeom prst="rect">
+            <a:avLst/>
+          </a:prstGeom>
+        </p:spPr>
+      </p:pic>
+      <p:pic>
+        <p:nvPicPr>
+          <p:cNvPr id="10" name="Kuva 9">
+            <a:extLst>
+              <a:ext uri="{FF2B5EF4-FFF2-40B4-BE49-F238E27FC236}">
+                <a16:creationId xmlns:a16="http://schemas.microsoft.com/office/drawing/2014/main" id="{531F3E19-FCDC-3D5C-44BA-4D31989017F0}"/>
+              </a:ext>
+            </a:extLst>
+          </p:cNvPr>
+          <p:cNvPicPr>
+            <a:picLocks noChangeAspect="1"/>
+          </p:cNvPicPr>
+          <p:nvPr/>
+        </p:nvPicPr>
+        <p:blipFill>
+          <a:blip r:embed="rId4"/>
+          <a:stretch>
+            <a:fillRect/>
+          </a:stretch>
+        </p:blipFill>
+        <p:spPr>
+          <a:xfrm>
+            <a:off x="411668" y="3336311"/>
+            <a:ext cx="9739204" cy="2606266"/>
+          </a:xfrm>
+          <a:prstGeom prst="rect">
+            <a:avLst/>
+          </a:prstGeom>
+        </p:spPr>
+      </p:pic>
+    </p:spTree>
+    <p:extLst>
+      <p:ext uri="{BB962C8B-B14F-4D97-AF65-F5344CB8AC3E}">
+        <p14:creationId xmlns:p14="http://schemas.microsoft.com/office/powerpoint/2010/main" val="2272837899"/>
+      </p:ext>
+    </p:extLst>
+  </p:cSld>
+  <p:clrMapOvr>
+    <a:masterClrMapping/>
+  </p:clrMapOvr>
+</p:sld>
+</file>
+
+<file path=ppt/slides/slide6.xml><?xml version="1.0" encoding="utf-8"?>
+<p:sld xmlns:a="http://schemas.openxmlformats.org/drawingml/2006/main" xmlns:r="http://schemas.openxmlformats.org/officeDocument/2006/relationships" xmlns:p="http://schemas.openxmlformats.org/presentationml/2006/main">
+  <p:cSld>
+    <p:spTree>
+      <p:nvGrpSpPr>
+        <p:cNvPr id="1" name=""/>
+        <p:cNvGrpSpPr/>
+        <p:nvPr/>
+      </p:nvGrpSpPr>
+      <p:grpSpPr>
+        <a:xfrm>
+          <a:off x="0" y="0"/>
+          <a:ext cx="0" cy="0"/>
+          <a:chOff x="0" y="0"/>
+          <a:chExt cx="0" cy="0"/>
+        </a:xfrm>
+      </p:grpSpPr>
+      <p:sp>
+        <p:nvSpPr>
+          <p:cNvPr id="2" name="Otsikko 1">
+            <a:extLst>
+              <a:ext uri="{FF2B5EF4-FFF2-40B4-BE49-F238E27FC236}">
+                <a16:creationId xmlns:a16="http://schemas.microsoft.com/office/drawing/2014/main" id="{CBEE997E-3A00-EAF8-EF43-065755103ABC}"/>
+              </a:ext>
+            </a:extLst>
+          </p:cNvPr>
+          <p:cNvSpPr>
+            <a:spLocks noGrp="1"/>
+          </p:cNvSpPr>
+          <p:nvPr>
+            <p:ph type="title"/>
+          </p:nvPr>
+        </p:nvSpPr>
+        <p:spPr>
+          <a:xfrm>
+            <a:off x="913774" y="106160"/>
+            <a:ext cx="10364451" cy="1596177"/>
+          </a:xfrm>
+        </p:spPr>
+        <p:txBody>
+          <a:bodyPr>
+            <a:normAutofit/>
+          </a:bodyPr>
+          <a:lstStyle/>
+          <a:p>
+            <a:r>
+              <a:rPr lang="fi-FI" sz="4000" dirty="0" err="1"/>
+              <a:t>Code</a:t>
+            </a:r>
+            <a:r>
+              <a:rPr lang="fi-FI" sz="4000" dirty="0"/>
+              <a:t> </a:t>
+            </a:r>
+            <a:r>
+              <a:rPr lang="fi-FI" sz="4000" dirty="0" err="1"/>
+              <a:t>itself</a:t>
+            </a:r>
+            <a:endParaRPr lang="fi-FI" sz="4000" dirty="0"/>
+          </a:p>
+        </p:txBody>
+      </p:sp>
+      <p:sp>
+        <p:nvSpPr>
+          <p:cNvPr id="3" name="Sisällön paikkamerkki 2">
+            <a:extLst>
+              <a:ext uri="{FF2B5EF4-FFF2-40B4-BE49-F238E27FC236}">
+                <a16:creationId xmlns:a16="http://schemas.microsoft.com/office/drawing/2014/main" id="{181C9464-FC1D-7532-882E-D547F1B951B3}"/>
+              </a:ext>
+            </a:extLst>
+          </p:cNvPr>
+          <p:cNvSpPr>
+            <a:spLocks noGrp="1"/>
+          </p:cNvSpPr>
+          <p:nvPr>
+            <p:ph sz="quarter" idx="13"/>
+          </p:nvPr>
+        </p:nvSpPr>
+        <p:spPr>
+          <a:xfrm>
+            <a:off x="271424" y="1835697"/>
+            <a:ext cx="2783275" cy="2225234"/>
+          </a:xfrm>
+        </p:spPr>
+        <p:txBody>
+          <a:bodyPr>
+            <a:normAutofit/>
+          </a:bodyPr>
+          <a:lstStyle/>
+          <a:p>
+            <a:pPr>
+              <a:buFontTx/>
+              <a:buChar char="-"/>
+            </a:pPr>
+            <a:r>
+              <a:rPr lang="fi-FI" dirty="0" err="1"/>
+              <a:t>Used</a:t>
+            </a:r>
+            <a:r>
+              <a:rPr lang="fi-FI" dirty="0"/>
+              <a:t> a </a:t>
+            </a:r>
+            <a:r>
+              <a:rPr lang="fi-FI" dirty="0" err="1"/>
+              <a:t>lot</a:t>
+            </a:r>
+            <a:r>
+              <a:rPr lang="fi-FI" dirty="0"/>
+              <a:t> of </a:t>
+            </a:r>
+            <a:r>
+              <a:rPr lang="fi-FI" dirty="0" err="1"/>
+              <a:t>if</a:t>
+            </a:r>
+            <a:r>
+              <a:rPr lang="fi-FI" dirty="0"/>
+              <a:t> and </a:t>
+            </a:r>
+            <a:r>
+              <a:rPr lang="fi-FI" dirty="0" err="1"/>
+              <a:t>else</a:t>
+            </a:r>
+            <a:r>
+              <a:rPr lang="fi-FI" dirty="0"/>
+              <a:t> </a:t>
+            </a:r>
+            <a:r>
+              <a:rPr lang="fi-FI" dirty="0" err="1"/>
+              <a:t>if</a:t>
+            </a:r>
+            <a:endParaRPr lang="fi-FI" dirty="0"/>
+          </a:p>
+        </p:txBody>
+      </p:sp>
+      <p:pic>
+        <p:nvPicPr>
+          <p:cNvPr id="5" name="Kuva 4">
+            <a:extLst>
+              <a:ext uri="{FF2B5EF4-FFF2-40B4-BE49-F238E27FC236}">
+                <a16:creationId xmlns:a16="http://schemas.microsoft.com/office/drawing/2014/main" id="{46957C8B-CDD1-7141-4A45-4FB856B4610F}"/>
+              </a:ext>
+            </a:extLst>
+          </p:cNvPr>
+          <p:cNvPicPr>
+            <a:picLocks noChangeAspect="1"/>
+          </p:cNvPicPr>
+          <p:nvPr/>
+        </p:nvPicPr>
+        <p:blipFill>
+          <a:blip r:embed="rId2"/>
+          <a:stretch>
+            <a:fillRect/>
+          </a:stretch>
+        </p:blipFill>
+        <p:spPr>
+          <a:xfrm>
+            <a:off x="3301609" y="1568975"/>
+            <a:ext cx="8618967" cy="2491956"/>
+          </a:xfrm>
+          <a:prstGeom prst="rect">
+            <a:avLst/>
+          </a:prstGeom>
+        </p:spPr>
+      </p:pic>
+      <p:pic>
+        <p:nvPicPr>
+          <p:cNvPr id="7" name="Kuva 6">
+            <a:extLst>
+              <a:ext uri="{FF2B5EF4-FFF2-40B4-BE49-F238E27FC236}">
+                <a16:creationId xmlns:a16="http://schemas.microsoft.com/office/drawing/2014/main" id="{F6808DF5-AC1C-3737-E8EC-63FA25A46572}"/>
+              </a:ext>
+            </a:extLst>
+          </p:cNvPr>
+          <p:cNvPicPr>
+            <a:picLocks noChangeAspect="1"/>
+          </p:cNvPicPr>
+          <p:nvPr/>
+        </p:nvPicPr>
+        <p:blipFill>
+          <a:blip r:embed="rId3"/>
+          <a:stretch>
+            <a:fillRect/>
+          </a:stretch>
+        </p:blipFill>
+        <p:spPr>
+          <a:xfrm>
+            <a:off x="465574" y="4283462"/>
+            <a:ext cx="6287045" cy="2225233"/>
+          </a:xfrm>
+          <a:prstGeom prst="rect">
+            <a:avLst/>
+          </a:prstGeom>
+        </p:spPr>
+      </p:pic>
+      <p:sp>
+        <p:nvSpPr>
+          <p:cNvPr id="8" name="Sisällön paikkamerkki 2">
+            <a:extLst>
+              <a:ext uri="{FF2B5EF4-FFF2-40B4-BE49-F238E27FC236}">
+                <a16:creationId xmlns:a16="http://schemas.microsoft.com/office/drawing/2014/main" id="{EB370A43-C95D-BFB6-8E85-D72C2358F539}"/>
+              </a:ext>
+            </a:extLst>
+          </p:cNvPr>
+          <p:cNvSpPr txBox="1">
+            <a:spLocks/>
+          </p:cNvSpPr>
+          <p:nvPr/>
+        </p:nvSpPr>
+        <p:spPr>
+          <a:xfrm>
+            <a:off x="6955253" y="4283462"/>
+            <a:ext cx="4965323" cy="2352901"/>
+          </a:xfrm>
+          <a:prstGeom prst="rect">
+            <a:avLst/>
+          </a:prstGeom>
+        </p:spPr>
+        <p:txBody>
+          <a:bodyPr vert="horz" lIns="91440" tIns="45720" rIns="91440" bIns="45720" rtlCol="0">
+            <a:normAutofit/>
+          </a:bodyPr>
+          <a:lstStyle>
+            <a:lvl1pPr marL="228600" indent="-228600" algn="l" defTabSz="914400" rtl="0" eaLnBrk="1" latinLnBrk="0" hangingPunct="1">
+              <a:lnSpc>
+                <a:spcPct val="120000"/>
+              </a:lnSpc>
+              <a:spcBef>
+                <a:spcPts val="1000"/>
+              </a:spcBef>
+              <a:buClr>
+                <a:schemeClr val="tx1"/>
+              </a:buClr>
+              <a:buFont typeface="Arial" panose="020B0604020202020204" pitchFamily="34" charset="0"/>
+              <a:buChar char="•"/>
+              <a:defRPr sz="2000" kern="1200" cap="all" baseline="0">
+                <a:solidFill>
+                  <a:schemeClr val="tx1"/>
+                </a:solidFill>
+                <a:effectLst/>
+                <a:latin typeface="+mn-lt"/>
+                <a:ea typeface="+mn-ea"/>
+                <a:cs typeface="+mn-cs"/>
+              </a:defRPr>
+            </a:lvl1pPr>
+            <a:lvl2pPr marL="685800" indent="-228600" algn="l" defTabSz="914400" rtl="0" eaLnBrk="1" latinLnBrk="0" hangingPunct="1">
+              <a:lnSpc>
+                <a:spcPct val="120000"/>
+              </a:lnSpc>
+              <a:spcBef>
+                <a:spcPts val="500"/>
+              </a:spcBef>
+              <a:buClr>
+                <a:schemeClr val="tx1"/>
+              </a:buClr>
+              <a:buFont typeface="Arial" panose="020B0604020202020204" pitchFamily="34" charset="0"/>
+              <a:buChar char="•"/>
+              <a:defRPr sz="1800" kern="1200" cap="all" baseline="0">
+                <a:solidFill>
+                  <a:schemeClr val="tx1"/>
+                </a:solidFill>
+                <a:effectLst/>
+                <a:latin typeface="+mn-lt"/>
+                <a:ea typeface="+mn-ea"/>
+                <a:cs typeface="+mn-cs"/>
+              </a:defRPr>
+            </a:lvl2pPr>
+            <a:lvl3pPr marL="1143000" indent="-228600" algn="l" defTabSz="914400" rtl="0" eaLnBrk="1" latinLnBrk="0" hangingPunct="1">
+              <a:lnSpc>
+                <a:spcPct val="120000"/>
+              </a:lnSpc>
+              <a:spcBef>
+                <a:spcPts val="500"/>
+              </a:spcBef>
+              <a:buClr>
+                <a:schemeClr val="tx1"/>
+              </a:buClr>
+              <a:buFont typeface="Arial" panose="020B0604020202020204" pitchFamily="34" charset="0"/>
+              <a:buChar char="•"/>
+              <a:defRPr sz="1600" kern="1200" cap="all" baseline="0">
+                <a:solidFill>
+                  <a:schemeClr val="tx1"/>
+                </a:solidFill>
+                <a:effectLst/>
+                <a:latin typeface="+mn-lt"/>
+                <a:ea typeface="+mn-ea"/>
+                <a:cs typeface="+mn-cs"/>
+              </a:defRPr>
+            </a:lvl3pPr>
+            <a:lvl4pPr marL="1600200" indent="-228600" algn="l" defTabSz="914400" rtl="0" eaLnBrk="1" latinLnBrk="0" hangingPunct="1">
+              <a:lnSpc>
+                <a:spcPct val="120000"/>
+              </a:lnSpc>
+              <a:spcBef>
+                <a:spcPts val="500"/>
+              </a:spcBef>
+              <a:buClr>
+                <a:schemeClr val="tx1"/>
+              </a:buClr>
+              <a:buFont typeface="Arial" panose="020B0604020202020204" pitchFamily="34" charset="0"/>
+              <a:buChar char="•"/>
+              <a:defRPr sz="1400" kern="1200" cap="all" baseline="0">
+                <a:solidFill>
+                  <a:schemeClr val="tx1"/>
+                </a:solidFill>
+                <a:effectLst/>
+                <a:latin typeface="+mn-lt"/>
+                <a:ea typeface="+mn-ea"/>
+                <a:cs typeface="+mn-cs"/>
+              </a:defRPr>
+            </a:lvl4pPr>
+            <a:lvl5pPr marL="2057400" indent="-228600" algn="l" defTabSz="914400" rtl="0" eaLnBrk="1" latinLnBrk="0" hangingPunct="1">
+              <a:lnSpc>
+                <a:spcPct val="120000"/>
+              </a:lnSpc>
+              <a:spcBef>
+                <a:spcPts val="500"/>
+              </a:spcBef>
+              <a:buClr>
+                <a:schemeClr val="tx1"/>
+              </a:buClr>
+              <a:buFont typeface="Arial" panose="020B0604020202020204" pitchFamily="34" charset="0"/>
+              <a:buChar char="•"/>
+              <a:defRPr sz="1400" kern="1200" cap="all" baseline="0">
+                <a:solidFill>
+                  <a:schemeClr val="tx1"/>
+                </a:solidFill>
+                <a:effectLst/>
+                <a:latin typeface="+mn-lt"/>
+                <a:ea typeface="+mn-ea"/>
+                <a:cs typeface="+mn-cs"/>
+              </a:defRPr>
+            </a:lvl5pPr>
+            <a:lvl6pPr marL="2514600" indent="-228600" algn="l" defTabSz="914400" rtl="0" eaLnBrk="1" latinLnBrk="0" hangingPunct="1">
+              <a:lnSpc>
+                <a:spcPct val="120000"/>
+              </a:lnSpc>
+              <a:spcBef>
+                <a:spcPts val="500"/>
+              </a:spcBef>
+              <a:buClr>
+                <a:schemeClr val="tx1"/>
+              </a:buClr>
+              <a:buFont typeface="Arial" panose="020B0604020202020204" pitchFamily="34" charset="0"/>
+              <a:buChar char="•"/>
+              <a:defRPr sz="1400" kern="1200" cap="all" baseline="0">
+                <a:solidFill>
+                  <a:schemeClr val="tx1"/>
+                </a:solidFill>
+                <a:effectLst/>
+                <a:latin typeface="+mn-lt"/>
+                <a:ea typeface="+mn-ea"/>
+                <a:cs typeface="+mn-cs"/>
+              </a:defRPr>
+            </a:lvl6pPr>
+            <a:lvl7pPr marL="2971800" indent="-228600" algn="l" defTabSz="914400" rtl="0" eaLnBrk="1" latinLnBrk="0" hangingPunct="1">
+              <a:lnSpc>
+                <a:spcPct val="120000"/>
+              </a:lnSpc>
+              <a:spcBef>
+                <a:spcPts val="500"/>
+              </a:spcBef>
+              <a:buClr>
+                <a:schemeClr val="tx1"/>
+              </a:buClr>
+              <a:buFont typeface="Arial" panose="020B0604020202020204" pitchFamily="34" charset="0"/>
+              <a:buChar char="•"/>
+              <a:defRPr sz="1400" kern="1200" cap="all" baseline="0">
+                <a:solidFill>
+                  <a:schemeClr val="tx1"/>
+                </a:solidFill>
+                <a:effectLst/>
+                <a:latin typeface="+mn-lt"/>
+                <a:ea typeface="+mn-ea"/>
+                <a:cs typeface="+mn-cs"/>
+              </a:defRPr>
+            </a:lvl7pPr>
+            <a:lvl8pPr marL="3429000" indent="-228600" algn="l" defTabSz="914400" rtl="0" eaLnBrk="1" latinLnBrk="0" hangingPunct="1">
+              <a:lnSpc>
+                <a:spcPct val="120000"/>
+              </a:lnSpc>
+              <a:spcBef>
+                <a:spcPts val="500"/>
+              </a:spcBef>
+              <a:buClr>
+                <a:schemeClr val="tx1"/>
+              </a:buClr>
+              <a:buFont typeface="Arial" panose="020B0604020202020204" pitchFamily="34" charset="0"/>
+              <a:buChar char="•"/>
+              <a:defRPr sz="1400" kern="1200" cap="all" baseline="0">
+                <a:solidFill>
+                  <a:schemeClr val="tx1"/>
+                </a:solidFill>
+                <a:effectLst/>
+                <a:latin typeface="+mn-lt"/>
+                <a:ea typeface="+mn-ea"/>
+                <a:cs typeface="+mn-cs"/>
+              </a:defRPr>
+            </a:lvl8pPr>
+            <a:lvl9pPr marL="3886200" indent="-228600" algn="l" defTabSz="914400" rtl="0" eaLnBrk="1" latinLnBrk="0" hangingPunct="1">
+              <a:lnSpc>
+                <a:spcPct val="120000"/>
+              </a:lnSpc>
+              <a:spcBef>
+                <a:spcPts val="500"/>
+              </a:spcBef>
+              <a:buClr>
+                <a:schemeClr val="tx1"/>
+              </a:buClr>
+              <a:buFont typeface="Arial" panose="020B0604020202020204" pitchFamily="34" charset="0"/>
+              <a:buChar char="•"/>
+              <a:defRPr sz="1400" kern="1200" cap="all" baseline="0">
+                <a:solidFill>
+                  <a:schemeClr val="tx1"/>
+                </a:solidFill>
+                <a:effectLst/>
+                <a:latin typeface="+mn-lt"/>
+                <a:ea typeface="+mn-ea"/>
+                <a:cs typeface="+mn-cs"/>
+              </a:defRPr>
+            </a:lvl9pPr>
+          </a:lstStyle>
+          <a:p>
+            <a:pPr>
+              <a:buFontTx/>
+              <a:buChar char="-"/>
+            </a:pPr>
+            <a:r>
+              <a:rPr lang="fi-FI" dirty="0" err="1"/>
+              <a:t>Activities</a:t>
+            </a:r>
+            <a:r>
+              <a:rPr lang="fi-FI" dirty="0"/>
+              <a:t> </a:t>
+            </a:r>
+            <a:r>
+              <a:rPr lang="fi-FI" dirty="0" err="1"/>
+              <a:t>were</a:t>
+            </a:r>
+            <a:r>
+              <a:rPr lang="fi-FI" dirty="0"/>
+              <a:t> </a:t>
+            </a:r>
+            <a:r>
+              <a:rPr lang="fi-FI" dirty="0" err="1"/>
+              <a:t>categorized</a:t>
+            </a:r>
+            <a:r>
+              <a:rPr lang="fi-FI" dirty="0"/>
+              <a:t> </a:t>
+            </a:r>
+            <a:r>
+              <a:rPr lang="fi-FI" dirty="0" err="1"/>
+              <a:t>by</a:t>
+            </a:r>
+            <a:r>
+              <a:rPr lang="fi-FI" dirty="0"/>
+              <a:t> </a:t>
+            </a:r>
+            <a:r>
+              <a:rPr lang="fi-FI" dirty="0" err="1"/>
+              <a:t>weather</a:t>
+            </a:r>
+            <a:endParaRPr lang="fi-FI" dirty="0"/>
+          </a:p>
+          <a:p>
+            <a:pPr>
+              <a:buFontTx/>
+              <a:buChar char="-"/>
+            </a:pPr>
+            <a:r>
+              <a:rPr lang="fi-FI" dirty="0" err="1"/>
+              <a:t>Also</a:t>
+            </a:r>
+            <a:r>
+              <a:rPr lang="fi-FI" dirty="0"/>
+              <a:t> </a:t>
+            </a:r>
+            <a:r>
+              <a:rPr lang="fi-FI" dirty="0" err="1"/>
+              <a:t>categories</a:t>
+            </a:r>
+            <a:r>
+              <a:rPr lang="fi-FI" dirty="0"/>
+              <a:t> for </a:t>
+            </a:r>
+            <a:r>
+              <a:rPr lang="fi-FI" dirty="0" err="1"/>
+              <a:t>families</a:t>
+            </a:r>
+            <a:r>
+              <a:rPr lang="fi-FI" dirty="0"/>
+              <a:t>, </a:t>
+            </a:r>
+            <a:r>
+              <a:rPr lang="fi-FI" dirty="0" err="1"/>
+              <a:t>couples</a:t>
+            </a:r>
+            <a:r>
+              <a:rPr lang="fi-FI" dirty="0"/>
+              <a:t> and </a:t>
+            </a:r>
+            <a:r>
+              <a:rPr lang="fi-FI"/>
+              <a:t>friendgroups</a:t>
+            </a:r>
+            <a:endParaRPr lang="fi-FI" dirty="0"/>
+          </a:p>
+        </p:txBody>
+      </p:sp>
+    </p:spTree>
+    <p:extLst>
+      <p:ext uri="{BB962C8B-B14F-4D97-AF65-F5344CB8AC3E}">
+        <p14:creationId xmlns:p14="http://schemas.microsoft.com/office/powerpoint/2010/main" val="799996320"/>
+      </p:ext>
+    </p:extLst>
+  </p:cSld>
+  <p:clrMapOvr>
+    <a:masterClrMapping/>
+  </p:clrMapOvr>
+</p:sld>
+</file>
+
+<file path=ppt/slides/slide7.xml><?xml version="1.0" encoding="utf-8"?>
+<p:sld xmlns:a="http://schemas.openxmlformats.org/drawingml/2006/main" xmlns:r="http://schemas.openxmlformats.org/officeDocument/2006/relationships" xmlns:p="http://schemas.openxmlformats.org/presentationml/2006/main">
+  <p:cSld>
+    <p:spTree>
+      <p:nvGrpSpPr>
+        <p:cNvPr id="1" name=""/>
+        <p:cNvGrpSpPr/>
+        <p:nvPr/>
+      </p:nvGrpSpPr>
+      <p:grpSpPr>
+        <a:xfrm>
+          <a:off x="0" y="0"/>
+          <a:ext cx="0" cy="0"/>
+          <a:chOff x="0" y="0"/>
+          <a:chExt cx="0" cy="0"/>
+        </a:xfrm>
+      </p:grpSpPr>
+      <p:sp>
+        <p:nvSpPr>
+          <p:cNvPr id="2" name="Otsikko 1">
+            <a:extLst>
+              <a:ext uri="{FF2B5EF4-FFF2-40B4-BE49-F238E27FC236}">
+                <a16:creationId xmlns:a16="http://schemas.microsoft.com/office/drawing/2014/main" id="{864B4E2A-E947-F09A-9E79-37178EC1C395}"/>
+              </a:ext>
+            </a:extLst>
+          </p:cNvPr>
+          <p:cNvSpPr>
+            <a:spLocks noGrp="1"/>
+          </p:cNvSpPr>
+          <p:nvPr>
+            <p:ph type="title"/>
+          </p:nvPr>
+        </p:nvSpPr>
+        <p:spPr>
+          <a:xfrm>
+            <a:off x="913774" y="2630911"/>
+            <a:ext cx="10364451" cy="1596177"/>
+          </a:xfrm>
+        </p:spPr>
+        <p:txBody>
+          <a:bodyPr>
+            <a:normAutofit/>
+          </a:bodyPr>
+          <a:lstStyle/>
+          <a:p>
+            <a:r>
+              <a:rPr lang="fi-FI" sz="6000" dirty="0" err="1"/>
+              <a:t>demonstration</a:t>
+            </a:r>
+            <a:endParaRPr lang="fi-FI" sz="6000" dirty="0"/>
+          </a:p>
+        </p:txBody>
+      </p:sp>
+    </p:spTree>
+    <p:extLst>
+      <p:ext uri="{BB962C8B-B14F-4D97-AF65-F5344CB8AC3E}">
+        <p14:creationId xmlns:p14="http://schemas.microsoft.com/office/powerpoint/2010/main" val="771216309"/>
+      </p:ext>
+    </p:extLst>
+  </p:cSld>
+  <p:clrMapOvr>
+    <a:masterClrMapping/>
+  </p:clrMapOvr>
+</p:sld>
+</file>
+
+<file path=ppt/slides/slide8.xml><?xml version="1.0" encoding="utf-8"?>
 <p:sld xmlns:a="http://schemas.openxmlformats.org/drawingml/2006/main" xmlns:r="http://schemas.openxmlformats.org/officeDocument/2006/relationships" xmlns:p="http://schemas.openxmlformats.org/presentationml/2006/main">
   <p:cSld>
     <p:bg>
@@ -8806,41 +11274,6 @@
           </a:p>
         </p:txBody>
       </p:sp>
-      <p:pic>
-        <p:nvPicPr>
-          <p:cNvPr id="5" name="Kuva 4" descr="Kuva, joka sisältää kohteen henkilö, sormi, kynsi, peukalo&#10;&#10;Tekoälyn generoima sisältö voi olla virheellistä.">
-            <a:extLst>
-              <a:ext uri="{FF2B5EF4-FFF2-40B4-BE49-F238E27FC236}">
-                <a16:creationId xmlns:a16="http://schemas.microsoft.com/office/drawing/2014/main" id="{9EE75921-D2CF-D54D-6D7B-C600792849E6}"/>
-              </a:ext>
-            </a:extLst>
-          </p:cNvPr>
-          <p:cNvPicPr>
-            <a:picLocks noChangeAspect="1"/>
-          </p:cNvPicPr>
-          <p:nvPr/>
-        </p:nvPicPr>
-        <p:blipFill>
-          <a:blip r:embed="rId2">
-            <a:extLst>
-              <a:ext uri="{28A0092B-C50C-407E-A947-70E740481C1C}">
-                <a14:useLocalDpi xmlns:a14="http://schemas.microsoft.com/office/drawing/2010/main" val="0"/>
-              </a:ext>
-            </a:extLst>
-          </a:blip>
-          <a:srcRect l="4490" r="56336" b="-1"/>
-          <a:stretch/>
-        </p:blipFill>
-        <p:spPr>
-          <a:xfrm>
-            <a:off x="20" y="10"/>
-            <a:ext cx="4024741" cy="6857990"/>
-          </a:xfrm>
-          <a:prstGeom prst="rect">
-            <a:avLst/>
-          </a:prstGeom>
-        </p:spPr>
-      </p:pic>
       <p:sp>
         <p:nvSpPr>
           <p:cNvPr id="25" name="Rectangle 24">
@@ -8958,7 +11391,7 @@
           </p:nvPr>
         </p:nvPicPr>
         <p:blipFill>
-          <a:blip r:embed="rId3">
+          <a:blip r:embed="rId2">
             <a:extLst>
               <a:ext uri="{28A0092B-C50C-407E-A947-70E740481C1C}">
                 <a14:useLocalDpi xmlns:a14="http://schemas.microsoft.com/office/drawing/2010/main" val="0"/>
@@ -8997,7 +11430,7 @@
         </p:nvSpPr>
         <p:spPr>
           <a:xfrm>
-            <a:off x="4465049" y="284220"/>
+            <a:off x="4504378" y="163797"/>
             <a:ext cx="6672886" cy="1596177"/>
           </a:xfrm>
         </p:spPr>
@@ -9009,7 +11442,15 @@
           <a:p>
             <a:r>
               <a:rPr lang="fi-FI" sz="4000" dirty="0" err="1"/>
-              <a:t>reflection</a:t>
+              <a:t>Reflection</a:t>
+            </a:r>
+            <a:r>
+              <a:rPr lang="fi-FI" sz="4000" dirty="0"/>
+              <a:t> and </a:t>
+            </a:r>
+            <a:r>
+              <a:rPr lang="fi-FI" sz="4000" dirty="0" err="1"/>
+              <a:t>conclusion</a:t>
             </a:r>
             <a:endParaRPr lang="fi-FI" sz="4000" dirty="0"/>
           </a:p>
@@ -9413,10 +11854,958 @@
           </a:p>
         </p:txBody>
       </p:sp>
+      <p:pic>
+        <p:nvPicPr>
+          <p:cNvPr id="5" name="Kuva 4" descr="Kuva, joka sisältää kohteen henkilö, sormi, kynsi, peukalo&#10;&#10;Tekoälyn generoima sisältö voi olla virheellistä.">
+            <a:extLst>
+              <a:ext uri="{FF2B5EF4-FFF2-40B4-BE49-F238E27FC236}">
+                <a16:creationId xmlns:a16="http://schemas.microsoft.com/office/drawing/2014/main" id="{9EE75921-D2CF-D54D-6D7B-C600792849E6}"/>
+              </a:ext>
+            </a:extLst>
+          </p:cNvPr>
+          <p:cNvPicPr>
+            <a:picLocks noChangeAspect="1"/>
+          </p:cNvPicPr>
+          <p:nvPr/>
+        </p:nvPicPr>
+        <p:blipFill>
+          <a:blip r:embed="rId3">
+            <a:extLst>
+              <a:ext uri="{28A0092B-C50C-407E-A947-70E740481C1C}">
+                <a14:useLocalDpi xmlns:a14="http://schemas.microsoft.com/office/drawing/2010/main" val="0"/>
+              </a:ext>
+            </a:extLst>
+          </a:blip>
+          <a:srcRect l="4490" r="56336" b="-1"/>
+          <a:stretch/>
+        </p:blipFill>
+        <p:spPr>
+          <a:xfrm>
+            <a:off x="20" y="10"/>
+            <a:ext cx="4106054" cy="6857990"/>
+          </a:xfrm>
+          <a:prstGeom prst="rect">
+            <a:avLst/>
+          </a:prstGeom>
+        </p:spPr>
+      </p:pic>
     </p:spTree>
     <p:extLst>
       <p:ext uri="{BB962C8B-B14F-4D97-AF65-F5344CB8AC3E}">
         <p14:creationId xmlns:p14="http://schemas.microsoft.com/office/powerpoint/2010/main" val="1847543742"/>
+      </p:ext>
+    </p:extLst>
+  </p:cSld>
+  <p:clrMapOvr>
+    <a:masterClrMapping/>
+  </p:clrMapOvr>
+</p:sld>
+</file>
+
+<file path=ppt/slides/slide9.xml><?xml version="1.0" encoding="utf-8"?>
+<p:sld xmlns:a="http://schemas.openxmlformats.org/drawingml/2006/main" xmlns:r="http://schemas.openxmlformats.org/officeDocument/2006/relationships" xmlns:p="http://schemas.openxmlformats.org/presentationml/2006/main">
+  <p:cSld>
+    <p:bg>
+      <p:bgPr>
+        <a:gradFill rotWithShape="1">
+          <a:gsLst>
+            <a:gs pos="0">
+              <a:schemeClr val="bg1">
+                <a:tint val="90000"/>
+                <a:lumMod val="110000"/>
+              </a:schemeClr>
+            </a:gs>
+            <a:gs pos="100000">
+              <a:schemeClr val="bg1">
+                <a:shade val="64000"/>
+                <a:lumMod val="88000"/>
+              </a:schemeClr>
+            </a:gs>
+          </a:gsLst>
+          <a:lin ang="5400000" scaled="0"/>
+        </a:gradFill>
+        <a:effectLst/>
+      </p:bgPr>
+    </p:bg>
+    <p:spTree>
+      <p:nvGrpSpPr>
+        <p:cNvPr id="1" name=""/>
+        <p:cNvGrpSpPr/>
+        <p:nvPr/>
+      </p:nvGrpSpPr>
+      <p:grpSpPr>
+        <a:xfrm>
+          <a:off x="0" y="0"/>
+          <a:ext cx="0" cy="0"/>
+          <a:chOff x="0" y="0"/>
+          <a:chExt cx="0" cy="0"/>
+        </a:xfrm>
+      </p:grpSpPr>
+      <p:sp useBgFill="1">
+        <p:nvSpPr>
+          <p:cNvPr id="36" name="Rectangle 7">
+            <a:extLst>
+              <a:ext uri="{FF2B5EF4-FFF2-40B4-BE49-F238E27FC236}">
+                <a16:creationId xmlns:a16="http://schemas.microsoft.com/office/drawing/2014/main" id="{44F95DE6-BC61-4DB8-97B8-E32959EA0E1D}"/>
+              </a:ext>
+              <a:ext uri="{C183D7F6-B498-43B3-948B-1728B52AA6E4}">
+                <adec:decorative xmlns:adec="http://schemas.microsoft.com/office/drawing/2017/decorative" val="1"/>
+              </a:ext>
+            </a:extLst>
+          </p:cNvPr>
+          <p:cNvSpPr>
+            <a:spLocks noGrp="1" noRot="1" noChangeAspect="1" noMove="1" noResize="1" noEditPoints="1" noAdjustHandles="1" noChangeArrowheads="1" noChangeShapeType="1" noTextEdit="1"/>
+          </p:cNvSpPr>
+          <p:nvPr>
+            <p:extLst>
+              <p:ext uri="{386F3935-93C4-4BCD-93E2-E3B085C9AB24}">
+                <p16:designElem xmlns:p16="http://schemas.microsoft.com/office/powerpoint/2015/main" val="1"/>
+              </p:ext>
+            </p:extLst>
+          </p:nvPr>
+        </p:nvSpPr>
+        <p:spPr>
+          <a:xfrm>
+            <a:off x="0" y="0"/>
+            <a:ext cx="12192000" cy="6858000"/>
+          </a:xfrm>
+          <a:prstGeom prst="rect">
+            <a:avLst/>
+          </a:prstGeom>
+          <a:ln>
+            <a:noFill/>
+          </a:ln>
+        </p:spPr>
+        <p:style>
+          <a:lnRef idx="2">
+            <a:schemeClr val="accent1">
+              <a:shade val="50000"/>
+            </a:schemeClr>
+          </a:lnRef>
+          <a:fillRef idx="1">
+            <a:schemeClr val="accent1"/>
+          </a:fillRef>
+          <a:effectRef idx="0">
+            <a:schemeClr val="accent1"/>
+          </a:effectRef>
+          <a:fontRef idx="minor">
+            <a:schemeClr val="lt1"/>
+          </a:fontRef>
+        </p:style>
+        <p:txBody>
+          <a:bodyPr rtlCol="0" anchor="ctr"/>
+          <a:lstStyle/>
+          <a:p>
+            <a:pPr algn="ctr"/>
+            <a:endParaRPr lang="en-US"/>
+          </a:p>
+        </p:txBody>
+      </p:sp>
+      <p:pic>
+        <p:nvPicPr>
+          <p:cNvPr id="37" name="Picture 9">
+            <a:extLst>
+              <a:ext uri="{FF2B5EF4-FFF2-40B4-BE49-F238E27FC236}">
+                <a16:creationId xmlns:a16="http://schemas.microsoft.com/office/drawing/2014/main" id="{48D9C176-456B-4F71-AB87-9D14B8B3D1C1}"/>
+              </a:ext>
+              <a:ext uri="{C183D7F6-B498-43B3-948B-1728B52AA6E4}">
+                <adec:decorative xmlns:adec="http://schemas.microsoft.com/office/drawing/2017/decorative" val="1"/>
+              </a:ext>
+            </a:extLst>
+          </p:cNvPr>
+          <p:cNvPicPr>
+            <a:picLocks noGrp="1" noRot="1" noChangeAspect="1" noMove="1" noResize="1" noEditPoints="1" noAdjustHandles="1" noChangeArrowheads="1" noChangeShapeType="1" noCrop="1"/>
+          </p:cNvPicPr>
+          <p:nvPr>
+            <p:extLst>
+              <p:ext uri="{386F3935-93C4-4BCD-93E2-E3B085C9AB24}">
+                <p16:designElem xmlns:p16="http://schemas.microsoft.com/office/powerpoint/2015/main" val="1"/>
+              </p:ext>
+            </p:extLst>
+          </p:nvPr>
+        </p:nvPicPr>
+        <p:blipFill rotWithShape="1">
+          <a:blip r:embed="rId2">
+            <a:extLst>
+              <a:ext uri="{28A0092B-C50C-407E-A947-70E740481C1C}">
+                <a14:useLocalDpi xmlns:a14="http://schemas.microsoft.com/office/drawing/2010/main" val="0"/>
+              </a:ext>
+            </a:extLst>
+          </a:blip>
+          <a:srcRect l="46466" t="75007" r="30510"/>
+          <a:stretch/>
+        </p:blipFill>
+        <p:spPr>
+          <a:xfrm>
+            <a:off x="0" y="138157"/>
+            <a:ext cx="1712063" cy="1045389"/>
+          </a:xfrm>
+          <a:custGeom>
+            <a:avLst/>
+            <a:gdLst>
+              <a:gd name="connsiteX0" fmla="*/ 2051608 w 4103216"/>
+              <a:gd name="connsiteY0" fmla="*/ 0 h 1714050"/>
+              <a:gd name="connsiteX1" fmla="*/ 4103216 w 4103216"/>
+              <a:gd name="connsiteY1" fmla="*/ 1266738 h 1714050"/>
+              <a:gd name="connsiteX2" fmla="*/ 4010980 w 4103216"/>
+              <a:gd name="connsiteY2" fmla="*/ 1643427 h 1714050"/>
+              <a:gd name="connsiteX3" fmla="*/ 3969116 w 4103216"/>
+              <a:gd name="connsiteY3" fmla="*/ 1714050 h 1714050"/>
+              <a:gd name="connsiteX4" fmla="*/ 134100 w 4103216"/>
+              <a:gd name="connsiteY4" fmla="*/ 1714050 h 1714050"/>
+              <a:gd name="connsiteX5" fmla="*/ 92237 w 4103216"/>
+              <a:gd name="connsiteY5" fmla="*/ 1643427 h 1714050"/>
+              <a:gd name="connsiteX6" fmla="*/ 0 w 4103216"/>
+              <a:gd name="connsiteY6" fmla="*/ 1266738 h 1714050"/>
+              <a:gd name="connsiteX7" fmla="*/ 2051608 w 4103216"/>
+              <a:gd name="connsiteY7" fmla="*/ 0 h 1714050"/>
+            </a:gdLst>
+            <a:ahLst/>
+            <a:cxnLst>
+              <a:cxn ang="0">
+                <a:pos x="connsiteX0" y="connsiteY0"/>
+              </a:cxn>
+              <a:cxn ang="0">
+                <a:pos x="connsiteX1" y="connsiteY1"/>
+              </a:cxn>
+              <a:cxn ang="0">
+                <a:pos x="connsiteX2" y="connsiteY2"/>
+              </a:cxn>
+              <a:cxn ang="0">
+                <a:pos x="connsiteX3" y="connsiteY3"/>
+              </a:cxn>
+              <a:cxn ang="0">
+                <a:pos x="connsiteX4" y="connsiteY4"/>
+              </a:cxn>
+              <a:cxn ang="0">
+                <a:pos x="connsiteX5" y="connsiteY5"/>
+              </a:cxn>
+              <a:cxn ang="0">
+                <a:pos x="connsiteX6" y="connsiteY6"/>
+              </a:cxn>
+              <a:cxn ang="0">
+                <a:pos x="connsiteX7" y="connsiteY7"/>
+              </a:cxn>
+            </a:cxnLst>
+            <a:rect l="l" t="t" r="r" b="b"/>
+            <a:pathLst>
+              <a:path w="4103216" h="1714050">
+                <a:moveTo>
+                  <a:pt x="2051608" y="0"/>
+                </a:moveTo>
+                <a:cubicBezTo>
+                  <a:pt x="3184680" y="0"/>
+                  <a:pt x="4103216" y="567138"/>
+                  <a:pt x="4103216" y="1266738"/>
+                </a:cubicBezTo>
+                <a:cubicBezTo>
+                  <a:pt x="4103216" y="1397913"/>
+                  <a:pt x="4070924" y="1524431"/>
+                  <a:pt x="4010980" y="1643427"/>
+                </a:cubicBezTo>
+                <a:lnTo>
+                  <a:pt x="3969116" y="1714050"/>
+                </a:lnTo>
+                <a:lnTo>
+                  <a:pt x="134100" y="1714050"/>
+                </a:lnTo>
+                <a:lnTo>
+                  <a:pt x="92237" y="1643427"/>
+                </a:lnTo>
+                <a:cubicBezTo>
+                  <a:pt x="32293" y="1524431"/>
+                  <a:pt x="0" y="1397913"/>
+                  <a:pt x="0" y="1266738"/>
+                </a:cubicBezTo>
+                <a:cubicBezTo>
+                  <a:pt x="0" y="567138"/>
+                  <a:pt x="918536" y="0"/>
+                  <a:pt x="2051608" y="0"/>
+                </a:cubicBezTo>
+                <a:close/>
+              </a:path>
+            </a:pathLst>
+          </a:custGeom>
+        </p:spPr>
+      </p:pic>
+      <p:sp>
+        <p:nvSpPr>
+          <p:cNvPr id="2" name="Otsikko 1">
+            <a:extLst>
+              <a:ext uri="{FF2B5EF4-FFF2-40B4-BE49-F238E27FC236}">
+                <a16:creationId xmlns:a16="http://schemas.microsoft.com/office/drawing/2014/main" id="{A7F7186D-8ADF-CE9B-B34D-BA5057738818}"/>
+              </a:ext>
+            </a:extLst>
+          </p:cNvPr>
+          <p:cNvSpPr>
+            <a:spLocks noGrp="1"/>
+          </p:cNvSpPr>
+          <p:nvPr>
+            <p:ph type="title"/>
+          </p:nvPr>
+        </p:nvSpPr>
+        <p:spPr>
+          <a:xfrm>
+            <a:off x="-131914" y="660851"/>
+            <a:ext cx="4148986" cy="1596177"/>
+          </a:xfrm>
+        </p:spPr>
+        <p:txBody>
+          <a:bodyPr>
+            <a:normAutofit/>
+          </a:bodyPr>
+          <a:lstStyle/>
+          <a:p>
+            <a:r>
+              <a:rPr lang="fi-FI" sz="4000" dirty="0" err="1"/>
+              <a:t>References</a:t>
+            </a:r>
+            <a:endParaRPr lang="fi-FI" sz="4000" dirty="0"/>
+          </a:p>
+        </p:txBody>
+      </p:sp>
+      <p:pic>
+        <p:nvPicPr>
+          <p:cNvPr id="38" name="Picture 11">
+            <a:extLst>
+              <a:ext uri="{FF2B5EF4-FFF2-40B4-BE49-F238E27FC236}">
+                <a16:creationId xmlns:a16="http://schemas.microsoft.com/office/drawing/2014/main" id="{CFF97C55-868F-4FDD-BD3C-D2F191796F43}"/>
+              </a:ext>
+              <a:ext uri="{C183D7F6-B498-43B3-948B-1728B52AA6E4}">
+                <adec:decorative xmlns:adec="http://schemas.microsoft.com/office/drawing/2017/decorative" val="1"/>
+              </a:ext>
+            </a:extLst>
+          </p:cNvPr>
+          <p:cNvPicPr>
+            <a:picLocks noGrp="1" noRot="1" noChangeAspect="1" noMove="1" noResize="1" noEditPoints="1" noAdjustHandles="1" noChangeArrowheads="1" noChangeShapeType="1" noCrop="1"/>
+          </p:cNvPicPr>
+          <p:nvPr>
+            <p:extLst>
+              <p:ext uri="{386F3935-93C4-4BCD-93E2-E3B085C9AB24}">
+                <p16:designElem xmlns:p16="http://schemas.microsoft.com/office/powerpoint/2015/main" val="1"/>
+              </p:ext>
+            </p:extLst>
+          </p:nvPr>
+        </p:nvPicPr>
+        <p:blipFill rotWithShape="1">
+          <a:blip r:embed="rId3">
+            <a:extLst>
+              <a:ext uri="{28A0092B-C50C-407E-A947-70E740481C1C}">
+                <a14:useLocalDpi xmlns:a14="http://schemas.microsoft.com/office/drawing/2010/main" val="0"/>
+              </a:ext>
+            </a:extLst>
+          </a:blip>
+          <a:srcRect l="55183" t="89413" r="18746"/>
+          <a:stretch/>
+        </p:blipFill>
+        <p:spPr>
+          <a:xfrm>
+            <a:off x="8404564" y="0"/>
+            <a:ext cx="2589690" cy="591546"/>
+          </a:xfrm>
+          <a:prstGeom prst="rect">
+            <a:avLst/>
+          </a:prstGeom>
+        </p:spPr>
+      </p:pic>
+      <p:pic>
+        <p:nvPicPr>
+          <p:cNvPr id="39" name="Picture 13">
+            <a:extLst>
+              <a:ext uri="{FF2B5EF4-FFF2-40B4-BE49-F238E27FC236}">
+                <a16:creationId xmlns:a16="http://schemas.microsoft.com/office/drawing/2014/main" id="{69722FB9-EA01-42A6-96B2-185F5CC120DF}"/>
+              </a:ext>
+              <a:ext uri="{C183D7F6-B498-43B3-948B-1728B52AA6E4}">
+                <adec:decorative xmlns:adec="http://schemas.microsoft.com/office/drawing/2017/decorative" val="1"/>
+              </a:ext>
+            </a:extLst>
+          </p:cNvPr>
+          <p:cNvPicPr>
+            <a:picLocks noGrp="1" noRot="1" noChangeAspect="1" noMove="1" noResize="1" noEditPoints="1" noAdjustHandles="1" noChangeArrowheads="1" noChangeShapeType="1" noCrop="1"/>
+          </p:cNvPicPr>
+          <p:nvPr>
+            <p:extLst>
+              <p:ext uri="{386F3935-93C4-4BCD-93E2-E3B085C9AB24}">
+                <p16:designElem xmlns:p16="http://schemas.microsoft.com/office/powerpoint/2015/main" val="1"/>
+              </p:ext>
+            </p:extLst>
+          </p:nvPr>
+        </p:nvPicPr>
+        <p:blipFill rotWithShape="1">
+          <a:blip r:embed="rId2">
+            <a:extLst>
+              <a:ext uri="{28A0092B-C50C-407E-A947-70E740481C1C}">
+                <a14:useLocalDpi xmlns:a14="http://schemas.microsoft.com/office/drawing/2010/main" val="0"/>
+              </a:ext>
+            </a:extLst>
+          </a:blip>
+          <a:srcRect l="73623" t="43915" r="1" b="10213"/>
+          <a:stretch/>
+        </p:blipFill>
+        <p:spPr>
+          <a:xfrm>
+            <a:off x="10471066" y="183232"/>
+            <a:ext cx="1720934" cy="1683522"/>
+          </a:xfrm>
+          <a:prstGeom prst="rect">
+            <a:avLst/>
+          </a:prstGeom>
+        </p:spPr>
+      </p:pic>
+      <p:sp>
+        <p:nvSpPr>
+          <p:cNvPr id="40" name="Sisällön paikkamerkki 2">
+            <a:extLst>
+              <a:ext uri="{FF2B5EF4-FFF2-40B4-BE49-F238E27FC236}">
+                <a16:creationId xmlns:a16="http://schemas.microsoft.com/office/drawing/2014/main" id="{E729B06B-D418-C86F-0783-053DCC7344E1}"/>
+              </a:ext>
+            </a:extLst>
+          </p:cNvPr>
+          <p:cNvSpPr>
+            <a:spLocks noGrp="1"/>
+          </p:cNvSpPr>
+          <p:nvPr>
+            <p:ph idx="1"/>
+          </p:nvPr>
+        </p:nvSpPr>
+        <p:spPr>
+          <a:xfrm>
+            <a:off x="747558" y="2152157"/>
+            <a:ext cx="9999407" cy="4331869"/>
+          </a:xfrm>
+        </p:spPr>
+        <p:txBody>
+          <a:bodyPr>
+            <a:normAutofit fontScale="92500"/>
+          </a:bodyPr>
+          <a:lstStyle/>
+          <a:p>
+            <a:pPr marL="0" indent="0">
+              <a:lnSpc>
+                <a:spcPct val="110000"/>
+              </a:lnSpc>
+              <a:buNone/>
+            </a:pPr>
+            <a:r>
+              <a:rPr lang="fi-FI" sz="2200" dirty="0">
+                <a:hlinkClick r:id="rId4"/>
+              </a:rPr>
+              <a:t>https://chatgpt.com/</a:t>
+            </a:r>
+            <a:endParaRPr lang="fi-FI" sz="2200" dirty="0"/>
+          </a:p>
+          <a:p>
+            <a:pPr marL="0" indent="0">
+              <a:lnSpc>
+                <a:spcPct val="110000"/>
+              </a:lnSpc>
+              <a:buNone/>
+            </a:pPr>
+            <a:r>
+              <a:rPr lang="fi-FI" sz="2200" dirty="0" err="1"/>
+              <a:t>Chatgpt</a:t>
+            </a:r>
+            <a:r>
+              <a:rPr lang="fi-FI" sz="2200" dirty="0"/>
+              <a:t> </a:t>
+            </a:r>
+            <a:r>
+              <a:rPr lang="fi-FI" sz="2200" dirty="0" err="1"/>
+              <a:t>was</a:t>
+            </a:r>
+            <a:r>
+              <a:rPr lang="fi-FI" sz="2200" dirty="0"/>
+              <a:t> </a:t>
+            </a:r>
+            <a:r>
+              <a:rPr lang="fi-FI" sz="2200" dirty="0" err="1"/>
+              <a:t>used</a:t>
+            </a:r>
+            <a:r>
+              <a:rPr lang="fi-FI" sz="2200" dirty="0"/>
+              <a:t> for </a:t>
+            </a:r>
+            <a:r>
+              <a:rPr lang="fi-FI" sz="2200" dirty="0" err="1"/>
+              <a:t>organizing</a:t>
+            </a:r>
+            <a:r>
+              <a:rPr lang="fi-FI" sz="2200" dirty="0"/>
+              <a:t> </a:t>
+            </a:r>
+            <a:r>
+              <a:rPr lang="fi-FI" sz="2200" dirty="0" err="1"/>
+              <a:t>the</a:t>
+            </a:r>
+            <a:r>
+              <a:rPr lang="fi-FI" sz="2200" dirty="0"/>
+              <a:t> </a:t>
+            </a:r>
+            <a:r>
+              <a:rPr lang="fi-FI" sz="2200" dirty="0" err="1"/>
+              <a:t>activities</a:t>
+            </a:r>
+            <a:r>
+              <a:rPr lang="fi-FI" sz="2200" dirty="0"/>
+              <a:t> in </a:t>
+            </a:r>
+            <a:r>
+              <a:rPr lang="fi-FI" sz="2200" dirty="0" err="1"/>
+              <a:t>alphabetical</a:t>
+            </a:r>
+            <a:r>
+              <a:rPr lang="fi-FI" sz="2200" dirty="0"/>
+              <a:t> </a:t>
+            </a:r>
+            <a:r>
+              <a:rPr lang="fi-FI" sz="2200" dirty="0" err="1"/>
+              <a:t>order</a:t>
+            </a:r>
+            <a:r>
+              <a:rPr lang="fi-FI" sz="2200" dirty="0"/>
+              <a:t>.</a:t>
+            </a:r>
+          </a:p>
+          <a:p>
+            <a:pPr marL="0" indent="0">
+              <a:lnSpc>
+                <a:spcPct val="110000"/>
+              </a:lnSpc>
+              <a:buNone/>
+            </a:pPr>
+            <a:r>
+              <a:rPr lang="fi-FI" sz="2200" dirty="0" err="1"/>
+              <a:t>Was</a:t>
+            </a:r>
+            <a:r>
+              <a:rPr lang="fi-FI" sz="2200" dirty="0"/>
+              <a:t> </a:t>
+            </a:r>
+            <a:r>
+              <a:rPr lang="fi-FI" sz="2200" dirty="0" err="1"/>
+              <a:t>also</a:t>
+            </a:r>
+            <a:r>
+              <a:rPr lang="fi-FI" sz="2200" dirty="0"/>
+              <a:t> </a:t>
+            </a:r>
+            <a:r>
+              <a:rPr lang="fi-FI" sz="2200" dirty="0" err="1"/>
+              <a:t>used</a:t>
+            </a:r>
+            <a:r>
+              <a:rPr lang="fi-FI" sz="2200" dirty="0"/>
+              <a:t> to </a:t>
+            </a:r>
+            <a:r>
+              <a:rPr lang="fi-FI" sz="2200" dirty="0" err="1"/>
+              <a:t>come</a:t>
+            </a:r>
+            <a:r>
+              <a:rPr lang="fi-FI" sz="2200" dirty="0"/>
+              <a:t> </a:t>
+            </a:r>
+            <a:r>
+              <a:rPr lang="fi-FI" sz="2200" dirty="0" err="1"/>
+              <a:t>up</a:t>
+            </a:r>
+            <a:r>
+              <a:rPr lang="fi-FI" sz="2200" dirty="0"/>
+              <a:t> </a:t>
+            </a:r>
+            <a:r>
+              <a:rPr lang="fi-FI" sz="2200" dirty="0" err="1"/>
+              <a:t>with</a:t>
+            </a:r>
+            <a:r>
+              <a:rPr lang="fi-FI" sz="2200" dirty="0"/>
+              <a:t> a </a:t>
+            </a:r>
+            <a:r>
+              <a:rPr lang="fi-FI" sz="2200" dirty="0" err="1"/>
+              <a:t>few</a:t>
+            </a:r>
+            <a:r>
+              <a:rPr lang="fi-FI" sz="2200" dirty="0"/>
+              <a:t> </a:t>
+            </a:r>
+            <a:r>
+              <a:rPr lang="fi-FI" sz="2200" dirty="0" err="1"/>
+              <a:t>ideas</a:t>
+            </a:r>
+            <a:r>
+              <a:rPr lang="fi-FI" sz="2200" dirty="0"/>
+              <a:t> for </a:t>
+            </a:r>
+            <a:r>
+              <a:rPr lang="fi-FI" sz="2200" dirty="0" err="1"/>
+              <a:t>activities</a:t>
+            </a:r>
+            <a:r>
+              <a:rPr lang="fi-FI" sz="2200" dirty="0"/>
+              <a:t>.</a:t>
+            </a:r>
+          </a:p>
+          <a:p>
+            <a:pPr marL="0" indent="0">
+              <a:lnSpc>
+                <a:spcPct val="110000"/>
+              </a:lnSpc>
+              <a:buNone/>
+            </a:pPr>
+            <a:endParaRPr lang="fi-FI" sz="2200" dirty="0"/>
+          </a:p>
+          <a:p>
+            <a:pPr marL="0" indent="0">
+              <a:lnSpc>
+                <a:spcPct val="110000"/>
+              </a:lnSpc>
+              <a:buNone/>
+            </a:pPr>
+            <a:r>
+              <a:rPr lang="fi-FI" sz="2200" dirty="0" err="1"/>
+              <a:t>Images</a:t>
+            </a:r>
+            <a:r>
+              <a:rPr lang="fi-FI" sz="2200" dirty="0"/>
+              <a:t>:</a:t>
+            </a:r>
+          </a:p>
+          <a:p>
+            <a:pPr marL="0" indent="0">
+              <a:lnSpc>
+                <a:spcPct val="110000"/>
+              </a:lnSpc>
+              <a:buNone/>
+            </a:pPr>
+            <a:r>
+              <a:rPr lang="fi-FI" sz="2200" dirty="0">
+                <a:hlinkClick r:id="rId5"/>
+              </a:rPr>
+              <a:t>https://pixabay.com/</a:t>
+            </a:r>
+            <a:endParaRPr lang="fi-FI" sz="2200" dirty="0"/>
+          </a:p>
+          <a:p>
+            <a:pPr marL="0" indent="0">
+              <a:lnSpc>
+                <a:spcPct val="110000"/>
+              </a:lnSpc>
+              <a:buNone/>
+            </a:pPr>
+            <a:r>
+              <a:rPr lang="fi-FI" sz="2200" dirty="0">
+                <a:hlinkClick r:id="rId6"/>
+              </a:rPr>
+              <a:t>https://pixabay.com/photos/thumbs-up-positive-gesture-thumb-4589867/</a:t>
+            </a:r>
+            <a:endParaRPr lang="fi-FI" sz="2200" dirty="0"/>
+          </a:p>
+          <a:p>
+            <a:pPr marL="0" indent="0">
+              <a:lnSpc>
+                <a:spcPct val="110000"/>
+              </a:lnSpc>
+              <a:buNone/>
+            </a:pPr>
+            <a:r>
+              <a:rPr lang="fi-FI" sz="2200" dirty="0">
+                <a:hlinkClick r:id="rId7"/>
+              </a:rPr>
+              <a:t>https://pixabay.com/photos/father-daughter-beach-family-daddy-656734/</a:t>
+            </a:r>
+            <a:endParaRPr lang="fi-FI" sz="2200" dirty="0"/>
+          </a:p>
+          <a:p>
+            <a:pPr marL="0" indent="0">
+              <a:lnSpc>
+                <a:spcPct val="110000"/>
+              </a:lnSpc>
+              <a:buNone/>
+            </a:pPr>
+            <a:r>
+              <a:rPr lang="fi-FI" sz="2200" dirty="0">
+                <a:hlinkClick r:id="rId8"/>
+              </a:rPr>
+              <a:t>https://pixabay.com/photos/women-beauty-outdoors-casual-8509637/</a:t>
+            </a:r>
+            <a:endParaRPr lang="fi-FI" sz="2200" dirty="0"/>
+          </a:p>
+          <a:p>
+            <a:pPr marL="0" indent="0">
+              <a:lnSpc>
+                <a:spcPct val="110000"/>
+              </a:lnSpc>
+              <a:buNone/>
+            </a:pPr>
+            <a:endParaRPr lang="fi-FI" sz="1500" dirty="0"/>
+          </a:p>
+          <a:p>
+            <a:pPr marL="0" indent="0">
+              <a:lnSpc>
+                <a:spcPct val="110000"/>
+              </a:lnSpc>
+              <a:buNone/>
+            </a:pPr>
+            <a:endParaRPr lang="fi-FI" sz="1500" dirty="0"/>
+          </a:p>
+          <a:p>
+            <a:pPr marL="0" indent="0">
+              <a:lnSpc>
+                <a:spcPct val="110000"/>
+              </a:lnSpc>
+              <a:buNone/>
+            </a:pPr>
+            <a:endParaRPr lang="fi-FI" sz="1500" dirty="0"/>
+          </a:p>
+        </p:txBody>
+      </p:sp>
+      <p:pic>
+        <p:nvPicPr>
+          <p:cNvPr id="41" name="Picture 15">
+            <a:extLst>
+              <a:ext uri="{FF2B5EF4-FFF2-40B4-BE49-F238E27FC236}">
+                <a16:creationId xmlns:a16="http://schemas.microsoft.com/office/drawing/2014/main" id="{D2B4E49C-E7B4-4F6A-8B93-646A0E241191}"/>
+              </a:ext>
+              <a:ext uri="{C183D7F6-B498-43B3-948B-1728B52AA6E4}">
+                <adec:decorative xmlns:adec="http://schemas.microsoft.com/office/drawing/2017/decorative" val="1"/>
+              </a:ext>
+            </a:extLst>
+          </p:cNvPr>
+          <p:cNvPicPr>
+            <a:picLocks noGrp="1" noRot="1" noChangeAspect="1" noMove="1" noResize="1" noEditPoints="1" noAdjustHandles="1" noChangeArrowheads="1" noChangeShapeType="1" noCrop="1"/>
+          </p:cNvPicPr>
+          <p:nvPr>
+            <p:extLst>
+              <p:ext uri="{386F3935-93C4-4BCD-93E2-E3B085C9AB24}">
+                <p16:designElem xmlns:p16="http://schemas.microsoft.com/office/powerpoint/2015/main" val="1"/>
+              </p:ext>
+            </p:extLst>
+          </p:nvPr>
+        </p:nvPicPr>
+        <p:blipFill rotWithShape="1">
+          <a:blip r:embed="rId3">
+            <a:extLst>
+              <a:ext uri="{28A0092B-C50C-407E-A947-70E740481C1C}">
+                <a14:useLocalDpi xmlns:a14="http://schemas.microsoft.com/office/drawing/2010/main" val="0"/>
+              </a:ext>
+            </a:extLst>
+          </a:blip>
+          <a:srcRect l="91927" t="72411" b="10341"/>
+          <a:stretch/>
+        </p:blipFill>
+        <p:spPr>
+          <a:xfrm>
+            <a:off x="11494523" y="2664767"/>
+            <a:ext cx="635958" cy="764233"/>
+          </a:xfrm>
+          <a:custGeom>
+            <a:avLst/>
+            <a:gdLst>
+              <a:gd name="connsiteX0" fmla="*/ 0 w 984308"/>
+              <a:gd name="connsiteY0" fmla="*/ 0 h 1182847"/>
+              <a:gd name="connsiteX1" fmla="*/ 984308 w 984308"/>
+              <a:gd name="connsiteY1" fmla="*/ 0 h 1182847"/>
+              <a:gd name="connsiteX2" fmla="*/ 984308 w 984308"/>
+              <a:gd name="connsiteY2" fmla="*/ 1161661 h 1182847"/>
+              <a:gd name="connsiteX3" fmla="*/ 966627 w 984308"/>
+              <a:gd name="connsiteY3" fmla="*/ 1165915 h 1182847"/>
+              <a:gd name="connsiteX4" fmla="*/ 787132 w 984308"/>
+              <a:gd name="connsiteY4" fmla="*/ 1182847 h 1182847"/>
+              <a:gd name="connsiteX5" fmla="*/ 48601 w 984308"/>
+              <a:gd name="connsiteY5" fmla="*/ 815395 h 1182847"/>
+              <a:gd name="connsiteX6" fmla="*/ 0 w 984308"/>
+              <a:gd name="connsiteY6" fmla="*/ 731606 h 1182847"/>
+            </a:gdLst>
+            <a:ahLst/>
+            <a:cxnLst>
+              <a:cxn ang="0">
+                <a:pos x="connsiteX0" y="connsiteY0"/>
+              </a:cxn>
+              <a:cxn ang="0">
+                <a:pos x="connsiteX1" y="connsiteY1"/>
+              </a:cxn>
+              <a:cxn ang="0">
+                <a:pos x="connsiteX2" y="connsiteY2"/>
+              </a:cxn>
+              <a:cxn ang="0">
+                <a:pos x="connsiteX3" y="connsiteY3"/>
+              </a:cxn>
+              <a:cxn ang="0">
+                <a:pos x="connsiteX4" y="connsiteY4"/>
+              </a:cxn>
+              <a:cxn ang="0">
+                <a:pos x="connsiteX5" y="connsiteY5"/>
+              </a:cxn>
+              <a:cxn ang="0">
+                <a:pos x="connsiteX6" y="connsiteY6"/>
+              </a:cxn>
+            </a:cxnLst>
+            <a:rect l="l" t="t" r="r" b="b"/>
+            <a:pathLst>
+              <a:path w="984308" h="1182847">
+                <a:moveTo>
+                  <a:pt x="0" y="0"/>
+                </a:moveTo>
+                <a:lnTo>
+                  <a:pt x="984308" y="0"/>
+                </a:lnTo>
+                <a:lnTo>
+                  <a:pt x="984308" y="1161661"/>
+                </a:lnTo>
+                <a:lnTo>
+                  <a:pt x="966627" y="1165915"/>
+                </a:lnTo>
+                <a:cubicBezTo>
+                  <a:pt x="908648" y="1177017"/>
+                  <a:pt x="848618" y="1182847"/>
+                  <a:pt x="787132" y="1182847"/>
+                </a:cubicBezTo>
+                <a:cubicBezTo>
+                  <a:pt x="479703" y="1182847"/>
+                  <a:pt x="208655" y="1037089"/>
+                  <a:pt x="48601" y="815395"/>
+                </a:cubicBezTo>
+                <a:lnTo>
+                  <a:pt x="0" y="731606"/>
+                </a:lnTo>
+                <a:close/>
+              </a:path>
+            </a:pathLst>
+          </a:custGeom>
+        </p:spPr>
+      </p:pic>
+      <p:pic>
+        <p:nvPicPr>
+          <p:cNvPr id="42" name="Picture 17">
+            <a:extLst>
+              <a:ext uri="{FF2B5EF4-FFF2-40B4-BE49-F238E27FC236}">
+                <a16:creationId xmlns:a16="http://schemas.microsoft.com/office/drawing/2014/main" id="{46528FBF-1727-4546-8131-BA22ED8B5497}"/>
+              </a:ext>
+              <a:ext uri="{C183D7F6-B498-43B3-948B-1728B52AA6E4}">
+                <adec:decorative xmlns:adec="http://schemas.microsoft.com/office/drawing/2017/decorative" val="1"/>
+              </a:ext>
+            </a:extLst>
+          </p:cNvPr>
+          <p:cNvPicPr>
+            <a:picLocks noGrp="1" noRot="1" noChangeAspect="1" noMove="1" noResize="1" noEditPoints="1" noAdjustHandles="1" noChangeArrowheads="1" noChangeShapeType="1" noCrop="1"/>
+          </p:cNvPicPr>
+          <p:nvPr>
+            <p:extLst>
+              <p:ext uri="{386F3935-93C4-4BCD-93E2-E3B085C9AB24}">
+                <p16:designElem xmlns:p16="http://schemas.microsoft.com/office/powerpoint/2015/main" val="1"/>
+              </p:ext>
+            </p:extLst>
+          </p:nvPr>
+        </p:nvPicPr>
+        <p:blipFill rotWithShape="1">
+          <a:blip r:embed="rId2">
+            <a:extLst>
+              <a:ext uri="{28A0092B-C50C-407E-A947-70E740481C1C}">
+                <a14:useLocalDpi xmlns:a14="http://schemas.microsoft.com/office/drawing/2010/main" val="0"/>
+              </a:ext>
+            </a:extLst>
+          </a:blip>
+          <a:srcRect l="65973" t="81531" r="19879"/>
+          <a:stretch/>
+        </p:blipFill>
+        <p:spPr>
+          <a:xfrm>
+            <a:off x="8887626" y="5982056"/>
+            <a:ext cx="1192806" cy="875944"/>
+          </a:xfrm>
+          <a:custGeom>
+            <a:avLst/>
+            <a:gdLst>
+              <a:gd name="connsiteX0" fmla="*/ 2051608 w 4103216"/>
+              <a:gd name="connsiteY0" fmla="*/ 0 h 1714050"/>
+              <a:gd name="connsiteX1" fmla="*/ 4103216 w 4103216"/>
+              <a:gd name="connsiteY1" fmla="*/ 1266738 h 1714050"/>
+              <a:gd name="connsiteX2" fmla="*/ 4010980 w 4103216"/>
+              <a:gd name="connsiteY2" fmla="*/ 1643427 h 1714050"/>
+              <a:gd name="connsiteX3" fmla="*/ 3969116 w 4103216"/>
+              <a:gd name="connsiteY3" fmla="*/ 1714050 h 1714050"/>
+              <a:gd name="connsiteX4" fmla="*/ 134100 w 4103216"/>
+              <a:gd name="connsiteY4" fmla="*/ 1714050 h 1714050"/>
+              <a:gd name="connsiteX5" fmla="*/ 92237 w 4103216"/>
+              <a:gd name="connsiteY5" fmla="*/ 1643427 h 1714050"/>
+              <a:gd name="connsiteX6" fmla="*/ 0 w 4103216"/>
+              <a:gd name="connsiteY6" fmla="*/ 1266738 h 1714050"/>
+              <a:gd name="connsiteX7" fmla="*/ 2051608 w 4103216"/>
+              <a:gd name="connsiteY7" fmla="*/ 0 h 1714050"/>
+            </a:gdLst>
+            <a:ahLst/>
+            <a:cxnLst>
+              <a:cxn ang="0">
+                <a:pos x="connsiteX0" y="connsiteY0"/>
+              </a:cxn>
+              <a:cxn ang="0">
+                <a:pos x="connsiteX1" y="connsiteY1"/>
+              </a:cxn>
+              <a:cxn ang="0">
+                <a:pos x="connsiteX2" y="connsiteY2"/>
+              </a:cxn>
+              <a:cxn ang="0">
+                <a:pos x="connsiteX3" y="connsiteY3"/>
+              </a:cxn>
+              <a:cxn ang="0">
+                <a:pos x="connsiteX4" y="connsiteY4"/>
+              </a:cxn>
+              <a:cxn ang="0">
+                <a:pos x="connsiteX5" y="connsiteY5"/>
+              </a:cxn>
+              <a:cxn ang="0">
+                <a:pos x="connsiteX6" y="connsiteY6"/>
+              </a:cxn>
+              <a:cxn ang="0">
+                <a:pos x="connsiteX7" y="connsiteY7"/>
+              </a:cxn>
+            </a:cxnLst>
+            <a:rect l="l" t="t" r="r" b="b"/>
+            <a:pathLst>
+              <a:path w="4103216" h="1714050">
+                <a:moveTo>
+                  <a:pt x="2051608" y="0"/>
+                </a:moveTo>
+                <a:cubicBezTo>
+                  <a:pt x="3184680" y="0"/>
+                  <a:pt x="4103216" y="567138"/>
+                  <a:pt x="4103216" y="1266738"/>
+                </a:cubicBezTo>
+                <a:cubicBezTo>
+                  <a:pt x="4103216" y="1397913"/>
+                  <a:pt x="4070924" y="1524431"/>
+                  <a:pt x="4010980" y="1643427"/>
+                </a:cubicBezTo>
+                <a:lnTo>
+                  <a:pt x="3969116" y="1714050"/>
+                </a:lnTo>
+                <a:lnTo>
+                  <a:pt x="134100" y="1714050"/>
+                </a:lnTo>
+                <a:lnTo>
+                  <a:pt x="92237" y="1643427"/>
+                </a:lnTo>
+                <a:cubicBezTo>
+                  <a:pt x="32293" y="1524431"/>
+                  <a:pt x="0" y="1397913"/>
+                  <a:pt x="0" y="1266738"/>
+                </a:cubicBezTo>
+                <a:cubicBezTo>
+                  <a:pt x="0" y="567138"/>
+                  <a:pt x="918536" y="0"/>
+                  <a:pt x="2051608" y="0"/>
+                </a:cubicBezTo>
+                <a:close/>
+              </a:path>
+            </a:pathLst>
+          </a:custGeom>
+        </p:spPr>
+      </p:pic>
+    </p:spTree>
+    <p:extLst>
+      <p:ext uri="{BB962C8B-B14F-4D97-AF65-F5344CB8AC3E}">
+        <p14:creationId xmlns:p14="http://schemas.microsoft.com/office/powerpoint/2010/main" val="1493860325"/>
       </p:ext>
     </p:extLst>
   </p:cSld>

--- a/SäähänSopivaFinal.pptx
+++ b/SäähänSopivaFinal.pptx
@@ -133,7 +133,7 @@
   <pc:docChgLst>
     <pc:chgData name="Jenna Aalto" userId="30c784d162ed7057" providerId="LiveId" clId="{B1DE7EB4-CBF5-43E7-A477-F69A04DF836B}"/>
     <pc:docChg chg="undo redo custSel addSld delSld modSld sldOrd">
-      <pc:chgData name="Jenna Aalto" userId="30c784d162ed7057" providerId="LiveId" clId="{B1DE7EB4-CBF5-43E7-A477-F69A04DF836B}" dt="2025-03-11T18:50:10.051" v="4321" actId="20577"/>
+      <pc:chgData name="Jenna Aalto" userId="30c784d162ed7057" providerId="LiveId" clId="{B1DE7EB4-CBF5-43E7-A477-F69A04DF836B}" dt="2025-03-11T18:57:01.314" v="4406" actId="14100"/>
       <pc:docMkLst>
         <pc:docMk/>
       </pc:docMkLst>
@@ -1233,7 +1233,7 @@
         </pc:spChg>
       </pc:sldChg>
       <pc:sldChg chg="addSp modSp new mod">
-        <pc:chgData name="Jenna Aalto" userId="30c784d162ed7057" providerId="LiveId" clId="{B1DE7EB4-CBF5-43E7-A477-F69A04DF836B}" dt="2025-03-11T18:50:10.051" v="4321" actId="20577"/>
+        <pc:chgData name="Jenna Aalto" userId="30c784d162ed7057" providerId="LiveId" clId="{B1DE7EB4-CBF5-43E7-A477-F69A04DF836B}" dt="2025-03-11T18:57:01.314" v="4406" actId="14100"/>
         <pc:sldMkLst>
           <pc:docMk/>
           <pc:sldMk cId="799996320" sldId="264"/>
@@ -1247,7 +1247,7 @@
           </ac:spMkLst>
         </pc:spChg>
         <pc:spChg chg="mod">
-          <ac:chgData name="Jenna Aalto" userId="30c784d162ed7057" providerId="LiveId" clId="{B1DE7EB4-CBF5-43E7-A477-F69A04DF836B}" dt="2025-03-11T18:48:23.358" v="4109" actId="20577"/>
+          <ac:chgData name="Jenna Aalto" userId="30c784d162ed7057" providerId="LiveId" clId="{B1DE7EB4-CBF5-43E7-A477-F69A04DF836B}" dt="2025-03-11T18:56:51.189" v="4405" actId="20577"/>
           <ac:spMkLst>
             <pc:docMk/>
             <pc:sldMk cId="799996320" sldId="264"/>
@@ -1255,7 +1255,7 @@
           </ac:spMkLst>
         </pc:spChg>
         <pc:spChg chg="add mod">
-          <ac:chgData name="Jenna Aalto" userId="30c784d162ed7057" providerId="LiveId" clId="{B1DE7EB4-CBF5-43E7-A477-F69A04DF836B}" dt="2025-03-11T18:50:10.051" v="4321" actId="20577"/>
+          <ac:chgData name="Jenna Aalto" userId="30c784d162ed7057" providerId="LiveId" clId="{B1DE7EB4-CBF5-43E7-A477-F69A04DF836B}" dt="2025-03-11T18:57:01.314" v="4406" actId="14100"/>
           <ac:spMkLst>
             <pc:docMk/>
             <pc:sldMk cId="799996320" sldId="264"/>
@@ -10719,6 +10719,45 @@
             </a:r>
             <a:endParaRPr lang="fi-FI" dirty="0"/>
           </a:p>
+          <a:p>
+            <a:pPr>
+              <a:buFontTx/>
+              <a:buChar char="-"/>
+            </a:pPr>
+            <a:r>
+              <a:rPr lang="fi-FI" dirty="0"/>
+              <a:t>Lot of </a:t>
+            </a:r>
+            <a:r>
+              <a:rPr lang="fi-FI" dirty="0" err="1"/>
+              <a:t>typing</a:t>
+            </a:r>
+            <a:r>
+              <a:rPr lang="fi-FI" dirty="0"/>
+              <a:t> </a:t>
+            </a:r>
+            <a:r>
+              <a:rPr lang="fi-FI" dirty="0" err="1"/>
+              <a:t>because</a:t>
+            </a:r>
+            <a:r>
+              <a:rPr lang="fi-FI" dirty="0"/>
+              <a:t> of </a:t>
+            </a:r>
+            <a:r>
+              <a:rPr lang="fi-FI" dirty="0" err="1"/>
+              <a:t>the</a:t>
+            </a:r>
+            <a:r>
+              <a:rPr lang="fi-FI" dirty="0"/>
+              <a:t> </a:t>
+            </a:r>
+            <a:r>
+              <a:rPr lang="fi-FI" dirty="0" err="1"/>
+              <a:t>activities</a:t>
+            </a:r>
+            <a:endParaRPr lang="fi-FI" dirty="0"/>
+          </a:p>
         </p:txBody>
       </p:sp>
       <p:pic>
@@ -10798,7 +10837,7 @@
         <p:spPr>
           <a:xfrm>
             <a:off x="6955253" y="4283462"/>
-            <a:ext cx="4965323" cy="2352901"/>
+            <a:ext cx="4106037" cy="2372977"/>
           </a:xfrm>
           <a:prstGeom prst="rect">
             <a:avLst/>
@@ -11089,7 +11128,7 @@
               <a:t> and </a:t>
             </a:r>
             <a:r>
-              <a:rPr lang="fi-FI"/>
+              <a:rPr lang="fi-FI" dirty="0" err="1"/>
               <a:t>friendgroups</a:t>
             </a:r>
             <a:endParaRPr lang="fi-FI" dirty="0"/>

--- a/SäähänSopivaFinal.pptx
+++ b/SäähänSopivaFinal.pptx
@@ -6,14 +6,13 @@
   </p:sldMasterIdLst>
   <p:sldIdLst>
     <p:sldId id="256" r:id="rId2"/>
-    <p:sldId id="262" r:id="rId3"/>
-    <p:sldId id="257" r:id="rId4"/>
-    <p:sldId id="258" r:id="rId5"/>
-    <p:sldId id="260" r:id="rId6"/>
-    <p:sldId id="264" r:id="rId7"/>
-    <p:sldId id="263" r:id="rId8"/>
-    <p:sldId id="259" r:id="rId9"/>
-    <p:sldId id="261" r:id="rId10"/>
+    <p:sldId id="257" r:id="rId3"/>
+    <p:sldId id="258" r:id="rId4"/>
+    <p:sldId id="260" r:id="rId5"/>
+    <p:sldId id="264" r:id="rId6"/>
+    <p:sldId id="263" r:id="rId7"/>
+    <p:sldId id="259" r:id="rId8"/>
+    <p:sldId id="261" r:id="rId9"/>
   </p:sldIdLst>
   <p:sldSz cx="12192000" cy="6858000"/>
   <p:notesSz cx="6858000" cy="9144000"/>
@@ -133,7 +132,7 @@
   <pc:docChgLst>
     <pc:chgData name="Jenna Aalto" userId="30c784d162ed7057" providerId="LiveId" clId="{B1DE7EB4-CBF5-43E7-A477-F69A04DF836B}"/>
     <pc:docChg chg="undo redo custSel addSld delSld modSld sldOrd">
-      <pc:chgData name="Jenna Aalto" userId="30c784d162ed7057" providerId="LiveId" clId="{B1DE7EB4-CBF5-43E7-A477-F69A04DF836B}" dt="2025-03-11T18:57:01.314" v="4406" actId="14100"/>
+      <pc:chgData name="Jenna Aalto" userId="30c784d162ed7057" providerId="LiveId" clId="{B1DE7EB4-CBF5-43E7-A477-F69A04DF836B}" dt="2025-03-12T09:29:13.584" v="4407" actId="2696"/>
       <pc:docMkLst>
         <pc:docMk/>
       </pc:docMkLst>
@@ -159,22 +158,6 @@
             <ac:spMk id="3" creationId="{F549DCE9-029E-CC9A-FE8A-DB71176B1789}"/>
           </ac:spMkLst>
         </pc:spChg>
-        <pc:spChg chg="add del">
-          <ac:chgData name="Jenna Aalto" userId="30c784d162ed7057" providerId="LiveId" clId="{B1DE7EB4-CBF5-43E7-A477-F69A04DF836B}" dt="2025-03-10T01:47:02.366" v="573" actId="26606"/>
-          <ac:spMkLst>
-            <pc:docMk/>
-            <pc:sldMk cId="1266864269" sldId="256"/>
-            <ac:spMk id="8" creationId="{4E50CAEE-CAC0-4F18-9593-F09A3338C1A8}"/>
-          </ac:spMkLst>
-        </pc:spChg>
-        <pc:spChg chg="add del">
-          <ac:chgData name="Jenna Aalto" userId="30c784d162ed7057" providerId="LiveId" clId="{B1DE7EB4-CBF5-43E7-A477-F69A04DF836B}" dt="2025-03-10T01:47:04.734" v="575" actId="26606"/>
-          <ac:spMkLst>
-            <pc:docMk/>
-            <pc:sldMk cId="1266864269" sldId="256"/>
-            <ac:spMk id="18" creationId="{B63B6C0C-65BB-4F38-9C8A-0892266F8BC3}"/>
-          </ac:spMkLst>
-        </pc:spChg>
         <pc:spChg chg="add">
           <ac:chgData name="Jenna Aalto" userId="30c784d162ed7057" providerId="LiveId" clId="{B1DE7EB4-CBF5-43E7-A477-F69A04DF836B}" dt="2025-03-10T01:47:04.750" v="576" actId="26606"/>
           <ac:spMkLst>
@@ -183,46 +166,6 @@
             <ac:spMk id="21" creationId="{A4921F60-5118-4274-90FB-B9934DC833E8}"/>
           </ac:spMkLst>
         </pc:spChg>
-        <pc:picChg chg="add del">
-          <ac:chgData name="Jenna Aalto" userId="30c784d162ed7057" providerId="LiveId" clId="{B1DE7EB4-CBF5-43E7-A477-F69A04DF836B}" dt="2025-03-10T01:47:02.366" v="573" actId="26606"/>
-          <ac:picMkLst>
-            <pc:docMk/>
-            <pc:sldMk cId="1266864269" sldId="256"/>
-            <ac:picMk id="10" creationId="{D2DA77D5-12C4-446D-AC72-A514960A553E}"/>
-          </ac:picMkLst>
-        </pc:picChg>
-        <pc:picChg chg="add del">
-          <ac:chgData name="Jenna Aalto" userId="30c784d162ed7057" providerId="LiveId" clId="{B1DE7EB4-CBF5-43E7-A477-F69A04DF836B}" dt="2025-03-10T01:47:02.366" v="573" actId="26606"/>
-          <ac:picMkLst>
-            <pc:docMk/>
-            <pc:sldMk cId="1266864269" sldId="256"/>
-            <ac:picMk id="12" creationId="{19E04E4F-6B32-4651-ACE0-DACABF1FC254}"/>
-          </ac:picMkLst>
-        </pc:picChg>
-        <pc:picChg chg="add del">
-          <ac:chgData name="Jenna Aalto" userId="30c784d162ed7057" providerId="LiveId" clId="{B1DE7EB4-CBF5-43E7-A477-F69A04DF836B}" dt="2025-03-10T01:47:02.366" v="573" actId="26606"/>
-          <ac:picMkLst>
-            <pc:docMk/>
-            <pc:sldMk cId="1266864269" sldId="256"/>
-            <ac:picMk id="14" creationId="{13D4F2B0-7771-46FC-9763-240E8F55F14D}"/>
-          </ac:picMkLst>
-        </pc:picChg>
-        <pc:picChg chg="add del">
-          <ac:chgData name="Jenna Aalto" userId="30c784d162ed7057" providerId="LiveId" clId="{B1DE7EB4-CBF5-43E7-A477-F69A04DF836B}" dt="2025-03-10T01:47:02.366" v="573" actId="26606"/>
-          <ac:picMkLst>
-            <pc:docMk/>
-            <pc:sldMk cId="1266864269" sldId="256"/>
-            <ac:picMk id="16" creationId="{6164F387-6750-4AFF-8A10-65C64D31ECA3}"/>
-          </ac:picMkLst>
-        </pc:picChg>
-        <pc:picChg chg="add del">
-          <ac:chgData name="Jenna Aalto" userId="30c784d162ed7057" providerId="LiveId" clId="{B1DE7EB4-CBF5-43E7-A477-F69A04DF836B}" dt="2025-03-10T01:47:04.734" v="575" actId="26606"/>
-          <ac:picMkLst>
-            <pc:docMk/>
-            <pc:sldMk cId="1266864269" sldId="256"/>
-            <ac:picMk id="19" creationId="{09D77137-01B7-45E4-AA14-CD9E779B443C}"/>
-          </ac:picMkLst>
-        </pc:picChg>
       </pc:sldChg>
       <pc:sldChg chg="addSp delSp modSp new mod setBg">
         <pc:chgData name="Jenna Aalto" userId="30c784d162ed7057" providerId="LiveId" clId="{B1DE7EB4-CBF5-43E7-A477-F69A04DF836B}" dt="2025-03-10T01:56:48.192" v="1107" actId="1076"/>
@@ -244,62 +187,6 @@
             <pc:docMk/>
             <pc:sldMk cId="521330205" sldId="257"/>
             <ac:spMk id="5" creationId="{611395A4-2F4A-8FDF-D82C-52915ED88055}"/>
-          </ac:spMkLst>
-        </pc:spChg>
-        <pc:spChg chg="add del">
-          <ac:chgData name="Jenna Aalto" userId="30c784d162ed7057" providerId="LiveId" clId="{B1DE7EB4-CBF5-43E7-A477-F69A04DF836B}" dt="2025-03-10T01:53:34.621" v="1042" actId="26606"/>
-          <ac:spMkLst>
-            <pc:docMk/>
-            <pc:sldMk cId="521330205" sldId="257"/>
-            <ac:spMk id="9" creationId="{4D4DD4CF-9732-4771-98FE-77886DC915F2}"/>
-          </ac:spMkLst>
-        </pc:spChg>
-        <pc:spChg chg="add del">
-          <ac:chgData name="Jenna Aalto" userId="30c784d162ed7057" providerId="LiveId" clId="{B1DE7EB4-CBF5-43E7-A477-F69A04DF836B}" dt="2025-03-10T01:53:34.621" v="1042" actId="26606"/>
-          <ac:spMkLst>
-            <pc:docMk/>
-            <pc:sldMk cId="521330205" sldId="257"/>
-            <ac:spMk id="11" creationId="{A2861A9C-C970-4FFE-B67C-222B6F573287}"/>
-          </ac:spMkLst>
-        </pc:spChg>
-        <pc:spChg chg="add del">
-          <ac:chgData name="Jenna Aalto" userId="30c784d162ed7057" providerId="LiveId" clId="{B1DE7EB4-CBF5-43E7-A477-F69A04DF836B}" dt="2025-03-10T01:53:45.887" v="1044" actId="26606"/>
-          <ac:spMkLst>
-            <pc:docMk/>
-            <pc:sldMk cId="521330205" sldId="257"/>
-            <ac:spMk id="15" creationId="{DC3B8C6B-63CA-4384-8059-2036BE520277}"/>
-          </ac:spMkLst>
-        </pc:spChg>
-        <pc:spChg chg="add del">
-          <ac:chgData name="Jenna Aalto" userId="30c784d162ed7057" providerId="LiveId" clId="{B1DE7EB4-CBF5-43E7-A477-F69A04DF836B}" dt="2025-03-10T01:53:45.887" v="1044" actId="26606"/>
-          <ac:spMkLst>
-            <pc:docMk/>
-            <pc:sldMk cId="521330205" sldId="257"/>
-            <ac:spMk id="16" creationId="{C71B03AA-C0EB-4104-84F8-E1AB8BFBEF60}"/>
-          </ac:spMkLst>
-        </pc:spChg>
-        <pc:spChg chg="add del">
-          <ac:chgData name="Jenna Aalto" userId="30c784d162ed7057" providerId="LiveId" clId="{B1DE7EB4-CBF5-43E7-A477-F69A04DF836B}" dt="2025-03-10T01:53:48.276" v="1046" actId="26606"/>
-          <ac:spMkLst>
-            <pc:docMk/>
-            <pc:sldMk cId="521330205" sldId="257"/>
-            <ac:spMk id="19" creationId="{4D4DD4CF-9732-4771-98FE-77886DC915F2}"/>
-          </ac:spMkLst>
-        </pc:spChg>
-        <pc:spChg chg="add del">
-          <ac:chgData name="Jenna Aalto" userId="30c784d162ed7057" providerId="LiveId" clId="{B1DE7EB4-CBF5-43E7-A477-F69A04DF836B}" dt="2025-03-10T01:53:48.276" v="1046" actId="26606"/>
-          <ac:spMkLst>
-            <pc:docMk/>
-            <pc:sldMk cId="521330205" sldId="257"/>
-            <ac:spMk id="21" creationId="{A2861A9C-C970-4FFE-B67C-222B6F573287}"/>
-          </ac:spMkLst>
-        </pc:spChg>
-        <pc:spChg chg="add del">
-          <ac:chgData name="Jenna Aalto" userId="30c784d162ed7057" providerId="LiveId" clId="{B1DE7EB4-CBF5-43E7-A477-F69A04DF836B}" dt="2025-03-10T01:53:51.185" v="1048" actId="26606"/>
-          <ac:spMkLst>
-            <pc:docMk/>
-            <pc:sldMk cId="521330205" sldId="257"/>
-            <ac:spMk id="24" creationId="{48FE65CB-EFD8-497D-A30A-093E20EACB05}"/>
           </ac:spMkLst>
         </pc:spChg>
         <pc:spChg chg="add">
@@ -326,46 +213,6 @@
             <ac:picMk id="4" creationId="{6CD398E6-A4A0-5F54-A136-FD8A76162C84}"/>
           </ac:picMkLst>
         </pc:picChg>
-        <pc:picChg chg="add del">
-          <ac:chgData name="Jenna Aalto" userId="30c784d162ed7057" providerId="LiveId" clId="{B1DE7EB4-CBF5-43E7-A477-F69A04DF836B}" dt="2025-03-10T01:53:34.621" v="1042" actId="26606"/>
-          <ac:picMkLst>
-            <pc:docMk/>
-            <pc:sldMk cId="521330205" sldId="257"/>
-            <ac:picMk id="13" creationId="{D2FDF82E-EBD8-4EC5-AD10-CD9E70EE85CF}"/>
-          </ac:picMkLst>
-        </pc:picChg>
-        <pc:picChg chg="add del">
-          <ac:chgData name="Jenna Aalto" userId="30c784d162ed7057" providerId="LiveId" clId="{B1DE7EB4-CBF5-43E7-A477-F69A04DF836B}" dt="2025-03-10T01:53:45.887" v="1044" actId="26606"/>
-          <ac:picMkLst>
-            <pc:docMk/>
-            <pc:sldMk cId="521330205" sldId="257"/>
-            <ac:picMk id="17" creationId="{09C2B723-6C2F-49DE-A429-50BDFD1ADB45}"/>
-          </ac:picMkLst>
-        </pc:picChg>
-        <pc:picChg chg="add del">
-          <ac:chgData name="Jenna Aalto" userId="30c784d162ed7057" providerId="LiveId" clId="{B1DE7EB4-CBF5-43E7-A477-F69A04DF836B}" dt="2025-03-10T01:53:48.276" v="1046" actId="26606"/>
-          <ac:picMkLst>
-            <pc:docMk/>
-            <pc:sldMk cId="521330205" sldId="257"/>
-            <ac:picMk id="20" creationId="{0917E639-5738-4605-929E-1222198314AD}"/>
-          </ac:picMkLst>
-        </pc:picChg>
-        <pc:picChg chg="add del">
-          <ac:chgData name="Jenna Aalto" userId="30c784d162ed7057" providerId="LiveId" clId="{B1DE7EB4-CBF5-43E7-A477-F69A04DF836B}" dt="2025-03-10T01:53:48.276" v="1046" actId="26606"/>
-          <ac:picMkLst>
-            <pc:docMk/>
-            <pc:sldMk cId="521330205" sldId="257"/>
-            <ac:picMk id="22" creationId="{D2FDF82E-EBD8-4EC5-AD10-CD9E70EE85CF}"/>
-          </ac:picMkLst>
-        </pc:picChg>
-        <pc:picChg chg="add del">
-          <ac:chgData name="Jenna Aalto" userId="30c784d162ed7057" providerId="LiveId" clId="{B1DE7EB4-CBF5-43E7-A477-F69A04DF836B}" dt="2025-03-10T01:53:51.185" v="1048" actId="26606"/>
-          <ac:picMkLst>
-            <pc:docMk/>
-            <pc:sldMk cId="521330205" sldId="257"/>
-            <ac:picMk id="25" creationId="{00E374F5-52B2-4260-8B1C-54237931F069}"/>
-          </ac:picMkLst>
-        </pc:picChg>
         <pc:picChg chg="add">
           <ac:chgData name="Jenna Aalto" userId="30c784d162ed7057" providerId="LiveId" clId="{B1DE7EB4-CBF5-43E7-A477-F69A04DF836B}" dt="2025-03-10T01:53:51.200" v="1049" actId="26606"/>
           <ac:picMkLst>
@@ -389,108 +236,12 @@
             <ac:spMk id="2" creationId="{DE2D10E5-3D41-78C0-759E-07F34B82F0C7}"/>
           </ac:spMkLst>
         </pc:spChg>
-        <pc:spChg chg="add del mod ord">
-          <ac:chgData name="Jenna Aalto" userId="30c784d162ed7057" providerId="LiveId" clId="{B1DE7EB4-CBF5-43E7-A477-F69A04DF836B}" dt="2025-03-10T02:05:10.170" v="1836" actId="26606"/>
-          <ac:spMkLst>
-            <pc:docMk/>
-            <pc:sldMk cId="2751763783" sldId="258"/>
-            <ac:spMk id="3" creationId="{7848ABE8-E32C-EC48-4452-F1B5D80BAFA5}"/>
-          </ac:spMkLst>
-        </pc:spChg>
-        <pc:spChg chg="add del">
-          <ac:chgData name="Jenna Aalto" userId="30c784d162ed7057" providerId="LiveId" clId="{B1DE7EB4-CBF5-43E7-A477-F69A04DF836B}" dt="2025-03-10T02:03:12.324" v="1803" actId="26606"/>
-          <ac:spMkLst>
-            <pc:docMk/>
-            <pc:sldMk cId="2751763783" sldId="258"/>
-            <ac:spMk id="10" creationId="{48FE65CB-EFD8-497D-A30A-093E20EACB05}"/>
-          </ac:spMkLst>
-        </pc:spChg>
-        <pc:spChg chg="add del">
-          <ac:chgData name="Jenna Aalto" userId="30c784d162ed7057" providerId="LiveId" clId="{B1DE7EB4-CBF5-43E7-A477-F69A04DF836B}" dt="2025-03-10T02:03:17.383" v="1805" actId="26606"/>
-          <ac:spMkLst>
-            <pc:docMk/>
-            <pc:sldMk cId="2751763783" sldId="258"/>
-            <ac:spMk id="14" creationId="{6E3254AE-C4CD-426D-A6E8-7FA13B0F889C}"/>
-          </ac:spMkLst>
-        </pc:spChg>
-        <pc:spChg chg="add del">
-          <ac:chgData name="Jenna Aalto" userId="30c784d162ed7057" providerId="LiveId" clId="{B1DE7EB4-CBF5-43E7-A477-F69A04DF836B}" dt="2025-03-10T02:03:24.041" v="1807" actId="26606"/>
-          <ac:spMkLst>
-            <pc:docMk/>
-            <pc:sldMk cId="2751763783" sldId="258"/>
-            <ac:spMk id="17" creationId="{4D4DD4CF-9732-4771-98FE-77886DC915F2}"/>
-          </ac:spMkLst>
-        </pc:spChg>
-        <pc:spChg chg="add del">
-          <ac:chgData name="Jenna Aalto" userId="30c784d162ed7057" providerId="LiveId" clId="{B1DE7EB4-CBF5-43E7-A477-F69A04DF836B}" dt="2025-03-10T02:03:24.041" v="1807" actId="26606"/>
-          <ac:spMkLst>
-            <pc:docMk/>
-            <pc:sldMk cId="2751763783" sldId="258"/>
-            <ac:spMk id="19" creationId="{A2861A9C-C970-4FFE-B67C-222B6F573287}"/>
-          </ac:spMkLst>
-        </pc:spChg>
-        <pc:spChg chg="add del">
-          <ac:chgData name="Jenna Aalto" userId="30c784d162ed7057" providerId="LiveId" clId="{B1DE7EB4-CBF5-43E7-A477-F69A04DF836B}" dt="2025-03-10T02:05:10.170" v="1836" actId="26606"/>
-          <ac:spMkLst>
-            <pc:docMk/>
-            <pc:sldMk cId="2751763783" sldId="258"/>
-            <ac:spMk id="22" creationId="{D77CF7D5-36A3-4ED3-AE46-77E42D2AA7FD}"/>
-          </ac:spMkLst>
-        </pc:spChg>
-        <pc:spChg chg="add del">
-          <ac:chgData name="Jenna Aalto" userId="30c784d162ed7057" providerId="LiveId" clId="{B1DE7EB4-CBF5-43E7-A477-F69A04DF836B}" dt="2025-03-10T02:04:54.509" v="1829" actId="26606"/>
-          <ac:spMkLst>
-            <pc:docMk/>
-            <pc:sldMk cId="2751763783" sldId="258"/>
-            <ac:spMk id="27" creationId="{CEEB192A-8443-482C-AFF6-77DB793E242D}"/>
-          </ac:spMkLst>
-        </pc:spChg>
-        <pc:spChg chg="add del">
-          <ac:chgData name="Jenna Aalto" userId="30c784d162ed7057" providerId="LiveId" clId="{B1DE7EB4-CBF5-43E7-A477-F69A04DF836B}" dt="2025-03-10T02:04:56.534" v="1831" actId="26606"/>
-          <ac:spMkLst>
-            <pc:docMk/>
-            <pc:sldMk cId="2751763783" sldId="258"/>
-            <ac:spMk id="31" creationId="{61210F8D-F7F2-47FC-91CB-247E361A59FB}"/>
-          </ac:spMkLst>
-        </pc:spChg>
-        <pc:spChg chg="add del">
-          <ac:chgData name="Jenna Aalto" userId="30c784d162ed7057" providerId="LiveId" clId="{B1DE7EB4-CBF5-43E7-A477-F69A04DF836B}" dt="2025-03-10T02:05:05.263" v="1833" actId="26606"/>
-          <ac:spMkLst>
-            <pc:docMk/>
-            <pc:sldMk cId="2751763783" sldId="258"/>
-            <ac:spMk id="34" creationId="{48FE65CB-EFD8-497D-A30A-093E20EACB05}"/>
-          </ac:spMkLst>
-        </pc:spChg>
-        <pc:spChg chg="add del">
-          <ac:chgData name="Jenna Aalto" userId="30c784d162ed7057" providerId="LiveId" clId="{B1DE7EB4-CBF5-43E7-A477-F69A04DF836B}" dt="2025-03-10T02:05:10.129" v="1835" actId="26606"/>
-          <ac:spMkLst>
-            <pc:docMk/>
-            <pc:sldMk cId="2751763783" sldId="258"/>
-            <ac:spMk id="38" creationId="{D77CF7D5-36A3-4ED3-AE46-77E42D2AA7FD}"/>
-          </ac:spMkLst>
-        </pc:spChg>
-        <pc:spChg chg="add del">
-          <ac:chgData name="Jenna Aalto" userId="30c784d162ed7057" providerId="LiveId" clId="{B1DE7EB4-CBF5-43E7-A477-F69A04DF836B}" dt="2025-03-10T02:06:08.208" v="1855" actId="26606"/>
-          <ac:spMkLst>
-            <pc:docMk/>
-            <pc:sldMk cId="2751763783" sldId="258"/>
-            <ac:spMk id="40" creationId="{CEEB192A-8443-482C-AFF6-77DB793E242D}"/>
-          </ac:spMkLst>
-        </pc:spChg>
         <pc:spChg chg="add mod">
           <ac:chgData name="Jenna Aalto" userId="30c784d162ed7057" providerId="LiveId" clId="{B1DE7EB4-CBF5-43E7-A477-F69A04DF836B}" dt="2025-03-10T02:08:55.810" v="1923" actId="1076"/>
           <ac:spMkLst>
             <pc:docMk/>
             <pc:sldMk cId="2751763783" sldId="258"/>
             <ac:spMk id="42" creationId="{7848ABE8-E32C-EC48-4452-F1B5D80BAFA5}"/>
-          </ac:spMkLst>
-        </pc:spChg>
-        <pc:spChg chg="add del">
-          <ac:chgData name="Jenna Aalto" userId="30c784d162ed7057" providerId="LiveId" clId="{B1DE7EB4-CBF5-43E7-A477-F69A04DF836B}" dt="2025-03-10T02:06:08.175" v="1854" actId="26606"/>
-          <ac:spMkLst>
-            <pc:docMk/>
-            <pc:sldMk cId="2751763783" sldId="258"/>
-            <ac:spMk id="47" creationId="{CEEB192A-8443-482C-AFF6-77DB793E242D}"/>
           </ac:spMkLst>
         </pc:spChg>
         <pc:spChg chg="add">
@@ -501,108 +252,12 @@
             <ac:spMk id="51" creationId="{23E246C7-AE23-4B78-B596-A021E638F0E8}"/>
           </ac:spMkLst>
         </pc:spChg>
-        <pc:graphicFrameChg chg="add del">
-          <ac:chgData name="Jenna Aalto" userId="30c784d162ed7057" providerId="LiveId" clId="{B1DE7EB4-CBF5-43E7-A477-F69A04DF836B}" dt="2025-03-10T02:05:10.129" v="1835" actId="26606"/>
-          <ac:graphicFrameMkLst>
-            <pc:docMk/>
-            <pc:sldMk cId="2751763783" sldId="258"/>
-            <ac:graphicFrameMk id="24" creationId="{81BE5112-90C7-06D4-B896-0905CF659EAC}"/>
-          </ac:graphicFrameMkLst>
-        </pc:graphicFrameChg>
         <pc:picChg chg="add mod ord">
           <ac:chgData name="Jenna Aalto" userId="30c784d162ed7057" providerId="LiveId" clId="{B1DE7EB4-CBF5-43E7-A477-F69A04DF836B}" dt="2025-03-10T02:06:08.208" v="1855" actId="26606"/>
           <ac:picMkLst>
             <pc:docMk/>
             <pc:sldMk cId="2751763783" sldId="258"/>
             <ac:picMk id="5" creationId="{2170E2AD-A5C0-A150-2428-8F72ABCC07D4}"/>
-          </ac:picMkLst>
-        </pc:picChg>
-        <pc:picChg chg="add del">
-          <ac:chgData name="Jenna Aalto" userId="30c784d162ed7057" providerId="LiveId" clId="{B1DE7EB4-CBF5-43E7-A477-F69A04DF836B}" dt="2025-03-10T02:03:12.324" v="1803" actId="26606"/>
-          <ac:picMkLst>
-            <pc:docMk/>
-            <pc:sldMk cId="2751763783" sldId="258"/>
-            <ac:picMk id="12" creationId="{00E374F5-52B2-4260-8B1C-54237931F069}"/>
-          </ac:picMkLst>
-        </pc:picChg>
-        <pc:picChg chg="add del">
-          <ac:chgData name="Jenna Aalto" userId="30c784d162ed7057" providerId="LiveId" clId="{B1DE7EB4-CBF5-43E7-A477-F69A04DF836B}" dt="2025-03-10T02:03:17.383" v="1805" actId="26606"/>
-          <ac:picMkLst>
-            <pc:docMk/>
-            <pc:sldMk cId="2751763783" sldId="258"/>
-            <ac:picMk id="15" creationId="{F5C53434-A0C7-4A81-8EB0-D460DAD9BB65}"/>
-          </ac:picMkLst>
-        </pc:picChg>
-        <pc:picChg chg="add del">
-          <ac:chgData name="Jenna Aalto" userId="30c784d162ed7057" providerId="LiveId" clId="{B1DE7EB4-CBF5-43E7-A477-F69A04DF836B}" dt="2025-03-10T02:03:24.041" v="1807" actId="26606"/>
-          <ac:picMkLst>
-            <pc:docMk/>
-            <pc:sldMk cId="2751763783" sldId="258"/>
-            <ac:picMk id="16" creationId="{D2FDF82E-EBD8-4EC5-AD10-CD9E70EE85CF}"/>
-          </ac:picMkLst>
-        </pc:picChg>
-        <pc:picChg chg="add del">
-          <ac:chgData name="Jenna Aalto" userId="30c784d162ed7057" providerId="LiveId" clId="{B1DE7EB4-CBF5-43E7-A477-F69A04DF836B}" dt="2025-03-10T02:03:24.041" v="1807" actId="26606"/>
-          <ac:picMkLst>
-            <pc:docMk/>
-            <pc:sldMk cId="2751763783" sldId="258"/>
-            <ac:picMk id="18" creationId="{0917E639-5738-4605-929E-1222198314AD}"/>
-          </ac:picMkLst>
-        </pc:picChg>
-        <pc:picChg chg="add del">
-          <ac:chgData name="Jenna Aalto" userId="30c784d162ed7057" providerId="LiveId" clId="{B1DE7EB4-CBF5-43E7-A477-F69A04DF836B}" dt="2025-03-10T02:05:10.170" v="1836" actId="26606"/>
-          <ac:picMkLst>
-            <pc:docMk/>
-            <pc:sldMk cId="2751763783" sldId="258"/>
-            <ac:picMk id="21" creationId="{21CB8282-44AF-40D0-A7E2-03734788DC49}"/>
-          </ac:picMkLst>
-        </pc:picChg>
-        <pc:picChg chg="add del">
-          <ac:chgData name="Jenna Aalto" userId="30c784d162ed7057" providerId="LiveId" clId="{B1DE7EB4-CBF5-43E7-A477-F69A04DF836B}" dt="2025-03-10T02:04:54.509" v="1829" actId="26606"/>
-          <ac:picMkLst>
-            <pc:docMk/>
-            <pc:sldMk cId="2751763783" sldId="258"/>
-            <ac:picMk id="29" creationId="{77CE03F7-0B3E-496D-9B90-C00E185FB30F}"/>
-          </ac:picMkLst>
-        </pc:picChg>
-        <pc:picChg chg="add del">
-          <ac:chgData name="Jenna Aalto" userId="30c784d162ed7057" providerId="LiveId" clId="{B1DE7EB4-CBF5-43E7-A477-F69A04DF836B}" dt="2025-03-10T02:04:56.534" v="1831" actId="26606"/>
-          <ac:picMkLst>
-            <pc:docMk/>
-            <pc:sldMk cId="2751763783" sldId="258"/>
-            <ac:picMk id="32" creationId="{41509D60-00A2-43CB-85EE-55A4E714BF9A}"/>
-          </ac:picMkLst>
-        </pc:picChg>
-        <pc:picChg chg="add del">
-          <ac:chgData name="Jenna Aalto" userId="30c784d162ed7057" providerId="LiveId" clId="{B1DE7EB4-CBF5-43E7-A477-F69A04DF836B}" dt="2025-03-10T02:05:05.263" v="1833" actId="26606"/>
-          <ac:picMkLst>
-            <pc:docMk/>
-            <pc:sldMk cId="2751763783" sldId="258"/>
-            <ac:picMk id="35" creationId="{00E374F5-52B2-4260-8B1C-54237931F069}"/>
-          </ac:picMkLst>
-        </pc:picChg>
-        <pc:picChg chg="add del">
-          <ac:chgData name="Jenna Aalto" userId="30c784d162ed7057" providerId="LiveId" clId="{B1DE7EB4-CBF5-43E7-A477-F69A04DF836B}" dt="2025-03-10T02:05:10.129" v="1835" actId="26606"/>
-          <ac:picMkLst>
-            <pc:docMk/>
-            <pc:sldMk cId="2751763783" sldId="258"/>
-            <ac:picMk id="37" creationId="{21CB8282-44AF-40D0-A7E2-03734788DC49}"/>
-          </ac:picMkLst>
-        </pc:picChg>
-        <pc:picChg chg="add del">
-          <ac:chgData name="Jenna Aalto" userId="30c784d162ed7057" providerId="LiveId" clId="{B1DE7EB4-CBF5-43E7-A477-F69A04DF836B}" dt="2025-03-10T02:06:08.208" v="1855" actId="26606"/>
-          <ac:picMkLst>
-            <pc:docMk/>
-            <pc:sldMk cId="2751763783" sldId="258"/>
-            <ac:picMk id="41" creationId="{77CE03F7-0B3E-496D-9B90-C00E185FB30F}"/>
-          </ac:picMkLst>
-        </pc:picChg>
-        <pc:picChg chg="add del">
-          <ac:chgData name="Jenna Aalto" userId="30c784d162ed7057" providerId="LiveId" clId="{B1DE7EB4-CBF5-43E7-A477-F69A04DF836B}" dt="2025-03-10T02:06:08.175" v="1854" actId="26606"/>
-          <ac:picMkLst>
-            <pc:docMk/>
-            <pc:sldMk cId="2751763783" sldId="258"/>
-            <ac:picMk id="49" creationId="{77CE03F7-0B3E-496D-9B90-C00E185FB30F}"/>
           </ac:picMkLst>
         </pc:picChg>
         <pc:picChg chg="add">
@@ -636,38 +291,6 @@
             <ac:spMk id="3" creationId="{F3A1D7FE-8240-E01B-FD62-59F66C0AF6D3}"/>
           </ac:spMkLst>
         </pc:spChg>
-        <pc:spChg chg="add del">
-          <ac:chgData name="Jenna Aalto" userId="30c784d162ed7057" providerId="LiveId" clId="{B1DE7EB4-CBF5-43E7-A477-F69A04DF836B}" dt="2025-03-10T02:15:38.977" v="2349" actId="26606"/>
-          <ac:spMkLst>
-            <pc:docMk/>
-            <pc:sldMk cId="1847543742" sldId="259"/>
-            <ac:spMk id="10" creationId="{6D58954F-C5AC-4BE0-811D-8DFE18E3506B}"/>
-          </ac:spMkLst>
-        </pc:spChg>
-        <pc:spChg chg="add del">
-          <ac:chgData name="Jenna Aalto" userId="30c784d162ed7057" providerId="LiveId" clId="{B1DE7EB4-CBF5-43E7-A477-F69A04DF836B}" dt="2025-03-10T02:15:38.977" v="2349" actId="26606"/>
-          <ac:spMkLst>
-            <pc:docMk/>
-            <pc:sldMk cId="1847543742" sldId="259"/>
-            <ac:spMk id="12" creationId="{C359E835-CE77-4DCC-8EC3-1924094D3B5B}"/>
-          </ac:spMkLst>
-        </pc:spChg>
-        <pc:spChg chg="add del">
-          <ac:chgData name="Jenna Aalto" userId="30c784d162ed7057" providerId="LiveId" clId="{B1DE7EB4-CBF5-43E7-A477-F69A04DF836B}" dt="2025-03-10T02:15:46.438" v="2353" actId="26606"/>
-          <ac:spMkLst>
-            <pc:docMk/>
-            <pc:sldMk cId="1847543742" sldId="259"/>
-            <ac:spMk id="16" creationId="{4D4DD4CF-9732-4771-98FE-77886DC915F2}"/>
-          </ac:spMkLst>
-        </pc:spChg>
-        <pc:spChg chg="add del">
-          <ac:chgData name="Jenna Aalto" userId="30c784d162ed7057" providerId="LiveId" clId="{B1DE7EB4-CBF5-43E7-A477-F69A04DF836B}" dt="2025-03-10T02:15:46.438" v="2353" actId="26606"/>
-          <ac:spMkLst>
-            <pc:docMk/>
-            <pc:sldMk cId="1847543742" sldId="259"/>
-            <ac:spMk id="17" creationId="{A2861A9C-C970-4FFE-B67C-222B6F573287}"/>
-          </ac:spMkLst>
-        </pc:spChg>
         <pc:spChg chg="add">
           <ac:chgData name="Jenna Aalto" userId="30c784d162ed7057" providerId="LiveId" clId="{B1DE7EB4-CBF5-43E7-A477-F69A04DF836B}" dt="2025-03-10T02:15:46.438" v="2353" actId="26606"/>
           <ac:spMkLst>
@@ -692,22 +315,6 @@
             <ac:picMk id="5" creationId="{9EE75921-D2CF-D54D-6D7B-C600792849E6}"/>
           </ac:picMkLst>
         </pc:picChg>
-        <pc:picChg chg="add del">
-          <ac:chgData name="Jenna Aalto" userId="30c784d162ed7057" providerId="LiveId" clId="{B1DE7EB4-CBF5-43E7-A477-F69A04DF836B}" dt="2025-03-10T02:15:38.977" v="2349" actId="26606"/>
-          <ac:picMkLst>
-            <pc:docMk/>
-            <pc:sldMk cId="1847543742" sldId="259"/>
-            <ac:picMk id="14" creationId="{B03B59B5-123A-4DC5-87BD-6D3E22FA6504}"/>
-          </ac:picMkLst>
-        </pc:picChg>
-        <pc:picChg chg="add del">
-          <ac:chgData name="Jenna Aalto" userId="30c784d162ed7057" providerId="LiveId" clId="{B1DE7EB4-CBF5-43E7-A477-F69A04DF836B}" dt="2025-03-10T02:15:46.438" v="2353" actId="26606"/>
-          <ac:picMkLst>
-            <pc:docMk/>
-            <pc:sldMk cId="1847543742" sldId="259"/>
-            <ac:picMk id="18" creationId="{D2FDF82E-EBD8-4EC5-AD10-CD9E70EE85CF}"/>
-          </ac:picMkLst>
-        </pc:picChg>
         <pc:picChg chg="add">
           <ac:chgData name="Jenna Aalto" userId="30c784d162ed7057" providerId="LiveId" clId="{B1DE7EB4-CBF5-43E7-A477-F69A04DF836B}" dt="2025-03-10T02:15:46.438" v="2353" actId="26606"/>
           <ac:picMkLst>
@@ -723,22 +330,6 @@
           <pc:docMk/>
           <pc:sldMk cId="2681136929" sldId="259"/>
         </pc:sldMkLst>
-        <pc:spChg chg="mod">
-          <ac:chgData name="Jenna Aalto" userId="30c784d162ed7057" providerId="LiveId" clId="{B1DE7EB4-CBF5-43E7-A477-F69A04DF836B}" dt="2025-03-10T02:10:10.855" v="1942" actId="20577"/>
-          <ac:spMkLst>
-            <pc:docMk/>
-            <pc:sldMk cId="2681136929" sldId="259"/>
-            <ac:spMk id="2" creationId="{6B3BFB19-F81A-F843-FC47-39FE475FAB1E}"/>
-          </ac:spMkLst>
-        </pc:spChg>
-        <pc:spChg chg="mod">
-          <ac:chgData name="Jenna Aalto" userId="30c784d162ed7057" providerId="LiveId" clId="{B1DE7EB4-CBF5-43E7-A477-F69A04DF836B}" dt="2025-03-10T02:10:56.192" v="2057" actId="20577"/>
-          <ac:spMkLst>
-            <pc:docMk/>
-            <pc:sldMk cId="2681136929" sldId="259"/>
-            <ac:spMk id="3" creationId="{A951EC4D-D327-CA01-E505-3072609BA30D}"/>
-          </ac:spMkLst>
-        </pc:spChg>
       </pc:sldChg>
       <pc:sldChg chg="addSp delSp modSp new mod ord">
         <pc:chgData name="Jenna Aalto" userId="30c784d162ed7057" providerId="LiveId" clId="{B1DE7EB4-CBF5-43E7-A477-F69A04DF836B}" dt="2025-03-11T18:45:10.078" v="3837" actId="20577"/>
@@ -1098,8 +689,8 @@
           </ac:picMkLst>
         </pc:picChg>
       </pc:sldChg>
-      <pc:sldChg chg="addSp delSp modSp new mod ord setBg">
-        <pc:chgData name="Jenna Aalto" userId="30c784d162ed7057" providerId="LiveId" clId="{B1DE7EB4-CBF5-43E7-A477-F69A04DF836B}" dt="2025-03-11T18:43:09.647" v="3804"/>
+      <pc:sldChg chg="addSp delSp modSp new del mod ord setBg">
+        <pc:chgData name="Jenna Aalto" userId="30c784d162ed7057" providerId="LiveId" clId="{B1DE7EB4-CBF5-43E7-A477-F69A04DF836B}" dt="2025-03-12T09:29:13.584" v="4407" actId="2696"/>
         <pc:sldMkLst>
           <pc:docMk/>
           <pc:sldMk cId="100650578" sldId="262"/>
@@ -1455,7 +1046,7 @@
           <a:p>
             <a:fld id="{72AD9A15-2235-4C9F-93F1-9D57C5F635C5}" type="datetimeFigureOut">
               <a:rPr lang="fi-FI" smtClean="0"/>
-              <a:t>11.3.2025</a:t>
+              <a:t>12.3.2025</a:t>
             </a:fld>
             <a:endParaRPr lang="fi-FI"/>
           </a:p>
@@ -1767,7 +1358,7 @@
           <a:p>
             <a:fld id="{72AD9A15-2235-4C9F-93F1-9D57C5F635C5}" type="datetimeFigureOut">
               <a:rPr lang="fi-FI" smtClean="0"/>
-              <a:t>11.3.2025</a:t>
+              <a:t>12.3.2025</a:t>
             </a:fld>
             <a:endParaRPr lang="fi-FI"/>
           </a:p>
@@ -1989,7 +1580,7 @@
           <a:p>
             <a:fld id="{72AD9A15-2235-4C9F-93F1-9D57C5F635C5}" type="datetimeFigureOut">
               <a:rPr lang="fi-FI" smtClean="0"/>
-              <a:t>11.3.2025</a:t>
+              <a:t>12.3.2025</a:t>
             </a:fld>
             <a:endParaRPr lang="fi-FI"/>
           </a:p>
@@ -2280,7 +1871,7 @@
           <a:p>
             <a:fld id="{72AD9A15-2235-4C9F-93F1-9D57C5F635C5}" type="datetimeFigureOut">
               <a:rPr lang="fi-FI" smtClean="0"/>
-              <a:t>11.3.2025</a:t>
+              <a:t>12.3.2025</a:t>
             </a:fld>
             <a:endParaRPr lang="fi-FI"/>
           </a:p>
@@ -2734,7 +2325,7 @@
           <a:p>
             <a:fld id="{72AD9A15-2235-4C9F-93F1-9D57C5F635C5}" type="datetimeFigureOut">
               <a:rPr lang="fi-FI" smtClean="0"/>
-              <a:t>11.3.2025</a:t>
+              <a:t>12.3.2025</a:t>
             </a:fld>
             <a:endParaRPr lang="fi-FI"/>
           </a:p>
@@ -3310,7 +2901,7 @@
           <a:p>
             <a:fld id="{72AD9A15-2235-4C9F-93F1-9D57C5F635C5}" type="datetimeFigureOut">
               <a:rPr lang="fi-FI" smtClean="0"/>
-              <a:t>11.3.2025</a:t>
+              <a:t>12.3.2025</a:t>
             </a:fld>
             <a:endParaRPr lang="fi-FI"/>
           </a:p>
@@ -4162,7 +3753,7 @@
           <a:p>
             <a:fld id="{72AD9A15-2235-4C9F-93F1-9D57C5F635C5}" type="datetimeFigureOut">
               <a:rPr lang="fi-FI" smtClean="0"/>
-              <a:t>11.3.2025</a:t>
+              <a:t>12.3.2025</a:t>
             </a:fld>
             <a:endParaRPr lang="fi-FI"/>
           </a:p>
@@ -4367,7 +3958,7 @@
           <a:p>
             <a:fld id="{72AD9A15-2235-4C9F-93F1-9D57C5F635C5}" type="datetimeFigureOut">
               <a:rPr lang="fi-FI" smtClean="0"/>
-              <a:t>11.3.2025</a:t>
+              <a:t>12.3.2025</a:t>
             </a:fld>
             <a:endParaRPr lang="fi-FI"/>
           </a:p>
@@ -4581,7 +4172,7 @@
           <a:p>
             <a:fld id="{72AD9A15-2235-4C9F-93F1-9D57C5F635C5}" type="datetimeFigureOut">
               <a:rPr lang="fi-FI" smtClean="0"/>
-              <a:t>11.3.2025</a:t>
+              <a:t>12.3.2025</a:t>
             </a:fld>
             <a:endParaRPr lang="fi-FI"/>
           </a:p>
@@ -4767,7 +4358,7 @@
           <a:p>
             <a:fld id="{72AD9A15-2235-4C9F-93F1-9D57C5F635C5}" type="datetimeFigureOut">
               <a:rPr lang="fi-FI" smtClean="0"/>
-              <a:t>11.3.2025</a:t>
+              <a:t>12.3.2025</a:t>
             </a:fld>
             <a:endParaRPr lang="fi-FI"/>
           </a:p>
@@ -4984,7 +4575,7 @@
           <a:p>
             <a:fld id="{72AD9A15-2235-4C9F-93F1-9D57C5F635C5}" type="datetimeFigureOut">
               <a:rPr lang="fi-FI" smtClean="0"/>
-              <a:t>11.3.2025</a:t>
+              <a:t>12.3.2025</a:t>
             </a:fld>
             <a:endParaRPr lang="fi-FI"/>
           </a:p>
@@ -5264,7 +4855,7 @@
           <a:p>
             <a:fld id="{72AD9A15-2235-4C9F-93F1-9D57C5F635C5}" type="datetimeFigureOut">
               <a:rPr lang="fi-FI" smtClean="0"/>
-              <a:t>11.3.2025</a:t>
+              <a:t>12.3.2025</a:t>
             </a:fld>
             <a:endParaRPr lang="fi-FI"/>
           </a:p>
@@ -5531,7 +5122,7 @@
           <a:p>
             <a:fld id="{72AD9A15-2235-4C9F-93F1-9D57C5F635C5}" type="datetimeFigureOut">
               <a:rPr lang="fi-FI" smtClean="0"/>
-              <a:t>11.3.2025</a:t>
+              <a:t>12.3.2025</a:t>
             </a:fld>
             <a:endParaRPr lang="fi-FI"/>
           </a:p>
@@ -5946,7 +5537,7 @@
           <a:p>
             <a:fld id="{72AD9A15-2235-4C9F-93F1-9D57C5F635C5}" type="datetimeFigureOut">
               <a:rPr lang="fi-FI" smtClean="0"/>
-              <a:t>11.3.2025</a:t>
+              <a:t>12.3.2025</a:t>
             </a:fld>
             <a:endParaRPr lang="fi-FI"/>
           </a:p>
@@ -6094,7 +5685,7 @@
           <a:p>
             <a:fld id="{72AD9A15-2235-4C9F-93F1-9D57C5F635C5}" type="datetimeFigureOut">
               <a:rPr lang="fi-FI" smtClean="0"/>
-              <a:t>11.3.2025</a:t>
+              <a:t>12.3.2025</a:t>
             </a:fld>
             <a:endParaRPr lang="fi-FI"/>
           </a:p>
@@ -6219,7 +5810,7 @@
           <a:p>
             <a:fld id="{72AD9A15-2235-4C9F-93F1-9D57C5F635C5}" type="datetimeFigureOut">
               <a:rPr lang="fi-FI" smtClean="0"/>
-              <a:t>11.3.2025</a:t>
+              <a:t>12.3.2025</a:t>
             </a:fld>
             <a:endParaRPr lang="fi-FI"/>
           </a:p>
@@ -6498,7 +6089,7 @@
           <a:p>
             <a:fld id="{72AD9A15-2235-4C9F-93F1-9D57C5F635C5}" type="datetimeFigureOut">
               <a:rPr lang="fi-FI" smtClean="0"/>
-              <a:t>11.3.2025</a:t>
+              <a:t>12.3.2025</a:t>
             </a:fld>
             <a:endParaRPr lang="fi-FI"/>
           </a:p>
@@ -6810,7 +6401,7 @@
           <a:p>
             <a:fld id="{72AD9A15-2235-4C9F-93F1-9D57C5F635C5}" type="datetimeFigureOut">
               <a:rPr lang="fi-FI" smtClean="0"/>
-              <a:t>11.3.2025</a:t>
+              <a:t>12.3.2025</a:t>
             </a:fld>
             <a:endParaRPr lang="fi-FI"/>
           </a:p>
@@ -7063,7 +6654,7 @@
           <a:p>
             <a:fld id="{72AD9A15-2235-4C9F-93F1-9D57C5F635C5}" type="datetimeFigureOut">
               <a:rPr lang="fi-FI" smtClean="0"/>
-              <a:t>11.3.2025</a:t>
+              <a:t>12.3.2025</a:t>
             </a:fld>
             <a:endParaRPr lang="fi-FI"/>
           </a:p>
@@ -7745,599 +7336,6 @@
           <a:chExt cx="0" cy="0"/>
         </a:xfrm>
       </p:grpSpPr>
-      <p:pic>
-        <p:nvPicPr>
-          <p:cNvPr id="4" name="Picture 2">
-            <a:extLst>
-              <a:ext uri="{FF2B5EF4-FFF2-40B4-BE49-F238E27FC236}">
-                <a16:creationId xmlns:a16="http://schemas.microsoft.com/office/drawing/2014/main" id="{9A0F0AC6-A89F-416B-9FA4-48E664065E73}"/>
-              </a:ext>
-              <a:ext uri="{C183D7F6-B498-43B3-948B-1728B52AA6E4}">
-                <adec:decorative xmlns:adec="http://schemas.microsoft.com/office/drawing/2017/decorative" val="1"/>
-              </a:ext>
-            </a:extLst>
-          </p:cNvPr>
-          <p:cNvPicPr>
-            <a:picLocks noGrp="1" noRot="1" noChangeAspect="1" noMove="1" noResize="1" noEditPoints="1" noAdjustHandles="1" noChangeArrowheads="1" noChangeShapeType="1" noCrop="1"/>
-          </p:cNvPicPr>
-          <p:nvPr>
-            <p:extLst>
-              <p:ext uri="{386F3935-93C4-4BCD-93E2-E3B085C9AB24}">
-                <p16:designElem xmlns:p16="http://schemas.microsoft.com/office/powerpoint/2015/main" val="1"/>
-              </p:ext>
-            </p:extLst>
-          </p:nvPr>
-        </p:nvPicPr>
-        <p:blipFill>
-          <a:blip r:embed="rId2">
-            <a:alphaModFix/>
-            <a:extLst>
-              <a:ext uri="{28A0092B-C50C-407E-A947-70E740481C1C}">
-                <a14:useLocalDpi xmlns:a14="http://schemas.microsoft.com/office/drawing/2010/main" val="0"/>
-              </a:ext>
-            </a:extLst>
-          </a:blip>
-          <a:srcRect/>
-          <a:stretch>
-            <a:fillRect/>
-          </a:stretch>
-        </p:blipFill>
-        <p:spPr bwMode="auto">
-          <a:xfrm>
-            <a:off x="0" y="-1"/>
-            <a:ext cx="12192003" cy="6858001"/>
-          </a:xfrm>
-          <a:prstGeom prst="rect">
-            <a:avLst/>
-          </a:prstGeom>
-          <a:noFill/>
-          <a:extLst>
-            <a:ext uri="{909E8E84-426E-40DD-AFC4-6F175D3DCCD1}">
-              <a14:hiddenFill xmlns:a14="http://schemas.microsoft.com/office/drawing/2010/main">
-                <a:solidFill>
-                  <a:srgbClr val="FFFFFF"/>
-                </a:solidFill>
-              </a14:hiddenFill>
-            </a:ext>
-          </a:extLst>
-        </p:spPr>
-      </p:pic>
-      <p:pic>
-        <p:nvPicPr>
-          <p:cNvPr id="6" name="Picture 8">
-            <a:extLst>
-              <a:ext uri="{FF2B5EF4-FFF2-40B4-BE49-F238E27FC236}">
-                <a16:creationId xmlns:a16="http://schemas.microsoft.com/office/drawing/2014/main" id="{C31AA009-40AD-4098-8AE7-680CA35C6EAA}"/>
-              </a:ext>
-              <a:ext uri="{C183D7F6-B498-43B3-948B-1728B52AA6E4}">
-                <adec:decorative xmlns:adec="http://schemas.microsoft.com/office/drawing/2017/decorative" val="1"/>
-              </a:ext>
-            </a:extLst>
-          </p:cNvPr>
-          <p:cNvPicPr>
-            <a:picLocks noGrp="1" noRot="1" noChangeAspect="1" noMove="1" noResize="1" noEditPoints="1" noAdjustHandles="1" noChangeArrowheads="1" noChangeShapeType="1" noCrop="1"/>
-          </p:cNvPicPr>
-          <p:nvPr>
-            <p:extLst>
-              <p:ext uri="{386F3935-93C4-4BCD-93E2-E3B085C9AB24}">
-                <p16:designElem xmlns:p16="http://schemas.microsoft.com/office/powerpoint/2015/main" val="1"/>
-              </p:ext>
-            </p:extLst>
-          </p:nvPr>
-        </p:nvPicPr>
-        <p:blipFill>
-          <a:blip r:embed="rId3">
-            <a:extLst>
-              <a:ext uri="{28A0092B-C50C-407E-A947-70E740481C1C}">
-                <a14:useLocalDpi xmlns:a14="http://schemas.microsoft.com/office/drawing/2010/main" val="0"/>
-              </a:ext>
-            </a:extLst>
-          </a:blip>
-          <a:stretch>
-            <a:fillRect/>
-          </a:stretch>
-        </p:blipFill>
-        <p:spPr>
-          <a:xfrm>
-            <a:off x="0" y="0"/>
-            <a:ext cx="12192000" cy="6858000"/>
-          </a:xfrm>
-          <a:prstGeom prst="rect">
-            <a:avLst/>
-          </a:prstGeom>
-        </p:spPr>
-      </p:pic>
-      <p:sp useBgFill="1">
-        <p:nvSpPr>
-          <p:cNvPr id="8" name="Rectangle 10">
-            <a:extLst>
-              <a:ext uri="{FF2B5EF4-FFF2-40B4-BE49-F238E27FC236}">
-                <a16:creationId xmlns:a16="http://schemas.microsoft.com/office/drawing/2014/main" id="{4E50CAEE-CAC0-4F18-9593-F09A3338C1A8}"/>
-              </a:ext>
-              <a:ext uri="{C183D7F6-B498-43B3-948B-1728B52AA6E4}">
-                <adec:decorative xmlns:adec="http://schemas.microsoft.com/office/drawing/2017/decorative" val="1"/>
-              </a:ext>
-            </a:extLst>
-          </p:cNvPr>
-          <p:cNvSpPr>
-            <a:spLocks noGrp="1" noRot="1" noChangeAspect="1" noMove="1" noResize="1" noEditPoints="1" noAdjustHandles="1" noChangeArrowheads="1" noChangeShapeType="1" noTextEdit="1"/>
-          </p:cNvSpPr>
-          <p:nvPr>
-            <p:extLst>
-              <p:ext uri="{386F3935-93C4-4BCD-93E2-E3B085C9AB24}">
-                <p16:designElem xmlns:p16="http://schemas.microsoft.com/office/powerpoint/2015/main" val="1"/>
-              </p:ext>
-            </p:extLst>
-          </p:nvPr>
-        </p:nvSpPr>
-        <p:spPr>
-          <a:xfrm>
-            <a:off x="0" y="0"/>
-            <a:ext cx="12192000" cy="6858000"/>
-          </a:xfrm>
-          <a:prstGeom prst="rect">
-            <a:avLst/>
-          </a:prstGeom>
-          <a:ln>
-            <a:noFill/>
-          </a:ln>
-        </p:spPr>
-        <p:style>
-          <a:lnRef idx="2">
-            <a:schemeClr val="accent1">
-              <a:shade val="50000"/>
-            </a:schemeClr>
-          </a:lnRef>
-          <a:fillRef idx="1">
-            <a:schemeClr val="accent1"/>
-          </a:fillRef>
-          <a:effectRef idx="0">
-            <a:schemeClr val="accent1"/>
-          </a:effectRef>
-          <a:fontRef idx="minor">
-            <a:schemeClr val="lt1"/>
-          </a:fontRef>
-        </p:style>
-        <p:txBody>
-          <a:bodyPr rtlCol="0" anchor="ctr"/>
-          <a:lstStyle/>
-          <a:p>
-            <a:pPr algn="ctr"/>
-            <a:endParaRPr lang="en-US" dirty="0"/>
-          </a:p>
-        </p:txBody>
-      </p:sp>
-      <p:pic>
-        <p:nvPicPr>
-          <p:cNvPr id="13" name="Picture 12">
-            <a:extLst>
-              <a:ext uri="{FF2B5EF4-FFF2-40B4-BE49-F238E27FC236}">
-                <a16:creationId xmlns:a16="http://schemas.microsoft.com/office/drawing/2014/main" id="{D2DA77D5-12C4-446D-AC72-A514960A553E}"/>
-              </a:ext>
-              <a:ext uri="{C183D7F6-B498-43B3-948B-1728B52AA6E4}">
-                <adec:decorative xmlns:adec="http://schemas.microsoft.com/office/drawing/2017/decorative" val="1"/>
-              </a:ext>
-            </a:extLst>
-          </p:cNvPr>
-          <p:cNvPicPr>
-            <a:picLocks noGrp="1" noRot="1" noChangeAspect="1" noMove="1" noResize="1" noEditPoints="1" noAdjustHandles="1" noChangeArrowheads="1" noChangeShapeType="1" noCrop="1"/>
-          </p:cNvPicPr>
-          <p:nvPr>
-            <p:extLst>
-              <p:ext uri="{386F3935-93C4-4BCD-93E2-E3B085C9AB24}">
-                <p16:designElem xmlns:p16="http://schemas.microsoft.com/office/powerpoint/2015/main" val="1"/>
-              </p:ext>
-            </p:extLst>
-          </p:nvPr>
-        </p:nvPicPr>
-        <p:blipFill rotWithShape="1">
-          <a:blip r:embed="rId3">
-            <a:extLst>
-              <a:ext uri="{28A0092B-C50C-407E-A947-70E740481C1C}">
-                <a14:useLocalDpi xmlns:a14="http://schemas.microsoft.com/office/drawing/2010/main" val="0"/>
-              </a:ext>
-            </a:extLst>
-          </a:blip>
-          <a:srcRect l="73623" t="43915" r="1" b="10213"/>
-          <a:stretch/>
-        </p:blipFill>
-        <p:spPr>
-          <a:xfrm>
-            <a:off x="8199690" y="290557"/>
-            <a:ext cx="3992310" cy="3905520"/>
-          </a:xfrm>
-          <a:prstGeom prst="rect">
-            <a:avLst/>
-          </a:prstGeom>
-        </p:spPr>
-      </p:pic>
-      <p:pic>
-        <p:nvPicPr>
-          <p:cNvPr id="15" name="Picture 14">
-            <a:extLst>
-              <a:ext uri="{FF2B5EF4-FFF2-40B4-BE49-F238E27FC236}">
-                <a16:creationId xmlns:a16="http://schemas.microsoft.com/office/drawing/2014/main" id="{19E04E4F-6B32-4651-ACE0-DACABF1FC254}"/>
-              </a:ext>
-              <a:ext uri="{C183D7F6-B498-43B3-948B-1728B52AA6E4}">
-                <adec:decorative xmlns:adec="http://schemas.microsoft.com/office/drawing/2017/decorative" val="1"/>
-              </a:ext>
-            </a:extLst>
-          </p:cNvPr>
-          <p:cNvPicPr>
-            <a:picLocks noGrp="1" noRot="1" noChangeAspect="1" noMove="1" noResize="1" noEditPoints="1" noAdjustHandles="1" noChangeArrowheads="1" noChangeShapeType="1" noCrop="1"/>
-          </p:cNvPicPr>
-          <p:nvPr>
-            <p:extLst>
-              <p:ext uri="{386F3935-93C4-4BCD-93E2-E3B085C9AB24}">
-                <p16:designElem xmlns:p16="http://schemas.microsoft.com/office/powerpoint/2015/main" val="1"/>
-              </p:ext>
-            </p:extLst>
-          </p:nvPr>
-        </p:nvPicPr>
-        <p:blipFill rotWithShape="1">
-          <a:blip r:embed="rId3">
-            <a:extLst>
-              <a:ext uri="{28A0092B-C50C-407E-A947-70E740481C1C}">
-                <a14:useLocalDpi xmlns:a14="http://schemas.microsoft.com/office/drawing/2010/main" val="0"/>
-              </a:ext>
-            </a:extLst>
-          </a:blip>
-          <a:srcRect l="12450" t="1120" r="54326" b="73832"/>
-          <a:stretch/>
-        </p:blipFill>
-        <p:spPr>
-          <a:xfrm>
-            <a:off x="4581330" y="0"/>
-            <a:ext cx="6762408" cy="2867764"/>
-          </a:xfrm>
-          <a:prstGeom prst="rect">
-            <a:avLst/>
-          </a:prstGeom>
-        </p:spPr>
-      </p:pic>
-      <p:sp>
-        <p:nvSpPr>
-          <p:cNvPr id="2" name="Otsikko 1">
-            <a:extLst>
-              <a:ext uri="{FF2B5EF4-FFF2-40B4-BE49-F238E27FC236}">
-                <a16:creationId xmlns:a16="http://schemas.microsoft.com/office/drawing/2014/main" id="{66A46F86-5DCD-AD79-6D15-B8F2441A0926}"/>
-              </a:ext>
-            </a:extLst>
-          </p:cNvPr>
-          <p:cNvSpPr>
-            <a:spLocks noGrp="1"/>
-          </p:cNvSpPr>
-          <p:nvPr>
-            <p:ph type="title"/>
-          </p:nvPr>
-        </p:nvSpPr>
-        <p:spPr>
-          <a:xfrm>
-            <a:off x="1457466" y="1860181"/>
-            <a:ext cx="6247721" cy="2204815"/>
-          </a:xfrm>
-        </p:spPr>
-        <p:txBody>
-          <a:bodyPr vert="horz" lIns="91440" tIns="45720" rIns="91440" bIns="45720" rtlCol="0" anchor="b">
-            <a:normAutofit/>
-          </a:bodyPr>
-          <a:lstStyle/>
-          <a:p>
-            <a:pPr algn="l"/>
-            <a:r>
-              <a:rPr lang="en-US" sz="6000" dirty="0" err="1"/>
-              <a:t>Esittely</a:t>
-            </a:r>
-            <a:endParaRPr lang="en-US" sz="4800" dirty="0"/>
-          </a:p>
-        </p:txBody>
-      </p:sp>
-      <p:pic>
-        <p:nvPicPr>
-          <p:cNvPr id="17" name="Picture 16">
-            <a:extLst>
-              <a:ext uri="{FF2B5EF4-FFF2-40B4-BE49-F238E27FC236}">
-                <a16:creationId xmlns:a16="http://schemas.microsoft.com/office/drawing/2014/main" id="{13D4F2B0-7771-46FC-9763-240E8F55F14D}"/>
-              </a:ext>
-              <a:ext uri="{C183D7F6-B498-43B3-948B-1728B52AA6E4}">
-                <adec:decorative xmlns:adec="http://schemas.microsoft.com/office/drawing/2017/decorative" val="1"/>
-              </a:ext>
-            </a:extLst>
-          </p:cNvPr>
-          <p:cNvPicPr>
-            <a:picLocks noGrp="1" noRot="1" noChangeAspect="1" noMove="1" noResize="1" noEditPoints="1" noAdjustHandles="1" noChangeArrowheads="1" noChangeShapeType="1" noCrop="1"/>
-          </p:cNvPicPr>
-          <p:nvPr>
-            <p:extLst>
-              <p:ext uri="{386F3935-93C4-4BCD-93E2-E3B085C9AB24}">
-                <p16:designElem xmlns:p16="http://schemas.microsoft.com/office/powerpoint/2015/main" val="1"/>
-              </p:ext>
-            </p:extLst>
-          </p:nvPr>
-        </p:nvPicPr>
-        <p:blipFill rotWithShape="1">
-          <a:blip r:embed="rId3">
-            <a:extLst>
-              <a:ext uri="{28A0092B-C50C-407E-A947-70E740481C1C}">
-                <a14:useLocalDpi xmlns:a14="http://schemas.microsoft.com/office/drawing/2010/main" val="0"/>
-              </a:ext>
-            </a:extLst>
-          </a:blip>
-          <a:srcRect l="65973" t="81531" r="19879"/>
-          <a:stretch/>
-        </p:blipFill>
-        <p:spPr>
-          <a:xfrm>
-            <a:off x="10246407" y="5429242"/>
-            <a:ext cx="1945594" cy="1428758"/>
-          </a:xfrm>
-          <a:custGeom>
-            <a:avLst/>
-            <a:gdLst>
-              <a:gd name="connsiteX0" fmla="*/ 2051608 w 4103216"/>
-              <a:gd name="connsiteY0" fmla="*/ 0 h 1714050"/>
-              <a:gd name="connsiteX1" fmla="*/ 4103216 w 4103216"/>
-              <a:gd name="connsiteY1" fmla="*/ 1266738 h 1714050"/>
-              <a:gd name="connsiteX2" fmla="*/ 4010980 w 4103216"/>
-              <a:gd name="connsiteY2" fmla="*/ 1643427 h 1714050"/>
-              <a:gd name="connsiteX3" fmla="*/ 3969116 w 4103216"/>
-              <a:gd name="connsiteY3" fmla="*/ 1714050 h 1714050"/>
-              <a:gd name="connsiteX4" fmla="*/ 134100 w 4103216"/>
-              <a:gd name="connsiteY4" fmla="*/ 1714050 h 1714050"/>
-              <a:gd name="connsiteX5" fmla="*/ 92237 w 4103216"/>
-              <a:gd name="connsiteY5" fmla="*/ 1643427 h 1714050"/>
-              <a:gd name="connsiteX6" fmla="*/ 0 w 4103216"/>
-              <a:gd name="connsiteY6" fmla="*/ 1266738 h 1714050"/>
-              <a:gd name="connsiteX7" fmla="*/ 2051608 w 4103216"/>
-              <a:gd name="connsiteY7" fmla="*/ 0 h 1714050"/>
-            </a:gdLst>
-            <a:ahLst/>
-            <a:cxnLst>
-              <a:cxn ang="0">
-                <a:pos x="connsiteX0" y="connsiteY0"/>
-              </a:cxn>
-              <a:cxn ang="0">
-                <a:pos x="connsiteX1" y="connsiteY1"/>
-              </a:cxn>
-              <a:cxn ang="0">
-                <a:pos x="connsiteX2" y="connsiteY2"/>
-              </a:cxn>
-              <a:cxn ang="0">
-                <a:pos x="connsiteX3" y="connsiteY3"/>
-              </a:cxn>
-              <a:cxn ang="0">
-                <a:pos x="connsiteX4" y="connsiteY4"/>
-              </a:cxn>
-              <a:cxn ang="0">
-                <a:pos x="connsiteX5" y="connsiteY5"/>
-              </a:cxn>
-              <a:cxn ang="0">
-                <a:pos x="connsiteX6" y="connsiteY6"/>
-              </a:cxn>
-              <a:cxn ang="0">
-                <a:pos x="connsiteX7" y="connsiteY7"/>
-              </a:cxn>
-            </a:cxnLst>
-            <a:rect l="l" t="t" r="r" b="b"/>
-            <a:pathLst>
-              <a:path w="4103216" h="1714050">
-                <a:moveTo>
-                  <a:pt x="2051608" y="0"/>
-                </a:moveTo>
-                <a:cubicBezTo>
-                  <a:pt x="3184680" y="0"/>
-                  <a:pt x="4103216" y="567138"/>
-                  <a:pt x="4103216" y="1266738"/>
-                </a:cubicBezTo>
-                <a:cubicBezTo>
-                  <a:pt x="4103216" y="1397913"/>
-                  <a:pt x="4070924" y="1524431"/>
-                  <a:pt x="4010980" y="1643427"/>
-                </a:cubicBezTo>
-                <a:lnTo>
-                  <a:pt x="3969116" y="1714050"/>
-                </a:lnTo>
-                <a:lnTo>
-                  <a:pt x="134100" y="1714050"/>
-                </a:lnTo>
-                <a:lnTo>
-                  <a:pt x="92237" y="1643427"/>
-                </a:lnTo>
-                <a:cubicBezTo>
-                  <a:pt x="32293" y="1524431"/>
-                  <a:pt x="0" y="1397913"/>
-                  <a:pt x="0" y="1266738"/>
-                </a:cubicBezTo>
-                <a:cubicBezTo>
-                  <a:pt x="0" y="567138"/>
-                  <a:pt x="918536" y="0"/>
-                  <a:pt x="2051608" y="0"/>
-                </a:cubicBezTo>
-                <a:close/>
-              </a:path>
-            </a:pathLst>
-          </a:custGeom>
-        </p:spPr>
-      </p:pic>
-      <p:pic>
-        <p:nvPicPr>
-          <p:cNvPr id="19" name="Picture 18">
-            <a:extLst>
-              <a:ext uri="{FF2B5EF4-FFF2-40B4-BE49-F238E27FC236}">
-                <a16:creationId xmlns:a16="http://schemas.microsoft.com/office/drawing/2014/main" id="{6164F387-6750-4AFF-8A10-65C64D31ECA3}"/>
-              </a:ext>
-              <a:ext uri="{C183D7F6-B498-43B3-948B-1728B52AA6E4}">
-                <adec:decorative xmlns:adec="http://schemas.microsoft.com/office/drawing/2017/decorative" val="1"/>
-              </a:ext>
-            </a:extLst>
-          </p:cNvPr>
-          <p:cNvPicPr>
-            <a:picLocks noGrp="1" noRot="1" noChangeAspect="1" noMove="1" noResize="1" noEditPoints="1" noAdjustHandles="1" noChangeArrowheads="1" noChangeShapeType="1" noCrop="1"/>
-          </p:cNvPicPr>
-          <p:nvPr>
-            <p:extLst>
-              <p:ext uri="{386F3935-93C4-4BCD-93E2-E3B085C9AB24}">
-                <p16:designElem xmlns:p16="http://schemas.microsoft.com/office/powerpoint/2015/main" val="1"/>
-              </p:ext>
-            </p:extLst>
-          </p:nvPr>
-        </p:nvPicPr>
-        <p:blipFill rotWithShape="1">
-          <a:blip r:embed="rId3">
-            <a:extLst>
-              <a:ext uri="{28A0092B-C50C-407E-A947-70E740481C1C}">
-                <a14:useLocalDpi xmlns:a14="http://schemas.microsoft.com/office/drawing/2010/main" val="0"/>
-              </a:ext>
-            </a:extLst>
-          </a:blip>
-          <a:srcRect l="46466" t="75007" r="30510"/>
-          <a:stretch/>
-        </p:blipFill>
-        <p:spPr>
-          <a:xfrm>
-            <a:off x="9795659" y="4064996"/>
-            <a:ext cx="2716669" cy="1658803"/>
-          </a:xfrm>
-          <a:custGeom>
-            <a:avLst/>
-            <a:gdLst>
-              <a:gd name="connsiteX0" fmla="*/ 2051608 w 4103216"/>
-              <a:gd name="connsiteY0" fmla="*/ 0 h 1714050"/>
-              <a:gd name="connsiteX1" fmla="*/ 4103216 w 4103216"/>
-              <a:gd name="connsiteY1" fmla="*/ 1266738 h 1714050"/>
-              <a:gd name="connsiteX2" fmla="*/ 4010980 w 4103216"/>
-              <a:gd name="connsiteY2" fmla="*/ 1643427 h 1714050"/>
-              <a:gd name="connsiteX3" fmla="*/ 3969116 w 4103216"/>
-              <a:gd name="connsiteY3" fmla="*/ 1714050 h 1714050"/>
-              <a:gd name="connsiteX4" fmla="*/ 134100 w 4103216"/>
-              <a:gd name="connsiteY4" fmla="*/ 1714050 h 1714050"/>
-              <a:gd name="connsiteX5" fmla="*/ 92237 w 4103216"/>
-              <a:gd name="connsiteY5" fmla="*/ 1643427 h 1714050"/>
-              <a:gd name="connsiteX6" fmla="*/ 0 w 4103216"/>
-              <a:gd name="connsiteY6" fmla="*/ 1266738 h 1714050"/>
-              <a:gd name="connsiteX7" fmla="*/ 2051608 w 4103216"/>
-              <a:gd name="connsiteY7" fmla="*/ 0 h 1714050"/>
-            </a:gdLst>
-            <a:ahLst/>
-            <a:cxnLst>
-              <a:cxn ang="0">
-                <a:pos x="connsiteX0" y="connsiteY0"/>
-              </a:cxn>
-              <a:cxn ang="0">
-                <a:pos x="connsiteX1" y="connsiteY1"/>
-              </a:cxn>
-              <a:cxn ang="0">
-                <a:pos x="connsiteX2" y="connsiteY2"/>
-              </a:cxn>
-              <a:cxn ang="0">
-                <a:pos x="connsiteX3" y="connsiteY3"/>
-              </a:cxn>
-              <a:cxn ang="0">
-                <a:pos x="connsiteX4" y="connsiteY4"/>
-              </a:cxn>
-              <a:cxn ang="0">
-                <a:pos x="connsiteX5" y="connsiteY5"/>
-              </a:cxn>
-              <a:cxn ang="0">
-                <a:pos x="connsiteX6" y="connsiteY6"/>
-              </a:cxn>
-              <a:cxn ang="0">
-                <a:pos x="connsiteX7" y="connsiteY7"/>
-              </a:cxn>
-            </a:cxnLst>
-            <a:rect l="l" t="t" r="r" b="b"/>
-            <a:pathLst>
-              <a:path w="4103216" h="1714050">
-                <a:moveTo>
-                  <a:pt x="2051608" y="0"/>
-                </a:moveTo>
-                <a:cubicBezTo>
-                  <a:pt x="3184680" y="0"/>
-                  <a:pt x="4103216" y="567138"/>
-                  <a:pt x="4103216" y="1266738"/>
-                </a:cubicBezTo>
-                <a:cubicBezTo>
-                  <a:pt x="4103216" y="1397913"/>
-                  <a:pt x="4070924" y="1524431"/>
-                  <a:pt x="4010980" y="1643427"/>
-                </a:cubicBezTo>
-                <a:lnTo>
-                  <a:pt x="3969116" y="1714050"/>
-                </a:lnTo>
-                <a:lnTo>
-                  <a:pt x="134100" y="1714050"/>
-                </a:lnTo>
-                <a:lnTo>
-                  <a:pt x="92237" y="1643427"/>
-                </a:lnTo>
-                <a:cubicBezTo>
-                  <a:pt x="32293" y="1524431"/>
-                  <a:pt x="0" y="1397913"/>
-                  <a:pt x="0" y="1266738"/>
-                </a:cubicBezTo>
-                <a:cubicBezTo>
-                  <a:pt x="0" y="567138"/>
-                  <a:pt x="918536" y="0"/>
-                  <a:pt x="2051608" y="0"/>
-                </a:cubicBezTo>
-                <a:close/>
-              </a:path>
-            </a:pathLst>
-          </a:custGeom>
-        </p:spPr>
-      </p:pic>
-    </p:spTree>
-    <p:extLst>
-      <p:ext uri="{BB962C8B-B14F-4D97-AF65-F5344CB8AC3E}">
-        <p14:creationId xmlns:p14="http://schemas.microsoft.com/office/powerpoint/2010/main" val="100650578"/>
-      </p:ext>
-    </p:extLst>
-  </p:cSld>
-  <p:clrMapOvr>
-    <a:masterClrMapping/>
-  </p:clrMapOvr>
-</p:sld>
-</file>
-
-<file path=ppt/slides/slide3.xml><?xml version="1.0" encoding="utf-8"?>
-<p:sld xmlns:a="http://schemas.openxmlformats.org/drawingml/2006/main" xmlns:r="http://schemas.openxmlformats.org/officeDocument/2006/relationships" xmlns:p="http://schemas.openxmlformats.org/presentationml/2006/main">
-  <p:cSld>
-    <p:bg>
-      <p:bgPr>
-        <a:gradFill rotWithShape="1">
-          <a:gsLst>
-            <a:gs pos="0">
-              <a:schemeClr val="bg1">
-                <a:tint val="90000"/>
-                <a:lumMod val="110000"/>
-              </a:schemeClr>
-            </a:gs>
-            <a:gs pos="100000">
-              <a:schemeClr val="bg1">
-                <a:shade val="64000"/>
-                <a:lumMod val="88000"/>
-              </a:schemeClr>
-            </a:gs>
-          </a:gsLst>
-          <a:lin ang="5400000" scaled="0"/>
-        </a:gradFill>
-        <a:effectLst/>
-      </p:bgPr>
-    </p:bg>
-    <p:spTree>
-      <p:nvGrpSpPr>
-        <p:cNvPr id="1" name=""/>
-        <p:cNvGrpSpPr/>
-        <p:nvPr/>
-      </p:nvGrpSpPr>
-      <p:grpSpPr>
-        <a:xfrm>
-          <a:off x="0" y="0"/>
-          <a:ext cx="0" cy="0"/>
-          <a:chOff x="0" y="0"/>
-          <a:chExt cx="0" cy="0"/>
-        </a:xfrm>
-      </p:grpSpPr>
       <p:sp useBgFill="1">
         <p:nvSpPr>
           <p:cNvPr id="27" name="Rectangle 8">
@@ -9227,7 +8225,7 @@
 </p:sld>
 </file>
 
-<file path=ppt/slides/slide4.xml><?xml version="1.0" encoding="utf-8"?>
+<file path=ppt/slides/slide3.xml><?xml version="1.0" encoding="utf-8"?>
 <p:sld xmlns:a="http://schemas.openxmlformats.org/drawingml/2006/main" xmlns:r="http://schemas.openxmlformats.org/officeDocument/2006/relationships" xmlns:p="http://schemas.openxmlformats.org/presentationml/2006/main">
   <p:cSld>
     <p:bg>
@@ -9836,7 +8834,7 @@
 </p:sld>
 </file>
 
-<file path=ppt/slides/slide5.xml><?xml version="1.0" encoding="utf-8"?>
+<file path=ppt/slides/slide4.xml><?xml version="1.0" encoding="utf-8"?>
 <p:sld xmlns:a="http://schemas.openxmlformats.org/drawingml/2006/main" xmlns:r="http://schemas.openxmlformats.org/officeDocument/2006/relationships" xmlns:p="http://schemas.openxmlformats.org/presentationml/2006/main">
   <p:cSld>
     <p:spTree>
@@ -10588,7 +9586,7 @@
 </p:sld>
 </file>
 
-<file path=ppt/slides/slide6.xml><?xml version="1.0" encoding="utf-8"?>
+<file path=ppt/slides/slide5.xml><?xml version="1.0" encoding="utf-8"?>
 <p:sld xmlns:a="http://schemas.openxmlformats.org/drawingml/2006/main" xmlns:r="http://schemas.openxmlformats.org/officeDocument/2006/relationships" xmlns:p="http://schemas.openxmlformats.org/presentationml/2006/main">
   <p:cSld>
     <p:spTree>
@@ -11148,7 +10146,7 @@
 </p:sld>
 </file>
 
-<file path=ppt/slides/slide7.xml><?xml version="1.0" encoding="utf-8"?>
+<file path=ppt/slides/slide6.xml><?xml version="1.0" encoding="utf-8"?>
 <p:sld xmlns:a="http://schemas.openxmlformats.org/drawingml/2006/main" xmlns:r="http://schemas.openxmlformats.org/officeDocument/2006/relationships" xmlns:p="http://schemas.openxmlformats.org/presentationml/2006/main">
   <p:cSld>
     <p:spTree>
@@ -11214,7 +10212,7 @@
 </p:sld>
 </file>
 
-<file path=ppt/slides/slide8.xml><?xml version="1.0" encoding="utf-8"?>
+<file path=ppt/slides/slide7.xml><?xml version="1.0" encoding="utf-8"?>
 <p:sld xmlns:a="http://schemas.openxmlformats.org/drawingml/2006/main" xmlns:r="http://schemas.openxmlformats.org/officeDocument/2006/relationships" xmlns:p="http://schemas.openxmlformats.org/presentationml/2006/main">
   <p:cSld>
     <p:bg>
@@ -11941,7 +10939,7 @@
 </p:sld>
 </file>
 
-<file path=ppt/slides/slide9.xml><?xml version="1.0" encoding="utf-8"?>
+<file path=ppt/slides/slide8.xml><?xml version="1.0" encoding="utf-8"?>
 <p:sld xmlns:a="http://schemas.openxmlformats.org/drawingml/2006/main" xmlns:r="http://schemas.openxmlformats.org/officeDocument/2006/relationships" xmlns:p="http://schemas.openxmlformats.org/presentationml/2006/main">
   <p:cSld>
     <p:bg>

--- a/SäähänSopivaFinal.pptx
+++ b/SäähänSopivaFinal.pptx
@@ -9,9 +9,9 @@
     <p:sldId id="257" r:id="rId3"/>
     <p:sldId id="258" r:id="rId4"/>
     <p:sldId id="260" r:id="rId5"/>
-    <p:sldId id="264" r:id="rId6"/>
-    <p:sldId id="263" r:id="rId7"/>
-    <p:sldId id="259" r:id="rId8"/>
+    <p:sldId id="263" r:id="rId6"/>
+    <p:sldId id="259" r:id="rId7"/>
+    <p:sldId id="264" r:id="rId8"/>
     <p:sldId id="261" r:id="rId9"/>
   </p:sldIdLst>
   <p:sldSz cx="12192000" cy="6858000"/>
@@ -132,12 +132,12 @@
   <pc:docChgLst>
     <pc:chgData name="Jenna Aalto" userId="30c784d162ed7057" providerId="LiveId" clId="{B1DE7EB4-CBF5-43E7-A477-F69A04DF836B}"/>
     <pc:docChg chg="undo redo custSel addSld delSld modSld sldOrd">
-      <pc:chgData name="Jenna Aalto" userId="30c784d162ed7057" providerId="LiveId" clId="{B1DE7EB4-CBF5-43E7-A477-F69A04DF836B}" dt="2025-03-12T09:29:13.584" v="4407" actId="2696"/>
+      <pc:chgData name="Jenna Aalto" userId="30c784d162ed7057" providerId="LiveId" clId="{B1DE7EB4-CBF5-43E7-A477-F69A04DF836B}" dt="2025-03-12T11:53:14.723" v="4831" actId="20577"/>
       <pc:docMkLst>
         <pc:docMk/>
       </pc:docMkLst>
       <pc:sldChg chg="addSp delSp modSp mod setBg">
-        <pc:chgData name="Jenna Aalto" userId="30c784d162ed7057" providerId="LiveId" clId="{B1DE7EB4-CBF5-43E7-A477-F69A04DF836B}" dt="2025-03-10T01:47:16.879" v="581" actId="403"/>
+        <pc:chgData name="Jenna Aalto" userId="30c784d162ed7057" providerId="LiveId" clId="{B1DE7EB4-CBF5-43E7-A477-F69A04DF836B}" dt="2025-03-12T11:53:14.723" v="4831" actId="20577"/>
         <pc:sldMkLst>
           <pc:docMk/>
           <pc:sldMk cId="1266864269" sldId="256"/>
@@ -151,7 +151,7 @@
           </ac:spMkLst>
         </pc:spChg>
         <pc:spChg chg="mod">
-          <ac:chgData name="Jenna Aalto" userId="30c784d162ed7057" providerId="LiveId" clId="{B1DE7EB4-CBF5-43E7-A477-F69A04DF836B}" dt="2025-03-10T01:47:16.879" v="581" actId="403"/>
+          <ac:chgData name="Jenna Aalto" userId="30c784d162ed7057" providerId="LiveId" clId="{B1DE7EB4-CBF5-43E7-A477-F69A04DF836B}" dt="2025-03-12T11:53:14.723" v="4831" actId="20577"/>
           <ac:spMkLst>
             <pc:docMk/>
             <pc:sldMk cId="1266864269" sldId="256"/>
@@ -270,13 +270,13 @@
         </pc:picChg>
       </pc:sldChg>
       <pc:sldChg chg="addSp delSp modSp new mod setBg">
-        <pc:chgData name="Jenna Aalto" userId="30c784d162ed7057" providerId="LiveId" clId="{B1DE7EB4-CBF5-43E7-A477-F69A04DF836B}" dt="2025-03-11T18:25:02.751" v="2784" actId="1076"/>
+        <pc:chgData name="Jenna Aalto" userId="30c784d162ed7057" providerId="LiveId" clId="{B1DE7EB4-CBF5-43E7-A477-F69A04DF836B}" dt="2025-03-12T11:19:26.175" v="4601" actId="20577"/>
         <pc:sldMkLst>
           <pc:docMk/>
           <pc:sldMk cId="1847543742" sldId="259"/>
         </pc:sldMkLst>
         <pc:spChg chg="mod">
-          <ac:chgData name="Jenna Aalto" userId="30c784d162ed7057" providerId="LiveId" clId="{B1DE7EB4-CBF5-43E7-A477-F69A04DF836B}" dt="2025-03-11T18:25:02.751" v="2784" actId="1076"/>
+          <ac:chgData name="Jenna Aalto" userId="30c784d162ed7057" providerId="LiveId" clId="{B1DE7EB4-CBF5-43E7-A477-F69A04DF836B}" dt="2025-03-12T11:19:26.175" v="4601" actId="20577"/>
           <ac:spMkLst>
             <pc:docMk/>
             <pc:sldMk cId="1847543742" sldId="259"/>
@@ -284,7 +284,7 @@
           </ac:spMkLst>
         </pc:spChg>
         <pc:spChg chg="mod">
-          <ac:chgData name="Jenna Aalto" userId="30c784d162ed7057" providerId="LiveId" clId="{B1DE7EB4-CBF5-43E7-A477-F69A04DF836B}" dt="2025-03-11T18:24:57.949" v="2783" actId="1076"/>
+          <ac:chgData name="Jenna Aalto" userId="30c784d162ed7057" providerId="LiveId" clId="{B1DE7EB4-CBF5-43E7-A477-F69A04DF836B}" dt="2025-03-12T11:18:51.325" v="4596" actId="20577"/>
           <ac:spMkLst>
             <pc:docMk/>
             <pc:sldMk cId="1847543742" sldId="259"/>
@@ -823,8 +823,8 @@
           </ac:spMkLst>
         </pc:spChg>
       </pc:sldChg>
-      <pc:sldChg chg="addSp modSp new mod">
-        <pc:chgData name="Jenna Aalto" userId="30c784d162ed7057" providerId="LiveId" clId="{B1DE7EB4-CBF5-43E7-A477-F69A04DF836B}" dt="2025-03-11T18:57:01.314" v="4406" actId="14100"/>
+      <pc:sldChg chg="addSp modSp new del mod">
+        <pc:chgData name="Jenna Aalto" userId="30c784d162ed7057" providerId="LiveId" clId="{B1DE7EB4-CBF5-43E7-A477-F69A04DF836B}" dt="2025-03-12T11:17:50.374" v="4408" actId="2696"/>
         <pc:sldMkLst>
           <pc:docMk/>
           <pc:sldMk cId="799996320" sldId="264"/>
@@ -867,6 +867,61 @@
             <pc:docMk/>
             <pc:sldMk cId="799996320" sldId="264"/>
             <ac:picMk id="7" creationId="{F6808DF5-AC1C-3737-E8EC-63FA25A46572}"/>
+          </ac:picMkLst>
+        </pc:picChg>
+      </pc:sldChg>
+      <pc:sldChg chg="addSp modSp new mod setBg">
+        <pc:chgData name="Jenna Aalto" userId="30c784d162ed7057" providerId="LiveId" clId="{B1DE7EB4-CBF5-43E7-A477-F69A04DF836B}" dt="2025-03-12T11:21:21.325" v="4817" actId="14100"/>
+        <pc:sldMkLst>
+          <pc:docMk/>
+          <pc:sldMk cId="3144204071" sldId="264"/>
+        </pc:sldMkLst>
+        <pc:spChg chg="mod">
+          <ac:chgData name="Jenna Aalto" userId="30c784d162ed7057" providerId="LiveId" clId="{B1DE7EB4-CBF5-43E7-A477-F69A04DF836B}" dt="2025-03-12T11:20:39.133" v="4749" actId="403"/>
+          <ac:spMkLst>
+            <pc:docMk/>
+            <pc:sldMk cId="3144204071" sldId="264"/>
+            <ac:spMk id="2" creationId="{99DF4AED-9061-7697-08C0-3C4F6A65FFA7}"/>
+          </ac:spMkLst>
+        </pc:spChg>
+        <pc:spChg chg="mod">
+          <ac:chgData name="Jenna Aalto" userId="30c784d162ed7057" providerId="LiveId" clId="{B1DE7EB4-CBF5-43E7-A477-F69A04DF836B}" dt="2025-03-12T11:21:21.325" v="4817" actId="14100"/>
+          <ac:spMkLst>
+            <pc:docMk/>
+            <pc:sldMk cId="3144204071" sldId="264"/>
+            <ac:spMk id="3" creationId="{250D950E-7F8C-4BF7-B9FF-CF70A666739A}"/>
+          </ac:spMkLst>
+        </pc:spChg>
+        <pc:spChg chg="add">
+          <ac:chgData name="Jenna Aalto" userId="30c784d162ed7057" providerId="LiveId" clId="{B1DE7EB4-CBF5-43E7-A477-F69A04DF836B}" dt="2025-03-12T11:20:20.334" v="4742" actId="26606"/>
+          <ac:spMkLst>
+            <pc:docMk/>
+            <pc:sldMk cId="3144204071" sldId="264"/>
+            <ac:spMk id="9" creationId="{DC3B8C6B-63CA-4384-8059-2036BE520277}"/>
+          </ac:spMkLst>
+        </pc:spChg>
+        <pc:spChg chg="add">
+          <ac:chgData name="Jenna Aalto" userId="30c784d162ed7057" providerId="LiveId" clId="{B1DE7EB4-CBF5-43E7-A477-F69A04DF836B}" dt="2025-03-12T11:20:20.334" v="4742" actId="26606"/>
+          <ac:spMkLst>
+            <pc:docMk/>
+            <pc:sldMk cId="3144204071" sldId="264"/>
+            <ac:spMk id="11" creationId="{C71B03AA-C0EB-4104-84F8-E1AB8BFBEF60}"/>
+          </ac:spMkLst>
+        </pc:spChg>
+        <pc:picChg chg="add mod ord">
+          <ac:chgData name="Jenna Aalto" userId="30c784d162ed7057" providerId="LiveId" clId="{B1DE7EB4-CBF5-43E7-A477-F69A04DF836B}" dt="2025-03-12T11:20:30.524" v="4744" actId="166"/>
+          <ac:picMkLst>
+            <pc:docMk/>
+            <pc:sldMk cId="3144204071" sldId="264"/>
+            <ac:picMk id="5" creationId="{714F954D-351A-730F-8572-45A16B26174E}"/>
+          </ac:picMkLst>
+        </pc:picChg>
+        <pc:picChg chg="add">
+          <ac:chgData name="Jenna Aalto" userId="30c784d162ed7057" providerId="LiveId" clId="{B1DE7EB4-CBF5-43E7-A477-F69A04DF836B}" dt="2025-03-12T11:20:20.334" v="4742" actId="26606"/>
+          <ac:picMkLst>
+            <pc:docMk/>
+            <pc:sldMk cId="3144204071" sldId="264"/>
+            <ac:picMk id="13" creationId="{09C2B723-6C2F-49DE-A429-50BDFD1ADB45}"/>
           </ac:picMkLst>
         </pc:picChg>
       </pc:sldChg>
@@ -7279,7 +7334,29 @@
                   </a:schemeClr>
                 </a:solidFill>
               </a:rPr>
-              <a:t>Jenna Aalto, Samu Puumala, Joona Jalonen ja Iiro Anttila</a:t>
+              <a:t>Jenna </a:t>
+            </a:r>
+            <a:r>
+              <a:rPr lang="fi-FI" sz="2400">
+                <a:solidFill>
+                  <a:schemeClr val="tx1">
+                    <a:lumMod val="50000"/>
+                    <a:lumOff val="50000"/>
+                  </a:schemeClr>
+                </a:solidFill>
+              </a:rPr>
+              <a:t>Aalto, </a:t>
+            </a:r>
+            <a:r>
+              <a:rPr lang="fi-FI" sz="2400" dirty="0">
+                <a:solidFill>
+                  <a:schemeClr val="tx1">
+                    <a:lumMod val="50000"/>
+                    <a:lumOff val="50000"/>
+                  </a:schemeClr>
+                </a:solidFill>
+              </a:rPr>
+              <a:t>Joona Jalonen ja Iiro Anttila</a:t>
             </a:r>
           </a:p>
         </p:txBody>
@@ -9608,566 +9685,6 @@
           <p:cNvPr id="2" name="Otsikko 1">
             <a:extLst>
               <a:ext uri="{FF2B5EF4-FFF2-40B4-BE49-F238E27FC236}">
-                <a16:creationId xmlns:a16="http://schemas.microsoft.com/office/drawing/2014/main" id="{CBEE997E-3A00-EAF8-EF43-065755103ABC}"/>
-              </a:ext>
-            </a:extLst>
-          </p:cNvPr>
-          <p:cNvSpPr>
-            <a:spLocks noGrp="1"/>
-          </p:cNvSpPr>
-          <p:nvPr>
-            <p:ph type="title"/>
-          </p:nvPr>
-        </p:nvSpPr>
-        <p:spPr>
-          <a:xfrm>
-            <a:off x="913774" y="106160"/>
-            <a:ext cx="10364451" cy="1596177"/>
-          </a:xfrm>
-        </p:spPr>
-        <p:txBody>
-          <a:bodyPr>
-            <a:normAutofit/>
-          </a:bodyPr>
-          <a:lstStyle/>
-          <a:p>
-            <a:r>
-              <a:rPr lang="fi-FI" sz="4000" dirty="0" err="1"/>
-              <a:t>Code</a:t>
-            </a:r>
-            <a:r>
-              <a:rPr lang="fi-FI" sz="4000" dirty="0"/>
-              <a:t> </a:t>
-            </a:r>
-            <a:r>
-              <a:rPr lang="fi-FI" sz="4000" dirty="0" err="1"/>
-              <a:t>itself</a:t>
-            </a:r>
-            <a:endParaRPr lang="fi-FI" sz="4000" dirty="0"/>
-          </a:p>
-        </p:txBody>
-      </p:sp>
-      <p:sp>
-        <p:nvSpPr>
-          <p:cNvPr id="3" name="Sisällön paikkamerkki 2">
-            <a:extLst>
-              <a:ext uri="{FF2B5EF4-FFF2-40B4-BE49-F238E27FC236}">
-                <a16:creationId xmlns:a16="http://schemas.microsoft.com/office/drawing/2014/main" id="{181C9464-FC1D-7532-882E-D547F1B951B3}"/>
-              </a:ext>
-            </a:extLst>
-          </p:cNvPr>
-          <p:cNvSpPr>
-            <a:spLocks noGrp="1"/>
-          </p:cNvSpPr>
-          <p:nvPr>
-            <p:ph sz="quarter" idx="13"/>
-          </p:nvPr>
-        </p:nvSpPr>
-        <p:spPr>
-          <a:xfrm>
-            <a:off x="271424" y="1835697"/>
-            <a:ext cx="2783275" cy="2225234"/>
-          </a:xfrm>
-        </p:spPr>
-        <p:txBody>
-          <a:bodyPr>
-            <a:normAutofit/>
-          </a:bodyPr>
-          <a:lstStyle/>
-          <a:p>
-            <a:pPr>
-              <a:buFontTx/>
-              <a:buChar char="-"/>
-            </a:pPr>
-            <a:r>
-              <a:rPr lang="fi-FI" dirty="0" err="1"/>
-              <a:t>Used</a:t>
-            </a:r>
-            <a:r>
-              <a:rPr lang="fi-FI" dirty="0"/>
-              <a:t> a </a:t>
-            </a:r>
-            <a:r>
-              <a:rPr lang="fi-FI" dirty="0" err="1"/>
-              <a:t>lot</a:t>
-            </a:r>
-            <a:r>
-              <a:rPr lang="fi-FI" dirty="0"/>
-              <a:t> of </a:t>
-            </a:r>
-            <a:r>
-              <a:rPr lang="fi-FI" dirty="0" err="1"/>
-              <a:t>if</a:t>
-            </a:r>
-            <a:r>
-              <a:rPr lang="fi-FI" dirty="0"/>
-              <a:t> and </a:t>
-            </a:r>
-            <a:r>
-              <a:rPr lang="fi-FI" dirty="0" err="1"/>
-              <a:t>else</a:t>
-            </a:r>
-            <a:r>
-              <a:rPr lang="fi-FI" dirty="0"/>
-              <a:t> </a:t>
-            </a:r>
-            <a:r>
-              <a:rPr lang="fi-FI" dirty="0" err="1"/>
-              <a:t>if</a:t>
-            </a:r>
-            <a:endParaRPr lang="fi-FI" dirty="0"/>
-          </a:p>
-          <a:p>
-            <a:pPr>
-              <a:buFontTx/>
-              <a:buChar char="-"/>
-            </a:pPr>
-            <a:r>
-              <a:rPr lang="fi-FI" dirty="0"/>
-              <a:t>Lot of </a:t>
-            </a:r>
-            <a:r>
-              <a:rPr lang="fi-FI" dirty="0" err="1"/>
-              <a:t>typing</a:t>
-            </a:r>
-            <a:r>
-              <a:rPr lang="fi-FI" dirty="0"/>
-              <a:t> </a:t>
-            </a:r>
-            <a:r>
-              <a:rPr lang="fi-FI" dirty="0" err="1"/>
-              <a:t>because</a:t>
-            </a:r>
-            <a:r>
-              <a:rPr lang="fi-FI" dirty="0"/>
-              <a:t> of </a:t>
-            </a:r>
-            <a:r>
-              <a:rPr lang="fi-FI" dirty="0" err="1"/>
-              <a:t>the</a:t>
-            </a:r>
-            <a:r>
-              <a:rPr lang="fi-FI" dirty="0"/>
-              <a:t> </a:t>
-            </a:r>
-            <a:r>
-              <a:rPr lang="fi-FI" dirty="0" err="1"/>
-              <a:t>activities</a:t>
-            </a:r>
-            <a:endParaRPr lang="fi-FI" dirty="0"/>
-          </a:p>
-        </p:txBody>
-      </p:sp>
-      <p:pic>
-        <p:nvPicPr>
-          <p:cNvPr id="5" name="Kuva 4">
-            <a:extLst>
-              <a:ext uri="{FF2B5EF4-FFF2-40B4-BE49-F238E27FC236}">
-                <a16:creationId xmlns:a16="http://schemas.microsoft.com/office/drawing/2014/main" id="{46957C8B-CDD1-7141-4A45-4FB856B4610F}"/>
-              </a:ext>
-            </a:extLst>
-          </p:cNvPr>
-          <p:cNvPicPr>
-            <a:picLocks noChangeAspect="1"/>
-          </p:cNvPicPr>
-          <p:nvPr/>
-        </p:nvPicPr>
-        <p:blipFill>
-          <a:blip r:embed="rId2"/>
-          <a:stretch>
-            <a:fillRect/>
-          </a:stretch>
-        </p:blipFill>
-        <p:spPr>
-          <a:xfrm>
-            <a:off x="3301609" y="1568975"/>
-            <a:ext cx="8618967" cy="2491956"/>
-          </a:xfrm>
-          <a:prstGeom prst="rect">
-            <a:avLst/>
-          </a:prstGeom>
-        </p:spPr>
-      </p:pic>
-      <p:pic>
-        <p:nvPicPr>
-          <p:cNvPr id="7" name="Kuva 6">
-            <a:extLst>
-              <a:ext uri="{FF2B5EF4-FFF2-40B4-BE49-F238E27FC236}">
-                <a16:creationId xmlns:a16="http://schemas.microsoft.com/office/drawing/2014/main" id="{F6808DF5-AC1C-3737-E8EC-63FA25A46572}"/>
-              </a:ext>
-            </a:extLst>
-          </p:cNvPr>
-          <p:cNvPicPr>
-            <a:picLocks noChangeAspect="1"/>
-          </p:cNvPicPr>
-          <p:nvPr/>
-        </p:nvPicPr>
-        <p:blipFill>
-          <a:blip r:embed="rId3"/>
-          <a:stretch>
-            <a:fillRect/>
-          </a:stretch>
-        </p:blipFill>
-        <p:spPr>
-          <a:xfrm>
-            <a:off x="465574" y="4283462"/>
-            <a:ext cx="6287045" cy="2225233"/>
-          </a:xfrm>
-          <a:prstGeom prst="rect">
-            <a:avLst/>
-          </a:prstGeom>
-        </p:spPr>
-      </p:pic>
-      <p:sp>
-        <p:nvSpPr>
-          <p:cNvPr id="8" name="Sisällön paikkamerkki 2">
-            <a:extLst>
-              <a:ext uri="{FF2B5EF4-FFF2-40B4-BE49-F238E27FC236}">
-                <a16:creationId xmlns:a16="http://schemas.microsoft.com/office/drawing/2014/main" id="{EB370A43-C95D-BFB6-8E85-D72C2358F539}"/>
-              </a:ext>
-            </a:extLst>
-          </p:cNvPr>
-          <p:cNvSpPr txBox="1">
-            <a:spLocks/>
-          </p:cNvSpPr>
-          <p:nvPr/>
-        </p:nvSpPr>
-        <p:spPr>
-          <a:xfrm>
-            <a:off x="6955253" y="4283462"/>
-            <a:ext cx="4106037" cy="2372977"/>
-          </a:xfrm>
-          <a:prstGeom prst="rect">
-            <a:avLst/>
-          </a:prstGeom>
-        </p:spPr>
-        <p:txBody>
-          <a:bodyPr vert="horz" lIns="91440" tIns="45720" rIns="91440" bIns="45720" rtlCol="0">
-            <a:normAutofit/>
-          </a:bodyPr>
-          <a:lstStyle>
-            <a:lvl1pPr marL="228600" indent="-228600" algn="l" defTabSz="914400" rtl="0" eaLnBrk="1" latinLnBrk="0" hangingPunct="1">
-              <a:lnSpc>
-                <a:spcPct val="120000"/>
-              </a:lnSpc>
-              <a:spcBef>
-                <a:spcPts val="1000"/>
-              </a:spcBef>
-              <a:buClr>
-                <a:schemeClr val="tx1"/>
-              </a:buClr>
-              <a:buFont typeface="Arial" panose="020B0604020202020204" pitchFamily="34" charset="0"/>
-              <a:buChar char="•"/>
-              <a:defRPr sz="2000" kern="1200" cap="all" baseline="0">
-                <a:solidFill>
-                  <a:schemeClr val="tx1"/>
-                </a:solidFill>
-                <a:effectLst/>
-                <a:latin typeface="+mn-lt"/>
-                <a:ea typeface="+mn-ea"/>
-                <a:cs typeface="+mn-cs"/>
-              </a:defRPr>
-            </a:lvl1pPr>
-            <a:lvl2pPr marL="685800" indent="-228600" algn="l" defTabSz="914400" rtl="0" eaLnBrk="1" latinLnBrk="0" hangingPunct="1">
-              <a:lnSpc>
-                <a:spcPct val="120000"/>
-              </a:lnSpc>
-              <a:spcBef>
-                <a:spcPts val="500"/>
-              </a:spcBef>
-              <a:buClr>
-                <a:schemeClr val="tx1"/>
-              </a:buClr>
-              <a:buFont typeface="Arial" panose="020B0604020202020204" pitchFamily="34" charset="0"/>
-              <a:buChar char="•"/>
-              <a:defRPr sz="1800" kern="1200" cap="all" baseline="0">
-                <a:solidFill>
-                  <a:schemeClr val="tx1"/>
-                </a:solidFill>
-                <a:effectLst/>
-                <a:latin typeface="+mn-lt"/>
-                <a:ea typeface="+mn-ea"/>
-                <a:cs typeface="+mn-cs"/>
-              </a:defRPr>
-            </a:lvl2pPr>
-            <a:lvl3pPr marL="1143000" indent="-228600" algn="l" defTabSz="914400" rtl="0" eaLnBrk="1" latinLnBrk="0" hangingPunct="1">
-              <a:lnSpc>
-                <a:spcPct val="120000"/>
-              </a:lnSpc>
-              <a:spcBef>
-                <a:spcPts val="500"/>
-              </a:spcBef>
-              <a:buClr>
-                <a:schemeClr val="tx1"/>
-              </a:buClr>
-              <a:buFont typeface="Arial" panose="020B0604020202020204" pitchFamily="34" charset="0"/>
-              <a:buChar char="•"/>
-              <a:defRPr sz="1600" kern="1200" cap="all" baseline="0">
-                <a:solidFill>
-                  <a:schemeClr val="tx1"/>
-                </a:solidFill>
-                <a:effectLst/>
-                <a:latin typeface="+mn-lt"/>
-                <a:ea typeface="+mn-ea"/>
-                <a:cs typeface="+mn-cs"/>
-              </a:defRPr>
-            </a:lvl3pPr>
-            <a:lvl4pPr marL="1600200" indent="-228600" algn="l" defTabSz="914400" rtl="0" eaLnBrk="1" latinLnBrk="0" hangingPunct="1">
-              <a:lnSpc>
-                <a:spcPct val="120000"/>
-              </a:lnSpc>
-              <a:spcBef>
-                <a:spcPts val="500"/>
-              </a:spcBef>
-              <a:buClr>
-                <a:schemeClr val="tx1"/>
-              </a:buClr>
-              <a:buFont typeface="Arial" panose="020B0604020202020204" pitchFamily="34" charset="0"/>
-              <a:buChar char="•"/>
-              <a:defRPr sz="1400" kern="1200" cap="all" baseline="0">
-                <a:solidFill>
-                  <a:schemeClr val="tx1"/>
-                </a:solidFill>
-                <a:effectLst/>
-                <a:latin typeface="+mn-lt"/>
-                <a:ea typeface="+mn-ea"/>
-                <a:cs typeface="+mn-cs"/>
-              </a:defRPr>
-            </a:lvl4pPr>
-            <a:lvl5pPr marL="2057400" indent="-228600" algn="l" defTabSz="914400" rtl="0" eaLnBrk="1" latinLnBrk="0" hangingPunct="1">
-              <a:lnSpc>
-                <a:spcPct val="120000"/>
-              </a:lnSpc>
-              <a:spcBef>
-                <a:spcPts val="500"/>
-              </a:spcBef>
-              <a:buClr>
-                <a:schemeClr val="tx1"/>
-              </a:buClr>
-              <a:buFont typeface="Arial" panose="020B0604020202020204" pitchFamily="34" charset="0"/>
-              <a:buChar char="•"/>
-              <a:defRPr sz="1400" kern="1200" cap="all" baseline="0">
-                <a:solidFill>
-                  <a:schemeClr val="tx1"/>
-                </a:solidFill>
-                <a:effectLst/>
-                <a:latin typeface="+mn-lt"/>
-                <a:ea typeface="+mn-ea"/>
-                <a:cs typeface="+mn-cs"/>
-              </a:defRPr>
-            </a:lvl5pPr>
-            <a:lvl6pPr marL="2514600" indent="-228600" algn="l" defTabSz="914400" rtl="0" eaLnBrk="1" latinLnBrk="0" hangingPunct="1">
-              <a:lnSpc>
-                <a:spcPct val="120000"/>
-              </a:lnSpc>
-              <a:spcBef>
-                <a:spcPts val="500"/>
-              </a:spcBef>
-              <a:buClr>
-                <a:schemeClr val="tx1"/>
-              </a:buClr>
-              <a:buFont typeface="Arial" panose="020B0604020202020204" pitchFamily="34" charset="0"/>
-              <a:buChar char="•"/>
-              <a:defRPr sz="1400" kern="1200" cap="all" baseline="0">
-                <a:solidFill>
-                  <a:schemeClr val="tx1"/>
-                </a:solidFill>
-                <a:effectLst/>
-                <a:latin typeface="+mn-lt"/>
-                <a:ea typeface="+mn-ea"/>
-                <a:cs typeface="+mn-cs"/>
-              </a:defRPr>
-            </a:lvl6pPr>
-            <a:lvl7pPr marL="2971800" indent="-228600" algn="l" defTabSz="914400" rtl="0" eaLnBrk="1" latinLnBrk="0" hangingPunct="1">
-              <a:lnSpc>
-                <a:spcPct val="120000"/>
-              </a:lnSpc>
-              <a:spcBef>
-                <a:spcPts val="500"/>
-              </a:spcBef>
-              <a:buClr>
-                <a:schemeClr val="tx1"/>
-              </a:buClr>
-              <a:buFont typeface="Arial" panose="020B0604020202020204" pitchFamily="34" charset="0"/>
-              <a:buChar char="•"/>
-              <a:defRPr sz="1400" kern="1200" cap="all" baseline="0">
-                <a:solidFill>
-                  <a:schemeClr val="tx1"/>
-                </a:solidFill>
-                <a:effectLst/>
-                <a:latin typeface="+mn-lt"/>
-                <a:ea typeface="+mn-ea"/>
-                <a:cs typeface="+mn-cs"/>
-              </a:defRPr>
-            </a:lvl7pPr>
-            <a:lvl8pPr marL="3429000" indent="-228600" algn="l" defTabSz="914400" rtl="0" eaLnBrk="1" latinLnBrk="0" hangingPunct="1">
-              <a:lnSpc>
-                <a:spcPct val="120000"/>
-              </a:lnSpc>
-              <a:spcBef>
-                <a:spcPts val="500"/>
-              </a:spcBef>
-              <a:buClr>
-                <a:schemeClr val="tx1"/>
-              </a:buClr>
-              <a:buFont typeface="Arial" panose="020B0604020202020204" pitchFamily="34" charset="0"/>
-              <a:buChar char="•"/>
-              <a:defRPr sz="1400" kern="1200" cap="all" baseline="0">
-                <a:solidFill>
-                  <a:schemeClr val="tx1"/>
-                </a:solidFill>
-                <a:effectLst/>
-                <a:latin typeface="+mn-lt"/>
-                <a:ea typeface="+mn-ea"/>
-                <a:cs typeface="+mn-cs"/>
-              </a:defRPr>
-            </a:lvl8pPr>
-            <a:lvl9pPr marL="3886200" indent="-228600" algn="l" defTabSz="914400" rtl="0" eaLnBrk="1" latinLnBrk="0" hangingPunct="1">
-              <a:lnSpc>
-                <a:spcPct val="120000"/>
-              </a:lnSpc>
-              <a:spcBef>
-                <a:spcPts val="500"/>
-              </a:spcBef>
-              <a:buClr>
-                <a:schemeClr val="tx1"/>
-              </a:buClr>
-              <a:buFont typeface="Arial" panose="020B0604020202020204" pitchFamily="34" charset="0"/>
-              <a:buChar char="•"/>
-              <a:defRPr sz="1400" kern="1200" cap="all" baseline="0">
-                <a:solidFill>
-                  <a:schemeClr val="tx1"/>
-                </a:solidFill>
-                <a:effectLst/>
-                <a:latin typeface="+mn-lt"/>
-                <a:ea typeface="+mn-ea"/>
-                <a:cs typeface="+mn-cs"/>
-              </a:defRPr>
-            </a:lvl9pPr>
-          </a:lstStyle>
-          <a:p>
-            <a:pPr>
-              <a:buFontTx/>
-              <a:buChar char="-"/>
-            </a:pPr>
-            <a:r>
-              <a:rPr lang="fi-FI" dirty="0" err="1"/>
-              <a:t>Activities</a:t>
-            </a:r>
-            <a:r>
-              <a:rPr lang="fi-FI" dirty="0"/>
-              <a:t> </a:t>
-            </a:r>
-            <a:r>
-              <a:rPr lang="fi-FI" dirty="0" err="1"/>
-              <a:t>were</a:t>
-            </a:r>
-            <a:r>
-              <a:rPr lang="fi-FI" dirty="0"/>
-              <a:t> </a:t>
-            </a:r>
-            <a:r>
-              <a:rPr lang="fi-FI" dirty="0" err="1"/>
-              <a:t>categorized</a:t>
-            </a:r>
-            <a:r>
-              <a:rPr lang="fi-FI" dirty="0"/>
-              <a:t> </a:t>
-            </a:r>
-            <a:r>
-              <a:rPr lang="fi-FI" dirty="0" err="1"/>
-              <a:t>by</a:t>
-            </a:r>
-            <a:r>
-              <a:rPr lang="fi-FI" dirty="0"/>
-              <a:t> </a:t>
-            </a:r>
-            <a:r>
-              <a:rPr lang="fi-FI" dirty="0" err="1"/>
-              <a:t>weather</a:t>
-            </a:r>
-            <a:endParaRPr lang="fi-FI" dirty="0"/>
-          </a:p>
-          <a:p>
-            <a:pPr>
-              <a:buFontTx/>
-              <a:buChar char="-"/>
-            </a:pPr>
-            <a:r>
-              <a:rPr lang="fi-FI" dirty="0" err="1"/>
-              <a:t>Also</a:t>
-            </a:r>
-            <a:r>
-              <a:rPr lang="fi-FI" dirty="0"/>
-              <a:t> </a:t>
-            </a:r>
-            <a:r>
-              <a:rPr lang="fi-FI" dirty="0" err="1"/>
-              <a:t>categories</a:t>
-            </a:r>
-            <a:r>
-              <a:rPr lang="fi-FI" dirty="0"/>
-              <a:t> for </a:t>
-            </a:r>
-            <a:r>
-              <a:rPr lang="fi-FI" dirty="0" err="1"/>
-              <a:t>families</a:t>
-            </a:r>
-            <a:r>
-              <a:rPr lang="fi-FI" dirty="0"/>
-              <a:t>, </a:t>
-            </a:r>
-            <a:r>
-              <a:rPr lang="fi-FI" dirty="0" err="1"/>
-              <a:t>couples</a:t>
-            </a:r>
-            <a:r>
-              <a:rPr lang="fi-FI" dirty="0"/>
-              <a:t> and </a:t>
-            </a:r>
-            <a:r>
-              <a:rPr lang="fi-FI" dirty="0" err="1"/>
-              <a:t>friendgroups</a:t>
-            </a:r>
-            <a:endParaRPr lang="fi-FI" dirty="0"/>
-          </a:p>
-        </p:txBody>
-      </p:sp>
-    </p:spTree>
-    <p:extLst>
-      <p:ext uri="{BB962C8B-B14F-4D97-AF65-F5344CB8AC3E}">
-        <p14:creationId xmlns:p14="http://schemas.microsoft.com/office/powerpoint/2010/main" val="799996320"/>
-      </p:ext>
-    </p:extLst>
-  </p:cSld>
-  <p:clrMapOvr>
-    <a:masterClrMapping/>
-  </p:clrMapOvr>
-</p:sld>
-</file>
-
-<file path=ppt/slides/slide6.xml><?xml version="1.0" encoding="utf-8"?>
-<p:sld xmlns:a="http://schemas.openxmlformats.org/drawingml/2006/main" xmlns:r="http://schemas.openxmlformats.org/officeDocument/2006/relationships" xmlns:p="http://schemas.openxmlformats.org/presentationml/2006/main">
-  <p:cSld>
-    <p:spTree>
-      <p:nvGrpSpPr>
-        <p:cNvPr id="1" name=""/>
-        <p:cNvGrpSpPr/>
-        <p:nvPr/>
-      </p:nvGrpSpPr>
-      <p:grpSpPr>
-        <a:xfrm>
-          <a:off x="0" y="0"/>
-          <a:ext cx="0" cy="0"/>
-          <a:chOff x="0" y="0"/>
-          <a:chExt cx="0" cy="0"/>
-        </a:xfrm>
-      </p:grpSpPr>
-      <p:sp>
-        <p:nvSpPr>
-          <p:cNvPr id="2" name="Otsikko 1">
-            <a:extLst>
-              <a:ext uri="{FF2B5EF4-FFF2-40B4-BE49-F238E27FC236}">
                 <a16:creationId xmlns:a16="http://schemas.microsoft.com/office/drawing/2014/main" id="{864B4E2A-E947-F09A-9E79-37178EC1C395}"/>
               </a:ext>
             </a:extLst>
@@ -10212,7 +9729,7 @@
 </p:sld>
 </file>
 
-<file path=ppt/slides/slide7.xml><?xml version="1.0" encoding="utf-8"?>
+<file path=ppt/slides/slide6.xml><?xml version="1.0" encoding="utf-8"?>
 <p:sld xmlns:a="http://schemas.openxmlformats.org/drawingml/2006/main" xmlns:r="http://schemas.openxmlformats.org/officeDocument/2006/relationships" xmlns:p="http://schemas.openxmlformats.org/presentationml/2006/main">
   <p:cSld>
     <p:bg>
@@ -10481,14 +9998,6 @@
               <a:rPr lang="fi-FI" sz="4000" dirty="0" err="1"/>
               <a:t>Reflection</a:t>
             </a:r>
-            <a:r>
-              <a:rPr lang="fi-FI" sz="4000" dirty="0"/>
-              <a:t> and </a:t>
-            </a:r>
-            <a:r>
-              <a:rPr lang="fi-FI" sz="4000" dirty="0" err="1"/>
-              <a:t>conclusion</a:t>
-            </a:r>
             <a:endParaRPr lang="fi-FI" sz="4000" dirty="0"/>
           </a:p>
         </p:txBody>
@@ -10517,7 +10026,7 @@
         </p:spPr>
         <p:txBody>
           <a:bodyPr>
-            <a:normAutofit/>
+            <a:normAutofit lnSpcReduction="10000"/>
           </a:bodyPr>
           <a:lstStyle/>
           <a:p>
@@ -10584,25 +10093,21 @@
               <a:rPr lang="fi-FI" dirty="0" err="1"/>
               <a:t>difficult</a:t>
             </a:r>
+            <a:endParaRPr lang="fi-FI" dirty="0"/>
+          </a:p>
+          <a:p>
+            <a:pPr marL="0" indent="0">
+              <a:buNone/>
+            </a:pPr>
+            <a:endParaRPr lang="fi-FI" dirty="0"/>
+          </a:p>
+          <a:p>
+            <a:pPr marL="0" indent="0">
+              <a:buNone/>
+            </a:pPr>
             <a:r>
               <a:rPr lang="fi-FI" dirty="0"/>
-              <a:t> </a:t>
-            </a:r>
-            <a:r>
-              <a:rPr lang="fi-FI" dirty="0" err="1"/>
-              <a:t>but</a:t>
-            </a:r>
-            <a:r>
-              <a:rPr lang="fi-FI" dirty="0"/>
-              <a:t> </a:t>
-            </a:r>
-            <a:r>
-              <a:rPr lang="fi-FI" dirty="0" err="1"/>
-              <a:t>once</a:t>
-            </a:r>
-            <a:r>
-              <a:rPr lang="fi-FI" dirty="0"/>
-              <a:t> </a:t>
+              <a:t>If </a:t>
             </a:r>
             <a:r>
               <a:rPr lang="fi-FI" dirty="0" err="1"/>
@@ -10614,11 +10119,35 @@
             </a:r>
             <a:r>
               <a:rPr lang="fi-FI" dirty="0" err="1"/>
-              <a:t>figured</a:t>
+              <a:t>were</a:t>
             </a:r>
             <a:r>
               <a:rPr lang="fi-FI" dirty="0"/>
-              <a:t> it out </a:t>
+              <a:t> to </a:t>
+            </a:r>
+            <a:r>
+              <a:rPr lang="fi-FI" dirty="0" err="1"/>
+              <a:t>do</a:t>
+            </a:r>
+            <a:r>
+              <a:rPr lang="fi-FI" dirty="0"/>
+              <a:t> </a:t>
+            </a:r>
+            <a:r>
+              <a:rPr lang="fi-FI" dirty="0" err="1"/>
+              <a:t>something</a:t>
+            </a:r>
+            <a:r>
+              <a:rPr lang="fi-FI" dirty="0"/>
+              <a:t> </a:t>
+            </a:r>
+            <a:r>
+              <a:rPr lang="fi-FI" dirty="0" err="1"/>
+              <a:t>differently</a:t>
+            </a:r>
+            <a:r>
+              <a:rPr lang="fi-FI" dirty="0"/>
+              <a:t>, </a:t>
             </a:r>
             <a:r>
               <a:rPr lang="fi-FI" dirty="0" err="1"/>
@@ -10630,20 +10159,73 @@
             </a:r>
             <a:r>
               <a:rPr lang="fi-FI" dirty="0" err="1"/>
-              <a:t>were</a:t>
+              <a:t>would</a:t>
             </a:r>
             <a:r>
               <a:rPr lang="fi-FI" dirty="0"/>
-              <a:t> set in to </a:t>
+              <a:t> </a:t>
             </a:r>
             <a:r>
               <a:rPr lang="fi-FI" dirty="0" err="1"/>
-              <a:t>complete</a:t>
+              <a:t>have</a:t>
             </a:r>
             <a:r>
               <a:rPr lang="fi-FI" dirty="0"/>
-              <a:t> it</a:t>
-            </a:r>
+              <a:t> </a:t>
+            </a:r>
+            <a:r>
+              <a:rPr lang="fi-FI" dirty="0" err="1"/>
+              <a:t>started</a:t>
+            </a:r>
+            <a:r>
+              <a:rPr lang="fi-FI" dirty="0"/>
+              <a:t> to </a:t>
+            </a:r>
+            <a:r>
+              <a:rPr lang="fi-FI" dirty="0" err="1"/>
+              <a:t>do</a:t>
+            </a:r>
+            <a:r>
+              <a:rPr lang="fi-FI" dirty="0"/>
+              <a:t> THE PROJECT </a:t>
+            </a:r>
+            <a:r>
+              <a:rPr lang="fi-FI" dirty="0" err="1"/>
+              <a:t>sooner</a:t>
+            </a:r>
+            <a:r>
+              <a:rPr lang="fi-FI" dirty="0"/>
+              <a:t> AND </a:t>
+            </a:r>
+            <a:r>
+              <a:rPr lang="fi-FI" dirty="0" err="1"/>
+              <a:t>communicate</a:t>
+            </a:r>
+            <a:r>
+              <a:rPr lang="fi-FI" dirty="0"/>
+              <a:t> </a:t>
+            </a:r>
+            <a:r>
+              <a:rPr lang="fi-FI" dirty="0" err="1"/>
+              <a:t>better</a:t>
+            </a:r>
+            <a:r>
+              <a:rPr lang="fi-FI" dirty="0"/>
+              <a:t> </a:t>
+            </a:r>
+            <a:r>
+              <a:rPr lang="fi-FI" dirty="0" err="1"/>
+              <a:t>more</a:t>
+            </a:r>
+            <a:r>
+              <a:rPr lang="fi-FI" dirty="0"/>
+              <a:t> </a:t>
+            </a:r>
+            <a:r>
+              <a:rPr lang="fi-FI" dirty="0" err="1"/>
+              <a:t>often</a:t>
+            </a:r>
+            <a:endParaRPr lang="fi-FI" dirty="0"/>
           </a:p>
           <a:p>
             <a:pPr marL="0" indent="0">
@@ -10657,11 +10239,11 @@
             </a:pPr>
             <a:r>
               <a:rPr lang="fi-FI" dirty="0"/>
-              <a:t>If </a:t>
+              <a:t>Learning </a:t>
             </a:r>
             <a:r>
               <a:rPr lang="fi-FI" dirty="0" err="1"/>
-              <a:t>we</a:t>
+              <a:t>about</a:t>
             </a:r>
             <a:r>
               <a:rPr lang="fi-FI" dirty="0"/>
@@ -10669,111 +10251,39 @@
             </a:r>
             <a:r>
               <a:rPr lang="fi-FI" dirty="0" err="1"/>
-              <a:t>were</a:t>
+              <a:t>what</a:t>
             </a:r>
             <a:r>
               <a:rPr lang="fi-FI" dirty="0"/>
-              <a:t> to </a:t>
+              <a:t> </a:t>
             </a:r>
             <a:r>
               <a:rPr lang="fi-FI" dirty="0" err="1"/>
-              <a:t>do</a:t>
+              <a:t>kind</a:t>
             </a:r>
             <a:r>
               <a:rPr lang="fi-FI" dirty="0"/>
-              <a:t> </a:t>
+              <a:t> of a </a:t>
             </a:r>
             <a:r>
               <a:rPr lang="fi-FI" dirty="0" err="1"/>
-              <a:t>something</a:t>
+              <a:t>groupmember</a:t>
             </a:r>
             <a:r>
               <a:rPr lang="fi-FI" dirty="0"/>
-              <a:t> </a:t>
+              <a:t> YOU ARE </a:t>
             </a:r>
             <a:r>
               <a:rPr lang="fi-FI" dirty="0" err="1"/>
-              <a:t>differently</a:t>
+              <a:t>was</a:t>
             </a:r>
             <a:r>
               <a:rPr lang="fi-FI" dirty="0"/>
-              <a:t>, </a:t>
+              <a:t> </a:t>
             </a:r>
             <a:r>
               <a:rPr lang="fi-FI" dirty="0" err="1"/>
-              <a:t>we</a:t>
-            </a:r>
-            <a:r>
-              <a:rPr lang="fi-FI" dirty="0"/>
-              <a:t> </a:t>
-            </a:r>
-            <a:r>
-              <a:rPr lang="fi-FI" dirty="0" err="1"/>
-              <a:t>would</a:t>
-            </a:r>
-            <a:r>
-              <a:rPr lang="fi-FI" dirty="0"/>
-              <a:t> </a:t>
-            </a:r>
-            <a:r>
-              <a:rPr lang="fi-FI" dirty="0" err="1"/>
-              <a:t>have</a:t>
-            </a:r>
-            <a:r>
-              <a:rPr lang="fi-FI" dirty="0"/>
-              <a:t> </a:t>
-            </a:r>
-            <a:r>
-              <a:rPr lang="fi-FI" dirty="0" err="1"/>
-              <a:t>started</a:t>
-            </a:r>
-            <a:r>
-              <a:rPr lang="fi-FI" dirty="0"/>
-              <a:t> to </a:t>
-            </a:r>
-            <a:r>
-              <a:rPr lang="fi-FI" dirty="0" err="1"/>
-              <a:t>do</a:t>
-            </a:r>
-            <a:r>
-              <a:rPr lang="fi-FI" dirty="0"/>
-              <a:t> THE PROJECT </a:t>
-            </a:r>
-            <a:r>
-              <a:rPr lang="fi-FI" dirty="0" err="1"/>
-              <a:t>sooner</a:t>
-            </a:r>
-            <a:r>
-              <a:rPr lang="fi-FI" dirty="0"/>
-              <a:t> AND </a:t>
-            </a:r>
-            <a:r>
-              <a:rPr lang="fi-FI" dirty="0" err="1"/>
-              <a:t>communicate</a:t>
-            </a:r>
-            <a:r>
-              <a:rPr lang="fi-FI" dirty="0"/>
-              <a:t> </a:t>
-            </a:r>
-            <a:r>
-              <a:rPr lang="fi-FI" dirty="0" err="1"/>
-              <a:t>better</a:t>
-            </a:r>
-            <a:r>
-              <a:rPr lang="fi-FI" dirty="0"/>
-              <a:t> </a:t>
-            </a:r>
-            <a:r>
-              <a:rPr lang="fi-FI" dirty="0" err="1"/>
-              <a:t>more</a:t>
-            </a:r>
-            <a:r>
-              <a:rPr lang="fi-FI" dirty="0"/>
-              <a:t> </a:t>
-            </a:r>
-            <a:r>
-              <a:rPr lang="fi-FI" dirty="0" err="1"/>
-              <a:t>often</a:t>
+              <a:t>fun</a:t>
             </a:r>
             <a:endParaRPr lang="fi-FI" dirty="0"/>
           </a:p>
@@ -10789,99 +10299,8 @@
             </a:pPr>
             <a:r>
               <a:rPr lang="fi-FI" dirty="0"/>
-              <a:t>Learning </a:t>
-            </a:r>
-            <a:r>
-              <a:rPr lang="fi-FI" dirty="0" err="1"/>
-              <a:t>about</a:t>
-            </a:r>
-            <a:r>
-              <a:rPr lang="fi-FI" dirty="0"/>
-              <a:t> </a:t>
-            </a:r>
-            <a:r>
-              <a:rPr lang="fi-FI" dirty="0" err="1"/>
-              <a:t>what</a:t>
-            </a:r>
-            <a:r>
-              <a:rPr lang="fi-FI" dirty="0"/>
-              <a:t> </a:t>
-            </a:r>
-            <a:r>
-              <a:rPr lang="fi-FI" dirty="0" err="1"/>
-              <a:t>kind</a:t>
-            </a:r>
-            <a:r>
-              <a:rPr lang="fi-FI" dirty="0"/>
-              <a:t> of a </a:t>
-            </a:r>
-            <a:r>
-              <a:rPr lang="fi-FI" dirty="0" err="1"/>
-              <a:t>groupmember</a:t>
-            </a:r>
-            <a:r>
-              <a:rPr lang="fi-FI" dirty="0"/>
-              <a:t> </a:t>
-            </a:r>
-            <a:r>
-              <a:rPr lang="fi-FI" dirty="0" err="1"/>
-              <a:t>was</a:t>
-            </a:r>
-            <a:r>
-              <a:rPr lang="fi-FI" dirty="0"/>
-              <a:t> </a:t>
-            </a:r>
-            <a:r>
-              <a:rPr lang="fi-FI" dirty="0" err="1"/>
-              <a:t>fun</a:t>
-            </a:r>
-            <a:r>
-              <a:rPr lang="fi-FI" dirty="0"/>
-              <a:t> and to </a:t>
-            </a:r>
-            <a:r>
-              <a:rPr lang="fi-FI" dirty="0" err="1"/>
-              <a:t>implement</a:t>
-            </a:r>
-            <a:r>
-              <a:rPr lang="fi-FI" dirty="0"/>
-              <a:t> it to </a:t>
-            </a:r>
-            <a:r>
-              <a:rPr lang="fi-FI" dirty="0" err="1"/>
-              <a:t>the</a:t>
-            </a:r>
-            <a:r>
-              <a:rPr lang="fi-FI" dirty="0"/>
-              <a:t> </a:t>
-            </a:r>
-            <a:r>
-              <a:rPr lang="fi-FI" dirty="0" err="1"/>
-              <a:t>project</a:t>
-            </a:r>
-            <a:r>
-              <a:rPr lang="fi-FI" dirty="0"/>
-              <a:t> </a:t>
-            </a:r>
-            <a:r>
-              <a:rPr lang="fi-FI" dirty="0" err="1"/>
-              <a:t>built</a:t>
-            </a:r>
-            <a:r>
-              <a:rPr lang="fi-FI" dirty="0"/>
-              <a:t> </a:t>
-            </a:r>
-            <a:r>
-              <a:rPr lang="fi-FI" dirty="0" err="1"/>
-              <a:t>confidence</a:t>
-            </a:r>
-            <a:endParaRPr lang="fi-FI" dirty="0"/>
-          </a:p>
-          <a:p>
-            <a:pPr marL="0" indent="0">
-              <a:buNone/>
-            </a:pPr>
-            <a:endParaRPr lang="fi-FI" dirty="0"/>
+              <a:t>WISH THE TASKS WOULD HAVE BEEN DIVIDED BY STRENGHTS, IN THE END EVERYONE DID KINDA EVERYTHING..</a:t>
+            </a:r>
           </a:p>
           <a:p>
             <a:pPr marL="0" indent="0">
@@ -10930,6 +10349,380 @@
     <p:extLst>
       <p:ext uri="{BB962C8B-B14F-4D97-AF65-F5344CB8AC3E}">
         <p14:creationId xmlns:p14="http://schemas.microsoft.com/office/powerpoint/2010/main" val="1847543742"/>
+      </p:ext>
+    </p:extLst>
+  </p:cSld>
+  <p:clrMapOvr>
+    <a:masterClrMapping/>
+  </p:clrMapOvr>
+</p:sld>
+</file>
+
+<file path=ppt/slides/slide7.xml><?xml version="1.0" encoding="utf-8"?>
+<p:sld xmlns:a="http://schemas.openxmlformats.org/drawingml/2006/main" xmlns:r="http://schemas.openxmlformats.org/officeDocument/2006/relationships" xmlns:p="http://schemas.openxmlformats.org/presentationml/2006/main">
+  <p:cSld>
+    <p:bg>
+      <p:bgPr>
+        <a:gradFill rotWithShape="1">
+          <a:gsLst>
+            <a:gs pos="0">
+              <a:schemeClr val="bg1">
+                <a:tint val="90000"/>
+                <a:lumMod val="110000"/>
+              </a:schemeClr>
+            </a:gs>
+            <a:gs pos="100000">
+              <a:schemeClr val="bg1">
+                <a:shade val="64000"/>
+                <a:lumMod val="88000"/>
+              </a:schemeClr>
+            </a:gs>
+          </a:gsLst>
+          <a:lin ang="5400000" scaled="0"/>
+        </a:gradFill>
+        <a:effectLst/>
+      </p:bgPr>
+    </p:bg>
+    <p:spTree>
+      <p:nvGrpSpPr>
+        <p:cNvPr id="1" name=""/>
+        <p:cNvGrpSpPr/>
+        <p:nvPr/>
+      </p:nvGrpSpPr>
+      <p:grpSpPr>
+        <a:xfrm>
+          <a:off x="0" y="0"/>
+          <a:ext cx="0" cy="0"/>
+          <a:chOff x="0" y="0"/>
+          <a:chExt cx="0" cy="0"/>
+        </a:xfrm>
+      </p:grpSpPr>
+      <p:sp useBgFill="1">
+        <p:nvSpPr>
+          <p:cNvPr id="9" name="Rectangle 8">
+            <a:extLst>
+              <a:ext uri="{FF2B5EF4-FFF2-40B4-BE49-F238E27FC236}">
+                <a16:creationId xmlns:a16="http://schemas.microsoft.com/office/drawing/2014/main" id="{DC3B8C6B-63CA-4384-8059-2036BE520277}"/>
+              </a:ext>
+              <a:ext uri="{C183D7F6-B498-43B3-948B-1728B52AA6E4}">
+                <adec:decorative xmlns:adec="http://schemas.microsoft.com/office/drawing/2017/decorative" val="1"/>
+              </a:ext>
+            </a:extLst>
+          </p:cNvPr>
+          <p:cNvSpPr>
+            <a:spLocks noGrp="1" noRot="1" noChangeAspect="1" noMove="1" noResize="1" noEditPoints="1" noAdjustHandles="1" noChangeArrowheads="1" noChangeShapeType="1" noTextEdit="1"/>
+          </p:cNvSpPr>
+          <p:nvPr>
+            <p:extLst>
+              <p:ext uri="{386F3935-93C4-4BCD-93E2-E3B085C9AB24}">
+                <p16:designElem xmlns:p16="http://schemas.microsoft.com/office/powerpoint/2015/main" val="1"/>
+              </p:ext>
+            </p:extLst>
+          </p:nvPr>
+        </p:nvSpPr>
+        <p:spPr>
+          <a:xfrm>
+            <a:off x="0" y="0"/>
+            <a:ext cx="12192000" cy="6858000"/>
+          </a:xfrm>
+          <a:prstGeom prst="rect">
+            <a:avLst/>
+          </a:prstGeom>
+          <a:ln>
+            <a:noFill/>
+          </a:ln>
+        </p:spPr>
+        <p:style>
+          <a:lnRef idx="2">
+            <a:schemeClr val="accent1">
+              <a:shade val="50000"/>
+            </a:schemeClr>
+          </a:lnRef>
+          <a:fillRef idx="1">
+            <a:schemeClr val="accent1"/>
+          </a:fillRef>
+          <a:effectRef idx="0">
+            <a:schemeClr val="accent1"/>
+          </a:effectRef>
+          <a:fontRef idx="minor">
+            <a:schemeClr val="lt1"/>
+          </a:fontRef>
+        </p:style>
+        <p:txBody>
+          <a:bodyPr rtlCol="0" anchor="ctr"/>
+          <a:lstStyle/>
+          <a:p>
+            <a:pPr algn="ctr"/>
+            <a:endParaRPr lang="en-US"/>
+          </a:p>
+        </p:txBody>
+      </p:sp>
+      <p:sp>
+        <p:nvSpPr>
+          <p:cNvPr id="11" name="Rectangle 10">
+            <a:extLst>
+              <a:ext uri="{FF2B5EF4-FFF2-40B4-BE49-F238E27FC236}">
+                <a16:creationId xmlns:a16="http://schemas.microsoft.com/office/drawing/2014/main" id="{C71B03AA-C0EB-4104-84F8-E1AB8BFBEF60}"/>
+              </a:ext>
+              <a:ext uri="{C183D7F6-B498-43B3-948B-1728B52AA6E4}">
+                <adec:decorative xmlns:adec="http://schemas.microsoft.com/office/drawing/2017/decorative" val="1"/>
+              </a:ext>
+            </a:extLst>
+          </p:cNvPr>
+          <p:cNvSpPr>
+            <a:spLocks noGrp="1" noRot="1" noChangeAspect="1" noMove="1" noResize="1" noEditPoints="1" noAdjustHandles="1" noChangeArrowheads="1" noChangeShapeType="1" noTextEdit="1"/>
+          </p:cNvSpPr>
+          <p:nvPr>
+            <p:extLst>
+              <p:ext uri="{386F3935-93C4-4BCD-93E2-E3B085C9AB24}">
+                <p16:designElem xmlns:p16="http://schemas.microsoft.com/office/powerpoint/2015/main" val="1"/>
+              </p:ext>
+            </p:extLst>
+          </p:nvPr>
+        </p:nvSpPr>
+        <p:spPr>
+          <a:xfrm>
+            <a:off x="4024761" y="-2"/>
+            <a:ext cx="81313" cy="6858002"/>
+          </a:xfrm>
+          <a:prstGeom prst="rect">
+            <a:avLst/>
+          </a:prstGeom>
+          <a:gradFill flip="none" rotWithShape="1">
+            <a:gsLst>
+              <a:gs pos="84000">
+                <a:srgbClr val="B5B5B5"/>
+              </a:gs>
+              <a:gs pos="60159">
+                <a:srgbClr val="D5D5D5"/>
+              </a:gs>
+              <a:gs pos="50447">
+                <a:srgbClr val="E6E6E6"/>
+              </a:gs>
+              <a:gs pos="44260">
+                <a:srgbClr val="D5D5D5"/>
+              </a:gs>
+              <a:gs pos="15928">
+                <a:srgbClr val="B5B5B5"/>
+              </a:gs>
+              <a:gs pos="7000">
+                <a:srgbClr val="8A8A8A"/>
+              </a:gs>
+              <a:gs pos="0">
+                <a:srgbClr val="BBBBBB"/>
+              </a:gs>
+              <a:gs pos="93000">
+                <a:srgbClr val="8A8A8A"/>
+              </a:gs>
+              <a:gs pos="100000">
+                <a:srgbClr val="BBBBBB"/>
+              </a:gs>
+            </a:gsLst>
+            <a:lin ang="0" scaled="1"/>
+            <a:tileRect/>
+          </a:gradFill>
+          <a:ln>
+            <a:noFill/>
+          </a:ln>
+        </p:spPr>
+        <p:style>
+          <a:lnRef idx="2">
+            <a:schemeClr val="accent1">
+              <a:shade val="50000"/>
+            </a:schemeClr>
+          </a:lnRef>
+          <a:fillRef idx="1">
+            <a:schemeClr val="accent1"/>
+          </a:fillRef>
+          <a:effectRef idx="0">
+            <a:schemeClr val="accent1"/>
+          </a:effectRef>
+          <a:fontRef idx="minor">
+            <a:schemeClr val="lt1"/>
+          </a:fontRef>
+        </p:style>
+        <p:txBody>
+          <a:bodyPr rtlCol="0" anchor="ctr"/>
+          <a:lstStyle/>
+          <a:p>
+            <a:pPr algn="ctr"/>
+            <a:endParaRPr lang="en-US"/>
+          </a:p>
+        </p:txBody>
+      </p:sp>
+      <p:pic>
+        <p:nvPicPr>
+          <p:cNvPr id="13" name="Picture 12">
+            <a:extLst>
+              <a:ext uri="{FF2B5EF4-FFF2-40B4-BE49-F238E27FC236}">
+                <a16:creationId xmlns:a16="http://schemas.microsoft.com/office/drawing/2014/main" id="{09C2B723-6C2F-49DE-A429-50BDFD1ADB45}"/>
+              </a:ext>
+              <a:ext uri="{C183D7F6-B498-43B3-948B-1728B52AA6E4}">
+                <adec:decorative xmlns:adec="http://schemas.microsoft.com/office/drawing/2017/decorative" val="1"/>
+              </a:ext>
+            </a:extLst>
+          </p:cNvPr>
+          <p:cNvPicPr>
+            <a:picLocks noGrp="1" noRot="1" noChangeAspect="1" noMove="1" noResize="1" noEditPoints="1" noAdjustHandles="1" noChangeArrowheads="1" noChangeShapeType="1" noCrop="1"/>
+          </p:cNvPicPr>
+          <p:nvPr>
+            <p:extLst>
+              <p:ext uri="{386F3935-93C4-4BCD-93E2-E3B085C9AB24}">
+                <p16:designElem xmlns:p16="http://schemas.microsoft.com/office/powerpoint/2015/main" val="1"/>
+              </p:ext>
+            </p:extLst>
+          </p:nvPr>
+        </p:nvPicPr>
+        <p:blipFill>
+          <a:blip r:embed="rId2">
+            <a:extLst>
+              <a:ext uri="{28A0092B-C50C-407E-A947-70E740481C1C}">
+                <a14:useLocalDpi xmlns:a14="http://schemas.microsoft.com/office/drawing/2010/main" val="0"/>
+              </a:ext>
+            </a:extLst>
+          </a:blip>
+          <a:stretch>
+            <a:fillRect/>
+          </a:stretch>
+        </p:blipFill>
+        <p:spPr>
+          <a:xfrm>
+            <a:off x="0" y="0"/>
+            <a:ext cx="12192000" cy="6858000"/>
+          </a:xfrm>
+          <a:prstGeom prst="rect">
+            <a:avLst/>
+          </a:prstGeom>
+        </p:spPr>
+      </p:pic>
+      <p:sp>
+        <p:nvSpPr>
+          <p:cNvPr id="2" name="Otsikko 1">
+            <a:extLst>
+              <a:ext uri="{FF2B5EF4-FFF2-40B4-BE49-F238E27FC236}">
+                <a16:creationId xmlns:a16="http://schemas.microsoft.com/office/drawing/2014/main" id="{99DF4AED-9061-7697-08C0-3C4F6A65FFA7}"/>
+              </a:ext>
+            </a:extLst>
+          </p:cNvPr>
+          <p:cNvSpPr>
+            <a:spLocks noGrp="1"/>
+          </p:cNvSpPr>
+          <p:nvPr>
+            <p:ph type="title"/>
+          </p:nvPr>
+        </p:nvSpPr>
+        <p:spPr>
+          <a:xfrm>
+            <a:off x="4465050" y="618517"/>
+            <a:ext cx="6672886" cy="1596177"/>
+          </a:xfrm>
+        </p:spPr>
+        <p:txBody>
+          <a:bodyPr>
+            <a:normAutofit/>
+          </a:bodyPr>
+          <a:lstStyle/>
+          <a:p>
+            <a:r>
+              <a:rPr lang="fi-FI" sz="6000" dirty="0"/>
+              <a:t>CONCLUSION</a:t>
+            </a:r>
+            <a:endParaRPr lang="fi-FI" dirty="0"/>
+          </a:p>
+        </p:txBody>
+      </p:sp>
+      <p:sp>
+        <p:nvSpPr>
+          <p:cNvPr id="3" name="Sisällön paikkamerkki 2">
+            <a:extLst>
+              <a:ext uri="{FF2B5EF4-FFF2-40B4-BE49-F238E27FC236}">
+                <a16:creationId xmlns:a16="http://schemas.microsoft.com/office/drawing/2014/main" id="{250D950E-7F8C-4BF7-B9FF-CF70A666739A}"/>
+              </a:ext>
+            </a:extLst>
+          </p:cNvPr>
+          <p:cNvSpPr>
+            <a:spLocks noGrp="1"/>
+          </p:cNvSpPr>
+          <p:nvPr>
+            <p:ph idx="1"/>
+          </p:nvPr>
+        </p:nvSpPr>
+        <p:spPr>
+          <a:xfrm>
+            <a:off x="4465048" y="2367092"/>
+            <a:ext cx="7471313" cy="3699411"/>
+          </a:xfrm>
+        </p:spPr>
+        <p:txBody>
+          <a:bodyPr>
+            <a:normAutofit lnSpcReduction="10000"/>
+          </a:bodyPr>
+          <a:lstStyle/>
+          <a:p>
+            <a:pPr>
+              <a:buFontTx/>
+              <a:buChar char="-"/>
+            </a:pPr>
+            <a:r>
+              <a:rPr lang="fi-FI" sz="3200" dirty="0"/>
+              <a:t>REDOING IT IN THE RIGHT WAY COULD MAKE IT PRETTY FUN</a:t>
+            </a:r>
+          </a:p>
+          <a:p>
+            <a:pPr>
+              <a:buFontTx/>
+              <a:buChar char="-"/>
+            </a:pPr>
+            <a:r>
+              <a:rPr lang="fi-FI" sz="3200" dirty="0"/>
+              <a:t>LACK OF COMMUNICATION AFFECTED THE PROJECT A LOT</a:t>
+            </a:r>
+          </a:p>
+          <a:p>
+            <a:pPr>
+              <a:buFontTx/>
+              <a:buChar char="-"/>
+            </a:pPr>
+            <a:r>
+              <a:rPr lang="fi-FI" sz="3200" dirty="0"/>
+              <a:t>TASKS DIDNT SUPPORT EVERYONES STRENGHTS</a:t>
+            </a:r>
+          </a:p>
+        </p:txBody>
+      </p:sp>
+      <p:pic>
+        <p:nvPicPr>
+          <p:cNvPr id="5" name="Picture 4" descr="Multi-värillinen push-kiinnitykset, jotka on yhdistetty mustan johto">
+            <a:extLst>
+              <a:ext uri="{FF2B5EF4-FFF2-40B4-BE49-F238E27FC236}">
+                <a16:creationId xmlns:a16="http://schemas.microsoft.com/office/drawing/2014/main" id="{714F954D-351A-730F-8572-45A16B26174E}"/>
+              </a:ext>
+            </a:extLst>
+          </p:cNvPr>
+          <p:cNvPicPr>
+            <a:picLocks noChangeAspect="1"/>
+          </p:cNvPicPr>
+          <p:nvPr/>
+        </p:nvPicPr>
+        <p:blipFill>
+          <a:blip r:embed="rId3"/>
+          <a:srcRect l="9317" r="51509" b="-1"/>
+          <a:stretch/>
+        </p:blipFill>
+        <p:spPr>
+          <a:xfrm>
+            <a:off x="20" y="10"/>
+            <a:ext cx="4106054" cy="6857990"/>
+          </a:xfrm>
+          <a:prstGeom prst="rect">
+            <a:avLst/>
+          </a:prstGeom>
+        </p:spPr>
+      </p:pic>
+    </p:spTree>
+    <p:extLst>
+      <p:ext uri="{BB962C8B-B14F-4D97-AF65-F5344CB8AC3E}">
+        <p14:creationId xmlns:p14="http://schemas.microsoft.com/office/powerpoint/2010/main" val="3144204071"/>
       </p:ext>
     </p:extLst>
   </p:cSld>
